--- a/04_ComputerVision/01_POC_Hexagon_AI_PID/AI for PDF extraction.pptx
+++ b/04_ComputerVision/01_POC_Hexagon_AI_PID/AI for PDF extraction.pptx
@@ -5,14 +5,14 @@
     <p:sldMasterId id="2147483648" r:id="rId1"/>
   </p:sldMasterIdLst>
   <p:notesMasterIdLst>
-    <p:notesMasterId r:id="rId27"/>
+    <p:notesMasterId r:id="rId28"/>
   </p:notesMasterIdLst>
   <p:sldIdLst>
     <p:sldId id="613" r:id="rId2"/>
     <p:sldId id="614" r:id="rId3"/>
     <p:sldId id="611" r:id="rId4"/>
     <p:sldId id="628" r:id="rId5"/>
-    <p:sldId id="636" r:id="rId6"/>
+    <p:sldId id="648" r:id="rId6"/>
     <p:sldId id="637" r:id="rId7"/>
     <p:sldId id="632" r:id="rId8"/>
     <p:sldId id="635" r:id="rId9"/>
@@ -27,12 +27,13 @@
     <p:sldId id="620" r:id="rId18"/>
     <p:sldId id="638" r:id="rId19"/>
     <p:sldId id="642" r:id="rId20"/>
-    <p:sldId id="623" r:id="rId21"/>
-    <p:sldId id="624" r:id="rId22"/>
-    <p:sldId id="627" r:id="rId23"/>
-    <p:sldId id="644" r:id="rId24"/>
-    <p:sldId id="643" r:id="rId25"/>
+    <p:sldId id="647" r:id="rId21"/>
+    <p:sldId id="623" r:id="rId22"/>
+    <p:sldId id="624" r:id="rId23"/>
+    <p:sldId id="627" r:id="rId24"/>
+    <p:sldId id="644" r:id="rId25"/>
     <p:sldId id="634" r:id="rId26"/>
+    <p:sldId id="643" r:id="rId27"/>
   </p:sldIdLst>
   <p:sldSz cx="12192000" cy="6858000"/>
   <p:notesSz cx="6858000" cy="9144000"/>
@@ -5869,7 +5870,7 @@
           <a:p>
             <a:fld id="{031AD8D9-DAA3-4AA2-805D-5110BEB22CCC}" type="datetimeFigureOut">
               <a:rPr lang="en-IN" smtClean="0"/>
-              <a:t>24-05-2023</a:t>
+              <a:t>05-06-2023</a:t>
             </a:fld>
             <a:endParaRPr lang="en-IN"/>
           </a:p>
@@ -6183,7 +6184,13 @@
           <a:p>
             <a:r>
               <a:rPr lang="en-IN" dirty="0"/>
-              <a:t>In today's business presentation, we will focus on the conversion of Flat Filed PDFs into Smart P&amp;IDs using artificial intelligence (AI). We are all familiar with Smart P&amp;IDs and Flat Filed PDFs, and now we will delve into the exciting topic of leveraging AI technology to transform static PDF documents into dynamic and intelligent Smart P&amp;IDs.</a:t>
+              <a:t>We are all familiar with Smart P&amp;IDs and Flat Filed PDFs.</a:t>
+            </a:r>
+          </a:p>
+          <a:p>
+            <a:r>
+              <a:rPr lang="en-IN" dirty="0"/>
+              <a:t>In today's business presentation,  we will delve into the exciting topic of leveraging AI technology to transform static PDF documents into dynamic and intelligent Smart P&amp;IDs. </a:t>
             </a:r>
           </a:p>
         </p:txBody>
@@ -7368,6 +7375,120 @@
           <a:p>
             <a:r>
               <a:rPr lang="en-IN" dirty="0"/>
+              <a:t>Sure! Let's break it down in simpler terms.</a:t>
+            </a:r>
+          </a:p>
+          <a:p>
+            <a:endParaRPr lang="en-IN" dirty="0"/>
+          </a:p>
+          <a:p>
+            <a:r>
+              <a:rPr lang="en-IN" dirty="0"/>
+              <a:t>The "F1 score" is a way to measure the overall performance of a system or model. It takes into account how well it identifies positive outcomes (like finding something valuable or important).</a:t>
+            </a:r>
+          </a:p>
+          <a:p>
+            <a:endParaRPr lang="en-IN" dirty="0"/>
+          </a:p>
+          <a:p>
+            <a:r>
+              <a:rPr lang="en-IN" dirty="0"/>
+              <a:t>A "True positive" specifically refers to situations when the system correctly identifies something as positive when it actually is positive. It means the system is doing a good job of recognizing what we want it to find.</a:t>
+            </a:r>
+          </a:p>
+          <a:p>
+            <a:endParaRPr lang="en-IN" dirty="0"/>
+          </a:p>
+          <a:p>
+            <a:r>
+              <a:rPr lang="en-IN" dirty="0"/>
+              <a:t>So, the F1 score considers both how well the system identifies positive outcomes and how many true positive results it gets. It helps us understand how effective the system is at finding what we're looking for.</a:t>
+            </a:r>
+          </a:p>
+        </p:txBody>
+      </p:sp>
+      <p:sp>
+        <p:nvSpPr>
+          <p:cNvPr id="4" name="Slide Number Placeholder 3"/>
+          <p:cNvSpPr>
+            <a:spLocks noGrp="1"/>
+          </p:cNvSpPr>
+          <p:nvPr>
+            <p:ph type="sldNum" sz="quarter" idx="5"/>
+          </p:nvPr>
+        </p:nvSpPr>
+        <p:spPr/>
+        <p:txBody>
+          <a:bodyPr/>
+          <a:lstStyle/>
+          <a:p>
+            <a:fld id="{BC91411B-B0A6-4EC4-8626-2607A10238CF}" type="slidenum">
+              <a:rPr lang="en-IN" smtClean="0"/>
+              <a:t>20</a:t>
+            </a:fld>
+            <a:endParaRPr lang="en-IN"/>
+          </a:p>
+        </p:txBody>
+      </p:sp>
+    </p:spTree>
+    <p:extLst>
+      <p:ext uri="{BB962C8B-B14F-4D97-AF65-F5344CB8AC3E}">
+        <p14:creationId xmlns:p14="http://schemas.microsoft.com/office/powerpoint/2010/main" val="3792296097"/>
+      </p:ext>
+    </p:extLst>
+  </p:cSld>
+  <p:clrMapOvr>
+    <a:masterClrMapping/>
+  </p:clrMapOvr>
+</p:notes>
+</file>
+
+<file path=ppt/notesSlides/notesSlide19.xml><?xml version="1.0" encoding="utf-8"?>
+<p:notes xmlns:a="http://schemas.openxmlformats.org/drawingml/2006/main" xmlns:r="http://schemas.openxmlformats.org/officeDocument/2006/relationships" xmlns:p="http://schemas.openxmlformats.org/presentationml/2006/main">
+  <p:cSld>
+    <p:spTree>
+      <p:nvGrpSpPr>
+        <p:cNvPr id="1" name=""/>
+        <p:cNvGrpSpPr/>
+        <p:nvPr/>
+      </p:nvGrpSpPr>
+      <p:grpSpPr>
+        <a:xfrm>
+          <a:off x="0" y="0"/>
+          <a:ext cx="0" cy="0"/>
+          <a:chOff x="0" y="0"/>
+          <a:chExt cx="0" cy="0"/>
+        </a:xfrm>
+      </p:grpSpPr>
+      <p:sp>
+        <p:nvSpPr>
+          <p:cNvPr id="2" name="Slide Image Placeholder 1"/>
+          <p:cNvSpPr>
+            <a:spLocks noGrp="1" noRot="1" noChangeAspect="1"/>
+          </p:cNvSpPr>
+          <p:nvPr>
+            <p:ph type="sldImg"/>
+          </p:nvPr>
+        </p:nvSpPr>
+        <p:spPr/>
+      </p:sp>
+      <p:sp>
+        <p:nvSpPr>
+          <p:cNvPr id="3" name="Notes Placeholder 2"/>
+          <p:cNvSpPr>
+            <a:spLocks noGrp="1"/>
+          </p:cNvSpPr>
+          <p:nvPr>
+            <p:ph type="body" idx="1"/>
+          </p:nvPr>
+        </p:nvSpPr>
+        <p:spPr/>
+        <p:txBody>
+          <a:bodyPr/>
+          <a:lstStyle/>
+          <a:p>
+            <a:r>
+              <a:rPr lang="en-IN" dirty="0"/>
               <a:t>Let us talk configuration. We are hoping all done well, user will be able to upload the symbol legend as PDF drawing. One set of Smart P&amp;ID symbols available and placed in Reference Data. This will be the only configuration needed from user’s perspective. This provision of PDF legend and symbol legend </a:t>
             </a:r>
             <a:r>
@@ -7398,7 +7519,7 @@
           <a:p>
             <a:fld id="{BC91411B-B0A6-4EC4-8626-2607A10238CF}" type="slidenum">
               <a:rPr lang="en-IN" smtClean="0"/>
-              <a:t>21</a:t>
+              <a:t>22</a:t>
             </a:fld>
             <a:endParaRPr lang="en-IN"/>
           </a:p>
@@ -7569,7 +7690,7 @@
             </a:pPr>
             <a:r>
               <a:rPr lang="en-IN" dirty="0"/>
-              <a:t>It’s the need and inevitable trend that companies are moving toward, embracing new technology. When it comes to digitizing Engineering drawings though - there are very few solutions.</a:t>
+              <a:t>More and more companies are embracing new technology. They call it digital transformation. But when it comes to digitizing Engineering drawings though - there are very few solutions.</a:t>
             </a:r>
           </a:p>
           <a:p>
@@ -7776,145 +7897,17 @@
           <a:p>
             <a:r>
               <a:rPr lang="en-IN" dirty="0"/>
-              <a:t>Let’s see visually.</a:t>
+              <a:t>By combining object detection and OCR techniques, you can achieve a comprehensive conversion process for PDFs to Smart P&amp;IDs. Object detection helps in accurately identifying and extracting the symbols, while OCR assists in extracting the associated textual information. This combined approach ensures that both the visual representation of the symbols and the associated text are captured and utilized effectively in generating intelligent P&amp;IDs.</a:t>
             </a:r>
           </a:p>
           <a:p>
-            <a:pPr marL="0" marR="0" lvl="0" indent="0" algn="l" defTabSz="914400" rtl="0" eaLnBrk="1" fontAlgn="auto" latinLnBrk="0" hangingPunct="1">
-              <a:lnSpc>
-                <a:spcPct val="100000"/>
-              </a:lnSpc>
-              <a:spcBef>
-                <a:spcPts val="0"/>
-              </a:spcBef>
-              <a:spcAft>
-                <a:spcPts val="0"/>
-              </a:spcAft>
-              <a:buClrTx/>
-              <a:buSzTx/>
-              <a:buFontTx/>
-              <a:buNone/>
-              <a:tabLst/>
-              <a:defRPr/>
-            </a:pPr>
-            <a:r>
-              <a:rPr lang="en-IN" b="0" i="0" dirty="0">
-                <a:solidFill>
-                  <a:srgbClr val="D1D5DB"/>
-                </a:solidFill>
-                <a:effectLst/>
-                <a:latin typeface="Söhne"/>
-              </a:rPr>
-              <a:t>An AI model is developed to perform the following tasks:</a:t>
-            </a:r>
+            <a:endParaRPr lang="en-IN" dirty="0"/>
           </a:p>
           <a:p>
-            <a:pPr marL="0" marR="0" lvl="0" indent="0" algn="l" defTabSz="914400" rtl="0" eaLnBrk="1" fontAlgn="auto" latinLnBrk="0" hangingPunct="1">
-              <a:lnSpc>
-                <a:spcPct val="100000"/>
-              </a:lnSpc>
-              <a:spcBef>
-                <a:spcPts val="0"/>
-              </a:spcBef>
-              <a:spcAft>
-                <a:spcPts val="0"/>
-              </a:spcAft>
-              <a:buClrTx/>
-              <a:buSzTx/>
-              <a:buFontTx/>
-              <a:buNone/>
-              <a:tabLst/>
-              <a:defRPr/>
-            </a:pPr>
             <a:r>
-              <a:rPr lang="en-IN" b="0" i="0" dirty="0">
-                <a:solidFill>
-                  <a:srgbClr val="D1D5DB"/>
-                </a:solidFill>
-                <a:effectLst/>
-                <a:latin typeface="Söhne"/>
-              </a:rPr>
-              <a:t>1. Take Flat Filed PDFs or Scanned PDFs as input (scope).</a:t>
+              <a:rPr lang="en-IN" dirty="0"/>
+              <a:t>It's important to note that the effectiveness of the conversion process depends on the quality and consistency of the PDFs, the complexity of the symbols, and the accuracy of the object detection and OCR algorithms employed. Customization and fine-tuning of these techniques may be necessary to meet specific requirements and achieve optimal results for converting PDFs to Smart P&amp;IDs.</a:t>
             </a:r>
-          </a:p>
-          <a:p>
-            <a:pPr marL="0" marR="0" lvl="0" indent="0" algn="l" defTabSz="914400" rtl="0" eaLnBrk="1" fontAlgn="auto" latinLnBrk="0" hangingPunct="1">
-              <a:lnSpc>
-                <a:spcPct val="100000"/>
-              </a:lnSpc>
-              <a:spcBef>
-                <a:spcPts val="0"/>
-              </a:spcBef>
-              <a:spcAft>
-                <a:spcPts val="0"/>
-              </a:spcAft>
-              <a:buClrTx/>
-              <a:buSzTx/>
-              <a:buFontTx/>
-              <a:buNone/>
-              <a:tabLst/>
-              <a:defRPr/>
-            </a:pPr>
-            <a:r>
-              <a:rPr lang="en-IN" b="0" i="0" dirty="0">
-                <a:solidFill>
-                  <a:srgbClr val="D1D5DB"/>
-                </a:solidFill>
-                <a:effectLst/>
-                <a:latin typeface="Söhne"/>
-              </a:rPr>
-              <a:t>2. Extract text and images from the input PDFs.</a:t>
-            </a:r>
-          </a:p>
-          <a:p>
-            <a:pPr marL="0" marR="0" lvl="0" indent="0" algn="l" defTabSz="914400" rtl="0" eaLnBrk="1" fontAlgn="auto" latinLnBrk="0" hangingPunct="1">
-              <a:lnSpc>
-                <a:spcPct val="100000"/>
-              </a:lnSpc>
-              <a:spcBef>
-                <a:spcPts val="0"/>
-              </a:spcBef>
-              <a:spcAft>
-                <a:spcPts val="0"/>
-              </a:spcAft>
-              <a:buClrTx/>
-              <a:buSzTx/>
-              <a:buFontTx/>
-              <a:buNone/>
-              <a:tabLst/>
-              <a:defRPr/>
-            </a:pPr>
-            <a:r>
-              <a:rPr lang="en-IN" b="0" i="0" dirty="0">
-                <a:solidFill>
-                  <a:srgbClr val="D1D5DB"/>
-                </a:solidFill>
-                <a:effectLst/>
-                <a:latin typeface="Söhne"/>
-              </a:rPr>
-              <a:t>3. Generate output that includes identifying and </a:t>
-            </a:r>
-            <a:r>
-              <a:rPr lang="en-IN" b="0" i="0" dirty="0" err="1">
-                <a:solidFill>
-                  <a:srgbClr val="D1D5DB"/>
-                </a:solidFill>
-                <a:effectLst/>
-                <a:latin typeface="Söhne"/>
-              </a:rPr>
-              <a:t>labeling</a:t>
-            </a:r>
-            <a:r>
-              <a:rPr lang="en-IN" b="0" i="0" dirty="0">
-                <a:solidFill>
-                  <a:srgbClr val="D1D5DB"/>
-                </a:solidFill>
-                <a:effectLst/>
-                <a:latin typeface="Söhne"/>
-              </a:rPr>
-              <a:t> 'Symbol names' and 'Text' within the PDFs.</a:t>
-            </a:r>
-            <a:endParaRPr lang="en-IN" dirty="0"/>
           </a:p>
         </p:txBody>
       </p:sp>
@@ -7944,7 +7937,7 @@
     </p:spTree>
     <p:extLst>
       <p:ext uri="{BB962C8B-B14F-4D97-AF65-F5344CB8AC3E}">
-        <p14:creationId xmlns:p14="http://schemas.microsoft.com/office/powerpoint/2010/main" val="1275522575"/>
+        <p14:creationId xmlns:p14="http://schemas.microsoft.com/office/powerpoint/2010/main" val="3839169028"/>
       </p:ext>
     </p:extLst>
   </p:cSld>
@@ -8012,7 +8005,7 @@
                 <a:effectLst/>
                 <a:latin typeface="Söhne"/>
               </a:rPr>
-              <a:t>For demo, I have developed these symbol “templates” or references based on domain knowledge, reflecting commonly used elements in Engineering P&amp;IDs.</a:t>
+              <a:t>For demo, I have developed these symbol “templates” or references based on domain knowledge, reflecting commonly used elements in Engineering P&amp;IDs. These are our templates, our symbols, we will tell AI to detect these objects in the input pdfs. That’s object detection</a:t>
             </a:r>
           </a:p>
         </p:txBody>
@@ -8668,7 +8661,7 @@
           <a:p>
             <a:fld id="{E21FD9E8-514A-46FE-A53C-1E530293D170}" type="datetimeFigureOut">
               <a:rPr lang="en-IN" smtClean="0"/>
-              <a:t>24-05-2023</a:t>
+              <a:t>05-06-2023</a:t>
             </a:fld>
             <a:endParaRPr lang="en-IN"/>
           </a:p>
@@ -8868,7 +8861,7 @@
           <a:p>
             <a:fld id="{E21FD9E8-514A-46FE-A53C-1E530293D170}" type="datetimeFigureOut">
               <a:rPr lang="en-IN" smtClean="0"/>
-              <a:t>24-05-2023</a:t>
+              <a:t>05-06-2023</a:t>
             </a:fld>
             <a:endParaRPr lang="en-IN"/>
           </a:p>
@@ -9078,7 +9071,7 @@
           <a:p>
             <a:fld id="{E21FD9E8-514A-46FE-A53C-1E530293D170}" type="datetimeFigureOut">
               <a:rPr lang="en-IN" smtClean="0"/>
-              <a:t>24-05-2023</a:t>
+              <a:t>05-06-2023</a:t>
             </a:fld>
             <a:endParaRPr lang="en-IN"/>
           </a:p>
@@ -10142,7 +10135,7 @@
           <a:p>
             <a:fld id="{E21FD9E8-514A-46FE-A53C-1E530293D170}" type="datetimeFigureOut">
               <a:rPr lang="en-IN" smtClean="0"/>
-              <a:t>24-05-2023</a:t>
+              <a:t>05-06-2023</a:t>
             </a:fld>
             <a:endParaRPr lang="en-IN"/>
           </a:p>
@@ -10418,7 +10411,7 @@
           <a:p>
             <a:fld id="{E21FD9E8-514A-46FE-A53C-1E530293D170}" type="datetimeFigureOut">
               <a:rPr lang="en-IN" smtClean="0"/>
-              <a:t>24-05-2023</a:t>
+              <a:t>05-06-2023</a:t>
             </a:fld>
             <a:endParaRPr lang="en-IN"/>
           </a:p>
@@ -10686,7 +10679,7 @@
           <a:p>
             <a:fld id="{E21FD9E8-514A-46FE-A53C-1E530293D170}" type="datetimeFigureOut">
               <a:rPr lang="en-IN" smtClean="0"/>
-              <a:t>24-05-2023</a:t>
+              <a:t>05-06-2023</a:t>
             </a:fld>
             <a:endParaRPr lang="en-IN"/>
           </a:p>
@@ -11101,7 +11094,7 @@
           <a:p>
             <a:fld id="{E21FD9E8-514A-46FE-A53C-1E530293D170}" type="datetimeFigureOut">
               <a:rPr lang="en-IN" smtClean="0"/>
-              <a:t>24-05-2023</a:t>
+              <a:t>05-06-2023</a:t>
             </a:fld>
             <a:endParaRPr lang="en-IN"/>
           </a:p>
@@ -11243,7 +11236,7 @@
           <a:p>
             <a:fld id="{E21FD9E8-514A-46FE-A53C-1E530293D170}" type="datetimeFigureOut">
               <a:rPr lang="en-IN" smtClean="0"/>
-              <a:t>24-05-2023</a:t>
+              <a:t>05-06-2023</a:t>
             </a:fld>
             <a:endParaRPr lang="en-IN"/>
           </a:p>
@@ -11356,7 +11349,7 @@
           <a:p>
             <a:fld id="{E21FD9E8-514A-46FE-A53C-1E530293D170}" type="datetimeFigureOut">
               <a:rPr lang="en-IN" smtClean="0"/>
-              <a:t>24-05-2023</a:t>
+              <a:t>05-06-2023</a:t>
             </a:fld>
             <a:endParaRPr lang="en-IN"/>
           </a:p>
@@ -11669,7 +11662,7 @@
           <a:p>
             <a:fld id="{E21FD9E8-514A-46FE-A53C-1E530293D170}" type="datetimeFigureOut">
               <a:rPr lang="en-IN" smtClean="0"/>
-              <a:t>24-05-2023</a:t>
+              <a:t>05-06-2023</a:t>
             </a:fld>
             <a:endParaRPr lang="en-IN"/>
           </a:p>
@@ -11958,7 +11951,7 @@
           <a:p>
             <a:fld id="{E21FD9E8-514A-46FE-A53C-1E530293D170}" type="datetimeFigureOut">
               <a:rPr lang="en-IN" smtClean="0"/>
-              <a:t>24-05-2023</a:t>
+              <a:t>05-06-2023</a:t>
             </a:fld>
             <a:endParaRPr lang="en-IN"/>
           </a:p>
@@ -12201,7 +12194,7 @@
           <a:p>
             <a:fld id="{E21FD9E8-514A-46FE-A53C-1E530293D170}" type="datetimeFigureOut">
               <a:rPr lang="en-IN" smtClean="0"/>
-              <a:t>24-05-2023</a:t>
+              <a:t>05-06-2023</a:t>
             </a:fld>
             <a:endParaRPr lang="en-IN"/>
           </a:p>
@@ -12797,7 +12790,7 @@
           <a:p>
             <a:r>
               <a:rPr lang="en-IN" dirty="0"/>
-              <a:t>Text – OCR</a:t>
+              <a:t>Output 4 - Text recognized by OCR</a:t>
             </a:r>
           </a:p>
         </p:txBody>
@@ -12884,7 +12877,7 @@
           <a:p>
             <a:r>
               <a:rPr lang="en-IN" dirty="0"/>
-              <a:t>Output 3 – Text Extraction using OCR.</a:t>
+              <a:t>Output 4 – Text Extraction using OCR.</a:t>
             </a:r>
             <a:br>
               <a:rPr lang="en-IN" dirty="0"/>
@@ -21935,7 +21928,7 @@
             <p:ph sz="quarter" idx="21"/>
             <p:extLst>
               <p:ext uri="{D42A27DB-BD31-4B8C-83A1-F6EECF244321}">
-                <p14:modId xmlns:p14="http://schemas.microsoft.com/office/powerpoint/2010/main" val="820323309"/>
+                <p14:modId xmlns:p14="http://schemas.microsoft.com/office/powerpoint/2010/main" val="4135637425"/>
               </p:ext>
             </p:extLst>
           </p:nvPr>
@@ -22089,7 +22082,7 @@
                     <a:p>
                       <a:pPr algn="ctr" fontAlgn="b"/>
                       <a:r>
-                        <a:rPr lang="en-IN" sz="1600" b="1" i="0" u="none" strike="noStrike" dirty="0">
+                        <a:rPr lang="en-IN" sz="1600" b="1" i="0" u="none" strike="noStrike">
                           <a:solidFill>
                             <a:srgbClr val="000000"/>
                           </a:solidFill>
@@ -22098,6 +22091,13 @@
                         </a:rPr>
                         <a:t>Valve</a:t>
                       </a:r>
+                      <a:endParaRPr lang="en-IN" sz="1600" b="1" i="0" u="none" strike="noStrike" dirty="0">
+                        <a:solidFill>
+                          <a:srgbClr val="000000"/>
+                        </a:solidFill>
+                        <a:effectLst/>
+                        <a:latin typeface="+mj-lt"/>
+                      </a:endParaRPr>
                     </a:p>
                   </a:txBody>
                   <a:tcPr marL="7620" marR="7620" marT="7620" marB="0" anchor="b">
@@ -22128,7 +22128,7 @@
                     <a:p>
                       <a:pPr algn="ctr" fontAlgn="b"/>
                       <a:r>
-                        <a:rPr lang="en-IN" sz="1600" b="1" i="0" u="none" strike="noStrike" dirty="0">
+                        <a:rPr lang="en-IN" sz="1600" b="1" i="0" u="none" strike="noStrike">
                           <a:solidFill>
                             <a:srgbClr val="C65911"/>
                           </a:solidFill>
@@ -22138,7 +22138,7 @@
                         <a:t>Not</a:t>
                       </a:r>
                       <a:r>
-                        <a:rPr lang="en-IN" sz="1600" b="1" i="0" u="none" strike="noStrike" dirty="0">
+                        <a:rPr lang="en-IN" sz="1600" b="1" i="0" u="none" strike="noStrike">
                           <a:solidFill>
                             <a:srgbClr val="000000"/>
                           </a:solidFill>
@@ -22147,6 +22147,13 @@
                         </a:rPr>
                         <a:t> Valve</a:t>
                       </a:r>
+                      <a:endParaRPr lang="en-IN" sz="1600" b="1" i="0" u="none" strike="noStrike" dirty="0">
+                        <a:solidFill>
+                          <a:srgbClr val="000000"/>
+                        </a:solidFill>
+                        <a:effectLst/>
+                        <a:latin typeface="+mj-lt"/>
+                      </a:endParaRPr>
                     </a:p>
                   </a:txBody>
                   <a:tcPr marL="7620" marR="7620" marT="7620" marB="0" anchor="b">
@@ -22184,7 +22191,7 @@
                     <a:p>
                       <a:pPr algn="r" fontAlgn="ctr"/>
                       <a:r>
-                        <a:rPr lang="en-IN" sz="1600" b="1" i="0" u="none" strike="noStrike" dirty="0">
+                        <a:rPr lang="en-IN" sz="1600" b="1" i="0" u="none" strike="noStrike">
                           <a:solidFill>
                             <a:srgbClr val="000000"/>
                           </a:solidFill>
@@ -22193,6 +22200,13 @@
                         </a:rPr>
                         <a:t>Actual Valve</a:t>
                       </a:r>
+                      <a:endParaRPr lang="en-IN" sz="1600" b="1" i="0" u="none" strike="noStrike" dirty="0">
+                        <a:solidFill>
+                          <a:srgbClr val="000000"/>
+                        </a:solidFill>
+                        <a:effectLst/>
+                        <a:latin typeface="+mj-lt"/>
+                      </a:endParaRPr>
                     </a:p>
                   </a:txBody>
                   <a:tcPr marL="7620" marR="7620" marT="7620" marB="0" anchor="ctr">
@@ -22283,7 +22297,7 @@
                     <a:p>
                       <a:pPr algn="ctr" fontAlgn="ctr"/>
                       <a:r>
-                        <a:rPr lang="en-IN" sz="1600" b="0" i="0" u="none" strike="noStrike" dirty="0">
+                        <a:rPr lang="en-IN" sz="1600" b="0" i="0" u="none" strike="noStrike">
                           <a:solidFill>
                             <a:srgbClr val="000000"/>
                           </a:solidFill>
@@ -22292,6 +22306,13 @@
                         </a:rPr>
                         <a:t>FN (20)</a:t>
                       </a:r>
+                      <a:endParaRPr lang="en-IN" sz="1600" b="0" i="0" u="none" strike="noStrike" dirty="0">
+                        <a:solidFill>
+                          <a:srgbClr val="000000"/>
+                        </a:solidFill>
+                        <a:effectLst/>
+                        <a:latin typeface="+mj-lt"/>
+                      </a:endParaRPr>
                     </a:p>
                   </a:txBody>
                   <a:tcPr marL="7620" marR="7620" marT="7620" marB="0" anchor="ctr">
@@ -22469,7 +22490,7 @@
                     <a:p>
                       <a:pPr algn="ctr" fontAlgn="ctr"/>
                       <a:r>
-                        <a:rPr lang="en-IN" sz="1600" b="0" i="0" u="none" strike="noStrike" dirty="0">
+                        <a:rPr lang="en-IN" sz="1600" b="0" i="0" u="none" strike="noStrike">
                           <a:solidFill>
                             <a:srgbClr val="000000"/>
                           </a:solidFill>
@@ -22478,6 +22499,13 @@
                         </a:rPr>
                         <a:t>TN (70)</a:t>
                       </a:r>
+                      <a:endParaRPr lang="en-IN" sz="1600" b="0" i="0" u="none" strike="noStrike" dirty="0">
+                        <a:solidFill>
+                          <a:srgbClr val="000000"/>
+                        </a:solidFill>
+                        <a:effectLst/>
+                        <a:latin typeface="+mj-lt"/>
+                      </a:endParaRPr>
                     </a:p>
                   </a:txBody>
                   <a:tcPr marL="7620" marR="7620" marT="7620" marB="0" anchor="ctr">
@@ -22810,6 +22838,89 @@
 </file>
 
 <file path=ppt/slides/slide20.xml><?xml version="1.0" encoding="utf-8"?>
+<p:sld xmlns:a="http://schemas.openxmlformats.org/drawingml/2006/main" xmlns:r="http://schemas.openxmlformats.org/officeDocument/2006/relationships" xmlns:p="http://schemas.openxmlformats.org/presentationml/2006/main">
+  <p:cSld>
+    <p:spTree>
+      <p:nvGrpSpPr>
+        <p:cNvPr id="1" name=""/>
+        <p:cNvGrpSpPr/>
+        <p:nvPr/>
+      </p:nvGrpSpPr>
+      <p:grpSpPr>
+        <a:xfrm>
+          <a:off x="0" y="0"/>
+          <a:ext cx="0" cy="0"/>
+          <a:chOff x="0" y="0"/>
+          <a:chExt cx="0" cy="0"/>
+        </a:xfrm>
+      </p:grpSpPr>
+      <p:sp>
+        <p:nvSpPr>
+          <p:cNvPr id="2" name="Title 1">
+            <a:extLst>
+              <a:ext uri="{FF2B5EF4-FFF2-40B4-BE49-F238E27FC236}">
+                <a16:creationId xmlns:a16="http://schemas.microsoft.com/office/drawing/2014/main" id="{BBE1AFB3-B0B3-2F74-6475-F50FB720B034}"/>
+              </a:ext>
+            </a:extLst>
+          </p:cNvPr>
+          <p:cNvSpPr>
+            <a:spLocks noGrp="1"/>
+          </p:cNvSpPr>
+          <p:nvPr>
+            <p:ph type="title"/>
+          </p:nvPr>
+        </p:nvSpPr>
+        <p:spPr/>
+        <p:txBody>
+          <a:bodyPr/>
+          <a:lstStyle/>
+          <a:p>
+            <a:r>
+              <a:rPr lang="en-IN" dirty="0"/>
+              <a:t>Goal - Our Model to perform with ~100% accuracy.</a:t>
+            </a:r>
+          </a:p>
+        </p:txBody>
+      </p:sp>
+      <p:sp>
+        <p:nvSpPr>
+          <p:cNvPr id="4" name="Content Placeholder 3">
+            <a:extLst>
+              <a:ext uri="{FF2B5EF4-FFF2-40B4-BE49-F238E27FC236}">
+                <a16:creationId xmlns:a16="http://schemas.microsoft.com/office/drawing/2014/main" id="{7AD5DF45-54A6-C2E1-07CE-8CDD1258723E}"/>
+              </a:ext>
+            </a:extLst>
+          </p:cNvPr>
+          <p:cNvSpPr>
+            <a:spLocks noGrp="1"/>
+          </p:cNvSpPr>
+          <p:nvPr>
+            <p:ph sz="quarter" idx="21"/>
+          </p:nvPr>
+        </p:nvSpPr>
+        <p:spPr/>
+        <p:txBody>
+          <a:bodyPr/>
+          <a:lstStyle/>
+          <a:p>
+            <a:endParaRPr lang="en-IN" dirty="0"/>
+          </a:p>
+        </p:txBody>
+      </p:sp>
+    </p:spTree>
+    <p:extLst>
+      <p:ext uri="{BB962C8B-B14F-4D97-AF65-F5344CB8AC3E}">
+        <p14:creationId xmlns:p14="http://schemas.microsoft.com/office/powerpoint/2010/main" val="3005114058"/>
+      </p:ext>
+    </p:extLst>
+  </p:cSld>
+  <p:clrMapOvr>
+    <a:masterClrMapping/>
+  </p:clrMapOvr>
+</p:sld>
+</file>
+
+<file path=ppt/slides/slide21.xml><?xml version="1.0" encoding="utf-8"?>
 <p:sld xmlns:a="http://schemas.openxmlformats.org/drawingml/2006/main" xmlns:r="http://schemas.openxmlformats.org/officeDocument/2006/relationships" xmlns:p="http://schemas.openxmlformats.org/presentationml/2006/main">
   <p:cSld>
     <p:spTree>
@@ -28059,7 +28170,7 @@
 </p:sld>
 </file>
 
-<file path=ppt/slides/slide21.xml><?xml version="1.0" encoding="utf-8"?>
+<file path=ppt/slides/slide22.xml><?xml version="1.0" encoding="utf-8"?>
 <p:sld xmlns:a="http://schemas.openxmlformats.org/drawingml/2006/main" xmlns:r="http://schemas.openxmlformats.org/officeDocument/2006/relationships" xmlns:p="http://schemas.openxmlformats.org/presentationml/2006/main">
   <p:cSld>
     <p:spTree>
@@ -28099,14 +28210,14 @@
           <a:p>
             <a:r>
               <a:rPr lang="en-IN" dirty="0"/>
-              <a:t>User Homework / configuration:</a:t>
+              <a:t>Future scope 1 - User configuration simplified</a:t>
             </a:r>
             <a:br>
               <a:rPr lang="en-IN" dirty="0"/>
             </a:br>
             <a:r>
               <a:rPr lang="en-IN" sz="1200" dirty="0"/>
-              <a:t>User features scope – User can customize look of the symbols with one click.</a:t>
+              <a:t>User can customize look of the symbols with one click like emojis skin selection</a:t>
             </a:r>
             <a:endParaRPr lang="en-IN" dirty="0"/>
           </a:p>
@@ -28174,7 +28285,7 @@
 </p:sld>
 </file>
 
-<file path=ppt/slides/slide22.xml><?xml version="1.0" encoding="utf-8"?>
+<file path=ppt/slides/slide23.xml><?xml version="1.0" encoding="utf-8"?>
 <p:sld xmlns:a="http://schemas.openxmlformats.org/drawingml/2006/main" xmlns:r="http://schemas.openxmlformats.org/officeDocument/2006/relationships" xmlns:p="http://schemas.openxmlformats.org/presentationml/2006/main">
   <p:cSld>
     <p:spTree>
@@ -28214,7 +28325,7 @@
           <a:p>
             <a:r>
               <a:rPr lang="en-IN" dirty="0"/>
-              <a:t>Scope</a:t>
+              <a:t>Future Scope 2</a:t>
             </a:r>
           </a:p>
         </p:txBody>
@@ -28319,6 +28430,36 @@
           </a:p>
         </p:txBody>
       </p:sp>
+      <p:pic>
+        <p:nvPicPr>
+          <p:cNvPr id="5" name="Picture 4">
+            <a:extLst>
+              <a:ext uri="{FF2B5EF4-FFF2-40B4-BE49-F238E27FC236}">
+                <a16:creationId xmlns:a16="http://schemas.microsoft.com/office/drawing/2014/main" id="{669E26ED-3DC6-1DF1-4D27-A941E06170F2}"/>
+              </a:ext>
+            </a:extLst>
+          </p:cNvPr>
+          <p:cNvPicPr>
+            <a:picLocks noChangeAspect="1"/>
+          </p:cNvPicPr>
+          <p:nvPr/>
+        </p:nvPicPr>
+        <p:blipFill>
+          <a:blip r:embed="rId4"/>
+          <a:stretch>
+            <a:fillRect/>
+          </a:stretch>
+        </p:blipFill>
+        <p:spPr>
+          <a:xfrm>
+            <a:off x="609599" y="3627599"/>
+            <a:ext cx="7018628" cy="2034716"/>
+          </a:xfrm>
+          <a:prstGeom prst="rect">
+            <a:avLst/>
+          </a:prstGeom>
+        </p:spPr>
+      </p:pic>
     </p:spTree>
     <p:extLst>
       <p:ext uri="{BB962C8B-B14F-4D97-AF65-F5344CB8AC3E}">
@@ -28332,7 +28473,7 @@
 </p:sld>
 </file>
 
-<file path=ppt/slides/slide23.xml><?xml version="1.0" encoding="utf-8"?>
+<file path=ppt/slides/slide24.xml><?xml version="1.0" encoding="utf-8"?>
 <p:sld xmlns:a="http://schemas.openxmlformats.org/drawingml/2006/main" xmlns:r="http://schemas.openxmlformats.org/officeDocument/2006/relationships" xmlns:p="http://schemas.openxmlformats.org/presentationml/2006/main">
   <p:cSld>
     <p:spTree>
@@ -28417,89 +28558,6 @@
     <p:extLst>
       <p:ext uri="{BB962C8B-B14F-4D97-AF65-F5344CB8AC3E}">
         <p14:creationId xmlns:p14="http://schemas.microsoft.com/office/powerpoint/2010/main" val="1125358734"/>
-      </p:ext>
-    </p:extLst>
-  </p:cSld>
-  <p:clrMapOvr>
-    <a:masterClrMapping/>
-  </p:clrMapOvr>
-</p:sld>
-</file>
-
-<file path=ppt/slides/slide24.xml><?xml version="1.0" encoding="utf-8"?>
-<p:sld xmlns:a="http://schemas.openxmlformats.org/drawingml/2006/main" xmlns:r="http://schemas.openxmlformats.org/officeDocument/2006/relationships" xmlns:p="http://schemas.openxmlformats.org/presentationml/2006/main">
-  <p:cSld>
-    <p:spTree>
-      <p:nvGrpSpPr>
-        <p:cNvPr id="1" name=""/>
-        <p:cNvGrpSpPr/>
-        <p:nvPr/>
-      </p:nvGrpSpPr>
-      <p:grpSpPr>
-        <a:xfrm>
-          <a:off x="0" y="0"/>
-          <a:ext cx="0" cy="0"/>
-          <a:chOff x="0" y="0"/>
-          <a:chExt cx="0" cy="0"/>
-        </a:xfrm>
-      </p:grpSpPr>
-      <p:sp>
-        <p:nvSpPr>
-          <p:cNvPr id="2" name="Title 1">
-            <a:extLst>
-              <a:ext uri="{FF2B5EF4-FFF2-40B4-BE49-F238E27FC236}">
-                <a16:creationId xmlns:a16="http://schemas.microsoft.com/office/drawing/2014/main" id="{95A32D77-1B66-185A-2CE9-19824D825FB0}"/>
-              </a:ext>
-            </a:extLst>
-          </p:cNvPr>
-          <p:cNvSpPr>
-            <a:spLocks noGrp="1"/>
-          </p:cNvSpPr>
-          <p:nvPr>
-            <p:ph type="title"/>
-          </p:nvPr>
-        </p:nvSpPr>
-        <p:spPr/>
-        <p:txBody>
-          <a:bodyPr/>
-          <a:lstStyle/>
-          <a:p>
-            <a:r>
-              <a:rPr lang="en-IN" dirty="0"/>
-              <a:t>Thankyou!</a:t>
-            </a:r>
-          </a:p>
-        </p:txBody>
-      </p:sp>
-      <p:sp>
-        <p:nvSpPr>
-          <p:cNvPr id="3" name="Content Placeholder 2">
-            <a:extLst>
-              <a:ext uri="{FF2B5EF4-FFF2-40B4-BE49-F238E27FC236}">
-                <a16:creationId xmlns:a16="http://schemas.microsoft.com/office/drawing/2014/main" id="{AE4F8DDA-7086-372C-63DC-BE8ED756ABD9}"/>
-              </a:ext>
-            </a:extLst>
-          </p:cNvPr>
-          <p:cNvSpPr>
-            <a:spLocks noGrp="1"/>
-          </p:cNvSpPr>
-          <p:nvPr>
-            <p:ph sz="quarter" idx="21"/>
-          </p:nvPr>
-        </p:nvSpPr>
-        <p:spPr/>
-        <p:txBody>
-          <a:bodyPr/>
-          <a:lstStyle/>
-          <a:p>
-            <a:endParaRPr lang="en-IN"/>
-          </a:p>
-        </p:txBody>
-      </p:sp>
-    </p:spTree>
-    <p:extLst>
-      <p:ext uri="{BB962C8B-B14F-4D97-AF65-F5344CB8AC3E}">
-        <p14:creationId xmlns:p14="http://schemas.microsoft.com/office/powerpoint/2010/main" val="3540000762"/>
       </p:ext>
     </p:extLst>
   </p:cSld>
@@ -28601,9 +28659,17 @@
                 <a:latin typeface="Lato" panose="020F0502020204030203" pitchFamily="34" charset="0"/>
                 <a:ea typeface="Lato" panose="020F0502020204030203" pitchFamily="34" charset="0"/>
                 <a:cs typeface="Lato" panose="020F0502020204030203" pitchFamily="34" charset="0"/>
+              </a:rPr>
+              <a:t>Adobe, </a:t>
+            </a:r>
+            <a:r>
+              <a:rPr lang="en-IN" dirty="0">
+                <a:latin typeface="Lato" panose="020F0502020204030203" pitchFamily="34" charset="0"/>
+                <a:ea typeface="Lato" panose="020F0502020204030203" pitchFamily="34" charset="0"/>
+                <a:cs typeface="Lato" panose="020F0502020204030203" pitchFamily="34" charset="0"/>
                 <a:hlinkClick r:id="rId2"/>
               </a:rPr>
-              <a:t>https://smallpdf.com/result#r=49cef9ac2e4e587c80aee0dadd4edb06&amp;t=extract</a:t>
+              <a:t>https://smallpdf.com/</a:t>
             </a:r>
             <a:endParaRPr lang="en-IN" dirty="0">
               <a:latin typeface="Lato" panose="020F0502020204030203" pitchFamily="34" charset="0"/>
@@ -28613,6 +28679,7 @@
           </a:p>
           <a:p>
             <a:pPr marL="342900" indent="-342900">
+              <a:buFont typeface="Arial" panose="020B0604020202020204" pitchFamily="34" charset="0"/>
               <a:buAutoNum type="arabicPeriod"/>
             </a:pPr>
             <a:r>
@@ -28621,7 +28688,22 @@
                 <a:ea typeface="Lato" panose="020F0502020204030203" pitchFamily="34" charset="0"/>
                 <a:cs typeface="Lato" panose="020F0502020204030203" pitchFamily="34" charset="0"/>
               </a:rPr>
-              <a:t>Python, OpenCV, OCR.</a:t>
+              <a:t>Python, AI/ML </a:t>
+            </a:r>
+            <a:r>
+              <a:rPr lang="en-IN" dirty="0">
+                <a:latin typeface="Lato" panose="020F0502020204030203" pitchFamily="34" charset="0"/>
+                <a:cs typeface="Lato" panose="020F0502020204030203" pitchFamily="34" charset="0"/>
+              </a:rPr>
+              <a:t>objection detection algorithms,</a:t>
+            </a:r>
+            <a:r>
+              <a:rPr lang="en-IN" dirty="0">
+                <a:latin typeface="Lato" panose="020F0502020204030203" pitchFamily="34" charset="0"/>
+                <a:ea typeface="Lato" panose="020F0502020204030203" pitchFamily="34" charset="0"/>
+                <a:cs typeface="Lato" panose="020F0502020204030203" pitchFamily="34" charset="0"/>
+              </a:rPr>
+              <a:t> OCR.</a:t>
             </a:r>
           </a:p>
           <a:p>
@@ -28669,6 +28751,89 @@
     <p:extLst>
       <p:ext uri="{BB962C8B-B14F-4D97-AF65-F5344CB8AC3E}">
         <p14:creationId xmlns:p14="http://schemas.microsoft.com/office/powerpoint/2010/main" val="439975501"/>
+      </p:ext>
+    </p:extLst>
+  </p:cSld>
+  <p:clrMapOvr>
+    <a:masterClrMapping/>
+  </p:clrMapOvr>
+</p:sld>
+</file>
+
+<file path=ppt/slides/slide26.xml><?xml version="1.0" encoding="utf-8"?>
+<p:sld xmlns:a="http://schemas.openxmlformats.org/drawingml/2006/main" xmlns:r="http://schemas.openxmlformats.org/officeDocument/2006/relationships" xmlns:p="http://schemas.openxmlformats.org/presentationml/2006/main">
+  <p:cSld>
+    <p:spTree>
+      <p:nvGrpSpPr>
+        <p:cNvPr id="1" name=""/>
+        <p:cNvGrpSpPr/>
+        <p:nvPr/>
+      </p:nvGrpSpPr>
+      <p:grpSpPr>
+        <a:xfrm>
+          <a:off x="0" y="0"/>
+          <a:ext cx="0" cy="0"/>
+          <a:chOff x="0" y="0"/>
+          <a:chExt cx="0" cy="0"/>
+        </a:xfrm>
+      </p:grpSpPr>
+      <p:sp>
+        <p:nvSpPr>
+          <p:cNvPr id="2" name="Title 1">
+            <a:extLst>
+              <a:ext uri="{FF2B5EF4-FFF2-40B4-BE49-F238E27FC236}">
+                <a16:creationId xmlns:a16="http://schemas.microsoft.com/office/drawing/2014/main" id="{95A32D77-1B66-185A-2CE9-19824D825FB0}"/>
+              </a:ext>
+            </a:extLst>
+          </p:cNvPr>
+          <p:cNvSpPr>
+            <a:spLocks noGrp="1"/>
+          </p:cNvSpPr>
+          <p:nvPr>
+            <p:ph type="title"/>
+          </p:nvPr>
+        </p:nvSpPr>
+        <p:spPr/>
+        <p:txBody>
+          <a:bodyPr/>
+          <a:lstStyle/>
+          <a:p>
+            <a:r>
+              <a:rPr lang="en-IN" dirty="0"/>
+              <a:t>Thankyou!</a:t>
+            </a:r>
+          </a:p>
+        </p:txBody>
+      </p:sp>
+      <p:sp>
+        <p:nvSpPr>
+          <p:cNvPr id="3" name="Content Placeholder 2">
+            <a:extLst>
+              <a:ext uri="{FF2B5EF4-FFF2-40B4-BE49-F238E27FC236}">
+                <a16:creationId xmlns:a16="http://schemas.microsoft.com/office/drawing/2014/main" id="{AE4F8DDA-7086-372C-63DC-BE8ED756ABD9}"/>
+              </a:ext>
+            </a:extLst>
+          </p:cNvPr>
+          <p:cNvSpPr>
+            <a:spLocks noGrp="1"/>
+          </p:cNvSpPr>
+          <p:nvPr>
+            <p:ph sz="quarter" idx="21"/>
+          </p:nvPr>
+        </p:nvSpPr>
+        <p:spPr/>
+        <p:txBody>
+          <a:bodyPr/>
+          <a:lstStyle/>
+          <a:p>
+            <a:endParaRPr lang="en-IN"/>
+          </a:p>
+        </p:txBody>
+      </p:sp>
+    </p:spTree>
+    <p:extLst>
+      <p:ext uri="{BB962C8B-B14F-4D97-AF65-F5344CB8AC3E}">
+        <p14:creationId xmlns:p14="http://schemas.microsoft.com/office/powerpoint/2010/main" val="3540000762"/>
       </p:ext>
     </p:extLst>
   </p:cSld>
@@ -30493,6 +30658,36 @@
           </a:p>
         </p:txBody>
       </p:sp>
+      <p:pic>
+        <p:nvPicPr>
+          <p:cNvPr id="7" name="Picture 6">
+            <a:extLst>
+              <a:ext uri="{FF2B5EF4-FFF2-40B4-BE49-F238E27FC236}">
+                <a16:creationId xmlns:a16="http://schemas.microsoft.com/office/drawing/2014/main" id="{E3208C39-52F7-385E-90B9-1D2B3F84607B}"/>
+              </a:ext>
+            </a:extLst>
+          </p:cNvPr>
+          <p:cNvPicPr>
+            <a:picLocks noChangeAspect="1"/>
+          </p:cNvPicPr>
+          <p:nvPr/>
+        </p:nvPicPr>
+        <p:blipFill>
+          <a:blip r:embed="rId4"/>
+          <a:stretch>
+            <a:fillRect/>
+          </a:stretch>
+        </p:blipFill>
+        <p:spPr>
+          <a:xfrm>
+            <a:off x="609599" y="2557073"/>
+            <a:ext cx="6957663" cy="3825572"/>
+          </a:xfrm>
+          <a:prstGeom prst="rect">
+            <a:avLst/>
+          </a:prstGeom>
+        </p:spPr>
+      </p:pic>
     </p:spTree>
     <p:extLst>
       <p:ext uri="{BB962C8B-B14F-4D97-AF65-F5344CB8AC3E}">
@@ -30528,7 +30723,7 @@
           <p:cNvPr id="2" name="Title 1">
             <a:extLst>
               <a:ext uri="{FF2B5EF4-FFF2-40B4-BE49-F238E27FC236}">
-                <a16:creationId xmlns:a16="http://schemas.microsoft.com/office/drawing/2014/main" id="{A5D34BAA-E3D1-7FB6-FF89-45DDBC2F105F}"/>
+                <a16:creationId xmlns:a16="http://schemas.microsoft.com/office/drawing/2014/main" id="{95C622DC-CDE0-CFCC-E3F7-E5F77D17590E}"/>
               </a:ext>
             </a:extLst>
           </p:cNvPr>
@@ -30545,17 +30740,9 @@
           <a:lstStyle/>
           <a:p>
             <a:r>
-              <a:rPr lang="en-IN" b="0" dirty="0"/>
-              <a:t>Proposed Solution- </a:t>
+              <a:rPr lang="en-IN" dirty="0"/>
+              <a:t>Model - Overview</a:t>
             </a:r>
-            <a:r>
-              <a:rPr lang="en-US" dirty="0"/>
-              <a:t>AI for Smart P&amp;IDs</a:t>
-            </a:r>
-            <a:br>
-              <a:rPr lang="en-US" dirty="0"/>
-            </a:br>
-            <a:endParaRPr lang="en-IN" dirty="0"/>
           </a:p>
         </p:txBody>
       </p:sp>
@@ -30564,7 +30751,7 @@
           <p:cNvPr id="3" name="Content Placeholder 2">
             <a:extLst>
               <a:ext uri="{FF2B5EF4-FFF2-40B4-BE49-F238E27FC236}">
-                <a16:creationId xmlns:a16="http://schemas.microsoft.com/office/drawing/2014/main" id="{70B94CF8-5D9B-A47B-C7AF-9A30106D9677}"/>
+                <a16:creationId xmlns:a16="http://schemas.microsoft.com/office/drawing/2014/main" id="{8D192297-F164-271D-565C-9EF771A1186D}"/>
               </a:ext>
             </a:extLst>
           </p:cNvPr>
@@ -30575,7 +30762,12 @@
             <p:ph sz="quarter" idx="21"/>
           </p:nvPr>
         </p:nvSpPr>
-        <p:spPr/>
+        <p:spPr>
+          <a:xfrm>
+            <a:off x="609599" y="1321200"/>
+            <a:ext cx="8867775" cy="4215600"/>
+          </a:xfrm>
+        </p:spPr>
         <p:txBody>
           <a:bodyPr>
             <a:normAutofit/>
@@ -30589,13 +30781,153 @@
               <a:rPr lang="en-IN" dirty="0">
                 <a:latin typeface="+mj-lt"/>
               </a:rPr>
-              <a:t>What does it mean?</a:t>
+              <a:t>	</a:t>
             </a:r>
           </a:p>
           <a:p>
             <a:pPr marL="0" indent="0">
               <a:buNone/>
             </a:pPr>
+            <a:r>
+              <a:rPr lang="en-IN" dirty="0">
+                <a:latin typeface="+mj-lt"/>
+              </a:rPr>
+              <a:t>	Train the model on PDFs- </a:t>
+            </a:r>
+            <a:r>
+              <a:rPr lang="en-IN" i="1" dirty="0">
+                <a:solidFill>
+                  <a:srgbClr val="7030A0"/>
+                </a:solidFill>
+                <a:latin typeface="+mj-lt"/>
+              </a:rPr>
+              <a:t>supervised learning</a:t>
+            </a:r>
+          </a:p>
+          <a:p>
+            <a:pPr marL="0" indent="0">
+              <a:buNone/>
+            </a:pPr>
+            <a:r>
+              <a:rPr lang="en-IN" dirty="0">
+                <a:latin typeface="+mj-lt"/>
+              </a:rPr>
+              <a:t>	Identify &amp; Extract </a:t>
+            </a:r>
+            <a:r>
+              <a:rPr lang="en-IN" dirty="0">
+                <a:solidFill>
+                  <a:srgbClr val="00B050"/>
+                </a:solidFill>
+                <a:latin typeface="+mj-lt"/>
+              </a:rPr>
+              <a:t>Symbols, X,Y</a:t>
+            </a:r>
+            <a:r>
+              <a:rPr lang="en-IN" dirty="0">
+                <a:latin typeface="+mj-lt"/>
+              </a:rPr>
+              <a:t> from PDFs – using </a:t>
+            </a:r>
+            <a:r>
+              <a:rPr lang="en-IN" i="1" dirty="0">
+                <a:solidFill>
+                  <a:srgbClr val="7030A0"/>
+                </a:solidFill>
+                <a:latin typeface="+mj-lt"/>
+              </a:rPr>
+              <a:t>objection detection</a:t>
+            </a:r>
+          </a:p>
+          <a:p>
+            <a:pPr marL="0" indent="0">
+              <a:buNone/>
+            </a:pPr>
+            <a:r>
+              <a:rPr lang="en-IN" dirty="0">
+                <a:latin typeface="+mj-lt"/>
+              </a:rPr>
+              <a:t>	</a:t>
+            </a:r>
+          </a:p>
+          <a:p>
+            <a:pPr marL="0" indent="0">
+              <a:buNone/>
+            </a:pPr>
+            <a:r>
+              <a:rPr lang="en-IN" dirty="0">
+                <a:latin typeface="+mj-lt"/>
+              </a:rPr>
+              <a:t>	Match symbol to Ground truth</a:t>
+            </a:r>
+          </a:p>
+          <a:p>
+            <a:pPr marL="0" indent="0">
+              <a:buNone/>
+            </a:pPr>
+            <a:r>
+              <a:rPr lang="en-IN" dirty="0">
+                <a:latin typeface="+mj-lt"/>
+              </a:rPr>
+              <a:t>	i.e. Hexagon symbol legend– using </a:t>
+            </a:r>
+            <a:r>
+              <a:rPr lang="en-IN" i="1" dirty="0">
+                <a:solidFill>
+                  <a:srgbClr val="7030A0"/>
+                </a:solidFill>
+                <a:latin typeface="+mj-lt"/>
+              </a:rPr>
+              <a:t>similarity or classification</a:t>
+            </a:r>
+          </a:p>
+          <a:p>
+            <a:pPr marL="0" indent="0">
+              <a:buNone/>
+            </a:pPr>
+            <a:r>
+              <a:rPr lang="en-IN" dirty="0">
+                <a:latin typeface="+mj-lt"/>
+              </a:rPr>
+              <a:t>	</a:t>
+            </a:r>
+          </a:p>
+          <a:p>
+            <a:pPr marL="0" indent="0">
+              <a:buNone/>
+            </a:pPr>
+            <a:r>
+              <a:rPr lang="en-IN" dirty="0">
+                <a:latin typeface="+mj-lt"/>
+              </a:rPr>
+              <a:t>	Also, Identify &amp; Extract </a:t>
+            </a:r>
+            <a:r>
+              <a:rPr lang="en-IN" dirty="0">
+                <a:solidFill>
+                  <a:srgbClr val="00B050"/>
+                </a:solidFill>
+                <a:latin typeface="+mj-lt"/>
+              </a:rPr>
+              <a:t>Tags</a:t>
+            </a:r>
+            <a:r>
+              <a:rPr lang="en-IN" dirty="0">
+                <a:latin typeface="+mj-lt"/>
+              </a:rPr>
+              <a:t> using – </a:t>
+            </a:r>
+            <a:r>
+              <a:rPr lang="en-IN" i="1" dirty="0">
+                <a:solidFill>
+                  <a:srgbClr val="7030A0"/>
+                </a:solidFill>
+                <a:latin typeface="+mj-lt"/>
+              </a:rPr>
+              <a:t>OCR / text recognition</a:t>
+            </a:r>
+          </a:p>
+          <a:p>
             <a:endParaRPr lang="en-IN" dirty="0">
               <a:latin typeface="+mj-lt"/>
             </a:endParaRPr>
@@ -30608,43 +30940,94 @@
               <a:rPr lang="en-IN" dirty="0">
                 <a:latin typeface="+mj-lt"/>
               </a:rPr>
-              <a:t>An AI model is developed to perform below tasks:</a:t>
+              <a:t>	</a:t>
+            </a:r>
+            <a:r>
+              <a:rPr lang="en-IN" b="1" dirty="0">
+                <a:latin typeface="+mj-lt"/>
+              </a:rPr>
+              <a:t>Integrate with Smart P&amp;ID</a:t>
             </a:r>
           </a:p>
           <a:p>
             <a:pPr marL="0" indent="0">
               <a:buNone/>
             </a:pPr>
-            <a:endParaRPr lang="en-IN" dirty="0">
-              <a:latin typeface="+mj-lt"/>
-            </a:endParaRPr>
+            <a:r>
+              <a:rPr lang="en-IN" b="1" dirty="0">
+                <a:latin typeface="+mj-lt"/>
+              </a:rPr>
+              <a:t>	</a:t>
+            </a:r>
+            <a:r>
+              <a:rPr lang="en-IN" dirty="0">
+                <a:latin typeface="+mj-lt"/>
+              </a:rPr>
+              <a:t>Use above </a:t>
+            </a:r>
+            <a:r>
+              <a:rPr lang="en-IN" dirty="0">
+                <a:solidFill>
+                  <a:srgbClr val="00B050"/>
+                </a:solidFill>
+                <a:latin typeface="+mj-lt"/>
+              </a:rPr>
+              <a:t>Symbols, Location</a:t>
+            </a:r>
+            <a:r>
+              <a:rPr lang="en-IN" dirty="0">
+                <a:latin typeface="+mj-lt"/>
+              </a:rPr>
+              <a:t> &amp; </a:t>
+            </a:r>
+            <a:r>
+              <a:rPr lang="en-IN" dirty="0">
+                <a:solidFill>
+                  <a:srgbClr val="00B050"/>
+                </a:solidFill>
+                <a:latin typeface="+mj-lt"/>
+              </a:rPr>
+              <a:t>Tags</a:t>
+            </a:r>
+            <a:r>
+              <a:rPr lang="en-IN" dirty="0">
+                <a:latin typeface="+mj-lt"/>
+              </a:rPr>
+              <a:t> as input</a:t>
+            </a:r>
           </a:p>
           <a:p>
-            <a:pPr marL="342900" indent="-342900">
-              <a:buAutoNum type="arabicPeriod"/>
+            <a:pPr marL="0" indent="0">
+              <a:buNone/>
             </a:pPr>
             <a:r>
               <a:rPr lang="en-IN" dirty="0">
                 <a:latin typeface="+mj-lt"/>
               </a:rPr>
-              <a:t>Input Flat filed PDFs/ Scanned PDFs (scope) to the model</a:t>
+              <a:t>	Create Smart P&amp;IDs using </a:t>
+            </a:r>
+            <a:r>
+              <a:rPr lang="en-IN" i="1" dirty="0">
+                <a:solidFill>
+                  <a:srgbClr val="0070C0"/>
+                </a:solidFill>
+                <a:latin typeface="+mj-lt"/>
+              </a:rPr>
+              <a:t>Plaice llama automation</a:t>
             </a:r>
           </a:p>
           <a:p>
-            <a:pPr marL="342900" indent="-342900">
-              <a:buAutoNum type="arabicPeriod"/>
+            <a:pPr marL="0" indent="0">
+              <a:buNone/>
             </a:pPr>
             <a:r>
               <a:rPr lang="en-IN" dirty="0">
                 <a:latin typeface="+mj-lt"/>
               </a:rPr>
-              <a:t>Model extracts Text, Images, Locations and outputs ‘Symbol name’, ‘Text’, symbol ‘X’, ‘Y’</a:t>
+              <a:t>	Update Tags – Create Smart PIDs</a:t>
             </a:r>
           </a:p>
           <a:p>
-            <a:pPr marL="342900" indent="-342900">
-              <a:buAutoNum type="arabicPeriod"/>
-            </a:pPr>
             <a:endParaRPr lang="en-IN" dirty="0">
               <a:latin typeface="+mj-lt"/>
             </a:endParaRPr>
@@ -30653,16 +31036,7743 @@
             <a:pPr marL="0" indent="0">
               <a:buNone/>
             </a:pPr>
-            <a:endParaRPr lang="en-IN" dirty="0">
-              <a:latin typeface="+mj-lt"/>
-            </a:endParaRPr>
+            <a:r>
+              <a:rPr lang="en-IN" b="1" dirty="0">
+                <a:solidFill>
+                  <a:schemeClr val="tx1"/>
+                </a:solidFill>
+                <a:latin typeface="+mj-lt"/>
+              </a:rPr>
+              <a:t>Legend-</a:t>
+            </a:r>
+            <a:r>
+              <a:rPr lang="en-IN" i="1" dirty="0">
+                <a:solidFill>
+                  <a:srgbClr val="0070C0"/>
+                </a:solidFill>
+                <a:latin typeface="+mj-lt"/>
+              </a:rPr>
+              <a:t> Hexagon Technology - </a:t>
+            </a:r>
+            <a:r>
+              <a:rPr lang="en-IN" i="1" dirty="0">
+                <a:solidFill>
+                  <a:srgbClr val="7030A0"/>
+                </a:solidFill>
+                <a:latin typeface="+mj-lt"/>
+              </a:rPr>
+              <a:t>ML Techniques</a:t>
+            </a:r>
           </a:p>
         </p:txBody>
       </p:sp>
+      <p:grpSp>
+        <p:nvGrpSpPr>
+          <p:cNvPr id="4" name="Graphic 1">
+            <a:extLst>
+              <a:ext uri="{FF2B5EF4-FFF2-40B4-BE49-F238E27FC236}">
+                <a16:creationId xmlns:a16="http://schemas.microsoft.com/office/drawing/2014/main" id="{9147757E-1B59-D549-E2D4-6B6E9129D621}"/>
+              </a:ext>
+            </a:extLst>
+          </p:cNvPr>
+          <p:cNvGrpSpPr/>
+          <p:nvPr/>
+        </p:nvGrpSpPr>
+        <p:grpSpPr>
+          <a:xfrm>
+            <a:off x="829666" y="3795470"/>
+            <a:ext cx="536229" cy="536293"/>
+            <a:chOff x="5691187" y="3024388"/>
+            <a:chExt cx="805041" cy="805137"/>
+          </a:xfrm>
+          <a:gradFill>
+            <a:gsLst>
+              <a:gs pos="0">
+                <a:srgbClr val="A5CF67"/>
+              </a:gs>
+              <a:gs pos="100000">
+                <a:schemeClr val="accent1"/>
+              </a:gs>
+            </a:gsLst>
+            <a:lin ang="2700000" scaled="0"/>
+          </a:gradFill>
+        </p:grpSpPr>
+        <p:sp>
+          <p:nvSpPr>
+            <p:cNvPr id="5" name="Freeform: Shape 3">
+              <a:extLst>
+                <a:ext uri="{FF2B5EF4-FFF2-40B4-BE49-F238E27FC236}">
+                  <a16:creationId xmlns:a16="http://schemas.microsoft.com/office/drawing/2014/main" id="{6E076A85-7942-616C-F6BF-BA88F7546F9D}"/>
+                </a:ext>
+              </a:extLst>
+            </p:cNvPr>
+            <p:cNvSpPr/>
+            <p:nvPr/>
+          </p:nvSpPr>
+          <p:spPr>
+            <a:xfrm>
+              <a:off x="5691187" y="3326415"/>
+              <a:ext cx="503110" cy="503110"/>
+            </a:xfrm>
+            <a:custGeom>
+              <a:avLst/>
+              <a:gdLst>
+                <a:gd name="connsiteX0" fmla="*/ 288322 w 503110"/>
+                <a:gd name="connsiteY0" fmla="*/ 503111 h 503110"/>
+                <a:gd name="connsiteX1" fmla="*/ 214789 w 503110"/>
+                <a:gd name="connsiteY1" fmla="*/ 503111 h 503110"/>
+                <a:gd name="connsiteX2" fmla="*/ 203073 w 503110"/>
+                <a:gd name="connsiteY2" fmla="*/ 493205 h 503110"/>
+                <a:gd name="connsiteX3" fmla="*/ 195167 w 503110"/>
+                <a:gd name="connsiteY3" fmla="*/ 446151 h 503110"/>
+                <a:gd name="connsiteX4" fmla="*/ 153829 w 503110"/>
+                <a:gd name="connsiteY4" fmla="*/ 429006 h 503110"/>
+                <a:gd name="connsiteX5" fmla="*/ 114967 w 503110"/>
+                <a:gd name="connsiteY5" fmla="*/ 456724 h 503110"/>
+                <a:gd name="connsiteX6" fmla="*/ 99632 w 503110"/>
+                <a:gd name="connsiteY6" fmla="*/ 455486 h 503110"/>
+                <a:gd name="connsiteX7" fmla="*/ 47625 w 503110"/>
+                <a:gd name="connsiteY7" fmla="*/ 403479 h 503110"/>
+                <a:gd name="connsiteX8" fmla="*/ 46387 w 503110"/>
+                <a:gd name="connsiteY8" fmla="*/ 388144 h 503110"/>
+                <a:gd name="connsiteX9" fmla="*/ 74105 w 503110"/>
+                <a:gd name="connsiteY9" fmla="*/ 349282 h 503110"/>
+                <a:gd name="connsiteX10" fmla="*/ 56960 w 503110"/>
+                <a:gd name="connsiteY10" fmla="*/ 307943 h 503110"/>
+                <a:gd name="connsiteX11" fmla="*/ 9906 w 503110"/>
+                <a:gd name="connsiteY11" fmla="*/ 300038 h 503110"/>
+                <a:gd name="connsiteX12" fmla="*/ 0 w 503110"/>
+                <a:gd name="connsiteY12" fmla="*/ 288322 h 503110"/>
+                <a:gd name="connsiteX13" fmla="*/ 0 w 503110"/>
+                <a:gd name="connsiteY13" fmla="*/ 214789 h 503110"/>
+                <a:gd name="connsiteX14" fmla="*/ 9906 w 503110"/>
+                <a:gd name="connsiteY14" fmla="*/ 203073 h 503110"/>
+                <a:gd name="connsiteX15" fmla="*/ 56960 w 503110"/>
+                <a:gd name="connsiteY15" fmla="*/ 195167 h 503110"/>
+                <a:gd name="connsiteX16" fmla="*/ 74105 w 503110"/>
+                <a:gd name="connsiteY16" fmla="*/ 153829 h 503110"/>
+                <a:gd name="connsiteX17" fmla="*/ 46387 w 503110"/>
+                <a:gd name="connsiteY17" fmla="*/ 114967 h 503110"/>
+                <a:gd name="connsiteX18" fmla="*/ 47625 w 503110"/>
+                <a:gd name="connsiteY18" fmla="*/ 99631 h 503110"/>
+                <a:gd name="connsiteX19" fmla="*/ 99632 w 503110"/>
+                <a:gd name="connsiteY19" fmla="*/ 47625 h 503110"/>
+                <a:gd name="connsiteX20" fmla="*/ 114967 w 503110"/>
+                <a:gd name="connsiteY20" fmla="*/ 46387 h 503110"/>
+                <a:gd name="connsiteX21" fmla="*/ 153829 w 503110"/>
+                <a:gd name="connsiteY21" fmla="*/ 74104 h 503110"/>
+                <a:gd name="connsiteX22" fmla="*/ 195167 w 503110"/>
+                <a:gd name="connsiteY22" fmla="*/ 57055 h 503110"/>
+                <a:gd name="connsiteX23" fmla="*/ 203073 w 503110"/>
+                <a:gd name="connsiteY23" fmla="*/ 9906 h 503110"/>
+                <a:gd name="connsiteX24" fmla="*/ 214789 w 503110"/>
+                <a:gd name="connsiteY24" fmla="*/ 0 h 503110"/>
+                <a:gd name="connsiteX25" fmla="*/ 288322 w 503110"/>
+                <a:gd name="connsiteY25" fmla="*/ 0 h 503110"/>
+                <a:gd name="connsiteX26" fmla="*/ 300038 w 503110"/>
+                <a:gd name="connsiteY26" fmla="*/ 9906 h 503110"/>
+                <a:gd name="connsiteX27" fmla="*/ 307943 w 503110"/>
+                <a:gd name="connsiteY27" fmla="*/ 56959 h 503110"/>
+                <a:gd name="connsiteX28" fmla="*/ 350139 w 503110"/>
+                <a:gd name="connsiteY28" fmla="*/ 74581 h 503110"/>
+                <a:gd name="connsiteX29" fmla="*/ 399002 w 503110"/>
+                <a:gd name="connsiteY29" fmla="*/ 47816 h 503110"/>
+                <a:gd name="connsiteX30" fmla="*/ 413099 w 503110"/>
+                <a:gd name="connsiteY30" fmla="*/ 49816 h 503110"/>
+                <a:gd name="connsiteX31" fmla="*/ 453295 w 503110"/>
+                <a:gd name="connsiteY31" fmla="*/ 90011 h 503110"/>
+                <a:gd name="connsiteX32" fmla="*/ 455295 w 503110"/>
+                <a:gd name="connsiteY32" fmla="*/ 104203 h 503110"/>
+                <a:gd name="connsiteX33" fmla="*/ 428530 w 503110"/>
+                <a:gd name="connsiteY33" fmla="*/ 153067 h 503110"/>
+                <a:gd name="connsiteX34" fmla="*/ 446151 w 503110"/>
+                <a:gd name="connsiteY34" fmla="*/ 195263 h 503110"/>
+                <a:gd name="connsiteX35" fmla="*/ 493205 w 503110"/>
+                <a:gd name="connsiteY35" fmla="*/ 203168 h 503110"/>
+                <a:gd name="connsiteX36" fmla="*/ 503111 w 503110"/>
+                <a:gd name="connsiteY36" fmla="*/ 214884 h 503110"/>
+                <a:gd name="connsiteX37" fmla="*/ 503111 w 503110"/>
+                <a:gd name="connsiteY37" fmla="*/ 288322 h 503110"/>
+                <a:gd name="connsiteX38" fmla="*/ 493205 w 503110"/>
+                <a:gd name="connsiteY38" fmla="*/ 300038 h 503110"/>
+                <a:gd name="connsiteX39" fmla="*/ 446151 w 503110"/>
+                <a:gd name="connsiteY39" fmla="*/ 307943 h 503110"/>
+                <a:gd name="connsiteX40" fmla="*/ 429006 w 503110"/>
+                <a:gd name="connsiteY40" fmla="*/ 349282 h 503110"/>
+                <a:gd name="connsiteX41" fmla="*/ 456724 w 503110"/>
+                <a:gd name="connsiteY41" fmla="*/ 388144 h 503110"/>
+                <a:gd name="connsiteX42" fmla="*/ 455486 w 503110"/>
+                <a:gd name="connsiteY42" fmla="*/ 403479 h 503110"/>
+                <a:gd name="connsiteX43" fmla="*/ 403479 w 503110"/>
+                <a:gd name="connsiteY43" fmla="*/ 455486 h 503110"/>
+                <a:gd name="connsiteX44" fmla="*/ 388144 w 503110"/>
+                <a:gd name="connsiteY44" fmla="*/ 456724 h 503110"/>
+                <a:gd name="connsiteX45" fmla="*/ 349282 w 503110"/>
+                <a:gd name="connsiteY45" fmla="*/ 429006 h 503110"/>
+                <a:gd name="connsiteX46" fmla="*/ 307943 w 503110"/>
+                <a:gd name="connsiteY46" fmla="*/ 446151 h 503110"/>
+                <a:gd name="connsiteX47" fmla="*/ 300038 w 503110"/>
+                <a:gd name="connsiteY47" fmla="*/ 493109 h 503110"/>
+                <a:gd name="connsiteX48" fmla="*/ 288322 w 503110"/>
+                <a:gd name="connsiteY48" fmla="*/ 503111 h 503110"/>
+                <a:gd name="connsiteX49" fmla="*/ 224885 w 503110"/>
+                <a:gd name="connsiteY49" fmla="*/ 479298 h 503110"/>
+                <a:gd name="connsiteX50" fmla="*/ 278225 w 503110"/>
+                <a:gd name="connsiteY50" fmla="*/ 479298 h 503110"/>
+                <a:gd name="connsiteX51" fmla="*/ 285655 w 503110"/>
+                <a:gd name="connsiteY51" fmla="*/ 434626 h 503110"/>
+                <a:gd name="connsiteX52" fmla="*/ 294513 w 503110"/>
+                <a:gd name="connsiteY52" fmla="*/ 425006 h 503110"/>
+                <a:gd name="connsiteX53" fmla="*/ 343662 w 503110"/>
+                <a:gd name="connsiteY53" fmla="*/ 404622 h 503110"/>
+                <a:gd name="connsiteX54" fmla="*/ 356711 w 503110"/>
+                <a:gd name="connsiteY54" fmla="*/ 405098 h 503110"/>
+                <a:gd name="connsiteX55" fmla="*/ 393573 w 503110"/>
+                <a:gd name="connsiteY55" fmla="*/ 431387 h 503110"/>
+                <a:gd name="connsiteX56" fmla="*/ 431292 w 503110"/>
+                <a:gd name="connsiteY56" fmla="*/ 393668 h 503110"/>
+                <a:gd name="connsiteX57" fmla="*/ 405003 w 503110"/>
+                <a:gd name="connsiteY57" fmla="*/ 356807 h 503110"/>
+                <a:gd name="connsiteX58" fmla="*/ 404527 w 503110"/>
+                <a:gd name="connsiteY58" fmla="*/ 343757 h 503110"/>
+                <a:gd name="connsiteX59" fmla="*/ 424910 w 503110"/>
+                <a:gd name="connsiteY59" fmla="*/ 294608 h 503110"/>
+                <a:gd name="connsiteX60" fmla="*/ 434531 w 503110"/>
+                <a:gd name="connsiteY60" fmla="*/ 285750 h 503110"/>
+                <a:gd name="connsiteX61" fmla="*/ 479203 w 503110"/>
+                <a:gd name="connsiteY61" fmla="*/ 278321 h 503110"/>
+                <a:gd name="connsiteX62" fmla="*/ 479203 w 503110"/>
+                <a:gd name="connsiteY62" fmla="*/ 224980 h 503110"/>
+                <a:gd name="connsiteX63" fmla="*/ 434531 w 503110"/>
+                <a:gd name="connsiteY63" fmla="*/ 217551 h 503110"/>
+                <a:gd name="connsiteX64" fmla="*/ 424910 w 503110"/>
+                <a:gd name="connsiteY64" fmla="*/ 208693 h 503110"/>
+                <a:gd name="connsiteX65" fmla="*/ 404527 w 503110"/>
+                <a:gd name="connsiteY65" fmla="*/ 159544 h 503110"/>
+                <a:gd name="connsiteX66" fmla="*/ 404241 w 503110"/>
+                <a:gd name="connsiteY66" fmla="*/ 147638 h 503110"/>
+                <a:gd name="connsiteX67" fmla="*/ 429959 w 503110"/>
+                <a:gd name="connsiteY67" fmla="*/ 100775 h 503110"/>
+                <a:gd name="connsiteX68" fmla="*/ 402431 w 503110"/>
+                <a:gd name="connsiteY68" fmla="*/ 73247 h 503110"/>
+                <a:gd name="connsiteX69" fmla="*/ 355568 w 503110"/>
+                <a:gd name="connsiteY69" fmla="*/ 98965 h 503110"/>
+                <a:gd name="connsiteX70" fmla="*/ 343662 w 503110"/>
+                <a:gd name="connsiteY70" fmla="*/ 98679 h 503110"/>
+                <a:gd name="connsiteX71" fmla="*/ 294513 w 503110"/>
+                <a:gd name="connsiteY71" fmla="*/ 78296 h 503110"/>
+                <a:gd name="connsiteX72" fmla="*/ 285655 w 503110"/>
+                <a:gd name="connsiteY72" fmla="*/ 68675 h 503110"/>
+                <a:gd name="connsiteX73" fmla="*/ 278225 w 503110"/>
+                <a:gd name="connsiteY73" fmla="*/ 24003 h 503110"/>
+                <a:gd name="connsiteX74" fmla="*/ 224885 w 503110"/>
+                <a:gd name="connsiteY74" fmla="*/ 24003 h 503110"/>
+                <a:gd name="connsiteX75" fmla="*/ 217456 w 503110"/>
+                <a:gd name="connsiteY75" fmla="*/ 68675 h 503110"/>
+                <a:gd name="connsiteX76" fmla="*/ 208788 w 503110"/>
+                <a:gd name="connsiteY76" fmla="*/ 78200 h 503110"/>
+                <a:gd name="connsiteX77" fmla="*/ 159449 w 503110"/>
+                <a:gd name="connsiteY77" fmla="*/ 98584 h 503110"/>
+                <a:gd name="connsiteX78" fmla="*/ 146399 w 503110"/>
+                <a:gd name="connsiteY78" fmla="*/ 98107 h 503110"/>
+                <a:gd name="connsiteX79" fmla="*/ 109538 w 503110"/>
+                <a:gd name="connsiteY79" fmla="*/ 71819 h 503110"/>
+                <a:gd name="connsiteX80" fmla="*/ 71819 w 503110"/>
+                <a:gd name="connsiteY80" fmla="*/ 109538 h 503110"/>
+                <a:gd name="connsiteX81" fmla="*/ 98108 w 503110"/>
+                <a:gd name="connsiteY81" fmla="*/ 146399 h 503110"/>
+                <a:gd name="connsiteX82" fmla="*/ 98584 w 503110"/>
+                <a:gd name="connsiteY82" fmla="*/ 159449 h 503110"/>
+                <a:gd name="connsiteX83" fmla="*/ 78200 w 503110"/>
+                <a:gd name="connsiteY83" fmla="*/ 208598 h 503110"/>
+                <a:gd name="connsiteX84" fmla="*/ 68580 w 503110"/>
+                <a:gd name="connsiteY84" fmla="*/ 217456 h 503110"/>
+                <a:gd name="connsiteX85" fmla="*/ 23813 w 503110"/>
+                <a:gd name="connsiteY85" fmla="*/ 224885 h 503110"/>
+                <a:gd name="connsiteX86" fmla="*/ 23813 w 503110"/>
+                <a:gd name="connsiteY86" fmla="*/ 278225 h 503110"/>
+                <a:gd name="connsiteX87" fmla="*/ 68485 w 503110"/>
+                <a:gd name="connsiteY87" fmla="*/ 285655 h 503110"/>
+                <a:gd name="connsiteX88" fmla="*/ 78105 w 503110"/>
+                <a:gd name="connsiteY88" fmla="*/ 294513 h 503110"/>
+                <a:gd name="connsiteX89" fmla="*/ 98489 w 503110"/>
+                <a:gd name="connsiteY89" fmla="*/ 343662 h 503110"/>
+                <a:gd name="connsiteX90" fmla="*/ 98012 w 503110"/>
+                <a:gd name="connsiteY90" fmla="*/ 356711 h 503110"/>
+                <a:gd name="connsiteX91" fmla="*/ 71723 w 503110"/>
+                <a:gd name="connsiteY91" fmla="*/ 393573 h 503110"/>
+                <a:gd name="connsiteX92" fmla="*/ 109442 w 503110"/>
+                <a:gd name="connsiteY92" fmla="*/ 431292 h 503110"/>
+                <a:gd name="connsiteX93" fmla="*/ 146304 w 503110"/>
+                <a:gd name="connsiteY93" fmla="*/ 405003 h 503110"/>
+                <a:gd name="connsiteX94" fmla="*/ 159353 w 503110"/>
+                <a:gd name="connsiteY94" fmla="*/ 404527 h 503110"/>
+                <a:gd name="connsiteX95" fmla="*/ 208502 w 503110"/>
+                <a:gd name="connsiteY95" fmla="*/ 424910 h 503110"/>
+                <a:gd name="connsiteX96" fmla="*/ 217361 w 503110"/>
+                <a:gd name="connsiteY96" fmla="*/ 434531 h 503110"/>
+                <a:gd name="connsiteX97" fmla="*/ 224885 w 503110"/>
+                <a:gd name="connsiteY97" fmla="*/ 479298 h 503110"/>
+                <a:gd name="connsiteX98" fmla="*/ 491109 w 503110"/>
+                <a:gd name="connsiteY98" fmla="*/ 288322 h 503110"/>
+                <a:gd name="connsiteX99" fmla="*/ 491109 w 503110"/>
+                <a:gd name="connsiteY99" fmla="*/ 288322 h 503110"/>
+                <a:gd name="connsiteX100" fmla="*/ 491109 w 503110"/>
+                <a:gd name="connsiteY100" fmla="*/ 288322 h 503110"/>
+              </a:gdLst>
+              <a:ahLst/>
+              <a:cxnLst>
+                <a:cxn ang="0">
+                  <a:pos x="connsiteX0" y="connsiteY0"/>
+                </a:cxn>
+                <a:cxn ang="0">
+                  <a:pos x="connsiteX1" y="connsiteY1"/>
+                </a:cxn>
+                <a:cxn ang="0">
+                  <a:pos x="connsiteX2" y="connsiteY2"/>
+                </a:cxn>
+                <a:cxn ang="0">
+                  <a:pos x="connsiteX3" y="connsiteY3"/>
+                </a:cxn>
+                <a:cxn ang="0">
+                  <a:pos x="connsiteX4" y="connsiteY4"/>
+                </a:cxn>
+                <a:cxn ang="0">
+                  <a:pos x="connsiteX5" y="connsiteY5"/>
+                </a:cxn>
+                <a:cxn ang="0">
+                  <a:pos x="connsiteX6" y="connsiteY6"/>
+                </a:cxn>
+                <a:cxn ang="0">
+                  <a:pos x="connsiteX7" y="connsiteY7"/>
+                </a:cxn>
+                <a:cxn ang="0">
+                  <a:pos x="connsiteX8" y="connsiteY8"/>
+                </a:cxn>
+                <a:cxn ang="0">
+                  <a:pos x="connsiteX9" y="connsiteY9"/>
+                </a:cxn>
+                <a:cxn ang="0">
+                  <a:pos x="connsiteX10" y="connsiteY10"/>
+                </a:cxn>
+                <a:cxn ang="0">
+                  <a:pos x="connsiteX11" y="connsiteY11"/>
+                </a:cxn>
+                <a:cxn ang="0">
+                  <a:pos x="connsiteX12" y="connsiteY12"/>
+                </a:cxn>
+                <a:cxn ang="0">
+                  <a:pos x="connsiteX13" y="connsiteY13"/>
+                </a:cxn>
+                <a:cxn ang="0">
+                  <a:pos x="connsiteX14" y="connsiteY14"/>
+                </a:cxn>
+                <a:cxn ang="0">
+                  <a:pos x="connsiteX15" y="connsiteY15"/>
+                </a:cxn>
+                <a:cxn ang="0">
+                  <a:pos x="connsiteX16" y="connsiteY16"/>
+                </a:cxn>
+                <a:cxn ang="0">
+                  <a:pos x="connsiteX17" y="connsiteY17"/>
+                </a:cxn>
+                <a:cxn ang="0">
+                  <a:pos x="connsiteX18" y="connsiteY18"/>
+                </a:cxn>
+                <a:cxn ang="0">
+                  <a:pos x="connsiteX19" y="connsiteY19"/>
+                </a:cxn>
+                <a:cxn ang="0">
+                  <a:pos x="connsiteX20" y="connsiteY20"/>
+                </a:cxn>
+                <a:cxn ang="0">
+                  <a:pos x="connsiteX21" y="connsiteY21"/>
+                </a:cxn>
+                <a:cxn ang="0">
+                  <a:pos x="connsiteX22" y="connsiteY22"/>
+                </a:cxn>
+                <a:cxn ang="0">
+                  <a:pos x="connsiteX23" y="connsiteY23"/>
+                </a:cxn>
+                <a:cxn ang="0">
+                  <a:pos x="connsiteX24" y="connsiteY24"/>
+                </a:cxn>
+                <a:cxn ang="0">
+                  <a:pos x="connsiteX25" y="connsiteY25"/>
+                </a:cxn>
+                <a:cxn ang="0">
+                  <a:pos x="connsiteX26" y="connsiteY26"/>
+                </a:cxn>
+                <a:cxn ang="0">
+                  <a:pos x="connsiteX27" y="connsiteY27"/>
+                </a:cxn>
+                <a:cxn ang="0">
+                  <a:pos x="connsiteX28" y="connsiteY28"/>
+                </a:cxn>
+                <a:cxn ang="0">
+                  <a:pos x="connsiteX29" y="connsiteY29"/>
+                </a:cxn>
+                <a:cxn ang="0">
+                  <a:pos x="connsiteX30" y="connsiteY30"/>
+                </a:cxn>
+                <a:cxn ang="0">
+                  <a:pos x="connsiteX31" y="connsiteY31"/>
+                </a:cxn>
+                <a:cxn ang="0">
+                  <a:pos x="connsiteX32" y="connsiteY32"/>
+                </a:cxn>
+                <a:cxn ang="0">
+                  <a:pos x="connsiteX33" y="connsiteY33"/>
+                </a:cxn>
+                <a:cxn ang="0">
+                  <a:pos x="connsiteX34" y="connsiteY34"/>
+                </a:cxn>
+                <a:cxn ang="0">
+                  <a:pos x="connsiteX35" y="connsiteY35"/>
+                </a:cxn>
+                <a:cxn ang="0">
+                  <a:pos x="connsiteX36" y="connsiteY36"/>
+                </a:cxn>
+                <a:cxn ang="0">
+                  <a:pos x="connsiteX37" y="connsiteY37"/>
+                </a:cxn>
+                <a:cxn ang="0">
+                  <a:pos x="connsiteX38" y="connsiteY38"/>
+                </a:cxn>
+                <a:cxn ang="0">
+                  <a:pos x="connsiteX39" y="connsiteY39"/>
+                </a:cxn>
+                <a:cxn ang="0">
+                  <a:pos x="connsiteX40" y="connsiteY40"/>
+                </a:cxn>
+                <a:cxn ang="0">
+                  <a:pos x="connsiteX41" y="connsiteY41"/>
+                </a:cxn>
+                <a:cxn ang="0">
+                  <a:pos x="connsiteX42" y="connsiteY42"/>
+                </a:cxn>
+                <a:cxn ang="0">
+                  <a:pos x="connsiteX43" y="connsiteY43"/>
+                </a:cxn>
+                <a:cxn ang="0">
+                  <a:pos x="connsiteX44" y="connsiteY44"/>
+                </a:cxn>
+                <a:cxn ang="0">
+                  <a:pos x="connsiteX45" y="connsiteY45"/>
+                </a:cxn>
+                <a:cxn ang="0">
+                  <a:pos x="connsiteX46" y="connsiteY46"/>
+                </a:cxn>
+                <a:cxn ang="0">
+                  <a:pos x="connsiteX47" y="connsiteY47"/>
+                </a:cxn>
+                <a:cxn ang="0">
+                  <a:pos x="connsiteX48" y="connsiteY48"/>
+                </a:cxn>
+                <a:cxn ang="0">
+                  <a:pos x="connsiteX49" y="connsiteY49"/>
+                </a:cxn>
+                <a:cxn ang="0">
+                  <a:pos x="connsiteX50" y="connsiteY50"/>
+                </a:cxn>
+                <a:cxn ang="0">
+                  <a:pos x="connsiteX51" y="connsiteY51"/>
+                </a:cxn>
+                <a:cxn ang="0">
+                  <a:pos x="connsiteX52" y="connsiteY52"/>
+                </a:cxn>
+                <a:cxn ang="0">
+                  <a:pos x="connsiteX53" y="connsiteY53"/>
+                </a:cxn>
+                <a:cxn ang="0">
+                  <a:pos x="connsiteX54" y="connsiteY54"/>
+                </a:cxn>
+                <a:cxn ang="0">
+                  <a:pos x="connsiteX55" y="connsiteY55"/>
+                </a:cxn>
+                <a:cxn ang="0">
+                  <a:pos x="connsiteX56" y="connsiteY56"/>
+                </a:cxn>
+                <a:cxn ang="0">
+                  <a:pos x="connsiteX57" y="connsiteY57"/>
+                </a:cxn>
+                <a:cxn ang="0">
+                  <a:pos x="connsiteX58" y="connsiteY58"/>
+                </a:cxn>
+                <a:cxn ang="0">
+                  <a:pos x="connsiteX59" y="connsiteY59"/>
+                </a:cxn>
+                <a:cxn ang="0">
+                  <a:pos x="connsiteX60" y="connsiteY60"/>
+                </a:cxn>
+                <a:cxn ang="0">
+                  <a:pos x="connsiteX61" y="connsiteY61"/>
+                </a:cxn>
+                <a:cxn ang="0">
+                  <a:pos x="connsiteX62" y="connsiteY62"/>
+                </a:cxn>
+                <a:cxn ang="0">
+                  <a:pos x="connsiteX63" y="connsiteY63"/>
+                </a:cxn>
+                <a:cxn ang="0">
+                  <a:pos x="connsiteX64" y="connsiteY64"/>
+                </a:cxn>
+                <a:cxn ang="0">
+                  <a:pos x="connsiteX65" y="connsiteY65"/>
+                </a:cxn>
+                <a:cxn ang="0">
+                  <a:pos x="connsiteX66" y="connsiteY66"/>
+                </a:cxn>
+                <a:cxn ang="0">
+                  <a:pos x="connsiteX67" y="connsiteY67"/>
+                </a:cxn>
+                <a:cxn ang="0">
+                  <a:pos x="connsiteX68" y="connsiteY68"/>
+                </a:cxn>
+                <a:cxn ang="0">
+                  <a:pos x="connsiteX69" y="connsiteY69"/>
+                </a:cxn>
+                <a:cxn ang="0">
+                  <a:pos x="connsiteX70" y="connsiteY70"/>
+                </a:cxn>
+                <a:cxn ang="0">
+                  <a:pos x="connsiteX71" y="connsiteY71"/>
+                </a:cxn>
+                <a:cxn ang="0">
+                  <a:pos x="connsiteX72" y="connsiteY72"/>
+                </a:cxn>
+                <a:cxn ang="0">
+                  <a:pos x="connsiteX73" y="connsiteY73"/>
+                </a:cxn>
+                <a:cxn ang="0">
+                  <a:pos x="connsiteX74" y="connsiteY74"/>
+                </a:cxn>
+                <a:cxn ang="0">
+                  <a:pos x="connsiteX75" y="connsiteY75"/>
+                </a:cxn>
+                <a:cxn ang="0">
+                  <a:pos x="connsiteX76" y="connsiteY76"/>
+                </a:cxn>
+                <a:cxn ang="0">
+                  <a:pos x="connsiteX77" y="connsiteY77"/>
+                </a:cxn>
+                <a:cxn ang="0">
+                  <a:pos x="connsiteX78" y="connsiteY78"/>
+                </a:cxn>
+                <a:cxn ang="0">
+                  <a:pos x="connsiteX79" y="connsiteY79"/>
+                </a:cxn>
+                <a:cxn ang="0">
+                  <a:pos x="connsiteX80" y="connsiteY80"/>
+                </a:cxn>
+                <a:cxn ang="0">
+                  <a:pos x="connsiteX81" y="connsiteY81"/>
+                </a:cxn>
+                <a:cxn ang="0">
+                  <a:pos x="connsiteX82" y="connsiteY82"/>
+                </a:cxn>
+                <a:cxn ang="0">
+                  <a:pos x="connsiteX83" y="connsiteY83"/>
+                </a:cxn>
+                <a:cxn ang="0">
+                  <a:pos x="connsiteX84" y="connsiteY84"/>
+                </a:cxn>
+                <a:cxn ang="0">
+                  <a:pos x="connsiteX85" y="connsiteY85"/>
+                </a:cxn>
+                <a:cxn ang="0">
+                  <a:pos x="connsiteX86" y="connsiteY86"/>
+                </a:cxn>
+                <a:cxn ang="0">
+                  <a:pos x="connsiteX87" y="connsiteY87"/>
+                </a:cxn>
+                <a:cxn ang="0">
+                  <a:pos x="connsiteX88" y="connsiteY88"/>
+                </a:cxn>
+                <a:cxn ang="0">
+                  <a:pos x="connsiteX89" y="connsiteY89"/>
+                </a:cxn>
+                <a:cxn ang="0">
+                  <a:pos x="connsiteX90" y="connsiteY90"/>
+                </a:cxn>
+                <a:cxn ang="0">
+                  <a:pos x="connsiteX91" y="connsiteY91"/>
+                </a:cxn>
+                <a:cxn ang="0">
+                  <a:pos x="connsiteX92" y="connsiteY92"/>
+                </a:cxn>
+                <a:cxn ang="0">
+                  <a:pos x="connsiteX93" y="connsiteY93"/>
+                </a:cxn>
+                <a:cxn ang="0">
+                  <a:pos x="connsiteX94" y="connsiteY94"/>
+                </a:cxn>
+                <a:cxn ang="0">
+                  <a:pos x="connsiteX95" y="connsiteY95"/>
+                </a:cxn>
+                <a:cxn ang="0">
+                  <a:pos x="connsiteX96" y="connsiteY96"/>
+                </a:cxn>
+                <a:cxn ang="0">
+                  <a:pos x="connsiteX97" y="connsiteY97"/>
+                </a:cxn>
+                <a:cxn ang="0">
+                  <a:pos x="connsiteX98" y="connsiteY98"/>
+                </a:cxn>
+                <a:cxn ang="0">
+                  <a:pos x="connsiteX99" y="connsiteY99"/>
+                </a:cxn>
+                <a:cxn ang="0">
+                  <a:pos x="connsiteX100" y="connsiteY100"/>
+                </a:cxn>
+              </a:cxnLst>
+              <a:rect l="l" t="t" r="r" b="b"/>
+              <a:pathLst>
+                <a:path w="503110" h="503110">
+                  <a:moveTo>
+                    <a:pt x="288322" y="503111"/>
+                  </a:moveTo>
+                  <a:lnTo>
+                    <a:pt x="214789" y="503111"/>
+                  </a:lnTo>
+                  <a:cubicBezTo>
+                    <a:pt x="208979" y="503111"/>
+                    <a:pt x="204026" y="498920"/>
+                    <a:pt x="203073" y="493205"/>
+                  </a:cubicBezTo>
+                  <a:lnTo>
+                    <a:pt x="195167" y="446151"/>
+                  </a:lnTo>
+                  <a:cubicBezTo>
+                    <a:pt x="180785" y="441960"/>
+                    <a:pt x="166973" y="436245"/>
+                    <a:pt x="153829" y="429006"/>
+                  </a:cubicBezTo>
+                  <a:lnTo>
+                    <a:pt x="114967" y="456724"/>
+                  </a:lnTo>
+                  <a:cubicBezTo>
+                    <a:pt x="110204" y="460058"/>
+                    <a:pt x="103727" y="459581"/>
+                    <a:pt x="99632" y="455486"/>
+                  </a:cubicBezTo>
+                  <a:lnTo>
+                    <a:pt x="47625" y="403479"/>
+                  </a:lnTo>
+                  <a:cubicBezTo>
+                    <a:pt x="43529" y="399383"/>
+                    <a:pt x="42958" y="392906"/>
+                    <a:pt x="46387" y="388144"/>
+                  </a:cubicBezTo>
+                  <a:lnTo>
+                    <a:pt x="74105" y="349282"/>
+                  </a:lnTo>
+                  <a:cubicBezTo>
+                    <a:pt x="66866" y="336137"/>
+                    <a:pt x="61151" y="322326"/>
+                    <a:pt x="56960" y="307943"/>
+                  </a:cubicBezTo>
+                  <a:lnTo>
+                    <a:pt x="9906" y="300038"/>
+                  </a:lnTo>
+                  <a:cubicBezTo>
+                    <a:pt x="4191" y="299085"/>
+                    <a:pt x="0" y="294132"/>
+                    <a:pt x="0" y="288322"/>
+                  </a:cubicBezTo>
+                  <a:lnTo>
+                    <a:pt x="0" y="214789"/>
+                  </a:lnTo>
+                  <a:cubicBezTo>
+                    <a:pt x="0" y="208978"/>
+                    <a:pt x="4191" y="204026"/>
+                    <a:pt x="9906" y="203073"/>
+                  </a:cubicBezTo>
+                  <a:lnTo>
+                    <a:pt x="56960" y="195167"/>
+                  </a:lnTo>
+                  <a:cubicBezTo>
+                    <a:pt x="61151" y="180785"/>
+                    <a:pt x="66866" y="166973"/>
+                    <a:pt x="74105" y="153829"/>
+                  </a:cubicBezTo>
+                  <a:lnTo>
+                    <a:pt x="46387" y="114967"/>
+                  </a:lnTo>
+                  <a:cubicBezTo>
+                    <a:pt x="43053" y="110204"/>
+                    <a:pt x="43529" y="103727"/>
+                    <a:pt x="47625" y="99631"/>
+                  </a:cubicBezTo>
+                  <a:lnTo>
+                    <a:pt x="99632" y="47625"/>
+                  </a:lnTo>
+                  <a:cubicBezTo>
+                    <a:pt x="103727" y="43529"/>
+                    <a:pt x="110204" y="42958"/>
+                    <a:pt x="114967" y="46387"/>
+                  </a:cubicBezTo>
+                  <a:lnTo>
+                    <a:pt x="153829" y="74104"/>
+                  </a:lnTo>
+                  <a:cubicBezTo>
+                    <a:pt x="166688" y="66961"/>
+                    <a:pt x="179642" y="61627"/>
+                    <a:pt x="195167" y="57055"/>
+                  </a:cubicBezTo>
+                  <a:lnTo>
+                    <a:pt x="203073" y="9906"/>
+                  </a:lnTo>
+                  <a:cubicBezTo>
+                    <a:pt x="204026" y="4191"/>
+                    <a:pt x="208979" y="0"/>
+                    <a:pt x="214789" y="0"/>
+                  </a:cubicBezTo>
+                  <a:lnTo>
+                    <a:pt x="288322" y="0"/>
+                  </a:lnTo>
+                  <a:cubicBezTo>
+                    <a:pt x="294132" y="0"/>
+                    <a:pt x="299085" y="4191"/>
+                    <a:pt x="300038" y="9906"/>
+                  </a:cubicBezTo>
+                  <a:lnTo>
+                    <a:pt x="307943" y="56959"/>
+                  </a:lnTo>
+                  <a:cubicBezTo>
+                    <a:pt x="322612" y="61246"/>
+                    <a:pt x="336709" y="67056"/>
+                    <a:pt x="350139" y="74581"/>
+                  </a:cubicBezTo>
+                  <a:lnTo>
+                    <a:pt x="399002" y="47816"/>
+                  </a:lnTo>
+                  <a:cubicBezTo>
+                    <a:pt x="403670" y="45244"/>
+                    <a:pt x="409385" y="46101"/>
+                    <a:pt x="413099" y="49816"/>
+                  </a:cubicBezTo>
+                  <a:lnTo>
+                    <a:pt x="453295" y="90011"/>
+                  </a:lnTo>
+                  <a:cubicBezTo>
+                    <a:pt x="457010" y="93726"/>
+                    <a:pt x="457867" y="99536"/>
+                    <a:pt x="455295" y="104203"/>
+                  </a:cubicBezTo>
+                  <a:lnTo>
+                    <a:pt x="428530" y="153067"/>
+                  </a:lnTo>
+                  <a:cubicBezTo>
+                    <a:pt x="435959" y="166402"/>
+                    <a:pt x="441865" y="180594"/>
+                    <a:pt x="446151" y="195263"/>
+                  </a:cubicBezTo>
+                  <a:lnTo>
+                    <a:pt x="493205" y="203168"/>
+                  </a:lnTo>
+                  <a:cubicBezTo>
+                    <a:pt x="498920" y="204121"/>
+                    <a:pt x="503111" y="209074"/>
+                    <a:pt x="503111" y="214884"/>
+                  </a:cubicBezTo>
+                  <a:lnTo>
+                    <a:pt x="503111" y="288322"/>
+                  </a:lnTo>
+                  <a:cubicBezTo>
+                    <a:pt x="503111" y="294132"/>
+                    <a:pt x="498920" y="299085"/>
+                    <a:pt x="493205" y="300038"/>
+                  </a:cubicBezTo>
+                  <a:lnTo>
+                    <a:pt x="446151" y="307943"/>
+                  </a:lnTo>
+                  <a:cubicBezTo>
+                    <a:pt x="441960" y="322326"/>
+                    <a:pt x="436245" y="336137"/>
+                    <a:pt x="429006" y="349282"/>
+                  </a:cubicBezTo>
+                  <a:lnTo>
+                    <a:pt x="456724" y="388144"/>
+                  </a:lnTo>
+                  <a:cubicBezTo>
+                    <a:pt x="460058" y="392906"/>
+                    <a:pt x="459581" y="399383"/>
+                    <a:pt x="455486" y="403479"/>
+                  </a:cubicBezTo>
+                  <a:lnTo>
+                    <a:pt x="403479" y="455486"/>
+                  </a:lnTo>
+                  <a:cubicBezTo>
+                    <a:pt x="399383" y="459581"/>
+                    <a:pt x="392906" y="460153"/>
+                    <a:pt x="388144" y="456724"/>
+                  </a:cubicBezTo>
+                  <a:lnTo>
+                    <a:pt x="349282" y="429006"/>
+                  </a:lnTo>
+                  <a:cubicBezTo>
+                    <a:pt x="336137" y="436245"/>
+                    <a:pt x="322326" y="441960"/>
+                    <a:pt x="307943" y="446151"/>
+                  </a:cubicBezTo>
+                  <a:lnTo>
+                    <a:pt x="300038" y="493109"/>
+                  </a:lnTo>
+                  <a:cubicBezTo>
+                    <a:pt x="299085" y="498824"/>
+                    <a:pt x="294132" y="503111"/>
+                    <a:pt x="288322" y="503111"/>
+                  </a:cubicBezTo>
+                  <a:close/>
+                  <a:moveTo>
+                    <a:pt x="224885" y="479298"/>
+                  </a:moveTo>
+                  <a:lnTo>
+                    <a:pt x="278225" y="479298"/>
+                  </a:lnTo>
+                  <a:lnTo>
+                    <a:pt x="285655" y="434626"/>
+                  </a:lnTo>
+                  <a:cubicBezTo>
+                    <a:pt x="286417" y="429959"/>
+                    <a:pt x="289941" y="426149"/>
+                    <a:pt x="294513" y="425006"/>
+                  </a:cubicBezTo>
+                  <a:cubicBezTo>
+                    <a:pt x="311849" y="420719"/>
+                    <a:pt x="328422" y="413861"/>
+                    <a:pt x="343662" y="404622"/>
+                  </a:cubicBezTo>
+                  <a:cubicBezTo>
+                    <a:pt x="347758" y="402145"/>
+                    <a:pt x="352901" y="402336"/>
+                    <a:pt x="356711" y="405098"/>
+                  </a:cubicBezTo>
+                  <a:lnTo>
+                    <a:pt x="393573" y="431387"/>
+                  </a:lnTo>
+                  <a:lnTo>
+                    <a:pt x="431292" y="393668"/>
+                  </a:lnTo>
+                  <a:lnTo>
+                    <a:pt x="405003" y="356807"/>
+                  </a:lnTo>
+                  <a:cubicBezTo>
+                    <a:pt x="402241" y="352901"/>
+                    <a:pt x="402050" y="347758"/>
+                    <a:pt x="404527" y="343757"/>
+                  </a:cubicBezTo>
+                  <a:cubicBezTo>
+                    <a:pt x="413766" y="328517"/>
+                    <a:pt x="420624" y="311944"/>
+                    <a:pt x="424910" y="294608"/>
+                  </a:cubicBezTo>
+                  <a:cubicBezTo>
+                    <a:pt x="426053" y="290036"/>
+                    <a:pt x="429863" y="286512"/>
+                    <a:pt x="434531" y="285750"/>
+                  </a:cubicBezTo>
+                  <a:lnTo>
+                    <a:pt x="479203" y="278321"/>
+                  </a:lnTo>
+                  <a:lnTo>
+                    <a:pt x="479203" y="224980"/>
+                  </a:lnTo>
+                  <a:lnTo>
+                    <a:pt x="434531" y="217551"/>
+                  </a:lnTo>
+                  <a:cubicBezTo>
+                    <a:pt x="429863" y="216789"/>
+                    <a:pt x="426053" y="213265"/>
+                    <a:pt x="424910" y="208693"/>
+                  </a:cubicBezTo>
+                  <a:cubicBezTo>
+                    <a:pt x="420624" y="191357"/>
+                    <a:pt x="413766" y="174784"/>
+                    <a:pt x="404527" y="159544"/>
+                  </a:cubicBezTo>
+                  <a:cubicBezTo>
+                    <a:pt x="402336" y="155924"/>
+                    <a:pt x="402241" y="151352"/>
+                    <a:pt x="404241" y="147638"/>
+                  </a:cubicBezTo>
+                  <a:lnTo>
+                    <a:pt x="429959" y="100775"/>
+                  </a:lnTo>
+                  <a:lnTo>
+                    <a:pt x="402431" y="73247"/>
+                  </a:lnTo>
+                  <a:lnTo>
+                    <a:pt x="355568" y="98965"/>
+                  </a:lnTo>
+                  <a:cubicBezTo>
+                    <a:pt x="351854" y="100965"/>
+                    <a:pt x="347282" y="100870"/>
+                    <a:pt x="343662" y="98679"/>
+                  </a:cubicBezTo>
+                  <a:cubicBezTo>
+                    <a:pt x="328327" y="89440"/>
+                    <a:pt x="311849" y="82582"/>
+                    <a:pt x="294513" y="78296"/>
+                  </a:cubicBezTo>
+                  <a:cubicBezTo>
+                    <a:pt x="289941" y="77153"/>
+                    <a:pt x="286417" y="73343"/>
+                    <a:pt x="285655" y="68675"/>
+                  </a:cubicBezTo>
+                  <a:lnTo>
+                    <a:pt x="278225" y="24003"/>
+                  </a:lnTo>
+                  <a:lnTo>
+                    <a:pt x="224885" y="24003"/>
+                  </a:lnTo>
+                  <a:lnTo>
+                    <a:pt x="217456" y="68675"/>
+                  </a:lnTo>
+                  <a:cubicBezTo>
+                    <a:pt x="216694" y="73247"/>
+                    <a:pt x="213265" y="77057"/>
+                    <a:pt x="208788" y="78200"/>
+                  </a:cubicBezTo>
+                  <a:cubicBezTo>
+                    <a:pt x="188976" y="83439"/>
+                    <a:pt x="174689" y="89345"/>
+                    <a:pt x="159449" y="98584"/>
+                  </a:cubicBezTo>
+                  <a:cubicBezTo>
+                    <a:pt x="155353" y="101060"/>
+                    <a:pt x="150209" y="100870"/>
+                    <a:pt x="146399" y="98107"/>
+                  </a:cubicBezTo>
+                  <a:lnTo>
+                    <a:pt x="109538" y="71819"/>
+                  </a:lnTo>
+                  <a:lnTo>
+                    <a:pt x="71819" y="109538"/>
+                  </a:lnTo>
+                  <a:lnTo>
+                    <a:pt x="98108" y="146399"/>
+                  </a:lnTo>
+                  <a:cubicBezTo>
+                    <a:pt x="100870" y="150304"/>
+                    <a:pt x="101060" y="155448"/>
+                    <a:pt x="98584" y="159449"/>
+                  </a:cubicBezTo>
+                  <a:cubicBezTo>
+                    <a:pt x="89345" y="174784"/>
+                    <a:pt x="82487" y="191262"/>
+                    <a:pt x="78200" y="208598"/>
+                  </a:cubicBezTo>
+                  <a:cubicBezTo>
+                    <a:pt x="77057" y="213170"/>
+                    <a:pt x="73247" y="216694"/>
+                    <a:pt x="68580" y="217456"/>
+                  </a:cubicBezTo>
+                  <a:lnTo>
+                    <a:pt x="23813" y="224885"/>
+                  </a:lnTo>
+                  <a:lnTo>
+                    <a:pt x="23813" y="278225"/>
+                  </a:lnTo>
+                  <a:lnTo>
+                    <a:pt x="68485" y="285655"/>
+                  </a:lnTo>
+                  <a:cubicBezTo>
+                    <a:pt x="73152" y="286417"/>
+                    <a:pt x="76962" y="289941"/>
+                    <a:pt x="78105" y="294513"/>
+                  </a:cubicBezTo>
+                  <a:cubicBezTo>
+                    <a:pt x="82391" y="311849"/>
+                    <a:pt x="89249" y="328422"/>
+                    <a:pt x="98489" y="343662"/>
+                  </a:cubicBezTo>
+                  <a:cubicBezTo>
+                    <a:pt x="100965" y="347758"/>
+                    <a:pt x="100775" y="352901"/>
+                    <a:pt x="98012" y="356711"/>
+                  </a:cubicBezTo>
+                  <a:lnTo>
+                    <a:pt x="71723" y="393573"/>
+                  </a:lnTo>
+                  <a:lnTo>
+                    <a:pt x="109442" y="431292"/>
+                  </a:lnTo>
+                  <a:lnTo>
+                    <a:pt x="146304" y="405003"/>
+                  </a:lnTo>
+                  <a:cubicBezTo>
+                    <a:pt x="150209" y="402241"/>
+                    <a:pt x="155258" y="402050"/>
+                    <a:pt x="159353" y="404527"/>
+                  </a:cubicBezTo>
+                  <a:cubicBezTo>
+                    <a:pt x="174593" y="413766"/>
+                    <a:pt x="191167" y="420624"/>
+                    <a:pt x="208502" y="424910"/>
+                  </a:cubicBezTo>
+                  <a:cubicBezTo>
+                    <a:pt x="213074" y="426053"/>
+                    <a:pt x="216599" y="429863"/>
+                    <a:pt x="217361" y="434531"/>
+                  </a:cubicBezTo>
+                  <a:lnTo>
+                    <a:pt x="224885" y="479298"/>
+                  </a:lnTo>
+                  <a:close/>
+                  <a:moveTo>
+                    <a:pt x="491109" y="288322"/>
+                  </a:moveTo>
+                  <a:lnTo>
+                    <a:pt x="491109" y="288322"/>
+                  </a:lnTo>
+                  <a:lnTo>
+                    <a:pt x="491109" y="288322"/>
+                  </a:lnTo>
+                  <a:close/>
+                </a:path>
+              </a:pathLst>
+            </a:custGeom>
+            <a:grpFill/>
+            <a:ln w="9525" cap="flat">
+              <a:noFill/>
+              <a:prstDash val="solid"/>
+              <a:miter/>
+            </a:ln>
+          </p:spPr>
+          <p:txBody>
+            <a:bodyPr rtlCol="0" anchor="ctr"/>
+            <a:lstStyle/>
+            <a:p>
+              <a:endParaRPr lang="en-US"/>
+            </a:p>
+          </p:txBody>
+        </p:sp>
+        <p:sp>
+          <p:nvSpPr>
+            <p:cNvPr id="6" name="Freeform: Shape 6">
+              <a:extLst>
+                <a:ext uri="{FF2B5EF4-FFF2-40B4-BE49-F238E27FC236}">
+                  <a16:creationId xmlns:a16="http://schemas.microsoft.com/office/drawing/2014/main" id="{4E5F1931-FD48-EA8E-BAF7-A3AFCDF634AC}"/>
+                </a:ext>
+              </a:extLst>
+            </p:cNvPr>
+            <p:cNvSpPr/>
+            <p:nvPr/>
+          </p:nvSpPr>
+          <p:spPr>
+            <a:xfrm>
+              <a:off x="6001617" y="3024388"/>
+              <a:ext cx="494611" cy="494553"/>
+            </a:xfrm>
+            <a:custGeom>
+              <a:avLst/>
+              <a:gdLst>
+                <a:gd name="connsiteX0" fmla="*/ 189727 w 494611"/>
+                <a:gd name="connsiteY0" fmla="*/ 494527 h 494553"/>
+                <a:gd name="connsiteX1" fmla="*/ 185155 w 494611"/>
+                <a:gd name="connsiteY1" fmla="*/ 493574 h 494553"/>
+                <a:gd name="connsiteX2" fmla="*/ 117242 w 494611"/>
+                <a:gd name="connsiteY2" fmla="*/ 465476 h 494553"/>
+                <a:gd name="connsiteX3" fmla="*/ 110765 w 494611"/>
+                <a:gd name="connsiteY3" fmla="*/ 449950 h 494553"/>
+                <a:gd name="connsiteX4" fmla="*/ 126290 w 494611"/>
+                <a:gd name="connsiteY4" fmla="*/ 443473 h 494553"/>
+                <a:gd name="connsiteX5" fmla="*/ 184869 w 494611"/>
+                <a:gd name="connsiteY5" fmla="*/ 467762 h 494553"/>
+                <a:gd name="connsiteX6" fmla="*/ 208872 w 494611"/>
+                <a:gd name="connsiteY6" fmla="*/ 429376 h 494553"/>
+                <a:gd name="connsiteX7" fmla="*/ 220778 w 494611"/>
+                <a:gd name="connsiteY7" fmla="*/ 423947 h 494553"/>
+                <a:gd name="connsiteX8" fmla="*/ 274023 w 494611"/>
+                <a:gd name="connsiteY8" fmla="*/ 423947 h 494553"/>
+                <a:gd name="connsiteX9" fmla="*/ 285929 w 494611"/>
+                <a:gd name="connsiteY9" fmla="*/ 429376 h 494553"/>
+                <a:gd name="connsiteX10" fmla="*/ 309932 w 494611"/>
+                <a:gd name="connsiteY10" fmla="*/ 467762 h 494553"/>
+                <a:gd name="connsiteX11" fmla="*/ 359272 w 494611"/>
+                <a:gd name="connsiteY11" fmla="*/ 447378 h 494553"/>
+                <a:gd name="connsiteX12" fmla="*/ 349080 w 494611"/>
+                <a:gd name="connsiteY12" fmla="*/ 403277 h 494553"/>
+                <a:gd name="connsiteX13" fmla="*/ 353652 w 494611"/>
+                <a:gd name="connsiteY13" fmla="*/ 390990 h 494553"/>
+                <a:gd name="connsiteX14" fmla="*/ 391276 w 494611"/>
+                <a:gd name="connsiteY14" fmla="*/ 353366 h 494553"/>
+                <a:gd name="connsiteX15" fmla="*/ 403563 w 494611"/>
+                <a:gd name="connsiteY15" fmla="*/ 348794 h 494553"/>
+                <a:gd name="connsiteX16" fmla="*/ 447664 w 494611"/>
+                <a:gd name="connsiteY16" fmla="*/ 358986 h 494553"/>
+                <a:gd name="connsiteX17" fmla="*/ 468047 w 494611"/>
+                <a:gd name="connsiteY17" fmla="*/ 309742 h 494553"/>
+                <a:gd name="connsiteX18" fmla="*/ 429566 w 494611"/>
+                <a:gd name="connsiteY18" fmla="*/ 285739 h 494553"/>
+                <a:gd name="connsiteX19" fmla="*/ 424137 w 494611"/>
+                <a:gd name="connsiteY19" fmla="*/ 273833 h 494553"/>
+                <a:gd name="connsiteX20" fmla="*/ 424137 w 494611"/>
+                <a:gd name="connsiteY20" fmla="*/ 220588 h 494553"/>
+                <a:gd name="connsiteX21" fmla="*/ 429566 w 494611"/>
+                <a:gd name="connsiteY21" fmla="*/ 208682 h 494553"/>
+                <a:gd name="connsiteX22" fmla="*/ 467952 w 494611"/>
+                <a:gd name="connsiteY22" fmla="*/ 184679 h 494553"/>
+                <a:gd name="connsiteX23" fmla="*/ 447569 w 494611"/>
+                <a:gd name="connsiteY23" fmla="*/ 135434 h 494553"/>
+                <a:gd name="connsiteX24" fmla="*/ 403468 w 494611"/>
+                <a:gd name="connsiteY24" fmla="*/ 145626 h 494553"/>
+                <a:gd name="connsiteX25" fmla="*/ 391181 w 494611"/>
+                <a:gd name="connsiteY25" fmla="*/ 141054 h 494553"/>
+                <a:gd name="connsiteX26" fmla="*/ 353557 w 494611"/>
+                <a:gd name="connsiteY26" fmla="*/ 103430 h 494553"/>
+                <a:gd name="connsiteX27" fmla="*/ 348985 w 494611"/>
+                <a:gd name="connsiteY27" fmla="*/ 91143 h 494553"/>
+                <a:gd name="connsiteX28" fmla="*/ 359177 w 494611"/>
+                <a:gd name="connsiteY28" fmla="*/ 47042 h 494553"/>
+                <a:gd name="connsiteX29" fmla="*/ 309837 w 494611"/>
+                <a:gd name="connsiteY29" fmla="*/ 26659 h 494553"/>
+                <a:gd name="connsiteX30" fmla="*/ 285834 w 494611"/>
+                <a:gd name="connsiteY30" fmla="*/ 65140 h 494553"/>
+                <a:gd name="connsiteX31" fmla="*/ 273928 w 494611"/>
+                <a:gd name="connsiteY31" fmla="*/ 70569 h 494553"/>
+                <a:gd name="connsiteX32" fmla="*/ 220683 w 494611"/>
+                <a:gd name="connsiteY32" fmla="*/ 70569 h 494553"/>
+                <a:gd name="connsiteX33" fmla="*/ 208777 w 494611"/>
+                <a:gd name="connsiteY33" fmla="*/ 65140 h 494553"/>
+                <a:gd name="connsiteX34" fmla="*/ 184774 w 494611"/>
+                <a:gd name="connsiteY34" fmla="*/ 26754 h 494553"/>
+                <a:gd name="connsiteX35" fmla="*/ 135434 w 494611"/>
+                <a:gd name="connsiteY35" fmla="*/ 47138 h 494553"/>
+                <a:gd name="connsiteX36" fmla="*/ 145626 w 494611"/>
+                <a:gd name="connsiteY36" fmla="*/ 91238 h 494553"/>
+                <a:gd name="connsiteX37" fmla="*/ 141054 w 494611"/>
+                <a:gd name="connsiteY37" fmla="*/ 103526 h 494553"/>
+                <a:gd name="connsiteX38" fmla="*/ 103430 w 494611"/>
+                <a:gd name="connsiteY38" fmla="*/ 141149 h 494553"/>
+                <a:gd name="connsiteX39" fmla="*/ 91143 w 494611"/>
+                <a:gd name="connsiteY39" fmla="*/ 145721 h 494553"/>
+                <a:gd name="connsiteX40" fmla="*/ 47042 w 494611"/>
+                <a:gd name="connsiteY40" fmla="*/ 135530 h 494553"/>
+                <a:gd name="connsiteX41" fmla="*/ 26659 w 494611"/>
+                <a:gd name="connsiteY41" fmla="*/ 184774 h 494553"/>
+                <a:gd name="connsiteX42" fmla="*/ 65140 w 494611"/>
+                <a:gd name="connsiteY42" fmla="*/ 208777 h 494553"/>
+                <a:gd name="connsiteX43" fmla="*/ 70569 w 494611"/>
+                <a:gd name="connsiteY43" fmla="*/ 220683 h 494553"/>
+                <a:gd name="connsiteX44" fmla="*/ 70569 w 494611"/>
+                <a:gd name="connsiteY44" fmla="*/ 273928 h 494553"/>
+                <a:gd name="connsiteX45" fmla="*/ 65140 w 494611"/>
+                <a:gd name="connsiteY45" fmla="*/ 285834 h 494553"/>
+                <a:gd name="connsiteX46" fmla="*/ 26754 w 494611"/>
+                <a:gd name="connsiteY46" fmla="*/ 309837 h 494553"/>
+                <a:gd name="connsiteX47" fmla="*/ 51043 w 494611"/>
+                <a:gd name="connsiteY47" fmla="*/ 368416 h 494553"/>
+                <a:gd name="connsiteX48" fmla="*/ 44566 w 494611"/>
+                <a:gd name="connsiteY48" fmla="*/ 383942 h 494553"/>
+                <a:gd name="connsiteX49" fmla="*/ 29040 w 494611"/>
+                <a:gd name="connsiteY49" fmla="*/ 377465 h 494553"/>
+                <a:gd name="connsiteX50" fmla="*/ 941 w 494611"/>
+                <a:gd name="connsiteY50" fmla="*/ 309551 h 494553"/>
+                <a:gd name="connsiteX51" fmla="*/ 5609 w 494611"/>
+                <a:gd name="connsiteY51" fmla="*/ 294883 h 494553"/>
+                <a:gd name="connsiteX52" fmla="*/ 46090 w 494611"/>
+                <a:gd name="connsiteY52" fmla="*/ 269642 h 494553"/>
+                <a:gd name="connsiteX53" fmla="*/ 46090 w 494611"/>
+                <a:gd name="connsiteY53" fmla="*/ 224969 h 494553"/>
+                <a:gd name="connsiteX54" fmla="*/ 5609 w 494611"/>
+                <a:gd name="connsiteY54" fmla="*/ 199728 h 494553"/>
+                <a:gd name="connsiteX55" fmla="*/ 941 w 494611"/>
+                <a:gd name="connsiteY55" fmla="*/ 185060 h 494553"/>
+                <a:gd name="connsiteX56" fmla="*/ 29040 w 494611"/>
+                <a:gd name="connsiteY56" fmla="*/ 117146 h 494553"/>
+                <a:gd name="connsiteX57" fmla="*/ 42756 w 494611"/>
+                <a:gd name="connsiteY57" fmla="*/ 110098 h 494553"/>
+                <a:gd name="connsiteX58" fmla="*/ 89238 w 494611"/>
+                <a:gd name="connsiteY58" fmla="*/ 120861 h 494553"/>
+                <a:gd name="connsiteX59" fmla="*/ 120861 w 494611"/>
+                <a:gd name="connsiteY59" fmla="*/ 89238 h 494553"/>
+                <a:gd name="connsiteX60" fmla="*/ 110098 w 494611"/>
+                <a:gd name="connsiteY60" fmla="*/ 42756 h 494553"/>
+                <a:gd name="connsiteX61" fmla="*/ 117146 w 494611"/>
+                <a:gd name="connsiteY61" fmla="*/ 29040 h 494553"/>
+                <a:gd name="connsiteX62" fmla="*/ 185060 w 494611"/>
+                <a:gd name="connsiteY62" fmla="*/ 941 h 494553"/>
+                <a:gd name="connsiteX63" fmla="*/ 199728 w 494611"/>
+                <a:gd name="connsiteY63" fmla="*/ 5609 h 494553"/>
+                <a:gd name="connsiteX64" fmla="*/ 224969 w 494611"/>
+                <a:gd name="connsiteY64" fmla="*/ 46090 h 494553"/>
+                <a:gd name="connsiteX65" fmla="*/ 269642 w 494611"/>
+                <a:gd name="connsiteY65" fmla="*/ 46090 h 494553"/>
+                <a:gd name="connsiteX66" fmla="*/ 294883 w 494611"/>
+                <a:gd name="connsiteY66" fmla="*/ 5609 h 494553"/>
+                <a:gd name="connsiteX67" fmla="*/ 309551 w 494611"/>
+                <a:gd name="connsiteY67" fmla="*/ 941 h 494553"/>
+                <a:gd name="connsiteX68" fmla="*/ 377465 w 494611"/>
+                <a:gd name="connsiteY68" fmla="*/ 29040 h 494553"/>
+                <a:gd name="connsiteX69" fmla="*/ 384513 w 494611"/>
+                <a:gd name="connsiteY69" fmla="*/ 42756 h 494553"/>
+                <a:gd name="connsiteX70" fmla="*/ 373750 w 494611"/>
+                <a:gd name="connsiteY70" fmla="*/ 89238 h 494553"/>
+                <a:gd name="connsiteX71" fmla="*/ 405373 w 494611"/>
+                <a:gd name="connsiteY71" fmla="*/ 120861 h 494553"/>
+                <a:gd name="connsiteX72" fmla="*/ 451855 w 494611"/>
+                <a:gd name="connsiteY72" fmla="*/ 110098 h 494553"/>
+                <a:gd name="connsiteX73" fmla="*/ 465571 w 494611"/>
+                <a:gd name="connsiteY73" fmla="*/ 117146 h 494553"/>
+                <a:gd name="connsiteX74" fmla="*/ 493670 w 494611"/>
+                <a:gd name="connsiteY74" fmla="*/ 185060 h 494553"/>
+                <a:gd name="connsiteX75" fmla="*/ 489002 w 494611"/>
+                <a:gd name="connsiteY75" fmla="*/ 199728 h 494553"/>
+                <a:gd name="connsiteX76" fmla="*/ 448521 w 494611"/>
+                <a:gd name="connsiteY76" fmla="*/ 224969 h 494553"/>
+                <a:gd name="connsiteX77" fmla="*/ 448521 w 494611"/>
+                <a:gd name="connsiteY77" fmla="*/ 269642 h 494553"/>
+                <a:gd name="connsiteX78" fmla="*/ 489002 w 494611"/>
+                <a:gd name="connsiteY78" fmla="*/ 294883 h 494553"/>
+                <a:gd name="connsiteX79" fmla="*/ 493670 w 494611"/>
+                <a:gd name="connsiteY79" fmla="*/ 309551 h 494553"/>
+                <a:gd name="connsiteX80" fmla="*/ 465571 w 494611"/>
+                <a:gd name="connsiteY80" fmla="*/ 377465 h 494553"/>
+                <a:gd name="connsiteX81" fmla="*/ 451855 w 494611"/>
+                <a:gd name="connsiteY81" fmla="*/ 384513 h 494553"/>
+                <a:gd name="connsiteX82" fmla="*/ 405373 w 494611"/>
+                <a:gd name="connsiteY82" fmla="*/ 373750 h 494553"/>
+                <a:gd name="connsiteX83" fmla="*/ 373750 w 494611"/>
+                <a:gd name="connsiteY83" fmla="*/ 405373 h 494553"/>
+                <a:gd name="connsiteX84" fmla="*/ 384513 w 494611"/>
+                <a:gd name="connsiteY84" fmla="*/ 451855 h 494553"/>
+                <a:gd name="connsiteX85" fmla="*/ 377465 w 494611"/>
+                <a:gd name="connsiteY85" fmla="*/ 465571 h 494553"/>
+                <a:gd name="connsiteX86" fmla="*/ 309551 w 494611"/>
+                <a:gd name="connsiteY86" fmla="*/ 493670 h 494553"/>
+                <a:gd name="connsiteX87" fmla="*/ 294883 w 494611"/>
+                <a:gd name="connsiteY87" fmla="*/ 489002 h 494553"/>
+                <a:gd name="connsiteX88" fmla="*/ 269642 w 494611"/>
+                <a:gd name="connsiteY88" fmla="*/ 448521 h 494553"/>
+                <a:gd name="connsiteX89" fmla="*/ 224969 w 494611"/>
+                <a:gd name="connsiteY89" fmla="*/ 448521 h 494553"/>
+                <a:gd name="connsiteX90" fmla="*/ 199728 w 494611"/>
+                <a:gd name="connsiteY90" fmla="*/ 489002 h 494553"/>
+                <a:gd name="connsiteX91" fmla="*/ 189727 w 494611"/>
+                <a:gd name="connsiteY91" fmla="*/ 494527 h 494553"/>
+              </a:gdLst>
+              <a:ahLst/>
+              <a:cxnLst>
+                <a:cxn ang="0">
+                  <a:pos x="connsiteX0" y="connsiteY0"/>
+                </a:cxn>
+                <a:cxn ang="0">
+                  <a:pos x="connsiteX1" y="connsiteY1"/>
+                </a:cxn>
+                <a:cxn ang="0">
+                  <a:pos x="connsiteX2" y="connsiteY2"/>
+                </a:cxn>
+                <a:cxn ang="0">
+                  <a:pos x="connsiteX3" y="connsiteY3"/>
+                </a:cxn>
+                <a:cxn ang="0">
+                  <a:pos x="connsiteX4" y="connsiteY4"/>
+                </a:cxn>
+                <a:cxn ang="0">
+                  <a:pos x="connsiteX5" y="connsiteY5"/>
+                </a:cxn>
+                <a:cxn ang="0">
+                  <a:pos x="connsiteX6" y="connsiteY6"/>
+                </a:cxn>
+                <a:cxn ang="0">
+                  <a:pos x="connsiteX7" y="connsiteY7"/>
+                </a:cxn>
+                <a:cxn ang="0">
+                  <a:pos x="connsiteX8" y="connsiteY8"/>
+                </a:cxn>
+                <a:cxn ang="0">
+                  <a:pos x="connsiteX9" y="connsiteY9"/>
+                </a:cxn>
+                <a:cxn ang="0">
+                  <a:pos x="connsiteX10" y="connsiteY10"/>
+                </a:cxn>
+                <a:cxn ang="0">
+                  <a:pos x="connsiteX11" y="connsiteY11"/>
+                </a:cxn>
+                <a:cxn ang="0">
+                  <a:pos x="connsiteX12" y="connsiteY12"/>
+                </a:cxn>
+                <a:cxn ang="0">
+                  <a:pos x="connsiteX13" y="connsiteY13"/>
+                </a:cxn>
+                <a:cxn ang="0">
+                  <a:pos x="connsiteX14" y="connsiteY14"/>
+                </a:cxn>
+                <a:cxn ang="0">
+                  <a:pos x="connsiteX15" y="connsiteY15"/>
+                </a:cxn>
+                <a:cxn ang="0">
+                  <a:pos x="connsiteX16" y="connsiteY16"/>
+                </a:cxn>
+                <a:cxn ang="0">
+                  <a:pos x="connsiteX17" y="connsiteY17"/>
+                </a:cxn>
+                <a:cxn ang="0">
+                  <a:pos x="connsiteX18" y="connsiteY18"/>
+                </a:cxn>
+                <a:cxn ang="0">
+                  <a:pos x="connsiteX19" y="connsiteY19"/>
+                </a:cxn>
+                <a:cxn ang="0">
+                  <a:pos x="connsiteX20" y="connsiteY20"/>
+                </a:cxn>
+                <a:cxn ang="0">
+                  <a:pos x="connsiteX21" y="connsiteY21"/>
+                </a:cxn>
+                <a:cxn ang="0">
+                  <a:pos x="connsiteX22" y="connsiteY22"/>
+                </a:cxn>
+                <a:cxn ang="0">
+                  <a:pos x="connsiteX23" y="connsiteY23"/>
+                </a:cxn>
+                <a:cxn ang="0">
+                  <a:pos x="connsiteX24" y="connsiteY24"/>
+                </a:cxn>
+                <a:cxn ang="0">
+                  <a:pos x="connsiteX25" y="connsiteY25"/>
+                </a:cxn>
+                <a:cxn ang="0">
+                  <a:pos x="connsiteX26" y="connsiteY26"/>
+                </a:cxn>
+                <a:cxn ang="0">
+                  <a:pos x="connsiteX27" y="connsiteY27"/>
+                </a:cxn>
+                <a:cxn ang="0">
+                  <a:pos x="connsiteX28" y="connsiteY28"/>
+                </a:cxn>
+                <a:cxn ang="0">
+                  <a:pos x="connsiteX29" y="connsiteY29"/>
+                </a:cxn>
+                <a:cxn ang="0">
+                  <a:pos x="connsiteX30" y="connsiteY30"/>
+                </a:cxn>
+                <a:cxn ang="0">
+                  <a:pos x="connsiteX31" y="connsiteY31"/>
+                </a:cxn>
+                <a:cxn ang="0">
+                  <a:pos x="connsiteX32" y="connsiteY32"/>
+                </a:cxn>
+                <a:cxn ang="0">
+                  <a:pos x="connsiteX33" y="connsiteY33"/>
+                </a:cxn>
+                <a:cxn ang="0">
+                  <a:pos x="connsiteX34" y="connsiteY34"/>
+                </a:cxn>
+                <a:cxn ang="0">
+                  <a:pos x="connsiteX35" y="connsiteY35"/>
+                </a:cxn>
+                <a:cxn ang="0">
+                  <a:pos x="connsiteX36" y="connsiteY36"/>
+                </a:cxn>
+                <a:cxn ang="0">
+                  <a:pos x="connsiteX37" y="connsiteY37"/>
+                </a:cxn>
+                <a:cxn ang="0">
+                  <a:pos x="connsiteX38" y="connsiteY38"/>
+                </a:cxn>
+                <a:cxn ang="0">
+                  <a:pos x="connsiteX39" y="connsiteY39"/>
+                </a:cxn>
+                <a:cxn ang="0">
+                  <a:pos x="connsiteX40" y="connsiteY40"/>
+                </a:cxn>
+                <a:cxn ang="0">
+                  <a:pos x="connsiteX41" y="connsiteY41"/>
+                </a:cxn>
+                <a:cxn ang="0">
+                  <a:pos x="connsiteX42" y="connsiteY42"/>
+                </a:cxn>
+                <a:cxn ang="0">
+                  <a:pos x="connsiteX43" y="connsiteY43"/>
+                </a:cxn>
+                <a:cxn ang="0">
+                  <a:pos x="connsiteX44" y="connsiteY44"/>
+                </a:cxn>
+                <a:cxn ang="0">
+                  <a:pos x="connsiteX45" y="connsiteY45"/>
+                </a:cxn>
+                <a:cxn ang="0">
+                  <a:pos x="connsiteX46" y="connsiteY46"/>
+                </a:cxn>
+                <a:cxn ang="0">
+                  <a:pos x="connsiteX47" y="connsiteY47"/>
+                </a:cxn>
+                <a:cxn ang="0">
+                  <a:pos x="connsiteX48" y="connsiteY48"/>
+                </a:cxn>
+                <a:cxn ang="0">
+                  <a:pos x="connsiteX49" y="connsiteY49"/>
+                </a:cxn>
+                <a:cxn ang="0">
+                  <a:pos x="connsiteX50" y="connsiteY50"/>
+                </a:cxn>
+                <a:cxn ang="0">
+                  <a:pos x="connsiteX51" y="connsiteY51"/>
+                </a:cxn>
+                <a:cxn ang="0">
+                  <a:pos x="connsiteX52" y="connsiteY52"/>
+                </a:cxn>
+                <a:cxn ang="0">
+                  <a:pos x="connsiteX53" y="connsiteY53"/>
+                </a:cxn>
+                <a:cxn ang="0">
+                  <a:pos x="connsiteX54" y="connsiteY54"/>
+                </a:cxn>
+                <a:cxn ang="0">
+                  <a:pos x="connsiteX55" y="connsiteY55"/>
+                </a:cxn>
+                <a:cxn ang="0">
+                  <a:pos x="connsiteX56" y="connsiteY56"/>
+                </a:cxn>
+                <a:cxn ang="0">
+                  <a:pos x="connsiteX57" y="connsiteY57"/>
+                </a:cxn>
+                <a:cxn ang="0">
+                  <a:pos x="connsiteX58" y="connsiteY58"/>
+                </a:cxn>
+                <a:cxn ang="0">
+                  <a:pos x="connsiteX59" y="connsiteY59"/>
+                </a:cxn>
+                <a:cxn ang="0">
+                  <a:pos x="connsiteX60" y="connsiteY60"/>
+                </a:cxn>
+                <a:cxn ang="0">
+                  <a:pos x="connsiteX61" y="connsiteY61"/>
+                </a:cxn>
+                <a:cxn ang="0">
+                  <a:pos x="connsiteX62" y="connsiteY62"/>
+                </a:cxn>
+                <a:cxn ang="0">
+                  <a:pos x="connsiteX63" y="connsiteY63"/>
+                </a:cxn>
+                <a:cxn ang="0">
+                  <a:pos x="connsiteX64" y="connsiteY64"/>
+                </a:cxn>
+                <a:cxn ang="0">
+                  <a:pos x="connsiteX65" y="connsiteY65"/>
+                </a:cxn>
+                <a:cxn ang="0">
+                  <a:pos x="connsiteX66" y="connsiteY66"/>
+                </a:cxn>
+                <a:cxn ang="0">
+                  <a:pos x="connsiteX67" y="connsiteY67"/>
+                </a:cxn>
+                <a:cxn ang="0">
+                  <a:pos x="connsiteX68" y="connsiteY68"/>
+                </a:cxn>
+                <a:cxn ang="0">
+                  <a:pos x="connsiteX69" y="connsiteY69"/>
+                </a:cxn>
+                <a:cxn ang="0">
+                  <a:pos x="connsiteX70" y="connsiteY70"/>
+                </a:cxn>
+                <a:cxn ang="0">
+                  <a:pos x="connsiteX71" y="connsiteY71"/>
+                </a:cxn>
+                <a:cxn ang="0">
+                  <a:pos x="connsiteX72" y="connsiteY72"/>
+                </a:cxn>
+                <a:cxn ang="0">
+                  <a:pos x="connsiteX73" y="connsiteY73"/>
+                </a:cxn>
+                <a:cxn ang="0">
+                  <a:pos x="connsiteX74" y="connsiteY74"/>
+                </a:cxn>
+                <a:cxn ang="0">
+                  <a:pos x="connsiteX75" y="connsiteY75"/>
+                </a:cxn>
+                <a:cxn ang="0">
+                  <a:pos x="connsiteX76" y="connsiteY76"/>
+                </a:cxn>
+                <a:cxn ang="0">
+                  <a:pos x="connsiteX77" y="connsiteY77"/>
+                </a:cxn>
+                <a:cxn ang="0">
+                  <a:pos x="connsiteX78" y="connsiteY78"/>
+                </a:cxn>
+                <a:cxn ang="0">
+                  <a:pos x="connsiteX79" y="connsiteY79"/>
+                </a:cxn>
+                <a:cxn ang="0">
+                  <a:pos x="connsiteX80" y="connsiteY80"/>
+                </a:cxn>
+                <a:cxn ang="0">
+                  <a:pos x="connsiteX81" y="connsiteY81"/>
+                </a:cxn>
+                <a:cxn ang="0">
+                  <a:pos x="connsiteX82" y="connsiteY82"/>
+                </a:cxn>
+                <a:cxn ang="0">
+                  <a:pos x="connsiteX83" y="connsiteY83"/>
+                </a:cxn>
+                <a:cxn ang="0">
+                  <a:pos x="connsiteX84" y="connsiteY84"/>
+                </a:cxn>
+                <a:cxn ang="0">
+                  <a:pos x="connsiteX85" y="connsiteY85"/>
+                </a:cxn>
+                <a:cxn ang="0">
+                  <a:pos x="connsiteX86" y="connsiteY86"/>
+                </a:cxn>
+                <a:cxn ang="0">
+                  <a:pos x="connsiteX87" y="connsiteY87"/>
+                </a:cxn>
+                <a:cxn ang="0">
+                  <a:pos x="connsiteX88" y="connsiteY88"/>
+                </a:cxn>
+                <a:cxn ang="0">
+                  <a:pos x="connsiteX89" y="connsiteY89"/>
+                </a:cxn>
+                <a:cxn ang="0">
+                  <a:pos x="connsiteX90" y="connsiteY90"/>
+                </a:cxn>
+                <a:cxn ang="0">
+                  <a:pos x="connsiteX91" y="connsiteY91"/>
+                </a:cxn>
+              </a:cxnLst>
+              <a:rect l="l" t="t" r="r" b="b"/>
+              <a:pathLst>
+                <a:path w="494611" h="494553">
+                  <a:moveTo>
+                    <a:pt x="189727" y="494527"/>
+                  </a:moveTo>
+                  <a:cubicBezTo>
+                    <a:pt x="188203" y="494527"/>
+                    <a:pt x="186679" y="494241"/>
+                    <a:pt x="185155" y="493574"/>
+                  </a:cubicBezTo>
+                  <a:lnTo>
+                    <a:pt x="117242" y="465476"/>
+                  </a:lnTo>
+                  <a:cubicBezTo>
+                    <a:pt x="111146" y="462999"/>
+                    <a:pt x="108288" y="455951"/>
+                    <a:pt x="110765" y="449950"/>
+                  </a:cubicBezTo>
+                  <a:cubicBezTo>
+                    <a:pt x="113241" y="443854"/>
+                    <a:pt x="120194" y="440996"/>
+                    <a:pt x="126290" y="443473"/>
+                  </a:cubicBezTo>
+                  <a:lnTo>
+                    <a:pt x="184869" y="467762"/>
+                  </a:lnTo>
+                  <a:lnTo>
+                    <a:pt x="208872" y="429376"/>
+                  </a:lnTo>
+                  <a:cubicBezTo>
+                    <a:pt x="211349" y="425375"/>
+                    <a:pt x="216111" y="423185"/>
+                    <a:pt x="220778" y="423947"/>
+                  </a:cubicBezTo>
+                  <a:cubicBezTo>
+                    <a:pt x="238400" y="426614"/>
+                    <a:pt x="256307" y="426614"/>
+                    <a:pt x="274023" y="423947"/>
+                  </a:cubicBezTo>
+                  <a:cubicBezTo>
+                    <a:pt x="278690" y="423185"/>
+                    <a:pt x="283358" y="425375"/>
+                    <a:pt x="285929" y="429376"/>
+                  </a:cubicBezTo>
+                  <a:lnTo>
+                    <a:pt x="309932" y="467762"/>
+                  </a:lnTo>
+                  <a:lnTo>
+                    <a:pt x="359272" y="447378"/>
+                  </a:lnTo>
+                  <a:lnTo>
+                    <a:pt x="349080" y="403277"/>
+                  </a:lnTo>
+                  <a:cubicBezTo>
+                    <a:pt x="348032" y="398610"/>
+                    <a:pt x="349747" y="393848"/>
+                    <a:pt x="353652" y="390990"/>
+                  </a:cubicBezTo>
+                  <a:cubicBezTo>
+                    <a:pt x="368035" y="380417"/>
+                    <a:pt x="380703" y="367749"/>
+                    <a:pt x="391276" y="353366"/>
+                  </a:cubicBezTo>
+                  <a:cubicBezTo>
+                    <a:pt x="394133" y="349556"/>
+                    <a:pt x="398896" y="347747"/>
+                    <a:pt x="403563" y="348794"/>
+                  </a:cubicBezTo>
+                  <a:lnTo>
+                    <a:pt x="447664" y="358986"/>
+                  </a:lnTo>
+                  <a:lnTo>
+                    <a:pt x="468047" y="309742"/>
+                  </a:lnTo>
+                  <a:lnTo>
+                    <a:pt x="429566" y="285739"/>
+                  </a:lnTo>
+                  <a:cubicBezTo>
+                    <a:pt x="425566" y="283262"/>
+                    <a:pt x="423375" y="278595"/>
+                    <a:pt x="424137" y="273833"/>
+                  </a:cubicBezTo>
+                  <a:cubicBezTo>
+                    <a:pt x="426804" y="256211"/>
+                    <a:pt x="426804" y="238304"/>
+                    <a:pt x="424137" y="220588"/>
+                  </a:cubicBezTo>
+                  <a:cubicBezTo>
+                    <a:pt x="423470" y="215921"/>
+                    <a:pt x="425566" y="211253"/>
+                    <a:pt x="429566" y="208682"/>
+                  </a:cubicBezTo>
+                  <a:lnTo>
+                    <a:pt x="467952" y="184679"/>
+                  </a:lnTo>
+                  <a:lnTo>
+                    <a:pt x="447569" y="135434"/>
+                  </a:lnTo>
+                  <a:lnTo>
+                    <a:pt x="403468" y="145626"/>
+                  </a:lnTo>
+                  <a:cubicBezTo>
+                    <a:pt x="398801" y="146674"/>
+                    <a:pt x="394038" y="144864"/>
+                    <a:pt x="391181" y="141054"/>
+                  </a:cubicBezTo>
+                  <a:cubicBezTo>
+                    <a:pt x="380608" y="126671"/>
+                    <a:pt x="367940" y="114003"/>
+                    <a:pt x="353557" y="103430"/>
+                  </a:cubicBezTo>
+                  <a:cubicBezTo>
+                    <a:pt x="349747" y="100573"/>
+                    <a:pt x="347937" y="95810"/>
+                    <a:pt x="348985" y="91143"/>
+                  </a:cubicBezTo>
+                  <a:lnTo>
+                    <a:pt x="359177" y="47042"/>
+                  </a:lnTo>
+                  <a:lnTo>
+                    <a:pt x="309837" y="26659"/>
+                  </a:lnTo>
+                  <a:lnTo>
+                    <a:pt x="285834" y="65140"/>
+                  </a:lnTo>
+                  <a:cubicBezTo>
+                    <a:pt x="283358" y="69140"/>
+                    <a:pt x="278690" y="71331"/>
+                    <a:pt x="273928" y="70569"/>
+                  </a:cubicBezTo>
+                  <a:cubicBezTo>
+                    <a:pt x="256307" y="67902"/>
+                    <a:pt x="238400" y="67902"/>
+                    <a:pt x="220683" y="70569"/>
+                  </a:cubicBezTo>
+                  <a:cubicBezTo>
+                    <a:pt x="216016" y="71331"/>
+                    <a:pt x="211349" y="69140"/>
+                    <a:pt x="208777" y="65140"/>
+                  </a:cubicBezTo>
+                  <a:lnTo>
+                    <a:pt x="184774" y="26754"/>
+                  </a:lnTo>
+                  <a:lnTo>
+                    <a:pt x="135434" y="47138"/>
+                  </a:lnTo>
+                  <a:lnTo>
+                    <a:pt x="145626" y="91238"/>
+                  </a:lnTo>
+                  <a:cubicBezTo>
+                    <a:pt x="146674" y="95906"/>
+                    <a:pt x="144959" y="100668"/>
+                    <a:pt x="141054" y="103526"/>
+                  </a:cubicBezTo>
+                  <a:cubicBezTo>
+                    <a:pt x="126671" y="114098"/>
+                    <a:pt x="114003" y="126767"/>
+                    <a:pt x="103430" y="141149"/>
+                  </a:cubicBezTo>
+                  <a:cubicBezTo>
+                    <a:pt x="100573" y="144959"/>
+                    <a:pt x="95810" y="146769"/>
+                    <a:pt x="91143" y="145721"/>
+                  </a:cubicBezTo>
+                  <a:lnTo>
+                    <a:pt x="47042" y="135530"/>
+                  </a:lnTo>
+                  <a:lnTo>
+                    <a:pt x="26659" y="184774"/>
+                  </a:lnTo>
+                  <a:lnTo>
+                    <a:pt x="65140" y="208777"/>
+                  </a:lnTo>
+                  <a:cubicBezTo>
+                    <a:pt x="69140" y="211253"/>
+                    <a:pt x="71331" y="215921"/>
+                    <a:pt x="70569" y="220683"/>
+                  </a:cubicBezTo>
+                  <a:cubicBezTo>
+                    <a:pt x="67902" y="238304"/>
+                    <a:pt x="67902" y="256211"/>
+                    <a:pt x="70569" y="273928"/>
+                  </a:cubicBezTo>
+                  <a:cubicBezTo>
+                    <a:pt x="71236" y="278595"/>
+                    <a:pt x="69140" y="283262"/>
+                    <a:pt x="65140" y="285834"/>
+                  </a:cubicBezTo>
+                  <a:lnTo>
+                    <a:pt x="26754" y="309837"/>
+                  </a:lnTo>
+                  <a:lnTo>
+                    <a:pt x="51043" y="368416"/>
+                  </a:lnTo>
+                  <a:cubicBezTo>
+                    <a:pt x="53519" y="374512"/>
+                    <a:pt x="50662" y="381465"/>
+                    <a:pt x="44566" y="383942"/>
+                  </a:cubicBezTo>
+                  <a:cubicBezTo>
+                    <a:pt x="38470" y="386418"/>
+                    <a:pt x="31517" y="383561"/>
+                    <a:pt x="29040" y="377465"/>
+                  </a:cubicBezTo>
+                  <a:lnTo>
+                    <a:pt x="941" y="309551"/>
+                  </a:lnTo>
+                  <a:cubicBezTo>
+                    <a:pt x="-1249" y="304217"/>
+                    <a:pt x="656" y="297931"/>
+                    <a:pt x="5609" y="294883"/>
+                  </a:cubicBezTo>
+                  <a:lnTo>
+                    <a:pt x="46090" y="269642"/>
+                  </a:lnTo>
+                  <a:cubicBezTo>
+                    <a:pt x="44471" y="254783"/>
+                    <a:pt x="44471" y="239828"/>
+                    <a:pt x="46090" y="224969"/>
+                  </a:cubicBezTo>
+                  <a:lnTo>
+                    <a:pt x="5609" y="199728"/>
+                  </a:lnTo>
+                  <a:cubicBezTo>
+                    <a:pt x="656" y="196680"/>
+                    <a:pt x="-1345" y="190489"/>
+                    <a:pt x="941" y="185060"/>
+                  </a:cubicBezTo>
+                  <a:lnTo>
+                    <a:pt x="29040" y="117146"/>
+                  </a:lnTo>
+                  <a:cubicBezTo>
+                    <a:pt x="31231" y="111812"/>
+                    <a:pt x="37041" y="108764"/>
+                    <a:pt x="42756" y="110098"/>
+                  </a:cubicBezTo>
+                  <a:lnTo>
+                    <a:pt x="89238" y="120861"/>
+                  </a:lnTo>
+                  <a:cubicBezTo>
+                    <a:pt x="98573" y="109145"/>
+                    <a:pt x="109145" y="98573"/>
+                    <a:pt x="120861" y="89238"/>
+                  </a:cubicBezTo>
+                  <a:lnTo>
+                    <a:pt x="110098" y="42756"/>
+                  </a:lnTo>
+                  <a:cubicBezTo>
+                    <a:pt x="108764" y="37041"/>
+                    <a:pt x="111717" y="31326"/>
+                    <a:pt x="117146" y="29040"/>
+                  </a:cubicBezTo>
+                  <a:lnTo>
+                    <a:pt x="185060" y="941"/>
+                  </a:lnTo>
+                  <a:cubicBezTo>
+                    <a:pt x="190394" y="-1345"/>
+                    <a:pt x="196680" y="656"/>
+                    <a:pt x="199728" y="5609"/>
+                  </a:cubicBezTo>
+                  <a:lnTo>
+                    <a:pt x="224969" y="46090"/>
+                  </a:lnTo>
+                  <a:cubicBezTo>
+                    <a:pt x="239828" y="44471"/>
+                    <a:pt x="254783" y="44471"/>
+                    <a:pt x="269642" y="46090"/>
+                  </a:cubicBezTo>
+                  <a:lnTo>
+                    <a:pt x="294883" y="5609"/>
+                  </a:lnTo>
+                  <a:cubicBezTo>
+                    <a:pt x="297931" y="656"/>
+                    <a:pt x="304217" y="-1345"/>
+                    <a:pt x="309551" y="941"/>
+                  </a:cubicBezTo>
+                  <a:lnTo>
+                    <a:pt x="377465" y="29040"/>
+                  </a:lnTo>
+                  <a:cubicBezTo>
+                    <a:pt x="382799" y="31231"/>
+                    <a:pt x="385847" y="37041"/>
+                    <a:pt x="384513" y="42756"/>
+                  </a:cubicBezTo>
+                  <a:lnTo>
+                    <a:pt x="373750" y="89238"/>
+                  </a:lnTo>
+                  <a:cubicBezTo>
+                    <a:pt x="385466" y="98573"/>
+                    <a:pt x="396038" y="109145"/>
+                    <a:pt x="405373" y="120861"/>
+                  </a:cubicBezTo>
+                  <a:lnTo>
+                    <a:pt x="451855" y="110098"/>
+                  </a:lnTo>
+                  <a:cubicBezTo>
+                    <a:pt x="457570" y="108764"/>
+                    <a:pt x="463285" y="111812"/>
+                    <a:pt x="465571" y="117146"/>
+                  </a:cubicBezTo>
+                  <a:lnTo>
+                    <a:pt x="493670" y="185060"/>
+                  </a:lnTo>
+                  <a:cubicBezTo>
+                    <a:pt x="495860" y="190394"/>
+                    <a:pt x="493955" y="196680"/>
+                    <a:pt x="489002" y="199728"/>
+                  </a:cubicBezTo>
+                  <a:lnTo>
+                    <a:pt x="448521" y="224969"/>
+                  </a:lnTo>
+                  <a:cubicBezTo>
+                    <a:pt x="450140" y="239828"/>
+                    <a:pt x="450140" y="254783"/>
+                    <a:pt x="448521" y="269642"/>
+                  </a:cubicBezTo>
+                  <a:lnTo>
+                    <a:pt x="489002" y="294883"/>
+                  </a:lnTo>
+                  <a:cubicBezTo>
+                    <a:pt x="493955" y="297931"/>
+                    <a:pt x="495956" y="304122"/>
+                    <a:pt x="493670" y="309551"/>
+                  </a:cubicBezTo>
+                  <a:lnTo>
+                    <a:pt x="465571" y="377465"/>
+                  </a:lnTo>
+                  <a:cubicBezTo>
+                    <a:pt x="463380" y="382799"/>
+                    <a:pt x="457570" y="385847"/>
+                    <a:pt x="451855" y="384513"/>
+                  </a:cubicBezTo>
+                  <a:lnTo>
+                    <a:pt x="405373" y="373750"/>
+                  </a:lnTo>
+                  <a:cubicBezTo>
+                    <a:pt x="396038" y="385466"/>
+                    <a:pt x="385466" y="396038"/>
+                    <a:pt x="373750" y="405373"/>
+                  </a:cubicBezTo>
+                  <a:lnTo>
+                    <a:pt x="384513" y="451855"/>
+                  </a:lnTo>
+                  <a:cubicBezTo>
+                    <a:pt x="385847" y="457570"/>
+                    <a:pt x="382894" y="463285"/>
+                    <a:pt x="377465" y="465571"/>
+                  </a:cubicBezTo>
+                  <a:lnTo>
+                    <a:pt x="309551" y="493670"/>
+                  </a:lnTo>
+                  <a:cubicBezTo>
+                    <a:pt x="304122" y="495860"/>
+                    <a:pt x="297931" y="493860"/>
+                    <a:pt x="294883" y="489002"/>
+                  </a:cubicBezTo>
+                  <a:lnTo>
+                    <a:pt x="269642" y="448521"/>
+                  </a:lnTo>
+                  <a:cubicBezTo>
+                    <a:pt x="254783" y="450140"/>
+                    <a:pt x="239828" y="450140"/>
+                    <a:pt x="224969" y="448521"/>
+                  </a:cubicBezTo>
+                  <a:lnTo>
+                    <a:pt x="199728" y="489002"/>
+                  </a:lnTo>
+                  <a:cubicBezTo>
+                    <a:pt x="197633" y="492431"/>
+                    <a:pt x="193823" y="494527"/>
+                    <a:pt x="189727" y="494527"/>
+                  </a:cubicBezTo>
+                  <a:close/>
+                </a:path>
+              </a:pathLst>
+            </a:custGeom>
+            <a:grpFill/>
+            <a:ln w="9525" cap="flat">
+              <a:noFill/>
+              <a:prstDash val="solid"/>
+              <a:miter/>
+            </a:ln>
+          </p:spPr>
+          <p:txBody>
+            <a:bodyPr rtlCol="0" anchor="ctr"/>
+            <a:lstStyle/>
+            <a:p>
+              <a:endParaRPr lang="en-US"/>
+            </a:p>
+          </p:txBody>
+        </p:sp>
+        <p:sp>
+          <p:nvSpPr>
+            <p:cNvPr id="7" name="Freeform: Shape 7">
+              <a:extLst>
+                <a:ext uri="{FF2B5EF4-FFF2-40B4-BE49-F238E27FC236}">
+                  <a16:creationId xmlns:a16="http://schemas.microsoft.com/office/drawing/2014/main" id="{70D4F59C-9DD2-FFF5-A105-252A47208D12}"/>
+                </a:ext>
+              </a:extLst>
+            </p:cNvPr>
+            <p:cNvSpPr/>
+            <p:nvPr/>
+          </p:nvSpPr>
+          <p:spPr>
+            <a:xfrm>
+              <a:off x="5850468" y="3493412"/>
+              <a:ext cx="173497" cy="173521"/>
+            </a:xfrm>
+            <a:custGeom>
+              <a:avLst/>
+              <a:gdLst>
+                <a:gd name="connsiteX0" fmla="*/ 11882 w 173497"/>
+                <a:gd name="connsiteY0" fmla="*/ 173522 h 173521"/>
+                <a:gd name="connsiteX1" fmla="*/ 3500 w 173497"/>
+                <a:gd name="connsiteY1" fmla="*/ 169997 h 173521"/>
+                <a:gd name="connsiteX2" fmla="*/ 3500 w 173497"/>
+                <a:gd name="connsiteY2" fmla="*/ 153138 h 173521"/>
+                <a:gd name="connsiteX3" fmla="*/ 153138 w 173497"/>
+                <a:gd name="connsiteY3" fmla="*/ 3500 h 173521"/>
+                <a:gd name="connsiteX4" fmla="*/ 169997 w 173497"/>
+                <a:gd name="connsiteY4" fmla="*/ 3500 h 173521"/>
+                <a:gd name="connsiteX5" fmla="*/ 169997 w 173497"/>
+                <a:gd name="connsiteY5" fmla="*/ 20360 h 173521"/>
+                <a:gd name="connsiteX6" fmla="*/ 20264 w 173497"/>
+                <a:gd name="connsiteY6" fmla="*/ 170093 h 173521"/>
+                <a:gd name="connsiteX7" fmla="*/ 11882 w 173497"/>
+                <a:gd name="connsiteY7" fmla="*/ 173522 h 173521"/>
+              </a:gdLst>
+              <a:ahLst/>
+              <a:cxnLst>
+                <a:cxn ang="0">
+                  <a:pos x="connsiteX0" y="connsiteY0"/>
+                </a:cxn>
+                <a:cxn ang="0">
+                  <a:pos x="connsiteX1" y="connsiteY1"/>
+                </a:cxn>
+                <a:cxn ang="0">
+                  <a:pos x="connsiteX2" y="connsiteY2"/>
+                </a:cxn>
+                <a:cxn ang="0">
+                  <a:pos x="connsiteX3" y="connsiteY3"/>
+                </a:cxn>
+                <a:cxn ang="0">
+                  <a:pos x="connsiteX4" y="connsiteY4"/>
+                </a:cxn>
+                <a:cxn ang="0">
+                  <a:pos x="connsiteX5" y="connsiteY5"/>
+                </a:cxn>
+                <a:cxn ang="0">
+                  <a:pos x="connsiteX6" y="connsiteY6"/>
+                </a:cxn>
+                <a:cxn ang="0">
+                  <a:pos x="connsiteX7" y="connsiteY7"/>
+                </a:cxn>
+              </a:cxnLst>
+              <a:rect l="l" t="t" r="r" b="b"/>
+              <a:pathLst>
+                <a:path w="173497" h="173521">
+                  <a:moveTo>
+                    <a:pt x="11882" y="173522"/>
+                  </a:moveTo>
+                  <a:cubicBezTo>
+                    <a:pt x="8834" y="173522"/>
+                    <a:pt x="5786" y="172379"/>
+                    <a:pt x="3500" y="169997"/>
+                  </a:cubicBezTo>
+                  <a:cubicBezTo>
+                    <a:pt x="-1167" y="165330"/>
+                    <a:pt x="-1167" y="157805"/>
+                    <a:pt x="3500" y="153138"/>
+                  </a:cubicBezTo>
+                  <a:lnTo>
+                    <a:pt x="153138" y="3500"/>
+                  </a:lnTo>
+                  <a:cubicBezTo>
+                    <a:pt x="157805" y="-1167"/>
+                    <a:pt x="165330" y="-1167"/>
+                    <a:pt x="169997" y="3500"/>
+                  </a:cubicBezTo>
+                  <a:cubicBezTo>
+                    <a:pt x="174665" y="8168"/>
+                    <a:pt x="174665" y="15692"/>
+                    <a:pt x="169997" y="20360"/>
+                  </a:cubicBezTo>
+                  <a:lnTo>
+                    <a:pt x="20264" y="170093"/>
+                  </a:lnTo>
+                  <a:cubicBezTo>
+                    <a:pt x="17978" y="172379"/>
+                    <a:pt x="14930" y="173522"/>
+                    <a:pt x="11882" y="173522"/>
+                  </a:cubicBezTo>
+                  <a:close/>
+                </a:path>
+              </a:pathLst>
+            </a:custGeom>
+            <a:grpFill/>
+            <a:ln w="9525" cap="flat">
+              <a:noFill/>
+              <a:prstDash val="solid"/>
+              <a:miter/>
+            </a:ln>
+          </p:spPr>
+          <p:txBody>
+            <a:bodyPr rtlCol="0" anchor="ctr"/>
+            <a:lstStyle/>
+            <a:p>
+              <a:endParaRPr lang="en-US"/>
+            </a:p>
+          </p:txBody>
+        </p:sp>
+        <p:sp>
+          <p:nvSpPr>
+            <p:cNvPr id="8" name="Freeform: Shape 8">
+              <a:extLst>
+                <a:ext uri="{FF2B5EF4-FFF2-40B4-BE49-F238E27FC236}">
+                  <a16:creationId xmlns:a16="http://schemas.microsoft.com/office/drawing/2014/main" id="{B93A84D8-1C48-FD59-2EFD-5532CF6FF4BE}"/>
+                </a:ext>
+              </a:extLst>
+            </p:cNvPr>
+            <p:cNvSpPr/>
+            <p:nvPr/>
+          </p:nvSpPr>
+          <p:spPr>
+            <a:xfrm>
+              <a:off x="5920272" y="3493496"/>
+              <a:ext cx="103722" cy="104000"/>
+            </a:xfrm>
+            <a:custGeom>
+              <a:avLst/>
+              <a:gdLst>
+                <a:gd name="connsiteX0" fmla="*/ 80382 w 103722"/>
+                <a:gd name="connsiteY0" fmla="*/ 104001 h 104000"/>
+                <a:gd name="connsiteX1" fmla="*/ 78667 w 103722"/>
+                <a:gd name="connsiteY1" fmla="*/ 103905 h 104000"/>
+                <a:gd name="connsiteX2" fmla="*/ 68571 w 103722"/>
+                <a:gd name="connsiteY2" fmla="*/ 90475 h 104000"/>
+                <a:gd name="connsiteX3" fmla="*/ 77715 w 103722"/>
+                <a:gd name="connsiteY3" fmla="*/ 26372 h 104000"/>
+                <a:gd name="connsiteX4" fmla="*/ 13897 w 103722"/>
+                <a:gd name="connsiteY4" fmla="*/ 37421 h 104000"/>
+                <a:gd name="connsiteX5" fmla="*/ 181 w 103722"/>
+                <a:gd name="connsiteY5" fmla="*/ 27705 h 104000"/>
+                <a:gd name="connsiteX6" fmla="*/ 9897 w 103722"/>
+                <a:gd name="connsiteY6" fmla="*/ 13989 h 104000"/>
+                <a:gd name="connsiteX7" fmla="*/ 89812 w 103722"/>
+                <a:gd name="connsiteY7" fmla="*/ 178 h 104000"/>
+                <a:gd name="connsiteX8" fmla="*/ 100099 w 103722"/>
+                <a:gd name="connsiteY8" fmla="*/ 3321 h 104000"/>
+                <a:gd name="connsiteX9" fmla="*/ 103623 w 103722"/>
+                <a:gd name="connsiteY9" fmla="*/ 13513 h 104000"/>
+                <a:gd name="connsiteX10" fmla="*/ 92193 w 103722"/>
+                <a:gd name="connsiteY10" fmla="*/ 93809 h 104000"/>
+                <a:gd name="connsiteX11" fmla="*/ 80382 w 103722"/>
+                <a:gd name="connsiteY11" fmla="*/ 104001 h 104000"/>
+              </a:gdLst>
+              <a:ahLst/>
+              <a:cxnLst>
+                <a:cxn ang="0">
+                  <a:pos x="connsiteX0" y="connsiteY0"/>
+                </a:cxn>
+                <a:cxn ang="0">
+                  <a:pos x="connsiteX1" y="connsiteY1"/>
+                </a:cxn>
+                <a:cxn ang="0">
+                  <a:pos x="connsiteX2" y="connsiteY2"/>
+                </a:cxn>
+                <a:cxn ang="0">
+                  <a:pos x="connsiteX3" y="connsiteY3"/>
+                </a:cxn>
+                <a:cxn ang="0">
+                  <a:pos x="connsiteX4" y="connsiteY4"/>
+                </a:cxn>
+                <a:cxn ang="0">
+                  <a:pos x="connsiteX5" y="connsiteY5"/>
+                </a:cxn>
+                <a:cxn ang="0">
+                  <a:pos x="connsiteX6" y="connsiteY6"/>
+                </a:cxn>
+                <a:cxn ang="0">
+                  <a:pos x="connsiteX7" y="connsiteY7"/>
+                </a:cxn>
+                <a:cxn ang="0">
+                  <a:pos x="connsiteX8" y="connsiteY8"/>
+                </a:cxn>
+                <a:cxn ang="0">
+                  <a:pos x="connsiteX9" y="connsiteY9"/>
+                </a:cxn>
+                <a:cxn ang="0">
+                  <a:pos x="connsiteX10" y="connsiteY10"/>
+                </a:cxn>
+                <a:cxn ang="0">
+                  <a:pos x="connsiteX11" y="connsiteY11"/>
+                </a:cxn>
+              </a:cxnLst>
+              <a:rect l="l" t="t" r="r" b="b"/>
+              <a:pathLst>
+                <a:path w="103722" h="104000">
+                  <a:moveTo>
+                    <a:pt x="80382" y="104001"/>
+                  </a:moveTo>
+                  <a:cubicBezTo>
+                    <a:pt x="79810" y="104001"/>
+                    <a:pt x="79239" y="104001"/>
+                    <a:pt x="78667" y="103905"/>
+                  </a:cubicBezTo>
+                  <a:cubicBezTo>
+                    <a:pt x="72190" y="102953"/>
+                    <a:pt x="67618" y="96952"/>
+                    <a:pt x="68571" y="90475"/>
+                  </a:cubicBezTo>
+                  <a:lnTo>
+                    <a:pt x="77715" y="26372"/>
+                  </a:lnTo>
+                  <a:lnTo>
+                    <a:pt x="13897" y="37421"/>
+                  </a:lnTo>
+                  <a:cubicBezTo>
+                    <a:pt x="7420" y="38564"/>
+                    <a:pt x="1229" y="34182"/>
+                    <a:pt x="181" y="27705"/>
+                  </a:cubicBezTo>
+                  <a:cubicBezTo>
+                    <a:pt x="-962" y="21228"/>
+                    <a:pt x="3420" y="15037"/>
+                    <a:pt x="9897" y="13989"/>
+                  </a:cubicBezTo>
+                  <a:lnTo>
+                    <a:pt x="89812" y="178"/>
+                  </a:lnTo>
+                  <a:cubicBezTo>
+                    <a:pt x="93526" y="-489"/>
+                    <a:pt x="97432" y="750"/>
+                    <a:pt x="100099" y="3321"/>
+                  </a:cubicBezTo>
+                  <a:cubicBezTo>
+                    <a:pt x="102861" y="5988"/>
+                    <a:pt x="104099" y="9798"/>
+                    <a:pt x="103623" y="13513"/>
+                  </a:cubicBezTo>
+                  <a:lnTo>
+                    <a:pt x="92193" y="93809"/>
+                  </a:lnTo>
+                  <a:cubicBezTo>
+                    <a:pt x="91336" y="99714"/>
+                    <a:pt x="86192" y="104001"/>
+                    <a:pt x="80382" y="104001"/>
+                  </a:cubicBezTo>
+                  <a:close/>
+                </a:path>
+              </a:pathLst>
+            </a:custGeom>
+            <a:grpFill/>
+            <a:ln w="9525" cap="flat">
+              <a:noFill/>
+              <a:prstDash val="solid"/>
+              <a:miter/>
+            </a:ln>
+          </p:spPr>
+          <p:txBody>
+            <a:bodyPr rtlCol="0" anchor="ctr"/>
+            <a:lstStyle/>
+            <a:p>
+              <a:endParaRPr lang="en-US"/>
+            </a:p>
+          </p:txBody>
+        </p:sp>
+        <p:sp>
+          <p:nvSpPr>
+            <p:cNvPr id="9" name="Freeform: Shape 9">
+              <a:extLst>
+                <a:ext uri="{FF2B5EF4-FFF2-40B4-BE49-F238E27FC236}">
+                  <a16:creationId xmlns:a16="http://schemas.microsoft.com/office/drawing/2014/main" id="{1B6A36E0-8EF0-9B33-B92F-A07A405E5EE3}"/>
+                </a:ext>
+              </a:extLst>
+            </p:cNvPr>
+            <p:cNvSpPr/>
+            <p:nvPr/>
+          </p:nvSpPr>
+          <p:spPr>
+            <a:xfrm>
+              <a:off x="6160793" y="3183087"/>
+              <a:ext cx="173593" cy="173616"/>
+            </a:xfrm>
+            <a:custGeom>
+              <a:avLst/>
+              <a:gdLst>
+                <a:gd name="connsiteX0" fmla="*/ 11882 w 173593"/>
+                <a:gd name="connsiteY0" fmla="*/ 173617 h 173616"/>
+                <a:gd name="connsiteX1" fmla="*/ 3500 w 173593"/>
+                <a:gd name="connsiteY1" fmla="*/ 170093 h 173616"/>
+                <a:gd name="connsiteX2" fmla="*/ 3500 w 173593"/>
+                <a:gd name="connsiteY2" fmla="*/ 153233 h 173616"/>
+                <a:gd name="connsiteX3" fmla="*/ 153233 w 173593"/>
+                <a:gd name="connsiteY3" fmla="*/ 3500 h 173616"/>
+                <a:gd name="connsiteX4" fmla="*/ 170093 w 173593"/>
+                <a:gd name="connsiteY4" fmla="*/ 3500 h 173616"/>
+                <a:gd name="connsiteX5" fmla="*/ 170093 w 173593"/>
+                <a:gd name="connsiteY5" fmla="*/ 20360 h 173616"/>
+                <a:gd name="connsiteX6" fmla="*/ 20264 w 173593"/>
+                <a:gd name="connsiteY6" fmla="*/ 170093 h 173616"/>
+                <a:gd name="connsiteX7" fmla="*/ 11882 w 173593"/>
+                <a:gd name="connsiteY7" fmla="*/ 173617 h 173616"/>
+              </a:gdLst>
+              <a:ahLst/>
+              <a:cxnLst>
+                <a:cxn ang="0">
+                  <a:pos x="connsiteX0" y="connsiteY0"/>
+                </a:cxn>
+                <a:cxn ang="0">
+                  <a:pos x="connsiteX1" y="connsiteY1"/>
+                </a:cxn>
+                <a:cxn ang="0">
+                  <a:pos x="connsiteX2" y="connsiteY2"/>
+                </a:cxn>
+                <a:cxn ang="0">
+                  <a:pos x="connsiteX3" y="connsiteY3"/>
+                </a:cxn>
+                <a:cxn ang="0">
+                  <a:pos x="connsiteX4" y="connsiteY4"/>
+                </a:cxn>
+                <a:cxn ang="0">
+                  <a:pos x="connsiteX5" y="connsiteY5"/>
+                </a:cxn>
+                <a:cxn ang="0">
+                  <a:pos x="connsiteX6" y="connsiteY6"/>
+                </a:cxn>
+                <a:cxn ang="0">
+                  <a:pos x="connsiteX7" y="connsiteY7"/>
+                </a:cxn>
+              </a:cxnLst>
+              <a:rect l="l" t="t" r="r" b="b"/>
+              <a:pathLst>
+                <a:path w="173593" h="173616">
+                  <a:moveTo>
+                    <a:pt x="11882" y="173617"/>
+                  </a:moveTo>
+                  <a:cubicBezTo>
+                    <a:pt x="8834" y="173617"/>
+                    <a:pt x="5786" y="172474"/>
+                    <a:pt x="3500" y="170093"/>
+                  </a:cubicBezTo>
+                  <a:cubicBezTo>
+                    <a:pt x="-1167" y="165425"/>
+                    <a:pt x="-1167" y="157901"/>
+                    <a:pt x="3500" y="153233"/>
+                  </a:cubicBezTo>
+                  <a:lnTo>
+                    <a:pt x="153233" y="3500"/>
+                  </a:lnTo>
+                  <a:cubicBezTo>
+                    <a:pt x="157901" y="-1167"/>
+                    <a:pt x="165425" y="-1167"/>
+                    <a:pt x="170093" y="3500"/>
+                  </a:cubicBezTo>
+                  <a:cubicBezTo>
+                    <a:pt x="174760" y="8168"/>
+                    <a:pt x="174760" y="15692"/>
+                    <a:pt x="170093" y="20360"/>
+                  </a:cubicBezTo>
+                  <a:lnTo>
+                    <a:pt x="20264" y="170093"/>
+                  </a:lnTo>
+                  <a:cubicBezTo>
+                    <a:pt x="17978" y="172379"/>
+                    <a:pt x="14930" y="173617"/>
+                    <a:pt x="11882" y="173617"/>
+                  </a:cubicBezTo>
+                  <a:close/>
+                </a:path>
+              </a:pathLst>
+            </a:custGeom>
+            <a:grpFill/>
+            <a:ln w="9525" cap="flat">
+              <a:noFill/>
+              <a:prstDash val="solid"/>
+              <a:miter/>
+            </a:ln>
+          </p:spPr>
+          <p:txBody>
+            <a:bodyPr rtlCol="0" anchor="ctr"/>
+            <a:lstStyle/>
+            <a:p>
+              <a:endParaRPr lang="en-US"/>
+            </a:p>
+          </p:txBody>
+        </p:sp>
+        <p:sp>
+          <p:nvSpPr>
+            <p:cNvPr id="10" name="Freeform: Shape 10">
+              <a:extLst>
+                <a:ext uri="{FF2B5EF4-FFF2-40B4-BE49-F238E27FC236}">
+                  <a16:creationId xmlns:a16="http://schemas.microsoft.com/office/drawing/2014/main" id="{9099FE61-9BEE-74D3-2641-0D135FFE9623}"/>
+                </a:ext>
+              </a:extLst>
+            </p:cNvPr>
+            <p:cNvSpPr/>
+            <p:nvPr/>
+          </p:nvSpPr>
+          <p:spPr>
+            <a:xfrm>
+              <a:off x="6160765" y="3252661"/>
+              <a:ext cx="103627" cy="104043"/>
+            </a:xfrm>
+            <a:custGeom>
+              <a:avLst/>
+              <a:gdLst>
+                <a:gd name="connsiteX0" fmla="*/ 11911 w 103627"/>
+                <a:gd name="connsiteY0" fmla="*/ 104043 h 104043"/>
+                <a:gd name="connsiteX1" fmla="*/ 3624 w 103627"/>
+                <a:gd name="connsiteY1" fmla="*/ 100710 h 104043"/>
+                <a:gd name="connsiteX2" fmla="*/ 100 w 103627"/>
+                <a:gd name="connsiteY2" fmla="*/ 90518 h 104043"/>
+                <a:gd name="connsiteX3" fmla="*/ 11530 w 103627"/>
+                <a:gd name="connsiteY3" fmla="*/ 10222 h 104043"/>
+                <a:gd name="connsiteX4" fmla="*/ 24960 w 103627"/>
+                <a:gd name="connsiteY4" fmla="*/ 126 h 104043"/>
+                <a:gd name="connsiteX5" fmla="*/ 35056 w 103627"/>
+                <a:gd name="connsiteY5" fmla="*/ 13556 h 104043"/>
+                <a:gd name="connsiteX6" fmla="*/ 25912 w 103627"/>
+                <a:gd name="connsiteY6" fmla="*/ 77659 h 104043"/>
+                <a:gd name="connsiteX7" fmla="*/ 89730 w 103627"/>
+                <a:gd name="connsiteY7" fmla="*/ 66610 h 104043"/>
+                <a:gd name="connsiteX8" fmla="*/ 103446 w 103627"/>
+                <a:gd name="connsiteY8" fmla="*/ 76326 h 104043"/>
+                <a:gd name="connsiteX9" fmla="*/ 93730 w 103627"/>
+                <a:gd name="connsiteY9" fmla="*/ 90042 h 104043"/>
+                <a:gd name="connsiteX10" fmla="*/ 13816 w 103627"/>
+                <a:gd name="connsiteY10" fmla="*/ 103853 h 104043"/>
+                <a:gd name="connsiteX11" fmla="*/ 11911 w 103627"/>
+                <a:gd name="connsiteY11" fmla="*/ 104043 h 104043"/>
+              </a:gdLst>
+              <a:ahLst/>
+              <a:cxnLst>
+                <a:cxn ang="0">
+                  <a:pos x="connsiteX0" y="connsiteY0"/>
+                </a:cxn>
+                <a:cxn ang="0">
+                  <a:pos x="connsiteX1" y="connsiteY1"/>
+                </a:cxn>
+                <a:cxn ang="0">
+                  <a:pos x="connsiteX2" y="connsiteY2"/>
+                </a:cxn>
+                <a:cxn ang="0">
+                  <a:pos x="connsiteX3" y="connsiteY3"/>
+                </a:cxn>
+                <a:cxn ang="0">
+                  <a:pos x="connsiteX4" y="connsiteY4"/>
+                </a:cxn>
+                <a:cxn ang="0">
+                  <a:pos x="connsiteX5" y="connsiteY5"/>
+                </a:cxn>
+                <a:cxn ang="0">
+                  <a:pos x="connsiteX6" y="connsiteY6"/>
+                </a:cxn>
+                <a:cxn ang="0">
+                  <a:pos x="connsiteX7" y="connsiteY7"/>
+                </a:cxn>
+                <a:cxn ang="0">
+                  <a:pos x="connsiteX8" y="connsiteY8"/>
+                </a:cxn>
+                <a:cxn ang="0">
+                  <a:pos x="connsiteX9" y="connsiteY9"/>
+                </a:cxn>
+                <a:cxn ang="0">
+                  <a:pos x="connsiteX10" y="connsiteY10"/>
+                </a:cxn>
+                <a:cxn ang="0">
+                  <a:pos x="connsiteX11" y="connsiteY11"/>
+                </a:cxn>
+              </a:cxnLst>
+              <a:rect l="l" t="t" r="r" b="b"/>
+              <a:pathLst>
+                <a:path w="103627" h="104043">
+                  <a:moveTo>
+                    <a:pt x="11911" y="104043"/>
+                  </a:moveTo>
+                  <a:cubicBezTo>
+                    <a:pt x="8863" y="104043"/>
+                    <a:pt x="5815" y="102900"/>
+                    <a:pt x="3624" y="100710"/>
+                  </a:cubicBezTo>
+                  <a:cubicBezTo>
+                    <a:pt x="862" y="98043"/>
+                    <a:pt x="-377" y="94233"/>
+                    <a:pt x="100" y="90518"/>
+                  </a:cubicBezTo>
+                  <a:lnTo>
+                    <a:pt x="11530" y="10222"/>
+                  </a:lnTo>
+                  <a:cubicBezTo>
+                    <a:pt x="12482" y="3745"/>
+                    <a:pt x="18483" y="-827"/>
+                    <a:pt x="24960" y="126"/>
+                  </a:cubicBezTo>
+                  <a:cubicBezTo>
+                    <a:pt x="31437" y="1078"/>
+                    <a:pt x="36009" y="7079"/>
+                    <a:pt x="35056" y="13556"/>
+                  </a:cubicBezTo>
+                  <a:lnTo>
+                    <a:pt x="25912" y="77659"/>
+                  </a:lnTo>
+                  <a:lnTo>
+                    <a:pt x="89730" y="66610"/>
+                  </a:lnTo>
+                  <a:cubicBezTo>
+                    <a:pt x="96207" y="65467"/>
+                    <a:pt x="102398" y="69849"/>
+                    <a:pt x="103446" y="76326"/>
+                  </a:cubicBezTo>
+                  <a:cubicBezTo>
+                    <a:pt x="104589" y="82803"/>
+                    <a:pt x="100207" y="88994"/>
+                    <a:pt x="93730" y="90042"/>
+                  </a:cubicBezTo>
+                  <a:lnTo>
+                    <a:pt x="13816" y="103853"/>
+                  </a:lnTo>
+                  <a:cubicBezTo>
+                    <a:pt x="13244" y="103948"/>
+                    <a:pt x="12577" y="104043"/>
+                    <a:pt x="11911" y="104043"/>
+                  </a:cubicBezTo>
+                  <a:close/>
+                </a:path>
+              </a:pathLst>
+            </a:custGeom>
+            <a:grpFill/>
+            <a:ln w="9525" cap="flat">
+              <a:noFill/>
+              <a:prstDash val="solid"/>
+              <a:miter/>
+            </a:ln>
+          </p:spPr>
+          <p:txBody>
+            <a:bodyPr rtlCol="0" anchor="ctr"/>
+            <a:lstStyle/>
+            <a:p>
+              <a:endParaRPr lang="en-US"/>
+            </a:p>
+          </p:txBody>
+        </p:sp>
+      </p:grpSp>
+      <p:sp>
+        <p:nvSpPr>
+          <p:cNvPr id="11" name="Graphic 1">
+            <a:extLst>
+              <a:ext uri="{FF2B5EF4-FFF2-40B4-BE49-F238E27FC236}">
+                <a16:creationId xmlns:a16="http://schemas.microsoft.com/office/drawing/2014/main" id="{F108851E-6136-AD7D-B827-55B09653CE5B}"/>
+              </a:ext>
+            </a:extLst>
+          </p:cNvPr>
+          <p:cNvSpPr/>
+          <p:nvPr/>
+        </p:nvSpPr>
+        <p:spPr>
+          <a:xfrm>
+            <a:off x="829666" y="3101530"/>
+            <a:ext cx="529143" cy="542814"/>
+          </a:xfrm>
+          <a:custGeom>
+            <a:avLst/>
+            <a:gdLst>
+              <a:gd name="connsiteX0" fmla="*/ 2975391 w 4863281"/>
+              <a:gd name="connsiteY0" fmla="*/ 4988932 h 4988931"/>
+              <a:gd name="connsiteX1" fmla="*/ 2918336 w 4863281"/>
+              <a:gd name="connsiteY1" fmla="*/ 4965310 h 4988931"/>
+              <a:gd name="connsiteX2" fmla="*/ 323154 w 4863281"/>
+              <a:gd name="connsiteY2" fmla="*/ 2375367 h 4988931"/>
+              <a:gd name="connsiteX3" fmla="*/ 299723 w 4863281"/>
+              <a:gd name="connsiteY3" fmla="*/ 2311454 h 4988931"/>
+              <a:gd name="connsiteX4" fmla="*/ 421833 w 4863281"/>
+              <a:gd name="connsiteY4" fmla="*/ 842318 h 4988931"/>
+              <a:gd name="connsiteX5" fmla="*/ 284102 w 4863281"/>
+              <a:gd name="connsiteY5" fmla="*/ 703825 h 4988931"/>
+              <a:gd name="connsiteX6" fmla="*/ 281435 w 4863281"/>
+              <a:gd name="connsiteY6" fmla="*/ 700777 h 4988931"/>
+              <a:gd name="connsiteX7" fmla="*/ 45501 w 4863281"/>
+              <a:gd name="connsiteY7" fmla="*/ 37932 h 4988931"/>
+              <a:gd name="connsiteX8" fmla="*/ 45691 w 4863281"/>
+              <a:gd name="connsiteY8" fmla="*/ 37646 h 4988931"/>
+              <a:gd name="connsiteX9" fmla="*/ 795785 w 4863281"/>
+              <a:gd name="connsiteY9" fmla="*/ 425885 h 4988931"/>
+              <a:gd name="connsiteX10" fmla="*/ 892940 w 4863281"/>
+              <a:gd name="connsiteY10" fmla="*/ 536471 h 4988931"/>
+              <a:gd name="connsiteX11" fmla="*/ 2180529 w 4863281"/>
+              <a:gd name="connsiteY11" fmla="*/ 426838 h 4988931"/>
+              <a:gd name="connsiteX12" fmla="*/ 2180529 w 4863281"/>
+              <a:gd name="connsiteY12" fmla="*/ 426838 h 4988931"/>
+              <a:gd name="connsiteX13" fmla="*/ 2244442 w 4863281"/>
+              <a:gd name="connsiteY13" fmla="*/ 450174 h 4988931"/>
+              <a:gd name="connsiteX14" fmla="*/ 4839624 w 4863281"/>
+              <a:gd name="connsiteY14" fmla="*/ 3040212 h 4988931"/>
+              <a:gd name="connsiteX15" fmla="*/ 4839719 w 4863281"/>
+              <a:gd name="connsiteY15" fmla="*/ 3154512 h 4988931"/>
+              <a:gd name="connsiteX16" fmla="*/ 3032636 w 4863281"/>
+              <a:gd name="connsiteY16" fmla="*/ 4965215 h 4988931"/>
+              <a:gd name="connsiteX17" fmla="*/ 2975391 w 4863281"/>
+              <a:gd name="connsiteY17" fmla="*/ 4988932 h 4988931"/>
+              <a:gd name="connsiteX18" fmla="*/ 2975391 w 4863281"/>
+              <a:gd name="connsiteY18" fmla="*/ 4988932 h 4988931"/>
+              <a:gd name="connsiteX19" fmla="*/ 422500 w 4863281"/>
+              <a:gd name="connsiteY19" fmla="*/ 2302596 h 4988931"/>
+              <a:gd name="connsiteX20" fmla="*/ 2975296 w 4863281"/>
+              <a:gd name="connsiteY20" fmla="*/ 4850343 h 4988931"/>
+              <a:gd name="connsiteX21" fmla="*/ 4724753 w 4863281"/>
+              <a:gd name="connsiteY21" fmla="*/ 3097362 h 4988931"/>
+              <a:gd name="connsiteX22" fmla="*/ 2171957 w 4863281"/>
+              <a:gd name="connsiteY22" fmla="*/ 549710 h 4988931"/>
+              <a:gd name="connsiteX23" fmla="*/ 981522 w 4863281"/>
+              <a:gd name="connsiteY23" fmla="*/ 651056 h 4988931"/>
+              <a:gd name="connsiteX24" fmla="*/ 1174499 w 4863281"/>
+              <a:gd name="connsiteY24" fmla="*/ 1058631 h 4988931"/>
+              <a:gd name="connsiteX25" fmla="*/ 1221457 w 4863281"/>
+              <a:gd name="connsiteY25" fmla="*/ 1054916 h 4988931"/>
+              <a:gd name="connsiteX26" fmla="*/ 1221743 w 4863281"/>
+              <a:gd name="connsiteY26" fmla="*/ 1054916 h 4988931"/>
+              <a:gd name="connsiteX27" fmla="*/ 1430817 w 4863281"/>
+              <a:gd name="connsiteY27" fmla="*/ 1141403 h 4988931"/>
+              <a:gd name="connsiteX28" fmla="*/ 1517685 w 4863281"/>
+              <a:gd name="connsiteY28" fmla="*/ 1350572 h 4988931"/>
+              <a:gd name="connsiteX29" fmla="*/ 1431198 w 4863281"/>
+              <a:gd name="connsiteY29" fmla="*/ 1559932 h 4988931"/>
+              <a:gd name="connsiteX30" fmla="*/ 1012574 w 4863281"/>
+              <a:gd name="connsiteY30" fmla="*/ 1560313 h 4988931"/>
+              <a:gd name="connsiteX31" fmla="*/ 925706 w 4863281"/>
+              <a:gd name="connsiteY31" fmla="*/ 1351144 h 4988931"/>
+              <a:gd name="connsiteX32" fmla="*/ 1012193 w 4863281"/>
+              <a:gd name="connsiteY32" fmla="*/ 1141784 h 4988931"/>
+              <a:gd name="connsiteX33" fmla="*/ 1012193 w 4863281"/>
+              <a:gd name="connsiteY33" fmla="*/ 1141784 h 4988931"/>
+              <a:gd name="connsiteX34" fmla="*/ 1048864 w 4863281"/>
+              <a:gd name="connsiteY34" fmla="*/ 1110447 h 4988931"/>
+              <a:gd name="connsiteX35" fmla="*/ 1002858 w 4863281"/>
+              <a:gd name="connsiteY35" fmla="*/ 918614 h 4988931"/>
+              <a:gd name="connsiteX36" fmla="*/ 838552 w 4863281"/>
+              <a:gd name="connsiteY36" fmla="*/ 663153 h 4988931"/>
+              <a:gd name="connsiteX37" fmla="*/ 556612 w 4863281"/>
+              <a:gd name="connsiteY37" fmla="*/ 687156 h 4988931"/>
+              <a:gd name="connsiteX38" fmla="*/ 545373 w 4863281"/>
+              <a:gd name="connsiteY38" fmla="*/ 822125 h 4988931"/>
+              <a:gd name="connsiteX39" fmla="*/ 545277 w 4863281"/>
+              <a:gd name="connsiteY39" fmla="*/ 823840 h 4988931"/>
+              <a:gd name="connsiteX40" fmla="*/ 422500 w 4863281"/>
+              <a:gd name="connsiteY40" fmla="*/ 2302596 h 4988931"/>
+              <a:gd name="connsiteX41" fmla="*/ 1098394 w 4863281"/>
+              <a:gd name="connsiteY41" fmla="*/ 1227700 h 4988931"/>
+              <a:gd name="connsiteX42" fmla="*/ 1047435 w 4863281"/>
+              <a:gd name="connsiteY42" fmla="*/ 1351049 h 4988931"/>
+              <a:gd name="connsiteX43" fmla="*/ 1098680 w 4863281"/>
+              <a:gd name="connsiteY43" fmla="*/ 1474302 h 4988931"/>
+              <a:gd name="connsiteX44" fmla="*/ 1221838 w 4863281"/>
+              <a:gd name="connsiteY44" fmla="*/ 1525261 h 4988931"/>
+              <a:gd name="connsiteX45" fmla="*/ 1222029 w 4863281"/>
+              <a:gd name="connsiteY45" fmla="*/ 1525261 h 4988931"/>
+              <a:gd name="connsiteX46" fmla="*/ 1345282 w 4863281"/>
+              <a:gd name="connsiteY46" fmla="*/ 1474016 h 4988931"/>
+              <a:gd name="connsiteX47" fmla="*/ 1396241 w 4863281"/>
+              <a:gd name="connsiteY47" fmla="*/ 1350668 h 4988931"/>
+              <a:gd name="connsiteX48" fmla="*/ 1344997 w 4863281"/>
+              <a:gd name="connsiteY48" fmla="*/ 1227414 h 4988931"/>
+              <a:gd name="connsiteX49" fmla="*/ 1221838 w 4863281"/>
+              <a:gd name="connsiteY49" fmla="*/ 1176455 h 4988931"/>
+              <a:gd name="connsiteX50" fmla="*/ 1221648 w 4863281"/>
+              <a:gd name="connsiteY50" fmla="*/ 1176455 h 4988931"/>
+              <a:gd name="connsiteX51" fmla="*/ 1125826 w 4863281"/>
+              <a:gd name="connsiteY51" fmla="*/ 1205221 h 4988931"/>
+              <a:gd name="connsiteX52" fmla="*/ 1120588 w 4863281"/>
+              <a:gd name="connsiteY52" fmla="*/ 1208840 h 4988931"/>
+              <a:gd name="connsiteX53" fmla="*/ 1098394 w 4863281"/>
+              <a:gd name="connsiteY53" fmla="*/ 1227700 h 4988931"/>
+              <a:gd name="connsiteX54" fmla="*/ 1098394 w 4863281"/>
+              <a:gd name="connsiteY54" fmla="*/ 1227700 h 4988931"/>
+              <a:gd name="connsiteX55" fmla="*/ 374018 w 4863281"/>
+              <a:gd name="connsiteY55" fmla="*/ 621815 h 4988931"/>
+              <a:gd name="connsiteX56" fmla="*/ 434978 w 4863281"/>
+              <a:gd name="connsiteY56" fmla="*/ 684680 h 4988931"/>
+              <a:gd name="connsiteX57" fmla="*/ 438502 w 4863281"/>
+              <a:gd name="connsiteY57" fmla="*/ 642770 h 4988931"/>
+              <a:gd name="connsiteX58" fmla="*/ 512130 w 4863281"/>
+              <a:gd name="connsiteY58" fmla="*/ 568951 h 4988931"/>
+              <a:gd name="connsiteX59" fmla="*/ 743683 w 4863281"/>
+              <a:gd name="connsiteY59" fmla="*/ 549234 h 4988931"/>
+              <a:gd name="connsiteX60" fmla="*/ 706821 w 4863281"/>
+              <a:gd name="connsiteY60" fmla="*/ 508848 h 4988931"/>
+              <a:gd name="connsiteX61" fmla="*/ 318868 w 4863281"/>
+              <a:gd name="connsiteY61" fmla="*/ 184522 h 4988931"/>
+              <a:gd name="connsiteX62" fmla="*/ 128654 w 4863281"/>
+              <a:gd name="connsiteY62" fmla="*/ 126610 h 4988931"/>
+              <a:gd name="connsiteX63" fmla="*/ 128559 w 4863281"/>
+              <a:gd name="connsiteY63" fmla="*/ 126705 h 4988931"/>
+              <a:gd name="connsiteX64" fmla="*/ 374018 w 4863281"/>
+              <a:gd name="connsiteY64" fmla="*/ 621815 h 4988931"/>
+              <a:gd name="connsiteX65" fmla="*/ 3085024 w 4863281"/>
+              <a:gd name="connsiteY65" fmla="*/ 3745919 h 4988931"/>
+              <a:gd name="connsiteX66" fmla="*/ 3042066 w 4863281"/>
+              <a:gd name="connsiteY66" fmla="*/ 3728108 h 4988931"/>
+              <a:gd name="connsiteX67" fmla="*/ 1758001 w 4863281"/>
+              <a:gd name="connsiteY67" fmla="*/ 2446519 h 4988931"/>
+              <a:gd name="connsiteX68" fmla="*/ 1757905 w 4863281"/>
+              <a:gd name="connsiteY68" fmla="*/ 2360508 h 4988931"/>
+              <a:gd name="connsiteX69" fmla="*/ 1843916 w 4863281"/>
+              <a:gd name="connsiteY69" fmla="*/ 2360413 h 4988931"/>
+              <a:gd name="connsiteX70" fmla="*/ 3127981 w 4863281"/>
+              <a:gd name="connsiteY70" fmla="*/ 3642002 h 4988931"/>
+              <a:gd name="connsiteX71" fmla="*/ 3128077 w 4863281"/>
+              <a:gd name="connsiteY71" fmla="*/ 3728013 h 4988931"/>
+              <a:gd name="connsiteX72" fmla="*/ 3085024 w 4863281"/>
+              <a:gd name="connsiteY72" fmla="*/ 3745919 h 4988931"/>
+              <a:gd name="connsiteX73" fmla="*/ 3488503 w 4863281"/>
+              <a:gd name="connsiteY73" fmla="*/ 3341583 h 4988931"/>
+              <a:gd name="connsiteX74" fmla="*/ 3445545 w 4863281"/>
+              <a:gd name="connsiteY74" fmla="*/ 3323772 h 4988931"/>
+              <a:gd name="connsiteX75" fmla="*/ 2161384 w 4863281"/>
+              <a:gd name="connsiteY75" fmla="*/ 2042278 h 4988931"/>
+              <a:gd name="connsiteX76" fmla="*/ 2161289 w 4863281"/>
+              <a:gd name="connsiteY76" fmla="*/ 1956267 h 4988931"/>
+              <a:gd name="connsiteX77" fmla="*/ 2247300 w 4863281"/>
+              <a:gd name="connsiteY77" fmla="*/ 1956172 h 4988931"/>
+              <a:gd name="connsiteX78" fmla="*/ 3531460 w 4863281"/>
+              <a:gd name="connsiteY78" fmla="*/ 3237761 h 4988931"/>
+              <a:gd name="connsiteX79" fmla="*/ 3531555 w 4863281"/>
+              <a:gd name="connsiteY79" fmla="*/ 3323772 h 4988931"/>
+              <a:gd name="connsiteX80" fmla="*/ 3488503 w 4863281"/>
+              <a:gd name="connsiteY80" fmla="*/ 3341583 h 4988931"/>
+            </a:gdLst>
+            <a:ahLst/>
+            <a:cxnLst>
+              <a:cxn ang="0">
+                <a:pos x="connsiteX0" y="connsiteY0"/>
+              </a:cxn>
+              <a:cxn ang="0">
+                <a:pos x="connsiteX1" y="connsiteY1"/>
+              </a:cxn>
+              <a:cxn ang="0">
+                <a:pos x="connsiteX2" y="connsiteY2"/>
+              </a:cxn>
+              <a:cxn ang="0">
+                <a:pos x="connsiteX3" y="connsiteY3"/>
+              </a:cxn>
+              <a:cxn ang="0">
+                <a:pos x="connsiteX4" y="connsiteY4"/>
+              </a:cxn>
+              <a:cxn ang="0">
+                <a:pos x="connsiteX5" y="connsiteY5"/>
+              </a:cxn>
+              <a:cxn ang="0">
+                <a:pos x="connsiteX6" y="connsiteY6"/>
+              </a:cxn>
+              <a:cxn ang="0">
+                <a:pos x="connsiteX7" y="connsiteY7"/>
+              </a:cxn>
+              <a:cxn ang="0">
+                <a:pos x="connsiteX8" y="connsiteY8"/>
+              </a:cxn>
+              <a:cxn ang="0">
+                <a:pos x="connsiteX9" y="connsiteY9"/>
+              </a:cxn>
+              <a:cxn ang="0">
+                <a:pos x="connsiteX10" y="connsiteY10"/>
+              </a:cxn>
+              <a:cxn ang="0">
+                <a:pos x="connsiteX11" y="connsiteY11"/>
+              </a:cxn>
+              <a:cxn ang="0">
+                <a:pos x="connsiteX12" y="connsiteY12"/>
+              </a:cxn>
+              <a:cxn ang="0">
+                <a:pos x="connsiteX13" y="connsiteY13"/>
+              </a:cxn>
+              <a:cxn ang="0">
+                <a:pos x="connsiteX14" y="connsiteY14"/>
+              </a:cxn>
+              <a:cxn ang="0">
+                <a:pos x="connsiteX15" y="connsiteY15"/>
+              </a:cxn>
+              <a:cxn ang="0">
+                <a:pos x="connsiteX16" y="connsiteY16"/>
+              </a:cxn>
+              <a:cxn ang="0">
+                <a:pos x="connsiteX17" y="connsiteY17"/>
+              </a:cxn>
+              <a:cxn ang="0">
+                <a:pos x="connsiteX18" y="connsiteY18"/>
+              </a:cxn>
+              <a:cxn ang="0">
+                <a:pos x="connsiteX19" y="connsiteY19"/>
+              </a:cxn>
+              <a:cxn ang="0">
+                <a:pos x="connsiteX20" y="connsiteY20"/>
+              </a:cxn>
+              <a:cxn ang="0">
+                <a:pos x="connsiteX21" y="connsiteY21"/>
+              </a:cxn>
+              <a:cxn ang="0">
+                <a:pos x="connsiteX22" y="connsiteY22"/>
+              </a:cxn>
+              <a:cxn ang="0">
+                <a:pos x="connsiteX23" y="connsiteY23"/>
+              </a:cxn>
+              <a:cxn ang="0">
+                <a:pos x="connsiteX24" y="connsiteY24"/>
+              </a:cxn>
+              <a:cxn ang="0">
+                <a:pos x="connsiteX25" y="connsiteY25"/>
+              </a:cxn>
+              <a:cxn ang="0">
+                <a:pos x="connsiteX26" y="connsiteY26"/>
+              </a:cxn>
+              <a:cxn ang="0">
+                <a:pos x="connsiteX27" y="connsiteY27"/>
+              </a:cxn>
+              <a:cxn ang="0">
+                <a:pos x="connsiteX28" y="connsiteY28"/>
+              </a:cxn>
+              <a:cxn ang="0">
+                <a:pos x="connsiteX29" y="connsiteY29"/>
+              </a:cxn>
+              <a:cxn ang="0">
+                <a:pos x="connsiteX30" y="connsiteY30"/>
+              </a:cxn>
+              <a:cxn ang="0">
+                <a:pos x="connsiteX31" y="connsiteY31"/>
+              </a:cxn>
+              <a:cxn ang="0">
+                <a:pos x="connsiteX32" y="connsiteY32"/>
+              </a:cxn>
+              <a:cxn ang="0">
+                <a:pos x="connsiteX33" y="connsiteY33"/>
+              </a:cxn>
+              <a:cxn ang="0">
+                <a:pos x="connsiteX34" y="connsiteY34"/>
+              </a:cxn>
+              <a:cxn ang="0">
+                <a:pos x="connsiteX35" y="connsiteY35"/>
+              </a:cxn>
+              <a:cxn ang="0">
+                <a:pos x="connsiteX36" y="connsiteY36"/>
+              </a:cxn>
+              <a:cxn ang="0">
+                <a:pos x="connsiteX37" y="connsiteY37"/>
+              </a:cxn>
+              <a:cxn ang="0">
+                <a:pos x="connsiteX38" y="connsiteY38"/>
+              </a:cxn>
+              <a:cxn ang="0">
+                <a:pos x="connsiteX39" y="connsiteY39"/>
+              </a:cxn>
+              <a:cxn ang="0">
+                <a:pos x="connsiteX40" y="connsiteY40"/>
+              </a:cxn>
+              <a:cxn ang="0">
+                <a:pos x="connsiteX41" y="connsiteY41"/>
+              </a:cxn>
+              <a:cxn ang="0">
+                <a:pos x="connsiteX42" y="connsiteY42"/>
+              </a:cxn>
+              <a:cxn ang="0">
+                <a:pos x="connsiteX43" y="connsiteY43"/>
+              </a:cxn>
+              <a:cxn ang="0">
+                <a:pos x="connsiteX44" y="connsiteY44"/>
+              </a:cxn>
+              <a:cxn ang="0">
+                <a:pos x="connsiteX45" y="connsiteY45"/>
+              </a:cxn>
+              <a:cxn ang="0">
+                <a:pos x="connsiteX46" y="connsiteY46"/>
+              </a:cxn>
+              <a:cxn ang="0">
+                <a:pos x="connsiteX47" y="connsiteY47"/>
+              </a:cxn>
+              <a:cxn ang="0">
+                <a:pos x="connsiteX48" y="connsiteY48"/>
+              </a:cxn>
+              <a:cxn ang="0">
+                <a:pos x="connsiteX49" y="connsiteY49"/>
+              </a:cxn>
+              <a:cxn ang="0">
+                <a:pos x="connsiteX50" y="connsiteY50"/>
+              </a:cxn>
+              <a:cxn ang="0">
+                <a:pos x="connsiteX51" y="connsiteY51"/>
+              </a:cxn>
+              <a:cxn ang="0">
+                <a:pos x="connsiteX52" y="connsiteY52"/>
+              </a:cxn>
+              <a:cxn ang="0">
+                <a:pos x="connsiteX53" y="connsiteY53"/>
+              </a:cxn>
+              <a:cxn ang="0">
+                <a:pos x="connsiteX54" y="connsiteY54"/>
+              </a:cxn>
+              <a:cxn ang="0">
+                <a:pos x="connsiteX55" y="connsiteY55"/>
+              </a:cxn>
+              <a:cxn ang="0">
+                <a:pos x="connsiteX56" y="connsiteY56"/>
+              </a:cxn>
+              <a:cxn ang="0">
+                <a:pos x="connsiteX57" y="connsiteY57"/>
+              </a:cxn>
+              <a:cxn ang="0">
+                <a:pos x="connsiteX58" y="connsiteY58"/>
+              </a:cxn>
+              <a:cxn ang="0">
+                <a:pos x="connsiteX59" y="connsiteY59"/>
+              </a:cxn>
+              <a:cxn ang="0">
+                <a:pos x="connsiteX60" y="connsiteY60"/>
+              </a:cxn>
+              <a:cxn ang="0">
+                <a:pos x="connsiteX61" y="connsiteY61"/>
+              </a:cxn>
+              <a:cxn ang="0">
+                <a:pos x="connsiteX62" y="connsiteY62"/>
+              </a:cxn>
+              <a:cxn ang="0">
+                <a:pos x="connsiteX63" y="connsiteY63"/>
+              </a:cxn>
+              <a:cxn ang="0">
+                <a:pos x="connsiteX64" y="connsiteY64"/>
+              </a:cxn>
+              <a:cxn ang="0">
+                <a:pos x="connsiteX65" y="connsiteY65"/>
+              </a:cxn>
+              <a:cxn ang="0">
+                <a:pos x="connsiteX66" y="connsiteY66"/>
+              </a:cxn>
+              <a:cxn ang="0">
+                <a:pos x="connsiteX67" y="connsiteY67"/>
+              </a:cxn>
+              <a:cxn ang="0">
+                <a:pos x="connsiteX68" y="connsiteY68"/>
+              </a:cxn>
+              <a:cxn ang="0">
+                <a:pos x="connsiteX69" y="connsiteY69"/>
+              </a:cxn>
+              <a:cxn ang="0">
+                <a:pos x="connsiteX70" y="connsiteY70"/>
+              </a:cxn>
+              <a:cxn ang="0">
+                <a:pos x="connsiteX71" y="connsiteY71"/>
+              </a:cxn>
+              <a:cxn ang="0">
+                <a:pos x="connsiteX72" y="connsiteY72"/>
+              </a:cxn>
+              <a:cxn ang="0">
+                <a:pos x="connsiteX73" y="connsiteY73"/>
+              </a:cxn>
+              <a:cxn ang="0">
+                <a:pos x="connsiteX74" y="connsiteY74"/>
+              </a:cxn>
+              <a:cxn ang="0">
+                <a:pos x="connsiteX75" y="connsiteY75"/>
+              </a:cxn>
+              <a:cxn ang="0">
+                <a:pos x="connsiteX76" y="connsiteY76"/>
+              </a:cxn>
+              <a:cxn ang="0">
+                <a:pos x="connsiteX77" y="connsiteY77"/>
+              </a:cxn>
+              <a:cxn ang="0">
+                <a:pos x="connsiteX78" y="connsiteY78"/>
+              </a:cxn>
+              <a:cxn ang="0">
+                <a:pos x="connsiteX79" y="connsiteY79"/>
+              </a:cxn>
+              <a:cxn ang="0">
+                <a:pos x="connsiteX80" y="connsiteY80"/>
+              </a:cxn>
+            </a:cxnLst>
+            <a:rect l="l" t="t" r="r" b="b"/>
+            <a:pathLst>
+              <a:path w="4863281" h="4988931">
+                <a:moveTo>
+                  <a:pt x="2975391" y="4988932"/>
+                </a:moveTo>
+                <a:cubicBezTo>
+                  <a:pt x="2953864" y="4988932"/>
+                  <a:pt x="2933576" y="4980550"/>
+                  <a:pt x="2918336" y="4965310"/>
+                </a:cubicBezTo>
+                <a:lnTo>
+                  <a:pt x="323154" y="2375367"/>
+                </a:lnTo>
+                <a:cubicBezTo>
+                  <a:pt x="306295" y="2358508"/>
+                  <a:pt x="297723" y="2335267"/>
+                  <a:pt x="299723" y="2311454"/>
+                </a:cubicBezTo>
+                <a:lnTo>
+                  <a:pt x="421833" y="842318"/>
+                </a:lnTo>
+                <a:cubicBezTo>
+                  <a:pt x="356682" y="780692"/>
+                  <a:pt x="287340" y="707254"/>
+                  <a:pt x="284102" y="703825"/>
+                </a:cubicBezTo>
+                <a:cubicBezTo>
+                  <a:pt x="283149" y="702872"/>
+                  <a:pt x="282292" y="701825"/>
+                  <a:pt x="281435" y="700777"/>
+                </a:cubicBezTo>
+                <a:cubicBezTo>
+                  <a:pt x="82743" y="459413"/>
+                  <a:pt x="-83468" y="158709"/>
+                  <a:pt x="45501" y="37932"/>
+                </a:cubicBezTo>
+                <a:cubicBezTo>
+                  <a:pt x="45596" y="37837"/>
+                  <a:pt x="45691" y="37742"/>
+                  <a:pt x="45691" y="37646"/>
+                </a:cubicBezTo>
+                <a:cubicBezTo>
+                  <a:pt x="188566" y="-95418"/>
+                  <a:pt x="534705" y="145660"/>
+                  <a:pt x="795785" y="425885"/>
+                </a:cubicBezTo>
+                <a:cubicBezTo>
+                  <a:pt x="829122" y="461604"/>
+                  <a:pt x="861698" y="498752"/>
+                  <a:pt x="892940" y="536471"/>
+                </a:cubicBezTo>
+                <a:lnTo>
+                  <a:pt x="2180529" y="426838"/>
+                </a:lnTo>
+                <a:cubicBezTo>
+                  <a:pt x="2180529" y="426838"/>
+                  <a:pt x="2180529" y="426838"/>
+                  <a:pt x="2180529" y="426838"/>
+                </a:cubicBezTo>
+                <a:cubicBezTo>
+                  <a:pt x="2204247" y="424742"/>
+                  <a:pt x="2227583" y="433315"/>
+                  <a:pt x="2244442" y="450174"/>
+                </a:cubicBezTo>
+                <a:lnTo>
+                  <a:pt x="4839624" y="3040212"/>
+                </a:lnTo>
+                <a:cubicBezTo>
+                  <a:pt x="4871152" y="3071740"/>
+                  <a:pt x="4871152" y="3122984"/>
+                  <a:pt x="4839719" y="3154512"/>
+                </a:cubicBezTo>
+                <a:lnTo>
+                  <a:pt x="3032636" y="4965215"/>
+                </a:lnTo>
+                <a:cubicBezTo>
+                  <a:pt x="3017396" y="4980455"/>
+                  <a:pt x="2997108" y="4988837"/>
+                  <a:pt x="2975391" y="4988932"/>
+                </a:cubicBezTo>
+                <a:cubicBezTo>
+                  <a:pt x="2975486" y="4988932"/>
+                  <a:pt x="2975486" y="4988932"/>
+                  <a:pt x="2975391" y="4988932"/>
+                </a:cubicBezTo>
+                <a:close/>
+                <a:moveTo>
+                  <a:pt x="422500" y="2302596"/>
+                </a:moveTo>
+                <a:lnTo>
+                  <a:pt x="2975296" y="4850343"/>
+                </a:lnTo>
+                <a:lnTo>
+                  <a:pt x="4724753" y="3097362"/>
+                </a:lnTo>
+                <a:lnTo>
+                  <a:pt x="2171957" y="549710"/>
+                </a:lnTo>
+                <a:lnTo>
+                  <a:pt x="981522" y="651056"/>
+                </a:lnTo>
+                <a:cubicBezTo>
+                  <a:pt x="1087821" y="798313"/>
+                  <a:pt x="1164212" y="946236"/>
+                  <a:pt x="1174499" y="1058631"/>
+                </a:cubicBezTo>
+                <a:cubicBezTo>
+                  <a:pt x="1189929" y="1056155"/>
+                  <a:pt x="1205550" y="1054916"/>
+                  <a:pt x="1221457" y="1054916"/>
+                </a:cubicBezTo>
+                <a:cubicBezTo>
+                  <a:pt x="1221552" y="1054916"/>
+                  <a:pt x="1221648" y="1054916"/>
+                  <a:pt x="1221743" y="1054916"/>
+                </a:cubicBezTo>
+                <a:cubicBezTo>
+                  <a:pt x="1300705" y="1054916"/>
+                  <a:pt x="1374905" y="1085587"/>
+                  <a:pt x="1430817" y="1141403"/>
+                </a:cubicBezTo>
+                <a:cubicBezTo>
+                  <a:pt x="1486824" y="1197220"/>
+                  <a:pt x="1517685" y="1271515"/>
+                  <a:pt x="1517685" y="1350572"/>
+                </a:cubicBezTo>
+                <a:cubicBezTo>
+                  <a:pt x="1517780" y="1429630"/>
+                  <a:pt x="1487014" y="1504020"/>
+                  <a:pt x="1431198" y="1559932"/>
+                </a:cubicBezTo>
+                <a:cubicBezTo>
+                  <a:pt x="1315850" y="1675470"/>
+                  <a:pt x="1128112" y="1675661"/>
+                  <a:pt x="1012574" y="1560313"/>
+                </a:cubicBezTo>
+                <a:cubicBezTo>
+                  <a:pt x="956567" y="1504496"/>
+                  <a:pt x="925706" y="1430201"/>
+                  <a:pt x="925706" y="1351144"/>
+                </a:cubicBezTo>
+                <a:cubicBezTo>
+                  <a:pt x="925611" y="1272086"/>
+                  <a:pt x="956376" y="1197696"/>
+                  <a:pt x="1012193" y="1141784"/>
+                </a:cubicBezTo>
+                <a:cubicBezTo>
+                  <a:pt x="1012193" y="1141784"/>
+                  <a:pt x="1012193" y="1141784"/>
+                  <a:pt x="1012193" y="1141784"/>
+                </a:cubicBezTo>
+                <a:cubicBezTo>
+                  <a:pt x="1023718" y="1130259"/>
+                  <a:pt x="1036005" y="1119782"/>
+                  <a:pt x="1048864" y="1110447"/>
+                </a:cubicBezTo>
+                <a:cubicBezTo>
+                  <a:pt x="1058770" y="1095493"/>
+                  <a:pt x="1059437" y="1034342"/>
+                  <a:pt x="1002858" y="918614"/>
+                </a:cubicBezTo>
+                <a:cubicBezTo>
+                  <a:pt x="964092" y="839461"/>
+                  <a:pt x="907704" y="752021"/>
+                  <a:pt x="838552" y="663153"/>
+                </a:cubicBezTo>
+                <a:lnTo>
+                  <a:pt x="556612" y="687156"/>
+                </a:lnTo>
+                <a:lnTo>
+                  <a:pt x="545373" y="822125"/>
+                </a:lnTo>
+                <a:cubicBezTo>
+                  <a:pt x="545373" y="822697"/>
+                  <a:pt x="545277" y="823268"/>
+                  <a:pt x="545277" y="823840"/>
+                </a:cubicBezTo>
+                <a:lnTo>
+                  <a:pt x="422500" y="2302596"/>
+                </a:lnTo>
+                <a:close/>
+                <a:moveTo>
+                  <a:pt x="1098394" y="1227700"/>
+                </a:moveTo>
+                <a:cubicBezTo>
+                  <a:pt x="1065533" y="1260656"/>
+                  <a:pt x="1047435" y="1304471"/>
+                  <a:pt x="1047435" y="1351049"/>
+                </a:cubicBezTo>
+                <a:cubicBezTo>
+                  <a:pt x="1047435" y="1397626"/>
+                  <a:pt x="1065628" y="1441441"/>
+                  <a:pt x="1098680" y="1474302"/>
+                </a:cubicBezTo>
+                <a:cubicBezTo>
+                  <a:pt x="1131636" y="1507163"/>
+                  <a:pt x="1175356" y="1525261"/>
+                  <a:pt x="1221838" y="1525261"/>
+                </a:cubicBezTo>
+                <a:cubicBezTo>
+                  <a:pt x="1221933" y="1525261"/>
+                  <a:pt x="1221933" y="1525261"/>
+                  <a:pt x="1222029" y="1525261"/>
+                </a:cubicBezTo>
+                <a:cubicBezTo>
+                  <a:pt x="1268606" y="1525261"/>
+                  <a:pt x="1312421" y="1507068"/>
+                  <a:pt x="1345282" y="1474016"/>
+                </a:cubicBezTo>
+                <a:cubicBezTo>
+                  <a:pt x="1378144" y="1441060"/>
+                  <a:pt x="1396241" y="1397245"/>
+                  <a:pt x="1396241" y="1350668"/>
+                </a:cubicBezTo>
+                <a:cubicBezTo>
+                  <a:pt x="1396241" y="1304090"/>
+                  <a:pt x="1378048" y="1260371"/>
+                  <a:pt x="1344997" y="1227414"/>
+                </a:cubicBezTo>
+                <a:cubicBezTo>
+                  <a:pt x="1312040" y="1194553"/>
+                  <a:pt x="1268320" y="1176455"/>
+                  <a:pt x="1221838" y="1176455"/>
+                </a:cubicBezTo>
+                <a:cubicBezTo>
+                  <a:pt x="1221743" y="1176455"/>
+                  <a:pt x="1221743" y="1176455"/>
+                  <a:pt x="1221648" y="1176455"/>
+                </a:cubicBezTo>
+                <a:cubicBezTo>
+                  <a:pt x="1187072" y="1176455"/>
+                  <a:pt x="1154020" y="1186552"/>
+                  <a:pt x="1125826" y="1205221"/>
+                </a:cubicBezTo>
+                <a:cubicBezTo>
+                  <a:pt x="1124112" y="1206554"/>
+                  <a:pt x="1122397" y="1207697"/>
+                  <a:pt x="1120588" y="1208840"/>
+                </a:cubicBezTo>
+                <a:cubicBezTo>
+                  <a:pt x="1112682" y="1214460"/>
+                  <a:pt x="1105252" y="1220747"/>
+                  <a:pt x="1098394" y="1227700"/>
+                </a:cubicBezTo>
+                <a:lnTo>
+                  <a:pt x="1098394" y="1227700"/>
+                </a:lnTo>
+                <a:close/>
+                <a:moveTo>
+                  <a:pt x="374018" y="621815"/>
+                </a:moveTo>
+                <a:cubicBezTo>
+                  <a:pt x="379923" y="628006"/>
+                  <a:pt x="404212" y="653628"/>
+                  <a:pt x="434978" y="684680"/>
+                </a:cubicBezTo>
+                <a:lnTo>
+                  <a:pt x="438502" y="642770"/>
+                </a:lnTo>
+                <a:cubicBezTo>
+                  <a:pt x="441741" y="603336"/>
+                  <a:pt x="472792" y="572285"/>
+                  <a:pt x="512130" y="568951"/>
+                </a:cubicBezTo>
+                <a:lnTo>
+                  <a:pt x="743683" y="549234"/>
+                </a:lnTo>
+                <a:cubicBezTo>
+                  <a:pt x="731682" y="535709"/>
+                  <a:pt x="719394" y="522278"/>
+                  <a:pt x="706821" y="508848"/>
+                </a:cubicBezTo>
+                <a:cubicBezTo>
+                  <a:pt x="577091" y="369497"/>
+                  <a:pt x="439264" y="254340"/>
+                  <a:pt x="318868" y="184522"/>
+                </a:cubicBezTo>
+                <a:cubicBezTo>
+                  <a:pt x="201330" y="116418"/>
+                  <a:pt x="139989" y="116132"/>
+                  <a:pt x="128654" y="126610"/>
+                </a:cubicBezTo>
+                <a:cubicBezTo>
+                  <a:pt x="128654" y="126610"/>
+                  <a:pt x="128559" y="126610"/>
+                  <a:pt x="128559" y="126705"/>
+                </a:cubicBezTo>
+                <a:cubicBezTo>
+                  <a:pt x="102555" y="151280"/>
+                  <a:pt x="137512" y="334160"/>
+                  <a:pt x="374018" y="621815"/>
+                </a:cubicBezTo>
+                <a:close/>
+                <a:moveTo>
+                  <a:pt x="3085024" y="3745919"/>
+                </a:moveTo>
+                <a:cubicBezTo>
+                  <a:pt x="3069498" y="3745919"/>
+                  <a:pt x="3053972" y="3740014"/>
+                  <a:pt x="3042066" y="3728108"/>
+                </a:cubicBezTo>
+                <a:lnTo>
+                  <a:pt x="1758001" y="2446519"/>
+                </a:lnTo>
+                <a:cubicBezTo>
+                  <a:pt x="1734188" y="2422802"/>
+                  <a:pt x="1734188" y="2384321"/>
+                  <a:pt x="1757905" y="2360508"/>
+                </a:cubicBezTo>
+                <a:cubicBezTo>
+                  <a:pt x="1781623" y="2336696"/>
+                  <a:pt x="1820103" y="2336696"/>
+                  <a:pt x="1843916" y="2360413"/>
+                </a:cubicBezTo>
+                <a:lnTo>
+                  <a:pt x="3127981" y="3642002"/>
+                </a:lnTo>
+                <a:cubicBezTo>
+                  <a:pt x="3151794" y="3665719"/>
+                  <a:pt x="3151794" y="3704200"/>
+                  <a:pt x="3128077" y="3728013"/>
+                </a:cubicBezTo>
+                <a:cubicBezTo>
+                  <a:pt x="3116170" y="3739919"/>
+                  <a:pt x="3100645" y="3745919"/>
+                  <a:pt x="3085024" y="3745919"/>
+                </a:cubicBezTo>
+                <a:close/>
+                <a:moveTo>
+                  <a:pt x="3488503" y="3341583"/>
+                </a:moveTo>
+                <a:cubicBezTo>
+                  <a:pt x="3472977" y="3341583"/>
+                  <a:pt x="3457451" y="3335678"/>
+                  <a:pt x="3445545" y="3323772"/>
+                </a:cubicBezTo>
+                <a:lnTo>
+                  <a:pt x="2161384" y="2042278"/>
+                </a:lnTo>
+                <a:cubicBezTo>
+                  <a:pt x="2137572" y="2018561"/>
+                  <a:pt x="2137572" y="1980080"/>
+                  <a:pt x="2161289" y="1956267"/>
+                </a:cubicBezTo>
+                <a:cubicBezTo>
+                  <a:pt x="2185006" y="1932455"/>
+                  <a:pt x="2223487" y="1932455"/>
+                  <a:pt x="2247300" y="1956172"/>
+                </a:cubicBezTo>
+                <a:lnTo>
+                  <a:pt x="3531460" y="3237761"/>
+                </a:lnTo>
+                <a:cubicBezTo>
+                  <a:pt x="3555273" y="3261478"/>
+                  <a:pt x="3555273" y="3299959"/>
+                  <a:pt x="3531555" y="3323772"/>
+                </a:cubicBezTo>
+                <a:cubicBezTo>
+                  <a:pt x="3519649" y="3335678"/>
+                  <a:pt x="3504124" y="3341583"/>
+                  <a:pt x="3488503" y="3341583"/>
+                </a:cubicBezTo>
+                <a:close/>
+              </a:path>
+            </a:pathLst>
+          </a:custGeom>
+          <a:gradFill>
+            <a:gsLst>
+              <a:gs pos="0">
+                <a:srgbClr val="A5CF67"/>
+              </a:gs>
+              <a:gs pos="100000">
+                <a:schemeClr val="accent1"/>
+              </a:gs>
+            </a:gsLst>
+            <a:lin ang="2700000" scaled="0"/>
+          </a:gradFill>
+          <a:ln w="9525" cap="flat">
+            <a:noFill/>
+            <a:prstDash val="solid"/>
+            <a:miter/>
+          </a:ln>
+        </p:spPr>
+        <p:txBody>
+          <a:bodyPr rtlCol="0" anchor="ctr"/>
+          <a:lstStyle/>
+          <a:p>
+            <a:endParaRPr lang="en-US"/>
+          </a:p>
+        </p:txBody>
+      </p:sp>
+      <p:grpSp>
+        <p:nvGrpSpPr>
+          <p:cNvPr id="12" name="Graphic 1">
+            <a:extLst>
+              <a:ext uri="{FF2B5EF4-FFF2-40B4-BE49-F238E27FC236}">
+                <a16:creationId xmlns:a16="http://schemas.microsoft.com/office/drawing/2014/main" id="{3469C729-FE8C-A48F-3E77-C138ECDA4D25}"/>
+              </a:ext>
+            </a:extLst>
+          </p:cNvPr>
+          <p:cNvGrpSpPr/>
+          <p:nvPr/>
+        </p:nvGrpSpPr>
+        <p:grpSpPr>
+          <a:xfrm>
+            <a:off x="805667" y="2489920"/>
+            <a:ext cx="491316" cy="439007"/>
+            <a:chOff x="2562225" y="271462"/>
+            <a:chExt cx="7067550" cy="6315075"/>
+          </a:xfrm>
+          <a:gradFill>
+            <a:gsLst>
+              <a:gs pos="0">
+                <a:srgbClr val="A5CF67"/>
+              </a:gs>
+              <a:gs pos="100000">
+                <a:schemeClr val="accent1"/>
+              </a:gs>
+            </a:gsLst>
+            <a:lin ang="2700000" scaled="0"/>
+          </a:gradFill>
+        </p:grpSpPr>
+        <p:sp>
+          <p:nvSpPr>
+            <p:cNvPr id="13" name="Freeform: Shape 3">
+              <a:extLst>
+                <a:ext uri="{FF2B5EF4-FFF2-40B4-BE49-F238E27FC236}">
+                  <a16:creationId xmlns:a16="http://schemas.microsoft.com/office/drawing/2014/main" id="{CEFBF341-536E-FC8D-6A84-F330007E1295}"/>
+                </a:ext>
+              </a:extLst>
+            </p:cNvPr>
+            <p:cNvSpPr/>
+            <p:nvPr/>
+          </p:nvSpPr>
+          <p:spPr>
+            <a:xfrm>
+              <a:off x="3073241" y="2056923"/>
+              <a:ext cx="5670422" cy="4532947"/>
+            </a:xfrm>
+            <a:custGeom>
+              <a:avLst/>
+              <a:gdLst>
+                <a:gd name="connsiteX0" fmla="*/ 113062 w 5670422"/>
+                <a:gd name="connsiteY0" fmla="*/ 4532948 h 4532947"/>
+                <a:gd name="connsiteX1" fmla="*/ 0 w 5670422"/>
+                <a:gd name="connsiteY1" fmla="*/ 4419886 h 4532947"/>
+                <a:gd name="connsiteX2" fmla="*/ 0 w 5670422"/>
+                <a:gd name="connsiteY2" fmla="*/ 3625310 h 4532947"/>
+                <a:gd name="connsiteX3" fmla="*/ 1599057 w 5670422"/>
+                <a:gd name="connsiteY3" fmla="*/ 2026253 h 4532947"/>
+                <a:gd name="connsiteX4" fmla="*/ 4071271 w 5670422"/>
+                <a:gd name="connsiteY4" fmla="*/ 2026253 h 4532947"/>
+                <a:gd name="connsiteX5" fmla="*/ 5444300 w 5670422"/>
+                <a:gd name="connsiteY5" fmla="*/ 653225 h 4532947"/>
+                <a:gd name="connsiteX6" fmla="*/ 5444300 w 5670422"/>
+                <a:gd name="connsiteY6" fmla="*/ 113062 h 4532947"/>
+                <a:gd name="connsiteX7" fmla="*/ 5557361 w 5670422"/>
+                <a:gd name="connsiteY7" fmla="*/ 0 h 4532947"/>
+                <a:gd name="connsiteX8" fmla="*/ 5670423 w 5670422"/>
+                <a:gd name="connsiteY8" fmla="*/ 113062 h 4532947"/>
+                <a:gd name="connsiteX9" fmla="*/ 5670423 w 5670422"/>
+                <a:gd name="connsiteY9" fmla="*/ 653225 h 4532947"/>
+                <a:gd name="connsiteX10" fmla="*/ 4071366 w 5670422"/>
+                <a:gd name="connsiteY10" fmla="*/ 2252282 h 4532947"/>
+                <a:gd name="connsiteX11" fmla="*/ 1599152 w 5670422"/>
+                <a:gd name="connsiteY11" fmla="*/ 2252282 h 4532947"/>
+                <a:gd name="connsiteX12" fmla="*/ 226123 w 5670422"/>
+                <a:gd name="connsiteY12" fmla="*/ 3625310 h 4532947"/>
+                <a:gd name="connsiteX13" fmla="*/ 226123 w 5670422"/>
+                <a:gd name="connsiteY13" fmla="*/ 4419886 h 4532947"/>
+                <a:gd name="connsiteX14" fmla="*/ 113062 w 5670422"/>
+                <a:gd name="connsiteY14" fmla="*/ 4532948 h 4532947"/>
+              </a:gdLst>
+              <a:ahLst/>
+              <a:cxnLst>
+                <a:cxn ang="0">
+                  <a:pos x="connsiteX0" y="connsiteY0"/>
+                </a:cxn>
+                <a:cxn ang="0">
+                  <a:pos x="connsiteX1" y="connsiteY1"/>
+                </a:cxn>
+                <a:cxn ang="0">
+                  <a:pos x="connsiteX2" y="connsiteY2"/>
+                </a:cxn>
+                <a:cxn ang="0">
+                  <a:pos x="connsiteX3" y="connsiteY3"/>
+                </a:cxn>
+                <a:cxn ang="0">
+                  <a:pos x="connsiteX4" y="connsiteY4"/>
+                </a:cxn>
+                <a:cxn ang="0">
+                  <a:pos x="connsiteX5" y="connsiteY5"/>
+                </a:cxn>
+                <a:cxn ang="0">
+                  <a:pos x="connsiteX6" y="connsiteY6"/>
+                </a:cxn>
+                <a:cxn ang="0">
+                  <a:pos x="connsiteX7" y="connsiteY7"/>
+                </a:cxn>
+                <a:cxn ang="0">
+                  <a:pos x="connsiteX8" y="connsiteY8"/>
+                </a:cxn>
+                <a:cxn ang="0">
+                  <a:pos x="connsiteX9" y="connsiteY9"/>
+                </a:cxn>
+                <a:cxn ang="0">
+                  <a:pos x="connsiteX10" y="connsiteY10"/>
+                </a:cxn>
+                <a:cxn ang="0">
+                  <a:pos x="connsiteX11" y="connsiteY11"/>
+                </a:cxn>
+                <a:cxn ang="0">
+                  <a:pos x="connsiteX12" y="connsiteY12"/>
+                </a:cxn>
+                <a:cxn ang="0">
+                  <a:pos x="connsiteX13" y="connsiteY13"/>
+                </a:cxn>
+                <a:cxn ang="0">
+                  <a:pos x="connsiteX14" y="connsiteY14"/>
+                </a:cxn>
+              </a:cxnLst>
+              <a:rect l="l" t="t" r="r" b="b"/>
+              <a:pathLst>
+                <a:path w="5670422" h="4532947">
+                  <a:moveTo>
+                    <a:pt x="113062" y="4532948"/>
+                  </a:moveTo>
+                  <a:cubicBezTo>
+                    <a:pt x="50673" y="4532948"/>
+                    <a:pt x="0" y="4482370"/>
+                    <a:pt x="0" y="4419886"/>
+                  </a:cubicBezTo>
+                  <a:lnTo>
+                    <a:pt x="0" y="3625310"/>
+                  </a:lnTo>
+                  <a:cubicBezTo>
+                    <a:pt x="0" y="2743581"/>
+                    <a:pt x="717328" y="2026253"/>
+                    <a:pt x="1599057" y="2026253"/>
+                  </a:cubicBezTo>
+                  <a:lnTo>
+                    <a:pt x="4071271" y="2026253"/>
+                  </a:lnTo>
+                  <a:cubicBezTo>
+                    <a:pt x="4828413" y="2026253"/>
+                    <a:pt x="5444300" y="1410272"/>
+                    <a:pt x="5444300" y="653225"/>
+                  </a:cubicBezTo>
+                  <a:lnTo>
+                    <a:pt x="5444300" y="113062"/>
+                  </a:lnTo>
+                  <a:cubicBezTo>
+                    <a:pt x="5444300" y="50673"/>
+                    <a:pt x="5494877" y="0"/>
+                    <a:pt x="5557361" y="0"/>
+                  </a:cubicBezTo>
+                  <a:cubicBezTo>
+                    <a:pt x="5619845" y="0"/>
+                    <a:pt x="5670423" y="50578"/>
+                    <a:pt x="5670423" y="113062"/>
+                  </a:cubicBezTo>
+                  <a:lnTo>
+                    <a:pt x="5670423" y="653225"/>
+                  </a:lnTo>
+                  <a:cubicBezTo>
+                    <a:pt x="5670423" y="1534954"/>
+                    <a:pt x="4953095" y="2252282"/>
+                    <a:pt x="4071366" y="2252282"/>
+                  </a:cubicBezTo>
+                  <a:lnTo>
+                    <a:pt x="1599152" y="2252282"/>
+                  </a:lnTo>
+                  <a:cubicBezTo>
+                    <a:pt x="842010" y="2252282"/>
+                    <a:pt x="226123" y="2868263"/>
+                    <a:pt x="226123" y="3625310"/>
+                  </a:cubicBezTo>
+                  <a:lnTo>
+                    <a:pt x="226123" y="4419886"/>
+                  </a:lnTo>
+                  <a:cubicBezTo>
+                    <a:pt x="226028" y="4482275"/>
+                    <a:pt x="175450" y="4532948"/>
+                    <a:pt x="113062" y="4532948"/>
+                  </a:cubicBezTo>
+                  <a:close/>
+                </a:path>
+              </a:pathLst>
+            </a:custGeom>
+            <a:grpFill/>
+            <a:ln w="9525" cap="flat">
+              <a:noFill/>
+              <a:prstDash val="solid"/>
+              <a:miter/>
+            </a:ln>
+          </p:spPr>
+          <p:txBody>
+            <a:bodyPr rtlCol="0" anchor="ctr"/>
+            <a:lstStyle/>
+            <a:p>
+              <a:endParaRPr lang="en-US"/>
+            </a:p>
+          </p:txBody>
+        </p:sp>
+        <p:sp>
+          <p:nvSpPr>
+            <p:cNvPr id="14" name="Freeform: Shape 6">
+              <a:extLst>
+                <a:ext uri="{FF2B5EF4-FFF2-40B4-BE49-F238E27FC236}">
+                  <a16:creationId xmlns:a16="http://schemas.microsoft.com/office/drawing/2014/main" id="{F840184E-4D5D-F703-4DC3-0519AC009274}"/>
+                </a:ext>
+              </a:extLst>
+            </p:cNvPr>
+            <p:cNvSpPr/>
+            <p:nvPr/>
+          </p:nvSpPr>
+          <p:spPr>
+            <a:xfrm>
+              <a:off x="8013086" y="2056923"/>
+              <a:ext cx="1235222" cy="856603"/>
+            </a:xfrm>
+            <a:custGeom>
+              <a:avLst/>
+              <a:gdLst>
+                <a:gd name="connsiteX0" fmla="*/ 1122246 w 1235222"/>
+                <a:gd name="connsiteY0" fmla="*/ 856583 h 856603"/>
+                <a:gd name="connsiteX1" fmla="*/ 1033949 w 1235222"/>
+                <a:gd name="connsiteY1" fmla="*/ 814197 h 856603"/>
+                <a:gd name="connsiteX2" fmla="*/ 617611 w 1235222"/>
+                <a:gd name="connsiteY2" fmla="*/ 293846 h 856603"/>
+                <a:gd name="connsiteX3" fmla="*/ 201274 w 1235222"/>
+                <a:gd name="connsiteY3" fmla="*/ 814197 h 856603"/>
+                <a:gd name="connsiteX4" fmla="*/ 42396 w 1235222"/>
+                <a:gd name="connsiteY4" fmla="*/ 831818 h 856603"/>
+                <a:gd name="connsiteX5" fmla="*/ 24775 w 1235222"/>
+                <a:gd name="connsiteY5" fmla="*/ 672941 h 856603"/>
+                <a:gd name="connsiteX6" fmla="*/ 529410 w 1235222"/>
+                <a:gd name="connsiteY6" fmla="*/ 42386 h 856603"/>
+                <a:gd name="connsiteX7" fmla="*/ 617611 w 1235222"/>
+                <a:gd name="connsiteY7" fmla="*/ 0 h 856603"/>
+                <a:gd name="connsiteX8" fmla="*/ 705813 w 1235222"/>
+                <a:gd name="connsiteY8" fmla="*/ 42386 h 856603"/>
+                <a:gd name="connsiteX9" fmla="*/ 1210447 w 1235222"/>
+                <a:gd name="connsiteY9" fmla="*/ 672941 h 856603"/>
+                <a:gd name="connsiteX10" fmla="*/ 1192826 w 1235222"/>
+                <a:gd name="connsiteY10" fmla="*/ 831818 h 856603"/>
+                <a:gd name="connsiteX11" fmla="*/ 1122246 w 1235222"/>
+                <a:gd name="connsiteY11" fmla="*/ 856583 h 856603"/>
+              </a:gdLst>
+              <a:ahLst/>
+              <a:cxnLst>
+                <a:cxn ang="0">
+                  <a:pos x="connsiteX0" y="connsiteY0"/>
+                </a:cxn>
+                <a:cxn ang="0">
+                  <a:pos x="connsiteX1" y="connsiteY1"/>
+                </a:cxn>
+                <a:cxn ang="0">
+                  <a:pos x="connsiteX2" y="connsiteY2"/>
+                </a:cxn>
+                <a:cxn ang="0">
+                  <a:pos x="connsiteX3" y="connsiteY3"/>
+                </a:cxn>
+                <a:cxn ang="0">
+                  <a:pos x="connsiteX4" y="connsiteY4"/>
+                </a:cxn>
+                <a:cxn ang="0">
+                  <a:pos x="connsiteX5" y="connsiteY5"/>
+                </a:cxn>
+                <a:cxn ang="0">
+                  <a:pos x="connsiteX6" y="connsiteY6"/>
+                </a:cxn>
+                <a:cxn ang="0">
+                  <a:pos x="connsiteX7" y="connsiteY7"/>
+                </a:cxn>
+                <a:cxn ang="0">
+                  <a:pos x="connsiteX8" y="connsiteY8"/>
+                </a:cxn>
+                <a:cxn ang="0">
+                  <a:pos x="connsiteX9" y="connsiteY9"/>
+                </a:cxn>
+                <a:cxn ang="0">
+                  <a:pos x="connsiteX10" y="connsiteY10"/>
+                </a:cxn>
+                <a:cxn ang="0">
+                  <a:pos x="connsiteX11" y="connsiteY11"/>
+                </a:cxn>
+              </a:cxnLst>
+              <a:rect l="l" t="t" r="r" b="b"/>
+              <a:pathLst>
+                <a:path w="1235222" h="856603">
+                  <a:moveTo>
+                    <a:pt x="1122246" y="856583"/>
+                  </a:moveTo>
+                  <a:cubicBezTo>
+                    <a:pt x="1089099" y="856583"/>
+                    <a:pt x="1056237" y="842105"/>
+                    <a:pt x="1033949" y="814197"/>
+                  </a:cubicBezTo>
+                  <a:lnTo>
+                    <a:pt x="617611" y="293846"/>
+                  </a:lnTo>
+                  <a:lnTo>
+                    <a:pt x="201274" y="814197"/>
+                  </a:lnTo>
+                  <a:cubicBezTo>
+                    <a:pt x="162316" y="862870"/>
+                    <a:pt x="91165" y="870871"/>
+                    <a:pt x="42396" y="831818"/>
+                  </a:cubicBezTo>
+                  <a:cubicBezTo>
+                    <a:pt x="-6372" y="792861"/>
+                    <a:pt x="-14182" y="721709"/>
+                    <a:pt x="24775" y="672941"/>
+                  </a:cubicBezTo>
+                  <a:lnTo>
+                    <a:pt x="529410" y="42386"/>
+                  </a:lnTo>
+                  <a:cubicBezTo>
+                    <a:pt x="550841" y="15621"/>
+                    <a:pt x="583321" y="0"/>
+                    <a:pt x="617611" y="0"/>
+                  </a:cubicBezTo>
+                  <a:cubicBezTo>
+                    <a:pt x="651902" y="0"/>
+                    <a:pt x="684382" y="15621"/>
+                    <a:pt x="705813" y="42386"/>
+                  </a:cubicBezTo>
+                  <a:lnTo>
+                    <a:pt x="1210447" y="672941"/>
+                  </a:lnTo>
+                  <a:cubicBezTo>
+                    <a:pt x="1249405" y="721709"/>
+                    <a:pt x="1241594" y="792766"/>
+                    <a:pt x="1192826" y="831818"/>
+                  </a:cubicBezTo>
+                  <a:cubicBezTo>
+                    <a:pt x="1171966" y="848487"/>
+                    <a:pt x="1147011" y="856583"/>
+                    <a:pt x="1122246" y="856583"/>
+                  </a:cubicBezTo>
+                  <a:close/>
+                </a:path>
+              </a:pathLst>
+            </a:custGeom>
+            <a:grpFill/>
+            <a:ln w="9525" cap="flat">
+              <a:noFill/>
+              <a:prstDash val="solid"/>
+              <a:miter/>
+            </a:ln>
+          </p:spPr>
+          <p:txBody>
+            <a:bodyPr rtlCol="0" anchor="ctr"/>
+            <a:lstStyle/>
+            <a:p>
+              <a:endParaRPr lang="en-US"/>
+            </a:p>
+          </p:txBody>
+        </p:sp>
+        <p:grpSp>
+          <p:nvGrpSpPr>
+            <p:cNvPr id="15" name="Graphic 1">
+              <a:extLst>
+                <a:ext uri="{FF2B5EF4-FFF2-40B4-BE49-F238E27FC236}">
+                  <a16:creationId xmlns:a16="http://schemas.microsoft.com/office/drawing/2014/main" id="{91E1D8C7-8942-6103-9609-8C99ADE9133C}"/>
+                </a:ext>
+              </a:extLst>
+            </p:cNvPr>
+            <p:cNvGrpSpPr/>
+            <p:nvPr/>
+          </p:nvGrpSpPr>
+          <p:grpSpPr>
+            <a:xfrm>
+              <a:off x="5236975" y="271437"/>
+              <a:ext cx="1484972" cy="1476399"/>
+              <a:chOff x="5236975" y="271437"/>
+              <a:chExt cx="1484972" cy="1476399"/>
+            </a:xfrm>
+            <a:grpFill/>
+          </p:grpSpPr>
+          <p:sp>
+            <p:nvSpPr>
+              <p:cNvPr id="32" name="Freeform: Shape 8">
+                <a:extLst>
+                  <a:ext uri="{FF2B5EF4-FFF2-40B4-BE49-F238E27FC236}">
+                    <a16:creationId xmlns:a16="http://schemas.microsoft.com/office/drawing/2014/main" id="{533D8903-FA92-01B4-4023-14B659E3618F}"/>
+                  </a:ext>
+                </a:extLst>
+              </p:cNvPr>
+              <p:cNvSpPr/>
+              <p:nvPr/>
+            </p:nvSpPr>
+            <p:spPr>
+              <a:xfrm>
+                <a:off x="5350002" y="384523"/>
+                <a:ext cx="1258919" cy="1250346"/>
+              </a:xfrm>
+              <a:custGeom>
+                <a:avLst/>
+                <a:gdLst>
+                  <a:gd name="connsiteX0" fmla="*/ 0 w 1258919"/>
+                  <a:gd name="connsiteY0" fmla="*/ 0 h 1250346"/>
+                  <a:gd name="connsiteX1" fmla="*/ 1258919 w 1258919"/>
+                  <a:gd name="connsiteY1" fmla="*/ 1250347 h 1250346"/>
+                </a:gdLst>
+                <a:ahLst/>
+                <a:cxnLst>
+                  <a:cxn ang="0">
+                    <a:pos x="connsiteX0" y="connsiteY0"/>
+                  </a:cxn>
+                  <a:cxn ang="0">
+                    <a:pos x="connsiteX1" y="connsiteY1"/>
+                  </a:cxn>
+                </a:cxnLst>
+                <a:rect l="l" t="t" r="r" b="b"/>
+                <a:pathLst>
+                  <a:path w="1258919" h="1250346">
+                    <a:moveTo>
+                      <a:pt x="0" y="0"/>
+                    </a:moveTo>
+                    <a:lnTo>
+                      <a:pt x="1258919" y="1250347"/>
+                    </a:lnTo>
+                  </a:path>
+                </a:pathLst>
+              </a:custGeom>
+              <a:grpFill/>
+              <a:ln w="9525" cap="flat">
+                <a:noFill/>
+                <a:prstDash val="solid"/>
+                <a:miter/>
+              </a:ln>
+            </p:spPr>
+            <p:txBody>
+              <a:bodyPr rtlCol="0" anchor="ctr"/>
+              <a:lstStyle/>
+              <a:p>
+                <a:endParaRPr lang="en-US"/>
+              </a:p>
+            </p:txBody>
+          </p:sp>
+          <p:sp>
+            <p:nvSpPr>
+              <p:cNvPr id="33" name="Freeform: Shape 9">
+                <a:extLst>
+                  <a:ext uri="{FF2B5EF4-FFF2-40B4-BE49-F238E27FC236}">
+                    <a16:creationId xmlns:a16="http://schemas.microsoft.com/office/drawing/2014/main" id="{C3301384-E000-D141-0471-C14854C1942A}"/>
+                  </a:ext>
+                </a:extLst>
+              </p:cNvPr>
+              <p:cNvSpPr/>
+              <p:nvPr/>
+            </p:nvSpPr>
+            <p:spPr>
+              <a:xfrm>
+                <a:off x="5236975" y="271437"/>
+                <a:ext cx="1484972" cy="1476399"/>
+              </a:xfrm>
+              <a:custGeom>
+                <a:avLst/>
+                <a:gdLst>
+                  <a:gd name="connsiteX0" fmla="*/ 1371946 w 1484972"/>
+                  <a:gd name="connsiteY0" fmla="*/ 1476399 h 1476399"/>
+                  <a:gd name="connsiteX1" fmla="*/ 1292317 w 1484972"/>
+                  <a:gd name="connsiteY1" fmla="*/ 1443538 h 1476399"/>
+                  <a:gd name="connsiteX2" fmla="*/ 33398 w 1484972"/>
+                  <a:gd name="connsiteY2" fmla="*/ 193191 h 1476399"/>
+                  <a:gd name="connsiteX3" fmla="*/ 32826 w 1484972"/>
+                  <a:gd name="connsiteY3" fmla="*/ 33362 h 1476399"/>
+                  <a:gd name="connsiteX4" fmla="*/ 192656 w 1484972"/>
+                  <a:gd name="connsiteY4" fmla="*/ 32790 h 1476399"/>
+                  <a:gd name="connsiteX5" fmla="*/ 1451575 w 1484972"/>
+                  <a:gd name="connsiteY5" fmla="*/ 1283137 h 1476399"/>
+                  <a:gd name="connsiteX6" fmla="*/ 1452146 w 1484972"/>
+                  <a:gd name="connsiteY6" fmla="*/ 1442967 h 1476399"/>
+                  <a:gd name="connsiteX7" fmla="*/ 1371946 w 1484972"/>
+                  <a:gd name="connsiteY7" fmla="*/ 1476399 h 1476399"/>
+                </a:gdLst>
+                <a:ahLst/>
+                <a:cxnLst>
+                  <a:cxn ang="0">
+                    <a:pos x="connsiteX0" y="connsiteY0"/>
+                  </a:cxn>
+                  <a:cxn ang="0">
+                    <a:pos x="connsiteX1" y="connsiteY1"/>
+                  </a:cxn>
+                  <a:cxn ang="0">
+                    <a:pos x="connsiteX2" y="connsiteY2"/>
+                  </a:cxn>
+                  <a:cxn ang="0">
+                    <a:pos x="connsiteX3" y="connsiteY3"/>
+                  </a:cxn>
+                  <a:cxn ang="0">
+                    <a:pos x="connsiteX4" y="connsiteY4"/>
+                  </a:cxn>
+                  <a:cxn ang="0">
+                    <a:pos x="connsiteX5" y="connsiteY5"/>
+                  </a:cxn>
+                  <a:cxn ang="0">
+                    <a:pos x="connsiteX6" y="connsiteY6"/>
+                  </a:cxn>
+                  <a:cxn ang="0">
+                    <a:pos x="connsiteX7" y="connsiteY7"/>
+                  </a:cxn>
+                </a:cxnLst>
+                <a:rect l="l" t="t" r="r" b="b"/>
+                <a:pathLst>
+                  <a:path w="1484972" h="1476399">
+                    <a:moveTo>
+                      <a:pt x="1371946" y="1476399"/>
+                    </a:moveTo>
+                    <a:cubicBezTo>
+                      <a:pt x="1343180" y="1476399"/>
+                      <a:pt x="1314320" y="1465446"/>
+                      <a:pt x="1292317" y="1443538"/>
+                    </a:cubicBezTo>
+                    <a:lnTo>
+                      <a:pt x="33398" y="193191"/>
+                    </a:lnTo>
+                    <a:cubicBezTo>
+                      <a:pt x="-10893" y="149186"/>
+                      <a:pt x="-11179" y="77653"/>
+                      <a:pt x="32826" y="33362"/>
+                    </a:cubicBezTo>
+                    <a:cubicBezTo>
+                      <a:pt x="76832" y="-10929"/>
+                      <a:pt x="148365" y="-11120"/>
+                      <a:pt x="192656" y="32790"/>
+                    </a:cubicBezTo>
+                    <a:lnTo>
+                      <a:pt x="1451575" y="1283137"/>
+                    </a:lnTo>
+                    <a:cubicBezTo>
+                      <a:pt x="1495866" y="1327143"/>
+                      <a:pt x="1496152" y="1398675"/>
+                      <a:pt x="1452146" y="1442967"/>
+                    </a:cubicBezTo>
+                    <a:cubicBezTo>
+                      <a:pt x="1430049" y="1465255"/>
+                      <a:pt x="1400997" y="1476399"/>
+                      <a:pt x="1371946" y="1476399"/>
+                    </a:cubicBezTo>
+                    <a:close/>
+                  </a:path>
+                </a:pathLst>
+              </a:custGeom>
+              <a:grpFill/>
+              <a:ln w="9525" cap="flat">
+                <a:noFill/>
+                <a:prstDash val="solid"/>
+                <a:miter/>
+              </a:ln>
+            </p:spPr>
+            <p:txBody>
+              <a:bodyPr rtlCol="0" anchor="ctr"/>
+              <a:lstStyle/>
+              <a:p>
+                <a:endParaRPr lang="en-US"/>
+              </a:p>
+            </p:txBody>
+          </p:sp>
+        </p:grpSp>
+        <p:grpSp>
+          <p:nvGrpSpPr>
+            <p:cNvPr id="16" name="Graphic 1">
+              <a:extLst>
+                <a:ext uri="{FF2B5EF4-FFF2-40B4-BE49-F238E27FC236}">
+                  <a16:creationId xmlns:a16="http://schemas.microsoft.com/office/drawing/2014/main" id="{D757FA82-820C-20A7-57EA-8EF6B2B640EB}"/>
+                </a:ext>
+              </a:extLst>
+            </p:cNvPr>
+            <p:cNvGrpSpPr/>
+            <p:nvPr/>
+          </p:nvGrpSpPr>
+          <p:grpSpPr>
+            <a:xfrm>
+              <a:off x="5238499" y="271496"/>
+              <a:ext cx="1484972" cy="1476340"/>
+              <a:chOff x="5238499" y="271496"/>
+              <a:chExt cx="1484972" cy="1476340"/>
+            </a:xfrm>
+            <a:grpFill/>
+          </p:grpSpPr>
+          <p:sp>
+            <p:nvSpPr>
+              <p:cNvPr id="30" name="Freeform: Shape 11">
+                <a:extLst>
+                  <a:ext uri="{FF2B5EF4-FFF2-40B4-BE49-F238E27FC236}">
+                    <a16:creationId xmlns:a16="http://schemas.microsoft.com/office/drawing/2014/main" id="{C286F101-CD1D-2323-C85F-85D9B359799A}"/>
+                  </a:ext>
+                </a:extLst>
+              </p:cNvPr>
+              <p:cNvSpPr/>
+              <p:nvPr/>
+            </p:nvSpPr>
+            <p:spPr>
+              <a:xfrm>
+                <a:off x="5351526" y="384523"/>
+                <a:ext cx="1258919" cy="1250346"/>
+              </a:xfrm>
+              <a:custGeom>
+                <a:avLst/>
+                <a:gdLst>
+                  <a:gd name="connsiteX0" fmla="*/ 1258919 w 1258919"/>
+                  <a:gd name="connsiteY0" fmla="*/ 0 h 1250346"/>
+                  <a:gd name="connsiteX1" fmla="*/ 0 w 1258919"/>
+                  <a:gd name="connsiteY1" fmla="*/ 1250347 h 1250346"/>
+                </a:gdLst>
+                <a:ahLst/>
+                <a:cxnLst>
+                  <a:cxn ang="0">
+                    <a:pos x="connsiteX0" y="connsiteY0"/>
+                  </a:cxn>
+                  <a:cxn ang="0">
+                    <a:pos x="connsiteX1" y="connsiteY1"/>
+                  </a:cxn>
+                </a:cxnLst>
+                <a:rect l="l" t="t" r="r" b="b"/>
+                <a:pathLst>
+                  <a:path w="1258919" h="1250346">
+                    <a:moveTo>
+                      <a:pt x="1258919" y="0"/>
+                    </a:moveTo>
+                    <a:lnTo>
+                      <a:pt x="0" y="1250347"/>
+                    </a:lnTo>
+                  </a:path>
+                </a:pathLst>
+              </a:custGeom>
+              <a:grpFill/>
+              <a:ln w="9525" cap="flat">
+                <a:noFill/>
+                <a:prstDash val="solid"/>
+                <a:miter/>
+              </a:ln>
+            </p:spPr>
+            <p:txBody>
+              <a:bodyPr rtlCol="0" anchor="ctr"/>
+              <a:lstStyle/>
+              <a:p>
+                <a:endParaRPr lang="en-US"/>
+              </a:p>
+            </p:txBody>
+          </p:sp>
+          <p:sp>
+            <p:nvSpPr>
+              <p:cNvPr id="31" name="Freeform: Shape 12">
+                <a:extLst>
+                  <a:ext uri="{FF2B5EF4-FFF2-40B4-BE49-F238E27FC236}">
+                    <a16:creationId xmlns:a16="http://schemas.microsoft.com/office/drawing/2014/main" id="{32A49ECF-A97F-65DA-E807-13A0CDCA9FBB}"/>
+                  </a:ext>
+                </a:extLst>
+              </p:cNvPr>
+              <p:cNvSpPr/>
+              <p:nvPr/>
+            </p:nvSpPr>
+            <p:spPr>
+              <a:xfrm>
+                <a:off x="5238499" y="271496"/>
+                <a:ext cx="1484972" cy="1476340"/>
+              </a:xfrm>
+              <a:custGeom>
+                <a:avLst/>
+                <a:gdLst>
+                  <a:gd name="connsiteX0" fmla="*/ 113027 w 1484972"/>
+                  <a:gd name="connsiteY0" fmla="*/ 1476340 h 1476340"/>
+                  <a:gd name="connsiteX1" fmla="*/ 32827 w 1484972"/>
+                  <a:gd name="connsiteY1" fmla="*/ 1443003 h 1476340"/>
+                  <a:gd name="connsiteX2" fmla="*/ 33398 w 1484972"/>
+                  <a:gd name="connsiteY2" fmla="*/ 1283173 h 1476340"/>
+                  <a:gd name="connsiteX3" fmla="*/ 1292317 w 1484972"/>
+                  <a:gd name="connsiteY3" fmla="*/ 32826 h 1476340"/>
+                  <a:gd name="connsiteX4" fmla="*/ 1452147 w 1484972"/>
+                  <a:gd name="connsiteY4" fmla="*/ 33398 h 1476340"/>
+                  <a:gd name="connsiteX5" fmla="*/ 1451575 w 1484972"/>
+                  <a:gd name="connsiteY5" fmla="*/ 193227 h 1476340"/>
+                  <a:gd name="connsiteX6" fmla="*/ 192656 w 1484972"/>
+                  <a:gd name="connsiteY6" fmla="*/ 1443574 h 1476340"/>
+                  <a:gd name="connsiteX7" fmla="*/ 113027 w 1484972"/>
+                  <a:gd name="connsiteY7" fmla="*/ 1476340 h 1476340"/>
+                </a:gdLst>
+                <a:ahLst/>
+                <a:cxnLst>
+                  <a:cxn ang="0">
+                    <a:pos x="connsiteX0" y="connsiteY0"/>
+                  </a:cxn>
+                  <a:cxn ang="0">
+                    <a:pos x="connsiteX1" y="connsiteY1"/>
+                  </a:cxn>
+                  <a:cxn ang="0">
+                    <a:pos x="connsiteX2" y="connsiteY2"/>
+                  </a:cxn>
+                  <a:cxn ang="0">
+                    <a:pos x="connsiteX3" y="connsiteY3"/>
+                  </a:cxn>
+                  <a:cxn ang="0">
+                    <a:pos x="connsiteX4" y="connsiteY4"/>
+                  </a:cxn>
+                  <a:cxn ang="0">
+                    <a:pos x="connsiteX5" y="connsiteY5"/>
+                  </a:cxn>
+                  <a:cxn ang="0">
+                    <a:pos x="connsiteX6" y="connsiteY6"/>
+                  </a:cxn>
+                  <a:cxn ang="0">
+                    <a:pos x="connsiteX7" y="connsiteY7"/>
+                  </a:cxn>
+                </a:cxnLst>
+                <a:rect l="l" t="t" r="r" b="b"/>
+                <a:pathLst>
+                  <a:path w="1484972" h="1476340">
+                    <a:moveTo>
+                      <a:pt x="113027" y="1476340"/>
+                    </a:moveTo>
+                    <a:cubicBezTo>
+                      <a:pt x="83976" y="1476340"/>
+                      <a:pt x="54924" y="1465196"/>
+                      <a:pt x="32827" y="1443003"/>
+                    </a:cubicBezTo>
+                    <a:cubicBezTo>
+                      <a:pt x="-11179" y="1398711"/>
+                      <a:pt x="-10894" y="1327179"/>
+                      <a:pt x="33398" y="1283173"/>
+                    </a:cubicBezTo>
+                    <a:lnTo>
+                      <a:pt x="1292317" y="32826"/>
+                    </a:lnTo>
+                    <a:cubicBezTo>
+                      <a:pt x="1336608" y="-11179"/>
+                      <a:pt x="1408141" y="-10893"/>
+                      <a:pt x="1452147" y="33398"/>
+                    </a:cubicBezTo>
+                    <a:cubicBezTo>
+                      <a:pt x="1496152" y="77689"/>
+                      <a:pt x="1495866" y="149222"/>
+                      <a:pt x="1451575" y="193227"/>
+                    </a:cubicBezTo>
+                    <a:lnTo>
+                      <a:pt x="192656" y="1443574"/>
+                    </a:lnTo>
+                    <a:cubicBezTo>
+                      <a:pt x="170653" y="1465386"/>
+                      <a:pt x="141792" y="1476340"/>
+                      <a:pt x="113027" y="1476340"/>
+                    </a:cubicBezTo>
+                    <a:close/>
+                  </a:path>
+                </a:pathLst>
+              </a:custGeom>
+              <a:grpFill/>
+              <a:ln w="9525" cap="flat">
+                <a:noFill/>
+                <a:prstDash val="solid"/>
+                <a:miter/>
+              </a:ln>
+            </p:spPr>
+            <p:txBody>
+              <a:bodyPr rtlCol="0" anchor="ctr"/>
+              <a:lstStyle/>
+              <a:p>
+                <a:endParaRPr lang="en-US"/>
+              </a:p>
+            </p:txBody>
+          </p:sp>
+        </p:grpSp>
+        <p:grpSp>
+          <p:nvGrpSpPr>
+            <p:cNvPr id="17" name="Graphic 1">
+              <a:extLst>
+                <a:ext uri="{FF2B5EF4-FFF2-40B4-BE49-F238E27FC236}">
+                  <a16:creationId xmlns:a16="http://schemas.microsoft.com/office/drawing/2014/main" id="{542E285D-1510-0C9D-0B68-FE1A33EE6A07}"/>
+                </a:ext>
+              </a:extLst>
+            </p:cNvPr>
+            <p:cNvGrpSpPr/>
+            <p:nvPr/>
+          </p:nvGrpSpPr>
+          <p:grpSpPr>
+            <a:xfrm>
+              <a:off x="7887401" y="4885252"/>
+              <a:ext cx="1484972" cy="1476399"/>
+              <a:chOff x="7887401" y="4885252"/>
+              <a:chExt cx="1484972" cy="1476399"/>
+            </a:xfrm>
+            <a:grpFill/>
+          </p:grpSpPr>
+          <p:sp>
+            <p:nvSpPr>
+              <p:cNvPr id="28" name="Freeform: Shape 14">
+                <a:extLst>
+                  <a:ext uri="{FF2B5EF4-FFF2-40B4-BE49-F238E27FC236}">
+                    <a16:creationId xmlns:a16="http://schemas.microsoft.com/office/drawing/2014/main" id="{1064F48F-33AC-C8E2-0233-43D1F334B89F}"/>
+                  </a:ext>
+                </a:extLst>
+              </p:cNvPr>
+              <p:cNvSpPr/>
+              <p:nvPr/>
+            </p:nvSpPr>
+            <p:spPr>
+              <a:xfrm>
+                <a:off x="8000428" y="4998243"/>
+                <a:ext cx="1258919" cy="1250346"/>
+              </a:xfrm>
+              <a:custGeom>
+                <a:avLst/>
+                <a:gdLst>
+                  <a:gd name="connsiteX0" fmla="*/ 0 w 1258919"/>
+                  <a:gd name="connsiteY0" fmla="*/ 0 h 1250346"/>
+                  <a:gd name="connsiteX1" fmla="*/ 1258919 w 1258919"/>
+                  <a:gd name="connsiteY1" fmla="*/ 1250347 h 1250346"/>
+                </a:gdLst>
+                <a:ahLst/>
+                <a:cxnLst>
+                  <a:cxn ang="0">
+                    <a:pos x="connsiteX0" y="connsiteY0"/>
+                  </a:cxn>
+                  <a:cxn ang="0">
+                    <a:pos x="connsiteX1" y="connsiteY1"/>
+                  </a:cxn>
+                </a:cxnLst>
+                <a:rect l="l" t="t" r="r" b="b"/>
+                <a:pathLst>
+                  <a:path w="1258919" h="1250346">
+                    <a:moveTo>
+                      <a:pt x="0" y="0"/>
+                    </a:moveTo>
+                    <a:lnTo>
+                      <a:pt x="1258919" y="1250347"/>
+                    </a:lnTo>
+                  </a:path>
+                </a:pathLst>
+              </a:custGeom>
+              <a:grpFill/>
+              <a:ln w="9525" cap="flat">
+                <a:noFill/>
+                <a:prstDash val="solid"/>
+                <a:miter/>
+              </a:ln>
+            </p:spPr>
+            <p:txBody>
+              <a:bodyPr rtlCol="0" anchor="ctr"/>
+              <a:lstStyle/>
+              <a:p>
+                <a:endParaRPr lang="en-US"/>
+              </a:p>
+            </p:txBody>
+          </p:sp>
+          <p:sp>
+            <p:nvSpPr>
+              <p:cNvPr id="29" name="Freeform: Shape 20">
+                <a:extLst>
+                  <a:ext uri="{FF2B5EF4-FFF2-40B4-BE49-F238E27FC236}">
+                    <a16:creationId xmlns:a16="http://schemas.microsoft.com/office/drawing/2014/main" id="{CCCCCEC7-EB1F-2ACF-6A15-0E2656273228}"/>
+                  </a:ext>
+                </a:extLst>
+              </p:cNvPr>
+              <p:cNvSpPr/>
+              <p:nvPr/>
+            </p:nvSpPr>
+            <p:spPr>
+              <a:xfrm>
+                <a:off x="7887401" y="4885252"/>
+                <a:ext cx="1484972" cy="1476399"/>
+              </a:xfrm>
+              <a:custGeom>
+                <a:avLst/>
+                <a:gdLst>
+                  <a:gd name="connsiteX0" fmla="*/ 1371946 w 1484972"/>
+                  <a:gd name="connsiteY0" fmla="*/ 1476400 h 1476399"/>
+                  <a:gd name="connsiteX1" fmla="*/ 1292317 w 1484972"/>
+                  <a:gd name="connsiteY1" fmla="*/ 1443538 h 1476399"/>
+                  <a:gd name="connsiteX2" fmla="*/ 33398 w 1484972"/>
+                  <a:gd name="connsiteY2" fmla="*/ 193192 h 1476399"/>
+                  <a:gd name="connsiteX3" fmla="*/ 32826 w 1484972"/>
+                  <a:gd name="connsiteY3" fmla="*/ 33362 h 1476399"/>
+                  <a:gd name="connsiteX4" fmla="*/ 192656 w 1484972"/>
+                  <a:gd name="connsiteY4" fmla="*/ 32790 h 1476399"/>
+                  <a:gd name="connsiteX5" fmla="*/ 1451575 w 1484972"/>
+                  <a:gd name="connsiteY5" fmla="*/ 1283137 h 1476399"/>
+                  <a:gd name="connsiteX6" fmla="*/ 1452147 w 1484972"/>
+                  <a:gd name="connsiteY6" fmla="*/ 1442967 h 1476399"/>
+                  <a:gd name="connsiteX7" fmla="*/ 1371946 w 1484972"/>
+                  <a:gd name="connsiteY7" fmla="*/ 1476400 h 1476399"/>
+                </a:gdLst>
+                <a:ahLst/>
+                <a:cxnLst>
+                  <a:cxn ang="0">
+                    <a:pos x="connsiteX0" y="connsiteY0"/>
+                  </a:cxn>
+                  <a:cxn ang="0">
+                    <a:pos x="connsiteX1" y="connsiteY1"/>
+                  </a:cxn>
+                  <a:cxn ang="0">
+                    <a:pos x="connsiteX2" y="connsiteY2"/>
+                  </a:cxn>
+                  <a:cxn ang="0">
+                    <a:pos x="connsiteX3" y="connsiteY3"/>
+                  </a:cxn>
+                  <a:cxn ang="0">
+                    <a:pos x="connsiteX4" y="connsiteY4"/>
+                  </a:cxn>
+                  <a:cxn ang="0">
+                    <a:pos x="connsiteX5" y="connsiteY5"/>
+                  </a:cxn>
+                  <a:cxn ang="0">
+                    <a:pos x="connsiteX6" y="connsiteY6"/>
+                  </a:cxn>
+                  <a:cxn ang="0">
+                    <a:pos x="connsiteX7" y="connsiteY7"/>
+                  </a:cxn>
+                </a:cxnLst>
+                <a:rect l="l" t="t" r="r" b="b"/>
+                <a:pathLst>
+                  <a:path w="1484972" h="1476399">
+                    <a:moveTo>
+                      <a:pt x="1371946" y="1476400"/>
+                    </a:moveTo>
+                    <a:cubicBezTo>
+                      <a:pt x="1343181" y="1476400"/>
+                      <a:pt x="1314320" y="1465446"/>
+                      <a:pt x="1292317" y="1443538"/>
+                    </a:cubicBezTo>
+                    <a:lnTo>
+                      <a:pt x="33398" y="193192"/>
+                    </a:lnTo>
+                    <a:cubicBezTo>
+                      <a:pt x="-10894" y="149186"/>
+                      <a:pt x="-11179" y="77653"/>
+                      <a:pt x="32826" y="33362"/>
+                    </a:cubicBezTo>
+                    <a:cubicBezTo>
+                      <a:pt x="76832" y="-10929"/>
+                      <a:pt x="148365" y="-11120"/>
+                      <a:pt x="192656" y="32790"/>
+                    </a:cubicBezTo>
+                    <a:lnTo>
+                      <a:pt x="1451575" y="1283137"/>
+                    </a:lnTo>
+                    <a:cubicBezTo>
+                      <a:pt x="1495866" y="1327142"/>
+                      <a:pt x="1496152" y="1398675"/>
+                      <a:pt x="1452147" y="1442967"/>
+                    </a:cubicBezTo>
+                    <a:cubicBezTo>
+                      <a:pt x="1430049" y="1465255"/>
+                      <a:pt x="1400997" y="1476400"/>
+                      <a:pt x="1371946" y="1476400"/>
+                    </a:cubicBezTo>
+                    <a:close/>
+                  </a:path>
+                </a:pathLst>
+              </a:custGeom>
+              <a:grpFill/>
+              <a:ln w="9525" cap="flat">
+                <a:noFill/>
+                <a:prstDash val="solid"/>
+                <a:miter/>
+              </a:ln>
+            </p:spPr>
+            <p:txBody>
+              <a:bodyPr rtlCol="0" anchor="ctr"/>
+              <a:lstStyle/>
+              <a:p>
+                <a:endParaRPr lang="en-US"/>
+              </a:p>
+            </p:txBody>
+          </p:sp>
+        </p:grpSp>
+        <p:grpSp>
+          <p:nvGrpSpPr>
+            <p:cNvPr id="18" name="Graphic 1">
+              <a:extLst>
+                <a:ext uri="{FF2B5EF4-FFF2-40B4-BE49-F238E27FC236}">
+                  <a16:creationId xmlns:a16="http://schemas.microsoft.com/office/drawing/2014/main" id="{63C100E0-700C-EE67-E344-F5F649FE3FAA}"/>
+                </a:ext>
+              </a:extLst>
+            </p:cNvPr>
+            <p:cNvGrpSpPr/>
+            <p:nvPr/>
+          </p:nvGrpSpPr>
+          <p:grpSpPr>
+            <a:xfrm>
+              <a:off x="7888925" y="4885311"/>
+              <a:ext cx="1484972" cy="1476340"/>
+              <a:chOff x="7888925" y="4885311"/>
+              <a:chExt cx="1484972" cy="1476340"/>
+            </a:xfrm>
+            <a:grpFill/>
+          </p:grpSpPr>
+          <p:sp>
+            <p:nvSpPr>
+              <p:cNvPr id="26" name="Freeform: Shape 22">
+                <a:extLst>
+                  <a:ext uri="{FF2B5EF4-FFF2-40B4-BE49-F238E27FC236}">
+                    <a16:creationId xmlns:a16="http://schemas.microsoft.com/office/drawing/2014/main" id="{C007D2AD-448C-9E9D-1E19-6F072083F410}"/>
+                  </a:ext>
+                </a:extLst>
+              </p:cNvPr>
+              <p:cNvSpPr/>
+              <p:nvPr/>
+            </p:nvSpPr>
+            <p:spPr>
+              <a:xfrm>
+                <a:off x="8001952" y="4998243"/>
+                <a:ext cx="1258919" cy="1250346"/>
+              </a:xfrm>
+              <a:custGeom>
+                <a:avLst/>
+                <a:gdLst>
+                  <a:gd name="connsiteX0" fmla="*/ 1258919 w 1258919"/>
+                  <a:gd name="connsiteY0" fmla="*/ 0 h 1250346"/>
+                  <a:gd name="connsiteX1" fmla="*/ 0 w 1258919"/>
+                  <a:gd name="connsiteY1" fmla="*/ 1250347 h 1250346"/>
+                </a:gdLst>
+                <a:ahLst/>
+                <a:cxnLst>
+                  <a:cxn ang="0">
+                    <a:pos x="connsiteX0" y="connsiteY0"/>
+                  </a:cxn>
+                  <a:cxn ang="0">
+                    <a:pos x="connsiteX1" y="connsiteY1"/>
+                  </a:cxn>
+                </a:cxnLst>
+                <a:rect l="l" t="t" r="r" b="b"/>
+                <a:pathLst>
+                  <a:path w="1258919" h="1250346">
+                    <a:moveTo>
+                      <a:pt x="1258919" y="0"/>
+                    </a:moveTo>
+                    <a:lnTo>
+                      <a:pt x="0" y="1250347"/>
+                    </a:lnTo>
+                  </a:path>
+                </a:pathLst>
+              </a:custGeom>
+              <a:grpFill/>
+              <a:ln w="9525" cap="flat">
+                <a:noFill/>
+                <a:prstDash val="solid"/>
+                <a:miter/>
+              </a:ln>
+            </p:spPr>
+            <p:txBody>
+              <a:bodyPr rtlCol="0" anchor="ctr"/>
+              <a:lstStyle/>
+              <a:p>
+                <a:endParaRPr lang="en-US"/>
+              </a:p>
+            </p:txBody>
+          </p:sp>
+          <p:sp>
+            <p:nvSpPr>
+              <p:cNvPr id="27" name="Freeform: Shape 23">
+                <a:extLst>
+                  <a:ext uri="{FF2B5EF4-FFF2-40B4-BE49-F238E27FC236}">
+                    <a16:creationId xmlns:a16="http://schemas.microsoft.com/office/drawing/2014/main" id="{84B4B7B8-3F84-809C-C98A-FCBF45CF76EC}"/>
+                  </a:ext>
+                </a:extLst>
+              </p:cNvPr>
+              <p:cNvSpPr/>
+              <p:nvPr/>
+            </p:nvSpPr>
+            <p:spPr>
+              <a:xfrm>
+                <a:off x="7888925" y="4885311"/>
+                <a:ext cx="1484972" cy="1476340"/>
+              </a:xfrm>
+              <a:custGeom>
+                <a:avLst/>
+                <a:gdLst>
+                  <a:gd name="connsiteX0" fmla="*/ 113027 w 1484972"/>
+                  <a:gd name="connsiteY0" fmla="*/ 1476340 h 1476340"/>
+                  <a:gd name="connsiteX1" fmla="*/ 32826 w 1484972"/>
+                  <a:gd name="connsiteY1" fmla="*/ 1443003 h 1476340"/>
+                  <a:gd name="connsiteX2" fmla="*/ 33398 w 1484972"/>
+                  <a:gd name="connsiteY2" fmla="*/ 1283173 h 1476340"/>
+                  <a:gd name="connsiteX3" fmla="*/ 1292317 w 1484972"/>
+                  <a:gd name="connsiteY3" fmla="*/ 32826 h 1476340"/>
+                  <a:gd name="connsiteX4" fmla="*/ 1452147 w 1484972"/>
+                  <a:gd name="connsiteY4" fmla="*/ 33398 h 1476340"/>
+                  <a:gd name="connsiteX5" fmla="*/ 1451575 w 1484972"/>
+                  <a:gd name="connsiteY5" fmla="*/ 193227 h 1476340"/>
+                  <a:gd name="connsiteX6" fmla="*/ 192751 w 1484972"/>
+                  <a:gd name="connsiteY6" fmla="*/ 1443479 h 1476340"/>
+                  <a:gd name="connsiteX7" fmla="*/ 113027 w 1484972"/>
+                  <a:gd name="connsiteY7" fmla="*/ 1476340 h 1476340"/>
+                </a:gdLst>
+                <a:ahLst/>
+                <a:cxnLst>
+                  <a:cxn ang="0">
+                    <a:pos x="connsiteX0" y="connsiteY0"/>
+                  </a:cxn>
+                  <a:cxn ang="0">
+                    <a:pos x="connsiteX1" y="connsiteY1"/>
+                  </a:cxn>
+                  <a:cxn ang="0">
+                    <a:pos x="connsiteX2" y="connsiteY2"/>
+                  </a:cxn>
+                  <a:cxn ang="0">
+                    <a:pos x="connsiteX3" y="connsiteY3"/>
+                  </a:cxn>
+                  <a:cxn ang="0">
+                    <a:pos x="connsiteX4" y="connsiteY4"/>
+                  </a:cxn>
+                  <a:cxn ang="0">
+                    <a:pos x="connsiteX5" y="connsiteY5"/>
+                  </a:cxn>
+                  <a:cxn ang="0">
+                    <a:pos x="connsiteX6" y="connsiteY6"/>
+                  </a:cxn>
+                  <a:cxn ang="0">
+                    <a:pos x="connsiteX7" y="connsiteY7"/>
+                  </a:cxn>
+                </a:cxnLst>
+                <a:rect l="l" t="t" r="r" b="b"/>
+                <a:pathLst>
+                  <a:path w="1484972" h="1476340">
+                    <a:moveTo>
+                      <a:pt x="113027" y="1476340"/>
+                    </a:moveTo>
+                    <a:cubicBezTo>
+                      <a:pt x="83975" y="1476340"/>
+                      <a:pt x="54924" y="1465196"/>
+                      <a:pt x="32826" y="1443003"/>
+                    </a:cubicBezTo>
+                    <a:cubicBezTo>
+                      <a:pt x="-11179" y="1398711"/>
+                      <a:pt x="-10893" y="1327178"/>
+                      <a:pt x="33398" y="1283173"/>
+                    </a:cubicBezTo>
+                    <a:lnTo>
+                      <a:pt x="1292317" y="32826"/>
+                    </a:lnTo>
+                    <a:cubicBezTo>
+                      <a:pt x="1336608" y="-11179"/>
+                      <a:pt x="1408141" y="-10893"/>
+                      <a:pt x="1452147" y="33398"/>
+                    </a:cubicBezTo>
+                    <a:cubicBezTo>
+                      <a:pt x="1496152" y="77689"/>
+                      <a:pt x="1495867" y="149222"/>
+                      <a:pt x="1451575" y="193227"/>
+                    </a:cubicBezTo>
+                    <a:lnTo>
+                      <a:pt x="192751" y="1443479"/>
+                    </a:lnTo>
+                    <a:cubicBezTo>
+                      <a:pt x="170653" y="1465386"/>
+                      <a:pt x="141888" y="1476340"/>
+                      <a:pt x="113027" y="1476340"/>
+                    </a:cubicBezTo>
+                    <a:close/>
+                  </a:path>
+                </a:pathLst>
+              </a:custGeom>
+              <a:grpFill/>
+              <a:ln w="9525" cap="flat">
+                <a:noFill/>
+                <a:prstDash val="solid"/>
+                <a:miter/>
+              </a:ln>
+            </p:spPr>
+            <p:txBody>
+              <a:bodyPr rtlCol="0" anchor="ctr"/>
+              <a:lstStyle/>
+              <a:p>
+                <a:endParaRPr lang="en-US"/>
+              </a:p>
+            </p:txBody>
+          </p:sp>
+        </p:grpSp>
+        <p:grpSp>
+          <p:nvGrpSpPr>
+            <p:cNvPr id="19" name="Graphic 1">
+              <a:extLst>
+                <a:ext uri="{FF2B5EF4-FFF2-40B4-BE49-F238E27FC236}">
+                  <a16:creationId xmlns:a16="http://schemas.microsoft.com/office/drawing/2014/main" id="{3D353EDF-677F-28A1-DE7F-43D9AFBF6864}"/>
+                </a:ext>
+              </a:extLst>
+            </p:cNvPr>
+            <p:cNvGrpSpPr/>
+            <p:nvPr/>
+          </p:nvGrpSpPr>
+          <p:grpSpPr>
+            <a:xfrm>
+              <a:off x="2562164" y="2046230"/>
+              <a:ext cx="1485068" cy="1476399"/>
+              <a:chOff x="2562164" y="2046230"/>
+              <a:chExt cx="1485068" cy="1476399"/>
+            </a:xfrm>
+            <a:grpFill/>
+          </p:grpSpPr>
+          <p:sp>
+            <p:nvSpPr>
+              <p:cNvPr id="24" name="Freeform: Shape 25">
+                <a:extLst>
+                  <a:ext uri="{FF2B5EF4-FFF2-40B4-BE49-F238E27FC236}">
+                    <a16:creationId xmlns:a16="http://schemas.microsoft.com/office/drawing/2014/main" id="{E5854CE6-9582-E66D-C554-DFE4A12881C3}"/>
+                  </a:ext>
+                </a:extLst>
+              </p:cNvPr>
+              <p:cNvSpPr/>
+              <p:nvPr/>
+            </p:nvSpPr>
+            <p:spPr>
+              <a:xfrm>
+                <a:off x="2675286" y="2159317"/>
+                <a:ext cx="1258919" cy="1250346"/>
+              </a:xfrm>
+              <a:custGeom>
+                <a:avLst/>
+                <a:gdLst>
+                  <a:gd name="connsiteX0" fmla="*/ 0 w 1258919"/>
+                  <a:gd name="connsiteY0" fmla="*/ 0 h 1250346"/>
+                  <a:gd name="connsiteX1" fmla="*/ 1258919 w 1258919"/>
+                  <a:gd name="connsiteY1" fmla="*/ 1250347 h 1250346"/>
+                </a:gdLst>
+                <a:ahLst/>
+                <a:cxnLst>
+                  <a:cxn ang="0">
+                    <a:pos x="connsiteX0" y="connsiteY0"/>
+                  </a:cxn>
+                  <a:cxn ang="0">
+                    <a:pos x="connsiteX1" y="connsiteY1"/>
+                  </a:cxn>
+                </a:cxnLst>
+                <a:rect l="l" t="t" r="r" b="b"/>
+                <a:pathLst>
+                  <a:path w="1258919" h="1250346">
+                    <a:moveTo>
+                      <a:pt x="0" y="0"/>
+                    </a:moveTo>
+                    <a:lnTo>
+                      <a:pt x="1258919" y="1250347"/>
+                    </a:lnTo>
+                  </a:path>
+                </a:pathLst>
+              </a:custGeom>
+              <a:grpFill/>
+              <a:ln w="9525" cap="flat">
+                <a:noFill/>
+                <a:prstDash val="solid"/>
+                <a:miter/>
+              </a:ln>
+            </p:spPr>
+            <p:txBody>
+              <a:bodyPr rtlCol="0" anchor="ctr"/>
+              <a:lstStyle/>
+              <a:p>
+                <a:endParaRPr lang="en-US"/>
+              </a:p>
+            </p:txBody>
+          </p:sp>
+          <p:sp>
+            <p:nvSpPr>
+              <p:cNvPr id="25" name="Freeform: Shape 26">
+                <a:extLst>
+                  <a:ext uri="{FF2B5EF4-FFF2-40B4-BE49-F238E27FC236}">
+                    <a16:creationId xmlns:a16="http://schemas.microsoft.com/office/drawing/2014/main" id="{5D984E00-071C-05FF-EA63-68207D67480E}"/>
+                  </a:ext>
+                </a:extLst>
+              </p:cNvPr>
+              <p:cNvSpPr/>
+              <p:nvPr/>
+            </p:nvSpPr>
+            <p:spPr>
+              <a:xfrm>
+                <a:off x="2562164" y="2046230"/>
+                <a:ext cx="1485068" cy="1476399"/>
+              </a:xfrm>
+              <a:custGeom>
+                <a:avLst/>
+                <a:gdLst>
+                  <a:gd name="connsiteX0" fmla="*/ 1372041 w 1485068"/>
+                  <a:gd name="connsiteY0" fmla="*/ 1476399 h 1476399"/>
+                  <a:gd name="connsiteX1" fmla="*/ 1292412 w 1485068"/>
+                  <a:gd name="connsiteY1" fmla="*/ 1443538 h 1476399"/>
+                  <a:gd name="connsiteX2" fmla="*/ 33398 w 1485068"/>
+                  <a:gd name="connsiteY2" fmla="*/ 193191 h 1476399"/>
+                  <a:gd name="connsiteX3" fmla="*/ 32826 w 1485068"/>
+                  <a:gd name="connsiteY3" fmla="*/ 33362 h 1476399"/>
+                  <a:gd name="connsiteX4" fmla="*/ 192656 w 1485068"/>
+                  <a:gd name="connsiteY4" fmla="*/ 32790 h 1476399"/>
+                  <a:gd name="connsiteX5" fmla="*/ 1451670 w 1485068"/>
+                  <a:gd name="connsiteY5" fmla="*/ 1283232 h 1476399"/>
+                  <a:gd name="connsiteX6" fmla="*/ 1452242 w 1485068"/>
+                  <a:gd name="connsiteY6" fmla="*/ 1443062 h 1476399"/>
+                  <a:gd name="connsiteX7" fmla="*/ 1372041 w 1485068"/>
+                  <a:gd name="connsiteY7" fmla="*/ 1476399 h 1476399"/>
+                </a:gdLst>
+                <a:ahLst/>
+                <a:cxnLst>
+                  <a:cxn ang="0">
+                    <a:pos x="connsiteX0" y="connsiteY0"/>
+                  </a:cxn>
+                  <a:cxn ang="0">
+                    <a:pos x="connsiteX1" y="connsiteY1"/>
+                  </a:cxn>
+                  <a:cxn ang="0">
+                    <a:pos x="connsiteX2" y="connsiteY2"/>
+                  </a:cxn>
+                  <a:cxn ang="0">
+                    <a:pos x="connsiteX3" y="connsiteY3"/>
+                  </a:cxn>
+                  <a:cxn ang="0">
+                    <a:pos x="connsiteX4" y="connsiteY4"/>
+                  </a:cxn>
+                  <a:cxn ang="0">
+                    <a:pos x="connsiteX5" y="connsiteY5"/>
+                  </a:cxn>
+                  <a:cxn ang="0">
+                    <a:pos x="connsiteX6" y="connsiteY6"/>
+                  </a:cxn>
+                  <a:cxn ang="0">
+                    <a:pos x="connsiteX7" y="connsiteY7"/>
+                  </a:cxn>
+                </a:cxnLst>
+                <a:rect l="l" t="t" r="r" b="b"/>
+                <a:pathLst>
+                  <a:path w="1485068" h="1476399">
+                    <a:moveTo>
+                      <a:pt x="1372041" y="1476399"/>
+                    </a:moveTo>
+                    <a:cubicBezTo>
+                      <a:pt x="1343276" y="1476399"/>
+                      <a:pt x="1314415" y="1465446"/>
+                      <a:pt x="1292412" y="1443538"/>
+                    </a:cubicBezTo>
+                    <a:lnTo>
+                      <a:pt x="33398" y="193191"/>
+                    </a:lnTo>
+                    <a:cubicBezTo>
+                      <a:pt x="-10893" y="149186"/>
+                      <a:pt x="-11179" y="77653"/>
+                      <a:pt x="32826" y="33362"/>
+                    </a:cubicBezTo>
+                    <a:cubicBezTo>
+                      <a:pt x="76832" y="-10929"/>
+                      <a:pt x="148365" y="-11120"/>
+                      <a:pt x="192656" y="32790"/>
+                    </a:cubicBezTo>
+                    <a:lnTo>
+                      <a:pt x="1451670" y="1283232"/>
+                    </a:lnTo>
+                    <a:cubicBezTo>
+                      <a:pt x="1495962" y="1327238"/>
+                      <a:pt x="1496247" y="1398771"/>
+                      <a:pt x="1452242" y="1443062"/>
+                    </a:cubicBezTo>
+                    <a:cubicBezTo>
+                      <a:pt x="1430144" y="1465255"/>
+                      <a:pt x="1401093" y="1476399"/>
+                      <a:pt x="1372041" y="1476399"/>
+                    </a:cubicBezTo>
+                    <a:close/>
+                  </a:path>
+                </a:pathLst>
+              </a:custGeom>
+              <a:grpFill/>
+              <a:ln w="9525" cap="flat">
+                <a:noFill/>
+                <a:prstDash val="solid"/>
+                <a:miter/>
+              </a:ln>
+            </p:spPr>
+            <p:txBody>
+              <a:bodyPr rtlCol="0" anchor="ctr"/>
+              <a:lstStyle/>
+              <a:p>
+                <a:endParaRPr lang="en-US"/>
+              </a:p>
+            </p:txBody>
+          </p:sp>
+        </p:grpSp>
+        <p:grpSp>
+          <p:nvGrpSpPr>
+            <p:cNvPr id="20" name="Graphic 1">
+              <a:extLst>
+                <a:ext uri="{FF2B5EF4-FFF2-40B4-BE49-F238E27FC236}">
+                  <a16:creationId xmlns:a16="http://schemas.microsoft.com/office/drawing/2014/main" id="{17883F20-DA88-AE75-1E6B-8D9EAF4322B7}"/>
+                </a:ext>
+              </a:extLst>
+            </p:cNvPr>
+            <p:cNvGrpSpPr/>
+            <p:nvPr/>
+          </p:nvGrpSpPr>
+          <p:grpSpPr>
+            <a:xfrm>
+              <a:off x="2563783" y="2046290"/>
+              <a:ext cx="1484972" cy="1476339"/>
+              <a:chOff x="2563783" y="2046290"/>
+              <a:chExt cx="1484972" cy="1476339"/>
+            </a:xfrm>
+            <a:grpFill/>
+          </p:grpSpPr>
+          <p:sp>
+            <p:nvSpPr>
+              <p:cNvPr id="22" name="Freeform: Shape 28">
+                <a:extLst>
+                  <a:ext uri="{FF2B5EF4-FFF2-40B4-BE49-F238E27FC236}">
+                    <a16:creationId xmlns:a16="http://schemas.microsoft.com/office/drawing/2014/main" id="{5DD3DC8C-8AD2-72D7-C742-925360A538D2}"/>
+                  </a:ext>
+                </a:extLst>
+              </p:cNvPr>
+              <p:cNvSpPr/>
+              <p:nvPr/>
+            </p:nvSpPr>
+            <p:spPr>
+              <a:xfrm>
+                <a:off x="2676810" y="2159317"/>
+                <a:ext cx="1258919" cy="1250346"/>
+              </a:xfrm>
+              <a:custGeom>
+                <a:avLst/>
+                <a:gdLst>
+                  <a:gd name="connsiteX0" fmla="*/ 1258919 w 1258919"/>
+                  <a:gd name="connsiteY0" fmla="*/ 0 h 1250346"/>
+                  <a:gd name="connsiteX1" fmla="*/ 0 w 1258919"/>
+                  <a:gd name="connsiteY1" fmla="*/ 1250347 h 1250346"/>
+                </a:gdLst>
+                <a:ahLst/>
+                <a:cxnLst>
+                  <a:cxn ang="0">
+                    <a:pos x="connsiteX0" y="connsiteY0"/>
+                  </a:cxn>
+                  <a:cxn ang="0">
+                    <a:pos x="connsiteX1" y="connsiteY1"/>
+                  </a:cxn>
+                </a:cxnLst>
+                <a:rect l="l" t="t" r="r" b="b"/>
+                <a:pathLst>
+                  <a:path w="1258919" h="1250346">
+                    <a:moveTo>
+                      <a:pt x="1258919" y="0"/>
+                    </a:moveTo>
+                    <a:lnTo>
+                      <a:pt x="0" y="1250347"/>
+                    </a:lnTo>
+                  </a:path>
+                </a:pathLst>
+              </a:custGeom>
+              <a:grpFill/>
+              <a:ln w="9525" cap="flat">
+                <a:noFill/>
+                <a:prstDash val="solid"/>
+                <a:miter/>
+              </a:ln>
+            </p:spPr>
+            <p:txBody>
+              <a:bodyPr rtlCol="0" anchor="ctr"/>
+              <a:lstStyle/>
+              <a:p>
+                <a:endParaRPr lang="en-US"/>
+              </a:p>
+            </p:txBody>
+          </p:sp>
+          <p:sp>
+            <p:nvSpPr>
+              <p:cNvPr id="23" name="Freeform: Shape 29">
+                <a:extLst>
+                  <a:ext uri="{FF2B5EF4-FFF2-40B4-BE49-F238E27FC236}">
+                    <a16:creationId xmlns:a16="http://schemas.microsoft.com/office/drawing/2014/main" id="{0B2449CB-D6B7-01B7-05A5-7E7DEE44F966}"/>
+                  </a:ext>
+                </a:extLst>
+              </p:cNvPr>
+              <p:cNvSpPr/>
+              <p:nvPr/>
+            </p:nvSpPr>
+            <p:spPr>
+              <a:xfrm>
+                <a:off x="2563783" y="2046290"/>
+                <a:ext cx="1484972" cy="1476339"/>
+              </a:xfrm>
+              <a:custGeom>
+                <a:avLst/>
+                <a:gdLst>
+                  <a:gd name="connsiteX0" fmla="*/ 113027 w 1484972"/>
+                  <a:gd name="connsiteY0" fmla="*/ 1476340 h 1476339"/>
+                  <a:gd name="connsiteX1" fmla="*/ 32826 w 1484972"/>
+                  <a:gd name="connsiteY1" fmla="*/ 1443002 h 1476339"/>
+                  <a:gd name="connsiteX2" fmla="*/ 33398 w 1484972"/>
+                  <a:gd name="connsiteY2" fmla="*/ 1283173 h 1476339"/>
+                  <a:gd name="connsiteX3" fmla="*/ 1292317 w 1484972"/>
+                  <a:gd name="connsiteY3" fmla="*/ 32826 h 1476339"/>
+                  <a:gd name="connsiteX4" fmla="*/ 1452147 w 1484972"/>
+                  <a:gd name="connsiteY4" fmla="*/ 33398 h 1476339"/>
+                  <a:gd name="connsiteX5" fmla="*/ 1451575 w 1484972"/>
+                  <a:gd name="connsiteY5" fmla="*/ 193227 h 1476339"/>
+                  <a:gd name="connsiteX6" fmla="*/ 192656 w 1484972"/>
+                  <a:gd name="connsiteY6" fmla="*/ 1443574 h 1476339"/>
+                  <a:gd name="connsiteX7" fmla="*/ 113027 w 1484972"/>
+                  <a:gd name="connsiteY7" fmla="*/ 1476340 h 1476339"/>
+                </a:gdLst>
+                <a:ahLst/>
+                <a:cxnLst>
+                  <a:cxn ang="0">
+                    <a:pos x="connsiteX0" y="connsiteY0"/>
+                  </a:cxn>
+                  <a:cxn ang="0">
+                    <a:pos x="connsiteX1" y="connsiteY1"/>
+                  </a:cxn>
+                  <a:cxn ang="0">
+                    <a:pos x="connsiteX2" y="connsiteY2"/>
+                  </a:cxn>
+                  <a:cxn ang="0">
+                    <a:pos x="connsiteX3" y="connsiteY3"/>
+                  </a:cxn>
+                  <a:cxn ang="0">
+                    <a:pos x="connsiteX4" y="connsiteY4"/>
+                  </a:cxn>
+                  <a:cxn ang="0">
+                    <a:pos x="connsiteX5" y="connsiteY5"/>
+                  </a:cxn>
+                  <a:cxn ang="0">
+                    <a:pos x="connsiteX6" y="connsiteY6"/>
+                  </a:cxn>
+                  <a:cxn ang="0">
+                    <a:pos x="connsiteX7" y="connsiteY7"/>
+                  </a:cxn>
+                </a:cxnLst>
+                <a:rect l="l" t="t" r="r" b="b"/>
+                <a:pathLst>
+                  <a:path w="1484972" h="1476339">
+                    <a:moveTo>
+                      <a:pt x="113027" y="1476340"/>
+                    </a:moveTo>
+                    <a:cubicBezTo>
+                      <a:pt x="83976" y="1476340"/>
+                      <a:pt x="54924" y="1465196"/>
+                      <a:pt x="32826" y="1443002"/>
+                    </a:cubicBezTo>
+                    <a:cubicBezTo>
+                      <a:pt x="-11179" y="1398711"/>
+                      <a:pt x="-10893" y="1327179"/>
+                      <a:pt x="33398" y="1283173"/>
+                    </a:cubicBezTo>
+                    <a:lnTo>
+                      <a:pt x="1292317" y="32826"/>
+                    </a:lnTo>
+                    <a:cubicBezTo>
+                      <a:pt x="1336608" y="-11179"/>
+                      <a:pt x="1408141" y="-10893"/>
+                      <a:pt x="1452147" y="33398"/>
+                    </a:cubicBezTo>
+                    <a:cubicBezTo>
+                      <a:pt x="1496152" y="77689"/>
+                      <a:pt x="1495866" y="149222"/>
+                      <a:pt x="1451575" y="193227"/>
+                    </a:cubicBezTo>
+                    <a:lnTo>
+                      <a:pt x="192656" y="1443574"/>
+                    </a:lnTo>
+                    <a:cubicBezTo>
+                      <a:pt x="170653" y="1465386"/>
+                      <a:pt x="141792" y="1476340"/>
+                      <a:pt x="113027" y="1476340"/>
+                    </a:cubicBezTo>
+                    <a:close/>
+                  </a:path>
+                </a:pathLst>
+              </a:custGeom>
+              <a:grpFill/>
+              <a:ln w="9525" cap="flat">
+                <a:noFill/>
+                <a:prstDash val="solid"/>
+                <a:miter/>
+              </a:ln>
+            </p:spPr>
+            <p:txBody>
+              <a:bodyPr rtlCol="0" anchor="ctr"/>
+              <a:lstStyle/>
+              <a:p>
+                <a:endParaRPr lang="en-US"/>
+              </a:p>
+            </p:txBody>
+          </p:sp>
+        </p:grpSp>
+        <p:sp>
+          <p:nvSpPr>
+            <p:cNvPr id="21" name="Freeform: Shape 30">
+              <a:extLst>
+                <a:ext uri="{FF2B5EF4-FFF2-40B4-BE49-F238E27FC236}">
+                  <a16:creationId xmlns:a16="http://schemas.microsoft.com/office/drawing/2014/main" id="{5F5BBFDA-03F8-D625-EAC7-0F00FB93B979}"/>
+                </a:ext>
+              </a:extLst>
+            </p:cNvPr>
+            <p:cNvSpPr/>
+            <p:nvPr/>
+          </p:nvSpPr>
+          <p:spPr>
+            <a:xfrm>
+              <a:off x="7939875" y="271485"/>
+              <a:ext cx="1690828" cy="1476351"/>
+            </a:xfrm>
+            <a:custGeom>
+              <a:avLst/>
+              <a:gdLst>
+                <a:gd name="connsiteX0" fmla="*/ 690822 w 1690828"/>
+                <a:gd name="connsiteY0" fmla="*/ 1476351 h 1476351"/>
+                <a:gd name="connsiteX1" fmla="*/ 689012 w 1690828"/>
+                <a:gd name="connsiteY1" fmla="*/ 1476351 h 1476351"/>
+                <a:gd name="connsiteX2" fmla="*/ 596620 w 1690828"/>
+                <a:gd name="connsiteY2" fmla="*/ 1425774 h 1476351"/>
+                <a:gd name="connsiteX3" fmla="*/ 18833 w 1690828"/>
+                <a:gd name="connsiteY3" fmla="*/ 554522 h 1476351"/>
+                <a:gd name="connsiteX4" fmla="*/ 50552 w 1690828"/>
+                <a:gd name="connsiteY4" fmla="*/ 397836 h 1476351"/>
+                <a:gd name="connsiteX5" fmla="*/ 207238 w 1690828"/>
+                <a:gd name="connsiteY5" fmla="*/ 429554 h 1476351"/>
+                <a:gd name="connsiteX6" fmla="*/ 693966 w 1690828"/>
+                <a:gd name="connsiteY6" fmla="*/ 1163551 h 1476351"/>
+                <a:gd name="connsiteX7" fmla="*/ 1485684 w 1690828"/>
+                <a:gd name="connsiteY7" fmla="*/ 47601 h 1476351"/>
+                <a:gd name="connsiteX8" fmla="*/ 1643227 w 1690828"/>
+                <a:gd name="connsiteY8" fmla="*/ 20836 h 1476351"/>
+                <a:gd name="connsiteX9" fmla="*/ 1669992 w 1690828"/>
+                <a:gd name="connsiteY9" fmla="*/ 178380 h 1476351"/>
+                <a:gd name="connsiteX10" fmla="*/ 782929 w 1690828"/>
+                <a:gd name="connsiteY10" fmla="*/ 1428726 h 1476351"/>
+                <a:gd name="connsiteX11" fmla="*/ 690822 w 1690828"/>
+                <a:gd name="connsiteY11" fmla="*/ 1476351 h 1476351"/>
+              </a:gdLst>
+              <a:ahLst/>
+              <a:cxnLst>
+                <a:cxn ang="0">
+                  <a:pos x="connsiteX0" y="connsiteY0"/>
+                </a:cxn>
+                <a:cxn ang="0">
+                  <a:pos x="connsiteX1" y="connsiteY1"/>
+                </a:cxn>
+                <a:cxn ang="0">
+                  <a:pos x="connsiteX2" y="connsiteY2"/>
+                </a:cxn>
+                <a:cxn ang="0">
+                  <a:pos x="connsiteX3" y="connsiteY3"/>
+                </a:cxn>
+                <a:cxn ang="0">
+                  <a:pos x="connsiteX4" y="connsiteY4"/>
+                </a:cxn>
+                <a:cxn ang="0">
+                  <a:pos x="connsiteX5" y="connsiteY5"/>
+                </a:cxn>
+                <a:cxn ang="0">
+                  <a:pos x="connsiteX6" y="connsiteY6"/>
+                </a:cxn>
+                <a:cxn ang="0">
+                  <a:pos x="connsiteX7" y="connsiteY7"/>
+                </a:cxn>
+                <a:cxn ang="0">
+                  <a:pos x="connsiteX8" y="connsiteY8"/>
+                </a:cxn>
+                <a:cxn ang="0">
+                  <a:pos x="connsiteX9" y="connsiteY9"/>
+                </a:cxn>
+                <a:cxn ang="0">
+                  <a:pos x="connsiteX10" y="connsiteY10"/>
+                </a:cxn>
+                <a:cxn ang="0">
+                  <a:pos x="connsiteX11" y="connsiteY11"/>
+                </a:cxn>
+              </a:cxnLst>
+              <a:rect l="l" t="t" r="r" b="b"/>
+              <a:pathLst>
+                <a:path w="1690828" h="1476351">
+                  <a:moveTo>
+                    <a:pt x="690822" y="1476351"/>
+                  </a:moveTo>
+                  <a:cubicBezTo>
+                    <a:pt x="690251" y="1476351"/>
+                    <a:pt x="689584" y="1476351"/>
+                    <a:pt x="689012" y="1476351"/>
+                  </a:cubicBezTo>
+                  <a:cubicBezTo>
+                    <a:pt x="651770" y="1475780"/>
+                    <a:pt x="617194" y="1456825"/>
+                    <a:pt x="596620" y="1425774"/>
+                  </a:cubicBezTo>
+                  <a:lnTo>
+                    <a:pt x="18833" y="554522"/>
+                  </a:lnTo>
+                  <a:cubicBezTo>
+                    <a:pt x="-15647" y="502515"/>
+                    <a:pt x="-1455" y="432316"/>
+                    <a:pt x="50552" y="397836"/>
+                  </a:cubicBezTo>
+                  <a:cubicBezTo>
+                    <a:pt x="102558" y="363355"/>
+                    <a:pt x="172757" y="377547"/>
+                    <a:pt x="207238" y="429554"/>
+                  </a:cubicBezTo>
+                  <a:lnTo>
+                    <a:pt x="693966" y="1163551"/>
+                  </a:lnTo>
+                  <a:lnTo>
+                    <a:pt x="1485684" y="47601"/>
+                  </a:lnTo>
+                  <a:cubicBezTo>
+                    <a:pt x="1521783" y="-3262"/>
+                    <a:pt x="1592364" y="-15264"/>
+                    <a:pt x="1643227" y="20836"/>
+                  </a:cubicBezTo>
+                  <a:cubicBezTo>
+                    <a:pt x="1694091" y="56936"/>
+                    <a:pt x="1706092" y="127516"/>
+                    <a:pt x="1669992" y="178380"/>
+                  </a:cubicBezTo>
+                  <a:lnTo>
+                    <a:pt x="782929" y="1428726"/>
+                  </a:lnTo>
+                  <a:cubicBezTo>
+                    <a:pt x="761784" y="1458635"/>
+                    <a:pt x="727398" y="1476351"/>
+                    <a:pt x="690822" y="1476351"/>
+                  </a:cubicBezTo>
+                  <a:close/>
+                </a:path>
+              </a:pathLst>
+            </a:custGeom>
+            <a:grpFill/>
+            <a:ln w="9525" cap="flat">
+              <a:noFill/>
+              <a:prstDash val="solid"/>
+              <a:miter/>
+            </a:ln>
+          </p:spPr>
+          <p:txBody>
+            <a:bodyPr rtlCol="0" anchor="ctr"/>
+            <a:lstStyle/>
+            <a:p>
+              <a:endParaRPr lang="en-US"/>
+            </a:p>
+          </p:txBody>
+        </p:sp>
+      </p:grpSp>
+      <p:grpSp>
+        <p:nvGrpSpPr>
+          <p:cNvPr id="34" name="Graphic 6">
+            <a:extLst>
+              <a:ext uri="{FF2B5EF4-FFF2-40B4-BE49-F238E27FC236}">
+                <a16:creationId xmlns:a16="http://schemas.microsoft.com/office/drawing/2014/main" id="{DF18F80C-3E5F-1EC2-3256-4A45331C9E6E}"/>
+              </a:ext>
+            </a:extLst>
+          </p:cNvPr>
+          <p:cNvGrpSpPr/>
+          <p:nvPr/>
+        </p:nvGrpSpPr>
+        <p:grpSpPr>
+          <a:xfrm>
+            <a:off x="827493" y="1588848"/>
+            <a:ext cx="517311" cy="489349"/>
+            <a:chOff x="5653087" y="382638"/>
+            <a:chExt cx="3642672" cy="3445771"/>
+          </a:xfrm>
+          <a:gradFill>
+            <a:gsLst>
+              <a:gs pos="0">
+                <a:srgbClr val="A5CF67"/>
+              </a:gs>
+              <a:gs pos="100000">
+                <a:schemeClr val="accent1"/>
+              </a:gs>
+            </a:gsLst>
+            <a:lin ang="2700000" scaled="0"/>
+          </a:gradFill>
+        </p:grpSpPr>
+        <p:grpSp>
+          <p:nvGrpSpPr>
+            <p:cNvPr id="35" name="Graphic 6">
+              <a:extLst>
+                <a:ext uri="{FF2B5EF4-FFF2-40B4-BE49-F238E27FC236}">
+                  <a16:creationId xmlns:a16="http://schemas.microsoft.com/office/drawing/2014/main" id="{1AB499CC-73F6-B482-5AA9-2AE6E5870310}"/>
+                </a:ext>
+              </a:extLst>
+            </p:cNvPr>
+            <p:cNvGrpSpPr/>
+            <p:nvPr/>
+          </p:nvGrpSpPr>
+          <p:grpSpPr>
+            <a:xfrm>
+              <a:off x="7778438" y="895762"/>
+              <a:ext cx="1129819" cy="2535694"/>
+              <a:chOff x="7778438" y="895762"/>
+              <a:chExt cx="1129819" cy="2535694"/>
+            </a:xfrm>
+            <a:grpFill/>
+          </p:grpSpPr>
+          <p:sp>
+            <p:nvSpPr>
+              <p:cNvPr id="46" name="Freeform: Shape 38">
+                <a:extLst>
+                  <a:ext uri="{FF2B5EF4-FFF2-40B4-BE49-F238E27FC236}">
+                    <a16:creationId xmlns:a16="http://schemas.microsoft.com/office/drawing/2014/main" id="{F5DECC8C-7EC8-9E06-1F38-A5093BAA94D2}"/>
+                  </a:ext>
+                </a:extLst>
+              </p:cNvPr>
+              <p:cNvSpPr/>
+              <p:nvPr/>
+            </p:nvSpPr>
+            <p:spPr>
+              <a:xfrm>
+                <a:off x="7976521" y="895762"/>
+                <a:ext cx="494615" cy="494615"/>
+              </a:xfrm>
+              <a:custGeom>
+                <a:avLst/>
+                <a:gdLst>
+                  <a:gd name="connsiteX0" fmla="*/ 247308 w 494615"/>
+                  <a:gd name="connsiteY0" fmla="*/ 494616 h 494615"/>
+                  <a:gd name="connsiteX1" fmla="*/ 0 w 494615"/>
+                  <a:gd name="connsiteY1" fmla="*/ 247308 h 494615"/>
+                  <a:gd name="connsiteX2" fmla="*/ 247308 w 494615"/>
+                  <a:gd name="connsiteY2" fmla="*/ 0 h 494615"/>
+                  <a:gd name="connsiteX3" fmla="*/ 494616 w 494615"/>
+                  <a:gd name="connsiteY3" fmla="*/ 247308 h 494615"/>
+                  <a:gd name="connsiteX4" fmla="*/ 247308 w 494615"/>
+                  <a:gd name="connsiteY4" fmla="*/ 494616 h 494615"/>
+                  <a:gd name="connsiteX5" fmla="*/ 247308 w 494615"/>
+                  <a:gd name="connsiteY5" fmla="*/ 98844 h 494615"/>
+                  <a:gd name="connsiteX6" fmla="*/ 98451 w 494615"/>
+                  <a:gd name="connsiteY6" fmla="*/ 247702 h 494615"/>
+                  <a:gd name="connsiteX7" fmla="*/ 247308 w 494615"/>
+                  <a:gd name="connsiteY7" fmla="*/ 396559 h 494615"/>
+                  <a:gd name="connsiteX8" fmla="*/ 396165 w 494615"/>
+                  <a:gd name="connsiteY8" fmla="*/ 247702 h 494615"/>
+                  <a:gd name="connsiteX9" fmla="*/ 247308 w 494615"/>
+                  <a:gd name="connsiteY9" fmla="*/ 98844 h 494615"/>
+                </a:gdLst>
+                <a:ahLst/>
+                <a:cxnLst>
+                  <a:cxn ang="0">
+                    <a:pos x="connsiteX0" y="connsiteY0"/>
+                  </a:cxn>
+                  <a:cxn ang="0">
+                    <a:pos x="connsiteX1" y="connsiteY1"/>
+                  </a:cxn>
+                  <a:cxn ang="0">
+                    <a:pos x="connsiteX2" y="connsiteY2"/>
+                  </a:cxn>
+                  <a:cxn ang="0">
+                    <a:pos x="connsiteX3" y="connsiteY3"/>
+                  </a:cxn>
+                  <a:cxn ang="0">
+                    <a:pos x="connsiteX4" y="connsiteY4"/>
+                  </a:cxn>
+                  <a:cxn ang="0">
+                    <a:pos x="connsiteX5" y="connsiteY5"/>
+                  </a:cxn>
+                  <a:cxn ang="0">
+                    <a:pos x="connsiteX6" y="connsiteY6"/>
+                  </a:cxn>
+                  <a:cxn ang="0">
+                    <a:pos x="connsiteX7" y="connsiteY7"/>
+                  </a:cxn>
+                  <a:cxn ang="0">
+                    <a:pos x="connsiteX8" y="connsiteY8"/>
+                  </a:cxn>
+                  <a:cxn ang="0">
+                    <a:pos x="connsiteX9" y="connsiteY9"/>
+                  </a:cxn>
+                </a:cxnLst>
+                <a:rect l="l" t="t" r="r" b="b"/>
+                <a:pathLst>
+                  <a:path w="494615" h="494615">
+                    <a:moveTo>
+                      <a:pt x="247308" y="494616"/>
+                    </a:moveTo>
+                    <a:cubicBezTo>
+                      <a:pt x="111052" y="494616"/>
+                      <a:pt x="0" y="383564"/>
+                      <a:pt x="0" y="247308"/>
+                    </a:cubicBezTo>
+                    <a:cubicBezTo>
+                      <a:pt x="0" y="111052"/>
+                      <a:pt x="111052" y="0"/>
+                      <a:pt x="247308" y="0"/>
+                    </a:cubicBezTo>
+                    <a:cubicBezTo>
+                      <a:pt x="383564" y="0"/>
+                      <a:pt x="494616" y="111052"/>
+                      <a:pt x="494616" y="247308"/>
+                    </a:cubicBezTo>
+                    <a:cubicBezTo>
+                      <a:pt x="494616" y="383564"/>
+                      <a:pt x="383564" y="494616"/>
+                      <a:pt x="247308" y="494616"/>
+                    </a:cubicBezTo>
+                    <a:close/>
+                    <a:moveTo>
+                      <a:pt x="247308" y="98844"/>
+                    </a:moveTo>
+                    <a:cubicBezTo>
+                      <a:pt x="165397" y="98844"/>
+                      <a:pt x="98451" y="165397"/>
+                      <a:pt x="98451" y="247702"/>
+                    </a:cubicBezTo>
+                    <a:cubicBezTo>
+                      <a:pt x="98451" y="329613"/>
+                      <a:pt x="165003" y="396559"/>
+                      <a:pt x="247308" y="396559"/>
+                    </a:cubicBezTo>
+                    <a:cubicBezTo>
+                      <a:pt x="329219" y="396559"/>
+                      <a:pt x="396165" y="330007"/>
+                      <a:pt x="396165" y="247702"/>
+                    </a:cubicBezTo>
+                    <a:cubicBezTo>
+                      <a:pt x="395772" y="165397"/>
+                      <a:pt x="329219" y="98844"/>
+                      <a:pt x="247308" y="98844"/>
+                    </a:cubicBezTo>
+                    <a:close/>
+                  </a:path>
+                </a:pathLst>
+              </a:custGeom>
+              <a:grpFill/>
+              <a:ln w="39329" cap="flat">
+                <a:noFill/>
+                <a:prstDash val="solid"/>
+                <a:miter/>
+              </a:ln>
+            </p:spPr>
+            <p:txBody>
+              <a:bodyPr rtlCol="0" anchor="ctr"/>
+              <a:lstStyle/>
+              <a:p>
+                <a:endParaRPr lang="en-US"/>
+              </a:p>
+            </p:txBody>
+          </p:sp>
+          <p:sp>
+            <p:nvSpPr>
+              <p:cNvPr id="47" name="Freeform: Shape 39">
+                <a:extLst>
+                  <a:ext uri="{FF2B5EF4-FFF2-40B4-BE49-F238E27FC236}">
+                    <a16:creationId xmlns:a16="http://schemas.microsoft.com/office/drawing/2014/main" id="{FA524AA3-B08C-F688-426F-926DCA855555}"/>
+                  </a:ext>
+                </a:extLst>
+              </p:cNvPr>
+              <p:cNvSpPr/>
+              <p:nvPr/>
+            </p:nvSpPr>
+            <p:spPr>
+              <a:xfrm>
+                <a:off x="8413642" y="1702663"/>
+                <a:ext cx="494616" cy="494615"/>
+              </a:xfrm>
+              <a:custGeom>
+                <a:avLst/>
+                <a:gdLst>
+                  <a:gd name="connsiteX0" fmla="*/ 247308 w 494616"/>
+                  <a:gd name="connsiteY0" fmla="*/ 494616 h 494615"/>
+                  <a:gd name="connsiteX1" fmla="*/ 0 w 494616"/>
+                  <a:gd name="connsiteY1" fmla="*/ 247308 h 494615"/>
+                  <a:gd name="connsiteX2" fmla="*/ 247308 w 494616"/>
+                  <a:gd name="connsiteY2" fmla="*/ 0 h 494615"/>
+                  <a:gd name="connsiteX3" fmla="*/ 494616 w 494616"/>
+                  <a:gd name="connsiteY3" fmla="*/ 247308 h 494615"/>
+                  <a:gd name="connsiteX4" fmla="*/ 247308 w 494616"/>
+                  <a:gd name="connsiteY4" fmla="*/ 494616 h 494615"/>
+                  <a:gd name="connsiteX5" fmla="*/ 247308 w 494616"/>
+                  <a:gd name="connsiteY5" fmla="*/ 98451 h 494615"/>
+                  <a:gd name="connsiteX6" fmla="*/ 98451 w 494616"/>
+                  <a:gd name="connsiteY6" fmla="*/ 247308 h 494615"/>
+                  <a:gd name="connsiteX7" fmla="*/ 247308 w 494616"/>
+                  <a:gd name="connsiteY7" fmla="*/ 396165 h 494615"/>
+                  <a:gd name="connsiteX8" fmla="*/ 396166 w 494616"/>
+                  <a:gd name="connsiteY8" fmla="*/ 247308 h 494615"/>
+                  <a:gd name="connsiteX9" fmla="*/ 247308 w 494616"/>
+                  <a:gd name="connsiteY9" fmla="*/ 98451 h 494615"/>
+                </a:gdLst>
+                <a:ahLst/>
+                <a:cxnLst>
+                  <a:cxn ang="0">
+                    <a:pos x="connsiteX0" y="connsiteY0"/>
+                  </a:cxn>
+                  <a:cxn ang="0">
+                    <a:pos x="connsiteX1" y="connsiteY1"/>
+                  </a:cxn>
+                  <a:cxn ang="0">
+                    <a:pos x="connsiteX2" y="connsiteY2"/>
+                  </a:cxn>
+                  <a:cxn ang="0">
+                    <a:pos x="connsiteX3" y="connsiteY3"/>
+                  </a:cxn>
+                  <a:cxn ang="0">
+                    <a:pos x="connsiteX4" y="connsiteY4"/>
+                  </a:cxn>
+                  <a:cxn ang="0">
+                    <a:pos x="connsiteX5" y="connsiteY5"/>
+                  </a:cxn>
+                  <a:cxn ang="0">
+                    <a:pos x="connsiteX6" y="connsiteY6"/>
+                  </a:cxn>
+                  <a:cxn ang="0">
+                    <a:pos x="connsiteX7" y="connsiteY7"/>
+                  </a:cxn>
+                  <a:cxn ang="0">
+                    <a:pos x="connsiteX8" y="connsiteY8"/>
+                  </a:cxn>
+                  <a:cxn ang="0">
+                    <a:pos x="connsiteX9" y="connsiteY9"/>
+                  </a:cxn>
+                </a:cxnLst>
+                <a:rect l="l" t="t" r="r" b="b"/>
+                <a:pathLst>
+                  <a:path w="494616" h="494615">
+                    <a:moveTo>
+                      <a:pt x="247308" y="494616"/>
+                    </a:moveTo>
+                    <a:cubicBezTo>
+                      <a:pt x="111052" y="494616"/>
+                      <a:pt x="0" y="383564"/>
+                      <a:pt x="0" y="247308"/>
+                    </a:cubicBezTo>
+                    <a:cubicBezTo>
+                      <a:pt x="0" y="111052"/>
+                      <a:pt x="111052" y="0"/>
+                      <a:pt x="247308" y="0"/>
+                    </a:cubicBezTo>
+                    <a:cubicBezTo>
+                      <a:pt x="383564" y="0"/>
+                      <a:pt x="494616" y="111052"/>
+                      <a:pt x="494616" y="247308"/>
+                    </a:cubicBezTo>
+                    <a:cubicBezTo>
+                      <a:pt x="494616" y="383564"/>
+                      <a:pt x="383564" y="494616"/>
+                      <a:pt x="247308" y="494616"/>
+                    </a:cubicBezTo>
+                    <a:close/>
+                    <a:moveTo>
+                      <a:pt x="247308" y="98451"/>
+                    </a:moveTo>
+                    <a:cubicBezTo>
+                      <a:pt x="165397" y="98451"/>
+                      <a:pt x="98451" y="165003"/>
+                      <a:pt x="98451" y="247308"/>
+                    </a:cubicBezTo>
+                    <a:cubicBezTo>
+                      <a:pt x="98451" y="329613"/>
+                      <a:pt x="165003" y="396165"/>
+                      <a:pt x="247308" y="396165"/>
+                    </a:cubicBezTo>
+                    <a:cubicBezTo>
+                      <a:pt x="329219" y="396165"/>
+                      <a:pt x="396166" y="329613"/>
+                      <a:pt x="396166" y="247308"/>
+                    </a:cubicBezTo>
+                    <a:cubicBezTo>
+                      <a:pt x="396166" y="165003"/>
+                      <a:pt x="329219" y="98451"/>
+                      <a:pt x="247308" y="98451"/>
+                    </a:cubicBezTo>
+                    <a:close/>
+                  </a:path>
+                </a:pathLst>
+              </a:custGeom>
+              <a:grpFill/>
+              <a:ln w="39329" cap="flat">
+                <a:noFill/>
+                <a:prstDash val="solid"/>
+                <a:miter/>
+              </a:ln>
+            </p:spPr>
+            <p:txBody>
+              <a:bodyPr rtlCol="0" anchor="ctr"/>
+              <a:lstStyle/>
+              <a:p>
+                <a:endParaRPr lang="en-US"/>
+              </a:p>
+            </p:txBody>
+          </p:sp>
+          <p:sp>
+            <p:nvSpPr>
+              <p:cNvPr id="48" name="Freeform: Shape 40">
+                <a:extLst>
+                  <a:ext uri="{FF2B5EF4-FFF2-40B4-BE49-F238E27FC236}">
+                    <a16:creationId xmlns:a16="http://schemas.microsoft.com/office/drawing/2014/main" id="{92F68306-BBE7-92CF-7F60-C7B5C4959571}"/>
+                  </a:ext>
+                </a:extLst>
+              </p:cNvPr>
+              <p:cNvSpPr/>
+              <p:nvPr/>
+            </p:nvSpPr>
+            <p:spPr>
+              <a:xfrm>
+                <a:off x="7778438" y="2257925"/>
+                <a:ext cx="494615" cy="494615"/>
+              </a:xfrm>
+              <a:custGeom>
+                <a:avLst/>
+                <a:gdLst>
+                  <a:gd name="connsiteX0" fmla="*/ 247308 w 494615"/>
+                  <a:gd name="connsiteY0" fmla="*/ 494616 h 494615"/>
+                  <a:gd name="connsiteX1" fmla="*/ 0 w 494615"/>
+                  <a:gd name="connsiteY1" fmla="*/ 247308 h 494615"/>
+                  <a:gd name="connsiteX2" fmla="*/ 247308 w 494615"/>
+                  <a:gd name="connsiteY2" fmla="*/ 0 h 494615"/>
+                  <a:gd name="connsiteX3" fmla="*/ 494616 w 494615"/>
+                  <a:gd name="connsiteY3" fmla="*/ 247308 h 494615"/>
+                  <a:gd name="connsiteX4" fmla="*/ 247308 w 494615"/>
+                  <a:gd name="connsiteY4" fmla="*/ 494616 h 494615"/>
+                  <a:gd name="connsiteX5" fmla="*/ 247308 w 494615"/>
+                  <a:gd name="connsiteY5" fmla="*/ 98451 h 494615"/>
+                  <a:gd name="connsiteX6" fmla="*/ 98451 w 494615"/>
+                  <a:gd name="connsiteY6" fmla="*/ 247308 h 494615"/>
+                  <a:gd name="connsiteX7" fmla="*/ 247308 w 494615"/>
+                  <a:gd name="connsiteY7" fmla="*/ 396165 h 494615"/>
+                  <a:gd name="connsiteX8" fmla="*/ 396165 w 494615"/>
+                  <a:gd name="connsiteY8" fmla="*/ 247308 h 494615"/>
+                  <a:gd name="connsiteX9" fmla="*/ 247308 w 494615"/>
+                  <a:gd name="connsiteY9" fmla="*/ 98451 h 494615"/>
+                </a:gdLst>
+                <a:ahLst/>
+                <a:cxnLst>
+                  <a:cxn ang="0">
+                    <a:pos x="connsiteX0" y="connsiteY0"/>
+                  </a:cxn>
+                  <a:cxn ang="0">
+                    <a:pos x="connsiteX1" y="connsiteY1"/>
+                  </a:cxn>
+                  <a:cxn ang="0">
+                    <a:pos x="connsiteX2" y="connsiteY2"/>
+                  </a:cxn>
+                  <a:cxn ang="0">
+                    <a:pos x="connsiteX3" y="connsiteY3"/>
+                  </a:cxn>
+                  <a:cxn ang="0">
+                    <a:pos x="connsiteX4" y="connsiteY4"/>
+                  </a:cxn>
+                  <a:cxn ang="0">
+                    <a:pos x="connsiteX5" y="connsiteY5"/>
+                  </a:cxn>
+                  <a:cxn ang="0">
+                    <a:pos x="connsiteX6" y="connsiteY6"/>
+                  </a:cxn>
+                  <a:cxn ang="0">
+                    <a:pos x="connsiteX7" y="connsiteY7"/>
+                  </a:cxn>
+                  <a:cxn ang="0">
+                    <a:pos x="connsiteX8" y="connsiteY8"/>
+                  </a:cxn>
+                  <a:cxn ang="0">
+                    <a:pos x="connsiteX9" y="connsiteY9"/>
+                  </a:cxn>
+                </a:cxnLst>
+                <a:rect l="l" t="t" r="r" b="b"/>
+                <a:pathLst>
+                  <a:path w="494615" h="494615">
+                    <a:moveTo>
+                      <a:pt x="247308" y="494616"/>
+                    </a:moveTo>
+                    <a:cubicBezTo>
+                      <a:pt x="111052" y="494616"/>
+                      <a:pt x="0" y="383564"/>
+                      <a:pt x="0" y="247308"/>
+                    </a:cubicBezTo>
+                    <a:cubicBezTo>
+                      <a:pt x="0" y="111052"/>
+                      <a:pt x="111052" y="0"/>
+                      <a:pt x="247308" y="0"/>
+                    </a:cubicBezTo>
+                    <a:cubicBezTo>
+                      <a:pt x="383564" y="0"/>
+                      <a:pt x="494616" y="111052"/>
+                      <a:pt x="494616" y="247308"/>
+                    </a:cubicBezTo>
+                    <a:cubicBezTo>
+                      <a:pt x="494616" y="383564"/>
+                      <a:pt x="383564" y="494616"/>
+                      <a:pt x="247308" y="494616"/>
+                    </a:cubicBezTo>
+                    <a:close/>
+                    <a:moveTo>
+                      <a:pt x="247308" y="98451"/>
+                    </a:moveTo>
+                    <a:cubicBezTo>
+                      <a:pt x="165397" y="98451"/>
+                      <a:pt x="98451" y="165003"/>
+                      <a:pt x="98451" y="247308"/>
+                    </a:cubicBezTo>
+                    <a:cubicBezTo>
+                      <a:pt x="98451" y="329219"/>
+                      <a:pt x="165003" y="396165"/>
+                      <a:pt x="247308" y="396165"/>
+                    </a:cubicBezTo>
+                    <a:cubicBezTo>
+                      <a:pt x="329219" y="396165"/>
+                      <a:pt x="396165" y="329613"/>
+                      <a:pt x="396165" y="247308"/>
+                    </a:cubicBezTo>
+                    <a:cubicBezTo>
+                      <a:pt x="396165" y="165397"/>
+                      <a:pt x="329219" y="98451"/>
+                      <a:pt x="247308" y="98451"/>
+                    </a:cubicBezTo>
+                    <a:close/>
+                  </a:path>
+                </a:pathLst>
+              </a:custGeom>
+              <a:grpFill/>
+              <a:ln w="39329" cap="flat">
+                <a:noFill/>
+                <a:prstDash val="solid"/>
+                <a:miter/>
+              </a:ln>
+            </p:spPr>
+            <p:txBody>
+              <a:bodyPr rtlCol="0" anchor="ctr"/>
+              <a:lstStyle/>
+              <a:p>
+                <a:endParaRPr lang="en-US"/>
+              </a:p>
+            </p:txBody>
+          </p:sp>
+          <p:sp>
+            <p:nvSpPr>
+              <p:cNvPr id="49" name="Freeform: Shape 41">
+                <a:extLst>
+                  <a:ext uri="{FF2B5EF4-FFF2-40B4-BE49-F238E27FC236}">
+                    <a16:creationId xmlns:a16="http://schemas.microsoft.com/office/drawing/2014/main" id="{48C3E202-F843-4993-EBDF-602C3E3D7444}"/>
+                  </a:ext>
+                </a:extLst>
+              </p:cNvPr>
+              <p:cNvSpPr/>
+              <p:nvPr/>
+            </p:nvSpPr>
+            <p:spPr>
+              <a:xfrm>
+                <a:off x="7778438" y="2936841"/>
+                <a:ext cx="494615" cy="494615"/>
+              </a:xfrm>
+              <a:custGeom>
+                <a:avLst/>
+                <a:gdLst>
+                  <a:gd name="connsiteX0" fmla="*/ 247308 w 494615"/>
+                  <a:gd name="connsiteY0" fmla="*/ 494616 h 494615"/>
+                  <a:gd name="connsiteX1" fmla="*/ 0 w 494615"/>
+                  <a:gd name="connsiteY1" fmla="*/ 247308 h 494615"/>
+                  <a:gd name="connsiteX2" fmla="*/ 247308 w 494615"/>
+                  <a:gd name="connsiteY2" fmla="*/ 0 h 494615"/>
+                  <a:gd name="connsiteX3" fmla="*/ 494616 w 494615"/>
+                  <a:gd name="connsiteY3" fmla="*/ 247308 h 494615"/>
+                  <a:gd name="connsiteX4" fmla="*/ 247308 w 494615"/>
+                  <a:gd name="connsiteY4" fmla="*/ 494616 h 494615"/>
+                  <a:gd name="connsiteX5" fmla="*/ 247308 w 494615"/>
+                  <a:gd name="connsiteY5" fmla="*/ 98845 h 494615"/>
+                  <a:gd name="connsiteX6" fmla="*/ 98451 w 494615"/>
+                  <a:gd name="connsiteY6" fmla="*/ 247702 h 494615"/>
+                  <a:gd name="connsiteX7" fmla="*/ 247308 w 494615"/>
+                  <a:gd name="connsiteY7" fmla="*/ 396559 h 494615"/>
+                  <a:gd name="connsiteX8" fmla="*/ 396165 w 494615"/>
+                  <a:gd name="connsiteY8" fmla="*/ 247702 h 494615"/>
+                  <a:gd name="connsiteX9" fmla="*/ 247308 w 494615"/>
+                  <a:gd name="connsiteY9" fmla="*/ 98845 h 494615"/>
+                </a:gdLst>
+                <a:ahLst/>
+                <a:cxnLst>
+                  <a:cxn ang="0">
+                    <a:pos x="connsiteX0" y="connsiteY0"/>
+                  </a:cxn>
+                  <a:cxn ang="0">
+                    <a:pos x="connsiteX1" y="connsiteY1"/>
+                  </a:cxn>
+                  <a:cxn ang="0">
+                    <a:pos x="connsiteX2" y="connsiteY2"/>
+                  </a:cxn>
+                  <a:cxn ang="0">
+                    <a:pos x="connsiteX3" y="connsiteY3"/>
+                  </a:cxn>
+                  <a:cxn ang="0">
+                    <a:pos x="connsiteX4" y="connsiteY4"/>
+                  </a:cxn>
+                  <a:cxn ang="0">
+                    <a:pos x="connsiteX5" y="connsiteY5"/>
+                  </a:cxn>
+                  <a:cxn ang="0">
+                    <a:pos x="connsiteX6" y="connsiteY6"/>
+                  </a:cxn>
+                  <a:cxn ang="0">
+                    <a:pos x="connsiteX7" y="connsiteY7"/>
+                  </a:cxn>
+                  <a:cxn ang="0">
+                    <a:pos x="connsiteX8" y="connsiteY8"/>
+                  </a:cxn>
+                  <a:cxn ang="0">
+                    <a:pos x="connsiteX9" y="connsiteY9"/>
+                  </a:cxn>
+                </a:cxnLst>
+                <a:rect l="l" t="t" r="r" b="b"/>
+                <a:pathLst>
+                  <a:path w="494615" h="494615">
+                    <a:moveTo>
+                      <a:pt x="247308" y="494616"/>
+                    </a:moveTo>
+                    <a:cubicBezTo>
+                      <a:pt x="111052" y="494616"/>
+                      <a:pt x="0" y="383564"/>
+                      <a:pt x="0" y="247308"/>
+                    </a:cubicBezTo>
+                    <a:cubicBezTo>
+                      <a:pt x="0" y="111052"/>
+                      <a:pt x="111052" y="0"/>
+                      <a:pt x="247308" y="0"/>
+                    </a:cubicBezTo>
+                    <a:cubicBezTo>
+                      <a:pt x="383564" y="0"/>
+                      <a:pt x="494616" y="111052"/>
+                      <a:pt x="494616" y="247308"/>
+                    </a:cubicBezTo>
+                    <a:cubicBezTo>
+                      <a:pt x="494616" y="383564"/>
+                      <a:pt x="383564" y="494616"/>
+                      <a:pt x="247308" y="494616"/>
+                    </a:cubicBezTo>
+                    <a:close/>
+                    <a:moveTo>
+                      <a:pt x="247308" y="98845"/>
+                    </a:moveTo>
+                    <a:cubicBezTo>
+                      <a:pt x="165397" y="98845"/>
+                      <a:pt x="98451" y="165397"/>
+                      <a:pt x="98451" y="247702"/>
+                    </a:cubicBezTo>
+                    <a:cubicBezTo>
+                      <a:pt x="98451" y="329613"/>
+                      <a:pt x="165003" y="396559"/>
+                      <a:pt x="247308" y="396559"/>
+                    </a:cubicBezTo>
+                    <a:cubicBezTo>
+                      <a:pt x="329219" y="396559"/>
+                      <a:pt x="396165" y="330006"/>
+                      <a:pt x="396165" y="247702"/>
+                    </a:cubicBezTo>
+                    <a:cubicBezTo>
+                      <a:pt x="396165" y="165397"/>
+                      <a:pt x="329219" y="98845"/>
+                      <a:pt x="247308" y="98845"/>
+                    </a:cubicBezTo>
+                    <a:close/>
+                  </a:path>
+                </a:pathLst>
+              </a:custGeom>
+              <a:grpFill/>
+              <a:ln w="39329" cap="flat">
+                <a:noFill/>
+                <a:prstDash val="solid"/>
+                <a:miter/>
+              </a:ln>
+            </p:spPr>
+            <p:txBody>
+              <a:bodyPr rtlCol="0" anchor="ctr"/>
+              <a:lstStyle/>
+              <a:p>
+                <a:endParaRPr lang="en-US"/>
+              </a:p>
+            </p:txBody>
+          </p:sp>
+          <p:sp>
+            <p:nvSpPr>
+              <p:cNvPr id="50" name="Freeform: Shape 42">
+                <a:extLst>
+                  <a:ext uri="{FF2B5EF4-FFF2-40B4-BE49-F238E27FC236}">
+                    <a16:creationId xmlns:a16="http://schemas.microsoft.com/office/drawing/2014/main" id="{F19B1748-45D8-304D-C189-449F62215CAB}"/>
+                  </a:ext>
+                </a:extLst>
+              </p:cNvPr>
+              <p:cNvSpPr/>
+              <p:nvPr/>
+            </p:nvSpPr>
+            <p:spPr>
+              <a:xfrm>
+                <a:off x="8174604" y="1291927"/>
+                <a:ext cx="98450" cy="707269"/>
+              </a:xfrm>
+              <a:custGeom>
+                <a:avLst/>
+                <a:gdLst>
+                  <a:gd name="connsiteX0" fmla="*/ 49225 w 98450"/>
+                  <a:gd name="connsiteY0" fmla="*/ 707269 h 707269"/>
+                  <a:gd name="connsiteX1" fmla="*/ 0 w 98450"/>
+                  <a:gd name="connsiteY1" fmla="*/ 658044 h 707269"/>
+                  <a:gd name="connsiteX2" fmla="*/ 0 w 98450"/>
+                  <a:gd name="connsiteY2" fmla="*/ 49225 h 707269"/>
+                  <a:gd name="connsiteX3" fmla="*/ 49225 w 98450"/>
+                  <a:gd name="connsiteY3" fmla="*/ 0 h 707269"/>
+                  <a:gd name="connsiteX4" fmla="*/ 98451 w 98450"/>
+                  <a:gd name="connsiteY4" fmla="*/ 49225 h 707269"/>
+                  <a:gd name="connsiteX5" fmla="*/ 98451 w 98450"/>
+                  <a:gd name="connsiteY5" fmla="*/ 658044 h 707269"/>
+                  <a:gd name="connsiteX6" fmla="*/ 49225 w 98450"/>
+                  <a:gd name="connsiteY6" fmla="*/ 707269 h 707269"/>
+                </a:gdLst>
+                <a:ahLst/>
+                <a:cxnLst>
+                  <a:cxn ang="0">
+                    <a:pos x="connsiteX0" y="connsiteY0"/>
+                  </a:cxn>
+                  <a:cxn ang="0">
+                    <a:pos x="connsiteX1" y="connsiteY1"/>
+                  </a:cxn>
+                  <a:cxn ang="0">
+                    <a:pos x="connsiteX2" y="connsiteY2"/>
+                  </a:cxn>
+                  <a:cxn ang="0">
+                    <a:pos x="connsiteX3" y="connsiteY3"/>
+                  </a:cxn>
+                  <a:cxn ang="0">
+                    <a:pos x="connsiteX4" y="connsiteY4"/>
+                  </a:cxn>
+                  <a:cxn ang="0">
+                    <a:pos x="connsiteX5" y="connsiteY5"/>
+                  </a:cxn>
+                  <a:cxn ang="0">
+                    <a:pos x="connsiteX6" y="connsiteY6"/>
+                  </a:cxn>
+                </a:cxnLst>
+                <a:rect l="l" t="t" r="r" b="b"/>
+                <a:pathLst>
+                  <a:path w="98450" h="707269">
+                    <a:moveTo>
+                      <a:pt x="49225" y="707269"/>
+                    </a:moveTo>
+                    <a:cubicBezTo>
+                      <a:pt x="22053" y="707269"/>
+                      <a:pt x="0" y="685216"/>
+                      <a:pt x="0" y="658044"/>
+                    </a:cubicBezTo>
+                    <a:lnTo>
+                      <a:pt x="0" y="49225"/>
+                    </a:lnTo>
+                    <a:cubicBezTo>
+                      <a:pt x="0" y="22053"/>
+                      <a:pt x="22053" y="0"/>
+                      <a:pt x="49225" y="0"/>
+                    </a:cubicBezTo>
+                    <a:cubicBezTo>
+                      <a:pt x="76398" y="0"/>
+                      <a:pt x="98451" y="22053"/>
+                      <a:pt x="98451" y="49225"/>
+                    </a:cubicBezTo>
+                    <a:lnTo>
+                      <a:pt x="98451" y="658044"/>
+                    </a:lnTo>
+                    <a:cubicBezTo>
+                      <a:pt x="98451" y="685216"/>
+                      <a:pt x="76398" y="707269"/>
+                      <a:pt x="49225" y="707269"/>
+                    </a:cubicBezTo>
+                    <a:close/>
+                  </a:path>
+                </a:pathLst>
+              </a:custGeom>
+              <a:grpFill/>
+              <a:ln w="39329" cap="flat">
+                <a:noFill/>
+                <a:prstDash val="solid"/>
+                <a:miter/>
+              </a:ln>
+            </p:spPr>
+            <p:txBody>
+              <a:bodyPr rtlCol="0" anchor="ctr"/>
+              <a:lstStyle/>
+              <a:p>
+                <a:endParaRPr lang="en-US"/>
+              </a:p>
+            </p:txBody>
+          </p:sp>
+          <p:sp>
+            <p:nvSpPr>
+              <p:cNvPr id="51" name="Freeform: Shape 43">
+                <a:extLst>
+                  <a:ext uri="{FF2B5EF4-FFF2-40B4-BE49-F238E27FC236}">
+                    <a16:creationId xmlns:a16="http://schemas.microsoft.com/office/drawing/2014/main" id="{24B36417-2059-DA18-44BD-FD9F72F72157}"/>
+                  </a:ext>
+                </a:extLst>
+              </p:cNvPr>
+              <p:cNvSpPr/>
+              <p:nvPr/>
+            </p:nvSpPr>
+            <p:spPr>
+              <a:xfrm>
+                <a:off x="7976521" y="1900746"/>
+                <a:ext cx="535571" cy="455629"/>
+              </a:xfrm>
+              <a:custGeom>
+                <a:avLst/>
+                <a:gdLst>
+                  <a:gd name="connsiteX0" fmla="*/ 49225 w 535571"/>
+                  <a:gd name="connsiteY0" fmla="*/ 455629 h 455629"/>
+                  <a:gd name="connsiteX1" fmla="*/ 0 w 535571"/>
+                  <a:gd name="connsiteY1" fmla="*/ 406404 h 455629"/>
+                  <a:gd name="connsiteX2" fmla="*/ 0 w 535571"/>
+                  <a:gd name="connsiteY2" fmla="*/ 85061 h 455629"/>
+                  <a:gd name="connsiteX3" fmla="*/ 85061 w 535571"/>
+                  <a:gd name="connsiteY3" fmla="*/ 0 h 455629"/>
+                  <a:gd name="connsiteX4" fmla="*/ 486346 w 535571"/>
+                  <a:gd name="connsiteY4" fmla="*/ 0 h 455629"/>
+                  <a:gd name="connsiteX5" fmla="*/ 535571 w 535571"/>
+                  <a:gd name="connsiteY5" fmla="*/ 49225 h 455629"/>
+                  <a:gd name="connsiteX6" fmla="*/ 486346 w 535571"/>
+                  <a:gd name="connsiteY6" fmla="*/ 98451 h 455629"/>
+                  <a:gd name="connsiteX7" fmla="*/ 98451 w 535571"/>
+                  <a:gd name="connsiteY7" fmla="*/ 98451 h 455629"/>
+                  <a:gd name="connsiteX8" fmla="*/ 98451 w 535571"/>
+                  <a:gd name="connsiteY8" fmla="*/ 406404 h 455629"/>
+                  <a:gd name="connsiteX9" fmla="*/ 49225 w 535571"/>
+                  <a:gd name="connsiteY9" fmla="*/ 455629 h 455629"/>
+                </a:gdLst>
+                <a:ahLst/>
+                <a:cxnLst>
+                  <a:cxn ang="0">
+                    <a:pos x="connsiteX0" y="connsiteY0"/>
+                  </a:cxn>
+                  <a:cxn ang="0">
+                    <a:pos x="connsiteX1" y="connsiteY1"/>
+                  </a:cxn>
+                  <a:cxn ang="0">
+                    <a:pos x="connsiteX2" y="connsiteY2"/>
+                  </a:cxn>
+                  <a:cxn ang="0">
+                    <a:pos x="connsiteX3" y="connsiteY3"/>
+                  </a:cxn>
+                  <a:cxn ang="0">
+                    <a:pos x="connsiteX4" y="connsiteY4"/>
+                  </a:cxn>
+                  <a:cxn ang="0">
+                    <a:pos x="connsiteX5" y="connsiteY5"/>
+                  </a:cxn>
+                  <a:cxn ang="0">
+                    <a:pos x="connsiteX6" y="connsiteY6"/>
+                  </a:cxn>
+                  <a:cxn ang="0">
+                    <a:pos x="connsiteX7" y="connsiteY7"/>
+                  </a:cxn>
+                  <a:cxn ang="0">
+                    <a:pos x="connsiteX8" y="connsiteY8"/>
+                  </a:cxn>
+                  <a:cxn ang="0">
+                    <a:pos x="connsiteX9" y="connsiteY9"/>
+                  </a:cxn>
+                </a:cxnLst>
+                <a:rect l="l" t="t" r="r" b="b"/>
+                <a:pathLst>
+                  <a:path w="535571" h="455629">
+                    <a:moveTo>
+                      <a:pt x="49225" y="455629"/>
+                    </a:moveTo>
+                    <a:cubicBezTo>
+                      <a:pt x="22053" y="455629"/>
+                      <a:pt x="0" y="433577"/>
+                      <a:pt x="0" y="406404"/>
+                    </a:cubicBezTo>
+                    <a:lnTo>
+                      <a:pt x="0" y="85061"/>
+                    </a:lnTo>
+                    <a:cubicBezTo>
+                      <a:pt x="0" y="38199"/>
+                      <a:pt x="38199" y="0"/>
+                      <a:pt x="85061" y="0"/>
+                    </a:cubicBezTo>
+                    <a:lnTo>
+                      <a:pt x="486346" y="0"/>
+                    </a:lnTo>
+                    <a:cubicBezTo>
+                      <a:pt x="513518" y="0"/>
+                      <a:pt x="535571" y="22053"/>
+                      <a:pt x="535571" y="49225"/>
+                    </a:cubicBezTo>
+                    <a:cubicBezTo>
+                      <a:pt x="535571" y="76398"/>
+                      <a:pt x="513518" y="98451"/>
+                      <a:pt x="486346" y="98451"/>
+                    </a:cubicBezTo>
+                    <a:lnTo>
+                      <a:pt x="98451" y="98451"/>
+                    </a:lnTo>
+                    <a:lnTo>
+                      <a:pt x="98451" y="406404"/>
+                    </a:lnTo>
+                    <a:cubicBezTo>
+                      <a:pt x="98451" y="433577"/>
+                      <a:pt x="76398" y="455629"/>
+                      <a:pt x="49225" y="455629"/>
+                    </a:cubicBezTo>
+                    <a:close/>
+                  </a:path>
+                </a:pathLst>
+              </a:custGeom>
+              <a:grpFill/>
+              <a:ln w="39329" cap="flat">
+                <a:noFill/>
+                <a:prstDash val="solid"/>
+                <a:miter/>
+              </a:ln>
+            </p:spPr>
+            <p:txBody>
+              <a:bodyPr rtlCol="0" anchor="ctr"/>
+              <a:lstStyle/>
+              <a:p>
+                <a:endParaRPr lang="en-US"/>
+              </a:p>
+            </p:txBody>
+          </p:sp>
+          <p:sp>
+            <p:nvSpPr>
+              <p:cNvPr id="52" name="Freeform: Shape 44">
+                <a:extLst>
+                  <a:ext uri="{FF2B5EF4-FFF2-40B4-BE49-F238E27FC236}">
+                    <a16:creationId xmlns:a16="http://schemas.microsoft.com/office/drawing/2014/main" id="{93AC1FED-FEB7-1493-7BA4-7CC7D6B15B09}"/>
+                  </a:ext>
+                </a:extLst>
+              </p:cNvPr>
+              <p:cNvSpPr/>
+              <p:nvPr/>
+            </p:nvSpPr>
+            <p:spPr>
+              <a:xfrm>
+                <a:off x="7976521" y="2654090"/>
+                <a:ext cx="98450" cy="381594"/>
+              </a:xfrm>
+              <a:custGeom>
+                <a:avLst/>
+                <a:gdLst>
+                  <a:gd name="connsiteX0" fmla="*/ 49225 w 98450"/>
+                  <a:gd name="connsiteY0" fmla="*/ 381595 h 381594"/>
+                  <a:gd name="connsiteX1" fmla="*/ 0 w 98450"/>
+                  <a:gd name="connsiteY1" fmla="*/ 332369 h 381594"/>
+                  <a:gd name="connsiteX2" fmla="*/ 0 w 98450"/>
+                  <a:gd name="connsiteY2" fmla="*/ 49225 h 381594"/>
+                  <a:gd name="connsiteX3" fmla="*/ 49225 w 98450"/>
+                  <a:gd name="connsiteY3" fmla="*/ 0 h 381594"/>
+                  <a:gd name="connsiteX4" fmla="*/ 98451 w 98450"/>
+                  <a:gd name="connsiteY4" fmla="*/ 49225 h 381594"/>
+                  <a:gd name="connsiteX5" fmla="*/ 98451 w 98450"/>
+                  <a:gd name="connsiteY5" fmla="*/ 332369 h 381594"/>
+                  <a:gd name="connsiteX6" fmla="*/ 49225 w 98450"/>
+                  <a:gd name="connsiteY6" fmla="*/ 381595 h 381594"/>
+                </a:gdLst>
+                <a:ahLst/>
+                <a:cxnLst>
+                  <a:cxn ang="0">
+                    <a:pos x="connsiteX0" y="connsiteY0"/>
+                  </a:cxn>
+                  <a:cxn ang="0">
+                    <a:pos x="connsiteX1" y="connsiteY1"/>
+                  </a:cxn>
+                  <a:cxn ang="0">
+                    <a:pos x="connsiteX2" y="connsiteY2"/>
+                  </a:cxn>
+                  <a:cxn ang="0">
+                    <a:pos x="connsiteX3" y="connsiteY3"/>
+                  </a:cxn>
+                  <a:cxn ang="0">
+                    <a:pos x="connsiteX4" y="connsiteY4"/>
+                  </a:cxn>
+                  <a:cxn ang="0">
+                    <a:pos x="connsiteX5" y="connsiteY5"/>
+                  </a:cxn>
+                  <a:cxn ang="0">
+                    <a:pos x="connsiteX6" y="connsiteY6"/>
+                  </a:cxn>
+                </a:cxnLst>
+                <a:rect l="l" t="t" r="r" b="b"/>
+                <a:pathLst>
+                  <a:path w="98450" h="381594">
+                    <a:moveTo>
+                      <a:pt x="49225" y="381595"/>
+                    </a:moveTo>
+                    <a:cubicBezTo>
+                      <a:pt x="22053" y="381595"/>
+                      <a:pt x="0" y="359542"/>
+                      <a:pt x="0" y="332369"/>
+                    </a:cubicBezTo>
+                    <a:lnTo>
+                      <a:pt x="0" y="49225"/>
+                    </a:lnTo>
+                    <a:cubicBezTo>
+                      <a:pt x="0" y="22053"/>
+                      <a:pt x="22053" y="0"/>
+                      <a:pt x="49225" y="0"/>
+                    </a:cubicBezTo>
+                    <a:cubicBezTo>
+                      <a:pt x="76398" y="0"/>
+                      <a:pt x="98451" y="22053"/>
+                      <a:pt x="98451" y="49225"/>
+                    </a:cubicBezTo>
+                    <a:lnTo>
+                      <a:pt x="98451" y="332369"/>
+                    </a:lnTo>
+                    <a:cubicBezTo>
+                      <a:pt x="98451" y="359542"/>
+                      <a:pt x="76398" y="381595"/>
+                      <a:pt x="49225" y="381595"/>
+                    </a:cubicBezTo>
+                    <a:close/>
+                  </a:path>
+                </a:pathLst>
+              </a:custGeom>
+              <a:grpFill/>
+              <a:ln w="39329" cap="flat">
+                <a:noFill/>
+                <a:prstDash val="solid"/>
+                <a:miter/>
+              </a:ln>
+            </p:spPr>
+            <p:txBody>
+              <a:bodyPr rtlCol="0" anchor="ctr"/>
+              <a:lstStyle/>
+              <a:p>
+                <a:endParaRPr lang="en-US"/>
+              </a:p>
+            </p:txBody>
+          </p:sp>
+        </p:grpSp>
+        <p:sp>
+          <p:nvSpPr>
+            <p:cNvPr id="36" name="Freeform: Shape 45">
+              <a:extLst>
+                <a:ext uri="{FF2B5EF4-FFF2-40B4-BE49-F238E27FC236}">
+                  <a16:creationId xmlns:a16="http://schemas.microsoft.com/office/drawing/2014/main" id="{3DFB43B4-7CBF-8CF0-DC7B-078FA1608F39}"/>
+                </a:ext>
+              </a:extLst>
+            </p:cNvPr>
+            <p:cNvSpPr/>
+            <p:nvPr/>
+          </p:nvSpPr>
+          <p:spPr>
+            <a:xfrm>
+              <a:off x="7556334" y="382638"/>
+              <a:ext cx="1739425" cy="3445771"/>
+            </a:xfrm>
+            <a:custGeom>
+              <a:avLst/>
+              <a:gdLst>
+                <a:gd name="connsiteX0" fmla="*/ 398134 w 1739425"/>
+                <a:gd name="connsiteY0" fmla="*/ 3445772 h 3445771"/>
+                <a:gd name="connsiteX1" fmla="*/ 8664 w 1739425"/>
+                <a:gd name="connsiteY1" fmla="*/ 3181531 h 3445771"/>
+                <a:gd name="connsiteX2" fmla="*/ 1969 w 1739425"/>
+                <a:gd name="connsiteY2" fmla="*/ 3157509 h 3445771"/>
+                <a:gd name="connsiteX3" fmla="*/ 0 w 1739425"/>
+                <a:gd name="connsiteY3" fmla="*/ 3144119 h 3445771"/>
+                <a:gd name="connsiteX4" fmla="*/ 0 w 1739425"/>
+                <a:gd name="connsiteY4" fmla="*/ 118141 h 3445771"/>
+                <a:gd name="connsiteX5" fmla="*/ 22053 w 1739425"/>
+                <a:gd name="connsiteY5" fmla="*/ 77185 h 3445771"/>
+                <a:gd name="connsiteX6" fmla="*/ 279206 w 1739425"/>
+                <a:gd name="connsiteY6" fmla="*/ 0 h 3445771"/>
+                <a:gd name="connsiteX7" fmla="*/ 653318 w 1739425"/>
+                <a:gd name="connsiteY7" fmla="*/ 186269 h 3445771"/>
+                <a:gd name="connsiteX8" fmla="*/ 687185 w 1739425"/>
+                <a:gd name="connsiteY8" fmla="*/ 184693 h 3445771"/>
+                <a:gd name="connsiteX9" fmla="*/ 1049090 w 1739425"/>
+                <a:gd name="connsiteY9" fmla="*/ 417824 h 3445771"/>
+                <a:gd name="connsiteX10" fmla="*/ 1637431 w 1739425"/>
+                <a:gd name="connsiteY10" fmla="*/ 1169200 h 3445771"/>
+                <a:gd name="connsiteX11" fmla="*/ 1611046 w 1739425"/>
+                <a:gd name="connsiteY11" fmla="*/ 1368464 h 3445771"/>
+                <a:gd name="connsiteX12" fmla="*/ 1739426 w 1739425"/>
+                <a:gd name="connsiteY12" fmla="*/ 1794558 h 3445771"/>
+                <a:gd name="connsiteX13" fmla="*/ 1387366 w 1739425"/>
+                <a:gd name="connsiteY13" fmla="*/ 2442757 h 3445771"/>
+                <a:gd name="connsiteX14" fmla="*/ 1392486 w 1739425"/>
+                <a:gd name="connsiteY14" fmla="*/ 2519549 h 3445771"/>
+                <a:gd name="connsiteX15" fmla="*/ 776579 w 1739425"/>
+                <a:gd name="connsiteY15" fmla="*/ 3170110 h 3445771"/>
+                <a:gd name="connsiteX16" fmla="*/ 398134 w 1739425"/>
+                <a:gd name="connsiteY16" fmla="*/ 3445772 h 3445771"/>
+                <a:gd name="connsiteX17" fmla="*/ 98451 w 1739425"/>
+                <a:gd name="connsiteY17" fmla="*/ 3137425 h 3445771"/>
+                <a:gd name="connsiteX18" fmla="*/ 103176 w 1739425"/>
+                <a:gd name="connsiteY18" fmla="*/ 3154358 h 3445771"/>
+                <a:gd name="connsiteX19" fmla="*/ 398134 w 1739425"/>
+                <a:gd name="connsiteY19" fmla="*/ 3347715 h 3445771"/>
+                <a:gd name="connsiteX20" fmla="*/ 691123 w 1739425"/>
+                <a:gd name="connsiteY20" fmla="*/ 3111040 h 3445771"/>
+                <a:gd name="connsiteX21" fmla="*/ 743893 w 1739425"/>
+                <a:gd name="connsiteY21" fmla="*/ 3072447 h 3445771"/>
+                <a:gd name="connsiteX22" fmla="*/ 1294822 w 1739425"/>
+                <a:gd name="connsiteY22" fmla="*/ 2519549 h 3445771"/>
+                <a:gd name="connsiteX23" fmla="*/ 1286159 w 1739425"/>
+                <a:gd name="connsiteY23" fmla="*/ 2426217 h 3445771"/>
+                <a:gd name="connsiteX24" fmla="*/ 1309787 w 1739425"/>
+                <a:gd name="connsiteY24" fmla="*/ 2375811 h 3445771"/>
+                <a:gd name="connsiteX25" fmla="*/ 1641762 w 1739425"/>
+                <a:gd name="connsiteY25" fmla="*/ 1794952 h 3445771"/>
+                <a:gd name="connsiteX26" fmla="*/ 1518108 w 1739425"/>
+                <a:gd name="connsiteY26" fmla="*/ 1406269 h 3445771"/>
+                <a:gd name="connsiteX27" fmla="*/ 1511020 w 1739425"/>
+                <a:gd name="connsiteY27" fmla="*/ 1363738 h 3445771"/>
+                <a:gd name="connsiteX28" fmla="*/ 1539374 w 1739425"/>
+                <a:gd name="connsiteY28" fmla="*/ 1169987 h 3445771"/>
+                <a:gd name="connsiteX29" fmla="*/ 1003409 w 1739425"/>
+                <a:gd name="connsiteY29" fmla="*/ 509187 h 3445771"/>
+                <a:gd name="connsiteX30" fmla="*/ 967573 w 1739425"/>
+                <a:gd name="connsiteY30" fmla="*/ 478470 h 3445771"/>
+                <a:gd name="connsiteX31" fmla="*/ 687185 w 1739425"/>
+                <a:gd name="connsiteY31" fmla="*/ 283932 h 3445771"/>
+                <a:gd name="connsiteX32" fmla="*/ 638354 w 1739425"/>
+                <a:gd name="connsiteY32" fmla="*/ 288263 h 3445771"/>
+                <a:gd name="connsiteX33" fmla="*/ 589128 w 1739425"/>
+                <a:gd name="connsiteY33" fmla="*/ 266604 h 3445771"/>
+                <a:gd name="connsiteX34" fmla="*/ 278812 w 1739425"/>
+                <a:gd name="connsiteY34" fmla="*/ 98844 h 3445771"/>
+                <a:gd name="connsiteX35" fmla="*/ 97663 w 1739425"/>
+                <a:gd name="connsiteY35" fmla="*/ 146101 h 3445771"/>
+                <a:gd name="connsiteX36" fmla="*/ 97663 w 1739425"/>
+                <a:gd name="connsiteY36" fmla="*/ 3137425 h 3445771"/>
+              </a:gdLst>
+              <a:ahLst/>
+              <a:cxnLst>
+                <a:cxn ang="0">
+                  <a:pos x="connsiteX0" y="connsiteY0"/>
+                </a:cxn>
+                <a:cxn ang="0">
+                  <a:pos x="connsiteX1" y="connsiteY1"/>
+                </a:cxn>
+                <a:cxn ang="0">
+                  <a:pos x="connsiteX2" y="connsiteY2"/>
+                </a:cxn>
+                <a:cxn ang="0">
+                  <a:pos x="connsiteX3" y="connsiteY3"/>
+                </a:cxn>
+                <a:cxn ang="0">
+                  <a:pos x="connsiteX4" y="connsiteY4"/>
+                </a:cxn>
+                <a:cxn ang="0">
+                  <a:pos x="connsiteX5" y="connsiteY5"/>
+                </a:cxn>
+                <a:cxn ang="0">
+                  <a:pos x="connsiteX6" y="connsiteY6"/>
+                </a:cxn>
+                <a:cxn ang="0">
+                  <a:pos x="connsiteX7" y="connsiteY7"/>
+                </a:cxn>
+                <a:cxn ang="0">
+                  <a:pos x="connsiteX8" y="connsiteY8"/>
+                </a:cxn>
+                <a:cxn ang="0">
+                  <a:pos x="connsiteX9" y="connsiteY9"/>
+                </a:cxn>
+                <a:cxn ang="0">
+                  <a:pos x="connsiteX10" y="connsiteY10"/>
+                </a:cxn>
+                <a:cxn ang="0">
+                  <a:pos x="connsiteX11" y="connsiteY11"/>
+                </a:cxn>
+                <a:cxn ang="0">
+                  <a:pos x="connsiteX12" y="connsiteY12"/>
+                </a:cxn>
+                <a:cxn ang="0">
+                  <a:pos x="connsiteX13" y="connsiteY13"/>
+                </a:cxn>
+                <a:cxn ang="0">
+                  <a:pos x="connsiteX14" y="connsiteY14"/>
+                </a:cxn>
+                <a:cxn ang="0">
+                  <a:pos x="connsiteX15" y="connsiteY15"/>
+                </a:cxn>
+                <a:cxn ang="0">
+                  <a:pos x="connsiteX16" y="connsiteY16"/>
+                </a:cxn>
+                <a:cxn ang="0">
+                  <a:pos x="connsiteX17" y="connsiteY17"/>
+                </a:cxn>
+                <a:cxn ang="0">
+                  <a:pos x="connsiteX18" y="connsiteY18"/>
+                </a:cxn>
+                <a:cxn ang="0">
+                  <a:pos x="connsiteX19" y="connsiteY19"/>
+                </a:cxn>
+                <a:cxn ang="0">
+                  <a:pos x="connsiteX20" y="connsiteY20"/>
+                </a:cxn>
+                <a:cxn ang="0">
+                  <a:pos x="connsiteX21" y="connsiteY21"/>
+                </a:cxn>
+                <a:cxn ang="0">
+                  <a:pos x="connsiteX22" y="connsiteY22"/>
+                </a:cxn>
+                <a:cxn ang="0">
+                  <a:pos x="connsiteX23" y="connsiteY23"/>
+                </a:cxn>
+                <a:cxn ang="0">
+                  <a:pos x="connsiteX24" y="connsiteY24"/>
+                </a:cxn>
+                <a:cxn ang="0">
+                  <a:pos x="connsiteX25" y="connsiteY25"/>
+                </a:cxn>
+                <a:cxn ang="0">
+                  <a:pos x="connsiteX26" y="connsiteY26"/>
+                </a:cxn>
+                <a:cxn ang="0">
+                  <a:pos x="connsiteX27" y="connsiteY27"/>
+                </a:cxn>
+                <a:cxn ang="0">
+                  <a:pos x="connsiteX28" y="connsiteY28"/>
+                </a:cxn>
+                <a:cxn ang="0">
+                  <a:pos x="connsiteX29" y="connsiteY29"/>
+                </a:cxn>
+                <a:cxn ang="0">
+                  <a:pos x="connsiteX30" y="connsiteY30"/>
+                </a:cxn>
+                <a:cxn ang="0">
+                  <a:pos x="connsiteX31" y="connsiteY31"/>
+                </a:cxn>
+                <a:cxn ang="0">
+                  <a:pos x="connsiteX32" y="connsiteY32"/>
+                </a:cxn>
+                <a:cxn ang="0">
+                  <a:pos x="connsiteX33" y="connsiteY33"/>
+                </a:cxn>
+                <a:cxn ang="0">
+                  <a:pos x="connsiteX34" y="connsiteY34"/>
+                </a:cxn>
+                <a:cxn ang="0">
+                  <a:pos x="connsiteX35" y="connsiteY35"/>
+                </a:cxn>
+                <a:cxn ang="0">
+                  <a:pos x="connsiteX36" y="connsiteY36"/>
+                </a:cxn>
+              </a:cxnLst>
+              <a:rect l="l" t="t" r="r" b="b"/>
+              <a:pathLst>
+                <a:path w="1739425" h="3445771">
+                  <a:moveTo>
+                    <a:pt x="398134" y="3445772"/>
+                  </a:moveTo>
+                  <a:cubicBezTo>
+                    <a:pt x="209109" y="3445772"/>
+                    <a:pt x="55920" y="3342202"/>
+                    <a:pt x="8664" y="3181531"/>
+                  </a:cubicBezTo>
+                  <a:lnTo>
+                    <a:pt x="1969" y="3157509"/>
+                  </a:lnTo>
+                  <a:cubicBezTo>
+                    <a:pt x="787" y="3153177"/>
+                    <a:pt x="0" y="3148845"/>
+                    <a:pt x="0" y="3144119"/>
+                  </a:cubicBezTo>
+                  <a:lnTo>
+                    <a:pt x="0" y="118141"/>
+                  </a:lnTo>
+                  <a:cubicBezTo>
+                    <a:pt x="0" y="101601"/>
+                    <a:pt x="8270" y="86243"/>
+                    <a:pt x="22053" y="77185"/>
+                  </a:cubicBezTo>
+                  <a:cubicBezTo>
+                    <a:pt x="98844" y="26779"/>
+                    <a:pt x="187844" y="0"/>
+                    <a:pt x="279206" y="0"/>
+                  </a:cubicBezTo>
+                  <a:cubicBezTo>
+                    <a:pt x="427276" y="0"/>
+                    <a:pt x="564713" y="68915"/>
+                    <a:pt x="653318" y="186269"/>
+                  </a:cubicBezTo>
+                  <a:cubicBezTo>
+                    <a:pt x="665132" y="185087"/>
+                    <a:pt x="676159" y="184693"/>
+                    <a:pt x="687185" y="184693"/>
+                  </a:cubicBezTo>
+                  <a:cubicBezTo>
+                    <a:pt x="842737" y="184693"/>
+                    <a:pt x="984900" y="277237"/>
+                    <a:pt x="1049090" y="417824"/>
+                  </a:cubicBezTo>
+                  <a:cubicBezTo>
+                    <a:pt x="1391698" y="502098"/>
+                    <a:pt x="1637431" y="813990"/>
+                    <a:pt x="1637431" y="1169200"/>
+                  </a:cubicBezTo>
+                  <a:cubicBezTo>
+                    <a:pt x="1637431" y="1236146"/>
+                    <a:pt x="1628767" y="1303093"/>
+                    <a:pt x="1611046" y="1368464"/>
+                  </a:cubicBezTo>
+                  <a:cubicBezTo>
+                    <a:pt x="1694926" y="1495268"/>
+                    <a:pt x="1739426" y="1642157"/>
+                    <a:pt x="1739426" y="1794558"/>
+                  </a:cubicBezTo>
+                  <a:cubicBezTo>
+                    <a:pt x="1739426" y="2054862"/>
+                    <a:pt x="1605139" y="2300201"/>
+                    <a:pt x="1387366" y="2442757"/>
+                  </a:cubicBezTo>
+                  <a:cubicBezTo>
+                    <a:pt x="1390516" y="2469536"/>
+                    <a:pt x="1392486" y="2494739"/>
+                    <a:pt x="1392486" y="2519549"/>
+                  </a:cubicBezTo>
+                  <a:cubicBezTo>
+                    <a:pt x="1392486" y="2866882"/>
+                    <a:pt x="1119187" y="3151601"/>
+                    <a:pt x="776579" y="3170110"/>
+                  </a:cubicBezTo>
+                  <a:cubicBezTo>
+                    <a:pt x="724597" y="3331569"/>
+                    <a:pt x="571014" y="3445772"/>
+                    <a:pt x="398134" y="3445772"/>
+                  </a:cubicBezTo>
+                  <a:close/>
+                  <a:moveTo>
+                    <a:pt x="98451" y="3137425"/>
+                  </a:moveTo>
+                  <a:lnTo>
+                    <a:pt x="103176" y="3154358"/>
+                  </a:lnTo>
+                  <a:cubicBezTo>
+                    <a:pt x="137831" y="3271711"/>
+                    <a:pt x="253609" y="3347715"/>
+                    <a:pt x="398134" y="3347715"/>
+                  </a:cubicBezTo>
+                  <a:cubicBezTo>
+                    <a:pt x="538328" y="3347715"/>
+                    <a:pt x="661588" y="3248083"/>
+                    <a:pt x="691123" y="3111040"/>
+                  </a:cubicBezTo>
+                  <a:cubicBezTo>
+                    <a:pt x="696243" y="3087412"/>
+                    <a:pt x="719871" y="3070872"/>
+                    <a:pt x="743893" y="3072447"/>
+                  </a:cubicBezTo>
+                  <a:cubicBezTo>
+                    <a:pt x="1046727" y="3072447"/>
+                    <a:pt x="1294822" y="2824352"/>
+                    <a:pt x="1294822" y="2519549"/>
+                  </a:cubicBezTo>
+                  <a:cubicBezTo>
+                    <a:pt x="1294822" y="2490407"/>
+                    <a:pt x="1292066" y="2460084"/>
+                    <a:pt x="1286159" y="2426217"/>
+                  </a:cubicBezTo>
+                  <a:cubicBezTo>
+                    <a:pt x="1282615" y="2406133"/>
+                    <a:pt x="1292066" y="2386049"/>
+                    <a:pt x="1309787" y="2375811"/>
+                  </a:cubicBezTo>
+                  <a:cubicBezTo>
+                    <a:pt x="1514564" y="2254519"/>
+                    <a:pt x="1641762" y="2031627"/>
+                    <a:pt x="1641762" y="1794952"/>
+                  </a:cubicBezTo>
+                  <a:cubicBezTo>
+                    <a:pt x="1641762" y="1655152"/>
+                    <a:pt x="1598838" y="1520865"/>
+                    <a:pt x="1518108" y="1406269"/>
+                  </a:cubicBezTo>
+                  <a:cubicBezTo>
+                    <a:pt x="1509445" y="1394061"/>
+                    <a:pt x="1506688" y="1378309"/>
+                    <a:pt x="1511020" y="1363738"/>
+                  </a:cubicBezTo>
+                  <a:cubicBezTo>
+                    <a:pt x="1529923" y="1300336"/>
+                    <a:pt x="1539374" y="1235359"/>
+                    <a:pt x="1539374" y="1169987"/>
+                  </a:cubicBezTo>
+                  <a:cubicBezTo>
+                    <a:pt x="1539374" y="852189"/>
+                    <a:pt x="1314119" y="574558"/>
+                    <a:pt x="1003409" y="509187"/>
+                  </a:cubicBezTo>
+                  <a:cubicBezTo>
+                    <a:pt x="986869" y="505642"/>
+                    <a:pt x="973480" y="494222"/>
+                    <a:pt x="967573" y="478470"/>
+                  </a:cubicBezTo>
+                  <a:cubicBezTo>
+                    <a:pt x="923861" y="362298"/>
+                    <a:pt x="811233" y="283932"/>
+                    <a:pt x="687185" y="283932"/>
+                  </a:cubicBezTo>
+                  <a:cubicBezTo>
+                    <a:pt x="672221" y="283932"/>
+                    <a:pt x="656075" y="285507"/>
+                    <a:pt x="638354" y="288263"/>
+                  </a:cubicBezTo>
+                  <a:cubicBezTo>
+                    <a:pt x="619058" y="291414"/>
+                    <a:pt x="599761" y="283144"/>
+                    <a:pt x="589128" y="266604"/>
+                  </a:cubicBezTo>
+                  <a:cubicBezTo>
+                    <a:pt x="520213" y="161459"/>
+                    <a:pt x="404041" y="98844"/>
+                    <a:pt x="278812" y="98844"/>
+                  </a:cubicBezTo>
+                  <a:cubicBezTo>
+                    <a:pt x="215016" y="98844"/>
+                    <a:pt x="153189" y="114990"/>
+                    <a:pt x="97663" y="146101"/>
+                  </a:cubicBezTo>
+                  <a:lnTo>
+                    <a:pt x="97663" y="3137425"/>
+                  </a:lnTo>
+                  <a:close/>
+                </a:path>
+              </a:pathLst>
+            </a:custGeom>
+            <a:grpFill/>
+            <a:ln w="39329" cap="flat">
+              <a:noFill/>
+              <a:prstDash val="solid"/>
+              <a:miter/>
+            </a:ln>
+          </p:spPr>
+          <p:txBody>
+            <a:bodyPr rtlCol="0" anchor="ctr"/>
+            <a:lstStyle/>
+            <a:p>
+              <a:endParaRPr lang="en-US"/>
+            </a:p>
+          </p:txBody>
+        </p:sp>
+        <p:grpSp>
+          <p:nvGrpSpPr>
+            <p:cNvPr id="37" name="Graphic 6">
+              <a:extLst>
+                <a:ext uri="{FF2B5EF4-FFF2-40B4-BE49-F238E27FC236}">
+                  <a16:creationId xmlns:a16="http://schemas.microsoft.com/office/drawing/2014/main" id="{454FCE89-BDD2-E6AB-CD27-733DA21E80D5}"/>
+                </a:ext>
+              </a:extLst>
+            </p:cNvPr>
+            <p:cNvGrpSpPr/>
+            <p:nvPr/>
+          </p:nvGrpSpPr>
+          <p:grpSpPr>
+            <a:xfrm>
+              <a:off x="6041376" y="895762"/>
+              <a:ext cx="1129819" cy="2535694"/>
+              <a:chOff x="6041376" y="895762"/>
+              <a:chExt cx="1129819" cy="2535694"/>
+            </a:xfrm>
+            <a:grpFill/>
+          </p:grpSpPr>
+          <p:sp>
+            <p:nvSpPr>
+              <p:cNvPr id="39" name="Freeform: Shape 47">
+                <a:extLst>
+                  <a:ext uri="{FF2B5EF4-FFF2-40B4-BE49-F238E27FC236}">
+                    <a16:creationId xmlns:a16="http://schemas.microsoft.com/office/drawing/2014/main" id="{85AE1081-3353-C474-9B40-D685847C432E}"/>
+                  </a:ext>
+                </a:extLst>
+              </p:cNvPr>
+              <p:cNvSpPr/>
+              <p:nvPr/>
+            </p:nvSpPr>
+            <p:spPr>
+              <a:xfrm>
+                <a:off x="6478496" y="895762"/>
+                <a:ext cx="494615" cy="494615"/>
+              </a:xfrm>
+              <a:custGeom>
+                <a:avLst/>
+                <a:gdLst>
+                  <a:gd name="connsiteX0" fmla="*/ 247308 w 494615"/>
+                  <a:gd name="connsiteY0" fmla="*/ 494616 h 494615"/>
+                  <a:gd name="connsiteX1" fmla="*/ 0 w 494615"/>
+                  <a:gd name="connsiteY1" fmla="*/ 247308 h 494615"/>
+                  <a:gd name="connsiteX2" fmla="*/ 247308 w 494615"/>
+                  <a:gd name="connsiteY2" fmla="*/ 0 h 494615"/>
+                  <a:gd name="connsiteX3" fmla="*/ 494616 w 494615"/>
+                  <a:gd name="connsiteY3" fmla="*/ 247308 h 494615"/>
+                  <a:gd name="connsiteX4" fmla="*/ 247308 w 494615"/>
+                  <a:gd name="connsiteY4" fmla="*/ 494616 h 494615"/>
+                  <a:gd name="connsiteX5" fmla="*/ 247308 w 494615"/>
+                  <a:gd name="connsiteY5" fmla="*/ 98844 h 494615"/>
+                  <a:gd name="connsiteX6" fmla="*/ 98451 w 494615"/>
+                  <a:gd name="connsiteY6" fmla="*/ 247702 h 494615"/>
+                  <a:gd name="connsiteX7" fmla="*/ 247308 w 494615"/>
+                  <a:gd name="connsiteY7" fmla="*/ 396559 h 494615"/>
+                  <a:gd name="connsiteX8" fmla="*/ 396165 w 494615"/>
+                  <a:gd name="connsiteY8" fmla="*/ 247702 h 494615"/>
+                  <a:gd name="connsiteX9" fmla="*/ 247308 w 494615"/>
+                  <a:gd name="connsiteY9" fmla="*/ 98844 h 494615"/>
+                </a:gdLst>
+                <a:ahLst/>
+                <a:cxnLst>
+                  <a:cxn ang="0">
+                    <a:pos x="connsiteX0" y="connsiteY0"/>
+                  </a:cxn>
+                  <a:cxn ang="0">
+                    <a:pos x="connsiteX1" y="connsiteY1"/>
+                  </a:cxn>
+                  <a:cxn ang="0">
+                    <a:pos x="connsiteX2" y="connsiteY2"/>
+                  </a:cxn>
+                  <a:cxn ang="0">
+                    <a:pos x="connsiteX3" y="connsiteY3"/>
+                  </a:cxn>
+                  <a:cxn ang="0">
+                    <a:pos x="connsiteX4" y="connsiteY4"/>
+                  </a:cxn>
+                  <a:cxn ang="0">
+                    <a:pos x="connsiteX5" y="connsiteY5"/>
+                  </a:cxn>
+                  <a:cxn ang="0">
+                    <a:pos x="connsiteX6" y="connsiteY6"/>
+                  </a:cxn>
+                  <a:cxn ang="0">
+                    <a:pos x="connsiteX7" y="connsiteY7"/>
+                  </a:cxn>
+                  <a:cxn ang="0">
+                    <a:pos x="connsiteX8" y="connsiteY8"/>
+                  </a:cxn>
+                  <a:cxn ang="0">
+                    <a:pos x="connsiteX9" y="connsiteY9"/>
+                  </a:cxn>
+                </a:cxnLst>
+                <a:rect l="l" t="t" r="r" b="b"/>
+                <a:pathLst>
+                  <a:path w="494615" h="494615">
+                    <a:moveTo>
+                      <a:pt x="247308" y="494616"/>
+                    </a:moveTo>
+                    <a:cubicBezTo>
+                      <a:pt x="111052" y="494616"/>
+                      <a:pt x="0" y="383564"/>
+                      <a:pt x="0" y="247308"/>
+                    </a:cubicBezTo>
+                    <a:cubicBezTo>
+                      <a:pt x="0" y="111052"/>
+                      <a:pt x="111052" y="0"/>
+                      <a:pt x="247308" y="0"/>
+                    </a:cubicBezTo>
+                    <a:cubicBezTo>
+                      <a:pt x="383564" y="0"/>
+                      <a:pt x="494616" y="111052"/>
+                      <a:pt x="494616" y="247308"/>
+                    </a:cubicBezTo>
+                    <a:cubicBezTo>
+                      <a:pt x="494616" y="383564"/>
+                      <a:pt x="383564" y="494616"/>
+                      <a:pt x="247308" y="494616"/>
+                    </a:cubicBezTo>
+                    <a:close/>
+                    <a:moveTo>
+                      <a:pt x="247308" y="98844"/>
+                    </a:moveTo>
+                    <a:cubicBezTo>
+                      <a:pt x="165397" y="98844"/>
+                      <a:pt x="98451" y="165397"/>
+                      <a:pt x="98451" y="247702"/>
+                    </a:cubicBezTo>
+                    <a:cubicBezTo>
+                      <a:pt x="98451" y="329613"/>
+                      <a:pt x="165003" y="396559"/>
+                      <a:pt x="247308" y="396559"/>
+                    </a:cubicBezTo>
+                    <a:cubicBezTo>
+                      <a:pt x="329613" y="396559"/>
+                      <a:pt x="396165" y="330007"/>
+                      <a:pt x="396165" y="247702"/>
+                    </a:cubicBezTo>
+                    <a:cubicBezTo>
+                      <a:pt x="396165" y="165397"/>
+                      <a:pt x="329219" y="98844"/>
+                      <a:pt x="247308" y="98844"/>
+                    </a:cubicBezTo>
+                    <a:close/>
+                  </a:path>
+                </a:pathLst>
+              </a:custGeom>
+              <a:grpFill/>
+              <a:ln w="39329" cap="flat">
+                <a:noFill/>
+                <a:prstDash val="solid"/>
+                <a:miter/>
+              </a:ln>
+            </p:spPr>
+            <p:txBody>
+              <a:bodyPr rtlCol="0" anchor="ctr"/>
+              <a:lstStyle/>
+              <a:p>
+                <a:endParaRPr lang="en-US"/>
+              </a:p>
+            </p:txBody>
+          </p:sp>
+          <p:sp>
+            <p:nvSpPr>
+              <p:cNvPr id="40" name="Freeform: Shape 48">
+                <a:extLst>
+                  <a:ext uri="{FF2B5EF4-FFF2-40B4-BE49-F238E27FC236}">
+                    <a16:creationId xmlns:a16="http://schemas.microsoft.com/office/drawing/2014/main" id="{1A279720-34EB-5584-93F1-2049D0F2FBB7}"/>
+                  </a:ext>
+                </a:extLst>
+              </p:cNvPr>
+              <p:cNvSpPr/>
+              <p:nvPr/>
+            </p:nvSpPr>
+            <p:spPr>
+              <a:xfrm>
+                <a:off x="6041376" y="1702663"/>
+                <a:ext cx="494615" cy="494615"/>
+              </a:xfrm>
+              <a:custGeom>
+                <a:avLst/>
+                <a:gdLst>
+                  <a:gd name="connsiteX0" fmla="*/ 247308 w 494615"/>
+                  <a:gd name="connsiteY0" fmla="*/ 494616 h 494615"/>
+                  <a:gd name="connsiteX1" fmla="*/ 0 w 494615"/>
+                  <a:gd name="connsiteY1" fmla="*/ 247308 h 494615"/>
+                  <a:gd name="connsiteX2" fmla="*/ 247308 w 494615"/>
+                  <a:gd name="connsiteY2" fmla="*/ 0 h 494615"/>
+                  <a:gd name="connsiteX3" fmla="*/ 494616 w 494615"/>
+                  <a:gd name="connsiteY3" fmla="*/ 247308 h 494615"/>
+                  <a:gd name="connsiteX4" fmla="*/ 247308 w 494615"/>
+                  <a:gd name="connsiteY4" fmla="*/ 494616 h 494615"/>
+                  <a:gd name="connsiteX5" fmla="*/ 247308 w 494615"/>
+                  <a:gd name="connsiteY5" fmla="*/ 98451 h 494615"/>
+                  <a:gd name="connsiteX6" fmla="*/ 98451 w 494615"/>
+                  <a:gd name="connsiteY6" fmla="*/ 247308 h 494615"/>
+                  <a:gd name="connsiteX7" fmla="*/ 247308 w 494615"/>
+                  <a:gd name="connsiteY7" fmla="*/ 396165 h 494615"/>
+                  <a:gd name="connsiteX8" fmla="*/ 396165 w 494615"/>
+                  <a:gd name="connsiteY8" fmla="*/ 247308 h 494615"/>
+                  <a:gd name="connsiteX9" fmla="*/ 247308 w 494615"/>
+                  <a:gd name="connsiteY9" fmla="*/ 98451 h 494615"/>
+                </a:gdLst>
+                <a:ahLst/>
+                <a:cxnLst>
+                  <a:cxn ang="0">
+                    <a:pos x="connsiteX0" y="connsiteY0"/>
+                  </a:cxn>
+                  <a:cxn ang="0">
+                    <a:pos x="connsiteX1" y="connsiteY1"/>
+                  </a:cxn>
+                  <a:cxn ang="0">
+                    <a:pos x="connsiteX2" y="connsiteY2"/>
+                  </a:cxn>
+                  <a:cxn ang="0">
+                    <a:pos x="connsiteX3" y="connsiteY3"/>
+                  </a:cxn>
+                  <a:cxn ang="0">
+                    <a:pos x="connsiteX4" y="connsiteY4"/>
+                  </a:cxn>
+                  <a:cxn ang="0">
+                    <a:pos x="connsiteX5" y="connsiteY5"/>
+                  </a:cxn>
+                  <a:cxn ang="0">
+                    <a:pos x="connsiteX6" y="connsiteY6"/>
+                  </a:cxn>
+                  <a:cxn ang="0">
+                    <a:pos x="connsiteX7" y="connsiteY7"/>
+                  </a:cxn>
+                  <a:cxn ang="0">
+                    <a:pos x="connsiteX8" y="connsiteY8"/>
+                  </a:cxn>
+                  <a:cxn ang="0">
+                    <a:pos x="connsiteX9" y="connsiteY9"/>
+                  </a:cxn>
+                </a:cxnLst>
+                <a:rect l="l" t="t" r="r" b="b"/>
+                <a:pathLst>
+                  <a:path w="494615" h="494615">
+                    <a:moveTo>
+                      <a:pt x="247308" y="494616"/>
+                    </a:moveTo>
+                    <a:cubicBezTo>
+                      <a:pt x="111052" y="494616"/>
+                      <a:pt x="0" y="383564"/>
+                      <a:pt x="0" y="247308"/>
+                    </a:cubicBezTo>
+                    <a:cubicBezTo>
+                      <a:pt x="0" y="111052"/>
+                      <a:pt x="111052" y="0"/>
+                      <a:pt x="247308" y="0"/>
+                    </a:cubicBezTo>
+                    <a:cubicBezTo>
+                      <a:pt x="383564" y="0"/>
+                      <a:pt x="494616" y="111052"/>
+                      <a:pt x="494616" y="247308"/>
+                    </a:cubicBezTo>
+                    <a:cubicBezTo>
+                      <a:pt x="494616" y="383564"/>
+                      <a:pt x="383564" y="494616"/>
+                      <a:pt x="247308" y="494616"/>
+                    </a:cubicBezTo>
+                    <a:close/>
+                    <a:moveTo>
+                      <a:pt x="247308" y="98451"/>
+                    </a:moveTo>
+                    <a:cubicBezTo>
+                      <a:pt x="165397" y="98451"/>
+                      <a:pt x="98451" y="165003"/>
+                      <a:pt x="98451" y="247308"/>
+                    </a:cubicBezTo>
+                    <a:cubicBezTo>
+                      <a:pt x="98451" y="329613"/>
+                      <a:pt x="165003" y="396165"/>
+                      <a:pt x="247308" y="396165"/>
+                    </a:cubicBezTo>
+                    <a:cubicBezTo>
+                      <a:pt x="329219" y="396165"/>
+                      <a:pt x="396165" y="329613"/>
+                      <a:pt x="396165" y="247308"/>
+                    </a:cubicBezTo>
+                    <a:cubicBezTo>
+                      <a:pt x="396165" y="165003"/>
+                      <a:pt x="329219" y="98451"/>
+                      <a:pt x="247308" y="98451"/>
+                    </a:cubicBezTo>
+                    <a:close/>
+                  </a:path>
+                </a:pathLst>
+              </a:custGeom>
+              <a:grpFill/>
+              <a:ln w="39329" cap="flat">
+                <a:noFill/>
+                <a:prstDash val="solid"/>
+                <a:miter/>
+              </a:ln>
+            </p:spPr>
+            <p:txBody>
+              <a:bodyPr rtlCol="0" anchor="ctr"/>
+              <a:lstStyle/>
+              <a:p>
+                <a:endParaRPr lang="en-US"/>
+              </a:p>
+            </p:txBody>
+          </p:sp>
+          <p:sp>
+            <p:nvSpPr>
+              <p:cNvPr id="41" name="Freeform: Shape 49">
+                <a:extLst>
+                  <a:ext uri="{FF2B5EF4-FFF2-40B4-BE49-F238E27FC236}">
+                    <a16:creationId xmlns:a16="http://schemas.microsoft.com/office/drawing/2014/main" id="{13F38C38-2BB6-FE51-1DDC-FA3AA16A1AEC}"/>
+                  </a:ext>
+                </a:extLst>
+              </p:cNvPr>
+              <p:cNvSpPr/>
+              <p:nvPr/>
+            </p:nvSpPr>
+            <p:spPr>
+              <a:xfrm>
+                <a:off x="6676579" y="2257925"/>
+                <a:ext cx="494615" cy="494615"/>
+              </a:xfrm>
+              <a:custGeom>
+                <a:avLst/>
+                <a:gdLst>
+                  <a:gd name="connsiteX0" fmla="*/ 247308 w 494615"/>
+                  <a:gd name="connsiteY0" fmla="*/ 494616 h 494615"/>
+                  <a:gd name="connsiteX1" fmla="*/ 0 w 494615"/>
+                  <a:gd name="connsiteY1" fmla="*/ 247308 h 494615"/>
+                  <a:gd name="connsiteX2" fmla="*/ 247308 w 494615"/>
+                  <a:gd name="connsiteY2" fmla="*/ 0 h 494615"/>
+                  <a:gd name="connsiteX3" fmla="*/ 494616 w 494615"/>
+                  <a:gd name="connsiteY3" fmla="*/ 247308 h 494615"/>
+                  <a:gd name="connsiteX4" fmla="*/ 247308 w 494615"/>
+                  <a:gd name="connsiteY4" fmla="*/ 494616 h 494615"/>
+                  <a:gd name="connsiteX5" fmla="*/ 247308 w 494615"/>
+                  <a:gd name="connsiteY5" fmla="*/ 98451 h 494615"/>
+                  <a:gd name="connsiteX6" fmla="*/ 98451 w 494615"/>
+                  <a:gd name="connsiteY6" fmla="*/ 247308 h 494615"/>
+                  <a:gd name="connsiteX7" fmla="*/ 247308 w 494615"/>
+                  <a:gd name="connsiteY7" fmla="*/ 396165 h 494615"/>
+                  <a:gd name="connsiteX8" fmla="*/ 396165 w 494615"/>
+                  <a:gd name="connsiteY8" fmla="*/ 247308 h 494615"/>
+                  <a:gd name="connsiteX9" fmla="*/ 247308 w 494615"/>
+                  <a:gd name="connsiteY9" fmla="*/ 98451 h 494615"/>
+                </a:gdLst>
+                <a:ahLst/>
+                <a:cxnLst>
+                  <a:cxn ang="0">
+                    <a:pos x="connsiteX0" y="connsiteY0"/>
+                  </a:cxn>
+                  <a:cxn ang="0">
+                    <a:pos x="connsiteX1" y="connsiteY1"/>
+                  </a:cxn>
+                  <a:cxn ang="0">
+                    <a:pos x="connsiteX2" y="connsiteY2"/>
+                  </a:cxn>
+                  <a:cxn ang="0">
+                    <a:pos x="connsiteX3" y="connsiteY3"/>
+                  </a:cxn>
+                  <a:cxn ang="0">
+                    <a:pos x="connsiteX4" y="connsiteY4"/>
+                  </a:cxn>
+                  <a:cxn ang="0">
+                    <a:pos x="connsiteX5" y="connsiteY5"/>
+                  </a:cxn>
+                  <a:cxn ang="0">
+                    <a:pos x="connsiteX6" y="connsiteY6"/>
+                  </a:cxn>
+                  <a:cxn ang="0">
+                    <a:pos x="connsiteX7" y="connsiteY7"/>
+                  </a:cxn>
+                  <a:cxn ang="0">
+                    <a:pos x="connsiteX8" y="connsiteY8"/>
+                  </a:cxn>
+                  <a:cxn ang="0">
+                    <a:pos x="connsiteX9" y="connsiteY9"/>
+                  </a:cxn>
+                </a:cxnLst>
+                <a:rect l="l" t="t" r="r" b="b"/>
+                <a:pathLst>
+                  <a:path w="494615" h="494615">
+                    <a:moveTo>
+                      <a:pt x="247308" y="494616"/>
+                    </a:moveTo>
+                    <a:cubicBezTo>
+                      <a:pt x="111052" y="494616"/>
+                      <a:pt x="0" y="383564"/>
+                      <a:pt x="0" y="247308"/>
+                    </a:cubicBezTo>
+                    <a:cubicBezTo>
+                      <a:pt x="0" y="111052"/>
+                      <a:pt x="111052" y="0"/>
+                      <a:pt x="247308" y="0"/>
+                    </a:cubicBezTo>
+                    <a:cubicBezTo>
+                      <a:pt x="383564" y="0"/>
+                      <a:pt x="494616" y="111052"/>
+                      <a:pt x="494616" y="247308"/>
+                    </a:cubicBezTo>
+                    <a:cubicBezTo>
+                      <a:pt x="494616" y="383564"/>
+                      <a:pt x="383564" y="494616"/>
+                      <a:pt x="247308" y="494616"/>
+                    </a:cubicBezTo>
+                    <a:close/>
+                    <a:moveTo>
+                      <a:pt x="247308" y="98451"/>
+                    </a:moveTo>
+                    <a:cubicBezTo>
+                      <a:pt x="165397" y="98451"/>
+                      <a:pt x="98451" y="165003"/>
+                      <a:pt x="98451" y="247308"/>
+                    </a:cubicBezTo>
+                    <a:cubicBezTo>
+                      <a:pt x="98451" y="329219"/>
+                      <a:pt x="165003" y="396165"/>
+                      <a:pt x="247308" y="396165"/>
+                    </a:cubicBezTo>
+                    <a:cubicBezTo>
+                      <a:pt x="329219" y="396165"/>
+                      <a:pt x="396165" y="329613"/>
+                      <a:pt x="396165" y="247308"/>
+                    </a:cubicBezTo>
+                    <a:cubicBezTo>
+                      <a:pt x="395772" y="165397"/>
+                      <a:pt x="329219" y="98451"/>
+                      <a:pt x="247308" y="98451"/>
+                    </a:cubicBezTo>
+                    <a:close/>
+                  </a:path>
+                </a:pathLst>
+              </a:custGeom>
+              <a:grpFill/>
+              <a:ln w="39329" cap="flat">
+                <a:noFill/>
+                <a:prstDash val="solid"/>
+                <a:miter/>
+              </a:ln>
+            </p:spPr>
+            <p:txBody>
+              <a:bodyPr rtlCol="0" anchor="ctr"/>
+              <a:lstStyle/>
+              <a:p>
+                <a:endParaRPr lang="en-US"/>
+              </a:p>
+            </p:txBody>
+          </p:sp>
+          <p:sp>
+            <p:nvSpPr>
+              <p:cNvPr id="42" name="Freeform: Shape 50">
+                <a:extLst>
+                  <a:ext uri="{FF2B5EF4-FFF2-40B4-BE49-F238E27FC236}">
+                    <a16:creationId xmlns:a16="http://schemas.microsoft.com/office/drawing/2014/main" id="{0A32223F-1174-B0BF-3551-0E1C10CF8CAE}"/>
+                  </a:ext>
+                </a:extLst>
+              </p:cNvPr>
+              <p:cNvSpPr/>
+              <p:nvPr/>
+            </p:nvSpPr>
+            <p:spPr>
+              <a:xfrm>
+                <a:off x="6676579" y="2936841"/>
+                <a:ext cx="494615" cy="494615"/>
+              </a:xfrm>
+              <a:custGeom>
+                <a:avLst/>
+                <a:gdLst>
+                  <a:gd name="connsiteX0" fmla="*/ 247308 w 494615"/>
+                  <a:gd name="connsiteY0" fmla="*/ 494616 h 494615"/>
+                  <a:gd name="connsiteX1" fmla="*/ 0 w 494615"/>
+                  <a:gd name="connsiteY1" fmla="*/ 247308 h 494615"/>
+                  <a:gd name="connsiteX2" fmla="*/ 247308 w 494615"/>
+                  <a:gd name="connsiteY2" fmla="*/ 0 h 494615"/>
+                  <a:gd name="connsiteX3" fmla="*/ 494616 w 494615"/>
+                  <a:gd name="connsiteY3" fmla="*/ 247308 h 494615"/>
+                  <a:gd name="connsiteX4" fmla="*/ 247308 w 494615"/>
+                  <a:gd name="connsiteY4" fmla="*/ 494616 h 494615"/>
+                  <a:gd name="connsiteX5" fmla="*/ 247308 w 494615"/>
+                  <a:gd name="connsiteY5" fmla="*/ 98845 h 494615"/>
+                  <a:gd name="connsiteX6" fmla="*/ 98451 w 494615"/>
+                  <a:gd name="connsiteY6" fmla="*/ 247702 h 494615"/>
+                  <a:gd name="connsiteX7" fmla="*/ 247308 w 494615"/>
+                  <a:gd name="connsiteY7" fmla="*/ 396559 h 494615"/>
+                  <a:gd name="connsiteX8" fmla="*/ 396165 w 494615"/>
+                  <a:gd name="connsiteY8" fmla="*/ 247702 h 494615"/>
+                  <a:gd name="connsiteX9" fmla="*/ 247308 w 494615"/>
+                  <a:gd name="connsiteY9" fmla="*/ 98845 h 494615"/>
+                </a:gdLst>
+                <a:ahLst/>
+                <a:cxnLst>
+                  <a:cxn ang="0">
+                    <a:pos x="connsiteX0" y="connsiteY0"/>
+                  </a:cxn>
+                  <a:cxn ang="0">
+                    <a:pos x="connsiteX1" y="connsiteY1"/>
+                  </a:cxn>
+                  <a:cxn ang="0">
+                    <a:pos x="connsiteX2" y="connsiteY2"/>
+                  </a:cxn>
+                  <a:cxn ang="0">
+                    <a:pos x="connsiteX3" y="connsiteY3"/>
+                  </a:cxn>
+                  <a:cxn ang="0">
+                    <a:pos x="connsiteX4" y="connsiteY4"/>
+                  </a:cxn>
+                  <a:cxn ang="0">
+                    <a:pos x="connsiteX5" y="connsiteY5"/>
+                  </a:cxn>
+                  <a:cxn ang="0">
+                    <a:pos x="connsiteX6" y="connsiteY6"/>
+                  </a:cxn>
+                  <a:cxn ang="0">
+                    <a:pos x="connsiteX7" y="connsiteY7"/>
+                  </a:cxn>
+                  <a:cxn ang="0">
+                    <a:pos x="connsiteX8" y="connsiteY8"/>
+                  </a:cxn>
+                  <a:cxn ang="0">
+                    <a:pos x="connsiteX9" y="connsiteY9"/>
+                  </a:cxn>
+                </a:cxnLst>
+                <a:rect l="l" t="t" r="r" b="b"/>
+                <a:pathLst>
+                  <a:path w="494615" h="494615">
+                    <a:moveTo>
+                      <a:pt x="247308" y="494616"/>
+                    </a:moveTo>
+                    <a:cubicBezTo>
+                      <a:pt x="111052" y="494616"/>
+                      <a:pt x="0" y="383564"/>
+                      <a:pt x="0" y="247308"/>
+                    </a:cubicBezTo>
+                    <a:cubicBezTo>
+                      <a:pt x="0" y="111052"/>
+                      <a:pt x="111052" y="0"/>
+                      <a:pt x="247308" y="0"/>
+                    </a:cubicBezTo>
+                    <a:cubicBezTo>
+                      <a:pt x="383564" y="0"/>
+                      <a:pt x="494616" y="111052"/>
+                      <a:pt x="494616" y="247308"/>
+                    </a:cubicBezTo>
+                    <a:cubicBezTo>
+                      <a:pt x="494616" y="383564"/>
+                      <a:pt x="383564" y="494616"/>
+                      <a:pt x="247308" y="494616"/>
+                    </a:cubicBezTo>
+                    <a:close/>
+                    <a:moveTo>
+                      <a:pt x="247308" y="98845"/>
+                    </a:moveTo>
+                    <a:cubicBezTo>
+                      <a:pt x="165397" y="98845"/>
+                      <a:pt x="98451" y="165397"/>
+                      <a:pt x="98451" y="247702"/>
+                    </a:cubicBezTo>
+                    <a:cubicBezTo>
+                      <a:pt x="98451" y="329613"/>
+                      <a:pt x="165003" y="396559"/>
+                      <a:pt x="247308" y="396559"/>
+                    </a:cubicBezTo>
+                    <a:cubicBezTo>
+                      <a:pt x="329219" y="396559"/>
+                      <a:pt x="396165" y="330006"/>
+                      <a:pt x="396165" y="247702"/>
+                    </a:cubicBezTo>
+                    <a:cubicBezTo>
+                      <a:pt x="395772" y="165397"/>
+                      <a:pt x="329219" y="98845"/>
+                      <a:pt x="247308" y="98845"/>
+                    </a:cubicBezTo>
+                    <a:close/>
+                  </a:path>
+                </a:pathLst>
+              </a:custGeom>
+              <a:grpFill/>
+              <a:ln w="39329" cap="flat">
+                <a:noFill/>
+                <a:prstDash val="solid"/>
+                <a:miter/>
+              </a:ln>
+            </p:spPr>
+            <p:txBody>
+              <a:bodyPr rtlCol="0" anchor="ctr"/>
+              <a:lstStyle/>
+              <a:p>
+                <a:endParaRPr lang="en-US"/>
+              </a:p>
+            </p:txBody>
+          </p:sp>
+          <p:sp>
+            <p:nvSpPr>
+              <p:cNvPr id="43" name="Freeform: Shape 51">
+                <a:extLst>
+                  <a:ext uri="{FF2B5EF4-FFF2-40B4-BE49-F238E27FC236}">
+                    <a16:creationId xmlns:a16="http://schemas.microsoft.com/office/drawing/2014/main" id="{B5EA0767-C7B6-31E3-28AC-173EC08E45BA}"/>
+                  </a:ext>
+                </a:extLst>
+              </p:cNvPr>
+              <p:cNvSpPr/>
+              <p:nvPr/>
+            </p:nvSpPr>
+            <p:spPr>
+              <a:xfrm>
+                <a:off x="6676579" y="1291927"/>
+                <a:ext cx="98450" cy="707269"/>
+              </a:xfrm>
+              <a:custGeom>
+                <a:avLst/>
+                <a:gdLst>
+                  <a:gd name="connsiteX0" fmla="*/ 49225 w 98450"/>
+                  <a:gd name="connsiteY0" fmla="*/ 707269 h 707269"/>
+                  <a:gd name="connsiteX1" fmla="*/ 0 w 98450"/>
+                  <a:gd name="connsiteY1" fmla="*/ 658044 h 707269"/>
+                  <a:gd name="connsiteX2" fmla="*/ 0 w 98450"/>
+                  <a:gd name="connsiteY2" fmla="*/ 49225 h 707269"/>
+                  <a:gd name="connsiteX3" fmla="*/ 49225 w 98450"/>
+                  <a:gd name="connsiteY3" fmla="*/ 0 h 707269"/>
+                  <a:gd name="connsiteX4" fmla="*/ 98451 w 98450"/>
+                  <a:gd name="connsiteY4" fmla="*/ 49225 h 707269"/>
+                  <a:gd name="connsiteX5" fmla="*/ 98451 w 98450"/>
+                  <a:gd name="connsiteY5" fmla="*/ 658044 h 707269"/>
+                  <a:gd name="connsiteX6" fmla="*/ 49225 w 98450"/>
+                  <a:gd name="connsiteY6" fmla="*/ 707269 h 707269"/>
+                </a:gdLst>
+                <a:ahLst/>
+                <a:cxnLst>
+                  <a:cxn ang="0">
+                    <a:pos x="connsiteX0" y="connsiteY0"/>
+                  </a:cxn>
+                  <a:cxn ang="0">
+                    <a:pos x="connsiteX1" y="connsiteY1"/>
+                  </a:cxn>
+                  <a:cxn ang="0">
+                    <a:pos x="connsiteX2" y="connsiteY2"/>
+                  </a:cxn>
+                  <a:cxn ang="0">
+                    <a:pos x="connsiteX3" y="connsiteY3"/>
+                  </a:cxn>
+                  <a:cxn ang="0">
+                    <a:pos x="connsiteX4" y="connsiteY4"/>
+                  </a:cxn>
+                  <a:cxn ang="0">
+                    <a:pos x="connsiteX5" y="connsiteY5"/>
+                  </a:cxn>
+                  <a:cxn ang="0">
+                    <a:pos x="connsiteX6" y="connsiteY6"/>
+                  </a:cxn>
+                </a:cxnLst>
+                <a:rect l="l" t="t" r="r" b="b"/>
+                <a:pathLst>
+                  <a:path w="98450" h="707269">
+                    <a:moveTo>
+                      <a:pt x="49225" y="707269"/>
+                    </a:moveTo>
+                    <a:cubicBezTo>
+                      <a:pt x="22053" y="707269"/>
+                      <a:pt x="0" y="685216"/>
+                      <a:pt x="0" y="658044"/>
+                    </a:cubicBezTo>
+                    <a:lnTo>
+                      <a:pt x="0" y="49225"/>
+                    </a:lnTo>
+                    <a:cubicBezTo>
+                      <a:pt x="0" y="22053"/>
+                      <a:pt x="22053" y="0"/>
+                      <a:pt x="49225" y="0"/>
+                    </a:cubicBezTo>
+                    <a:cubicBezTo>
+                      <a:pt x="76398" y="0"/>
+                      <a:pt x="98451" y="22053"/>
+                      <a:pt x="98451" y="49225"/>
+                    </a:cubicBezTo>
+                    <a:lnTo>
+                      <a:pt x="98451" y="658044"/>
+                    </a:lnTo>
+                    <a:cubicBezTo>
+                      <a:pt x="98451" y="685216"/>
+                      <a:pt x="76398" y="707269"/>
+                      <a:pt x="49225" y="707269"/>
+                    </a:cubicBezTo>
+                    <a:close/>
+                  </a:path>
+                </a:pathLst>
+              </a:custGeom>
+              <a:grpFill/>
+              <a:ln w="39329" cap="flat">
+                <a:noFill/>
+                <a:prstDash val="solid"/>
+                <a:miter/>
+              </a:ln>
+            </p:spPr>
+            <p:txBody>
+              <a:bodyPr rtlCol="0" anchor="ctr"/>
+              <a:lstStyle/>
+              <a:p>
+                <a:endParaRPr lang="en-US"/>
+              </a:p>
+            </p:txBody>
+          </p:sp>
+          <p:sp>
+            <p:nvSpPr>
+              <p:cNvPr id="44" name="Freeform: Shape 52">
+                <a:extLst>
+                  <a:ext uri="{FF2B5EF4-FFF2-40B4-BE49-F238E27FC236}">
+                    <a16:creationId xmlns:a16="http://schemas.microsoft.com/office/drawing/2014/main" id="{D8C14D16-1978-C819-AE33-91F00E1E460F}"/>
+                  </a:ext>
+                </a:extLst>
+              </p:cNvPr>
+              <p:cNvSpPr/>
+              <p:nvPr/>
+            </p:nvSpPr>
+            <p:spPr>
+              <a:xfrm>
+                <a:off x="6437541" y="1900746"/>
+                <a:ext cx="535571" cy="455629"/>
+              </a:xfrm>
+              <a:custGeom>
+                <a:avLst/>
+                <a:gdLst>
+                  <a:gd name="connsiteX0" fmla="*/ 486346 w 535571"/>
+                  <a:gd name="connsiteY0" fmla="*/ 455629 h 455629"/>
+                  <a:gd name="connsiteX1" fmla="*/ 437121 w 535571"/>
+                  <a:gd name="connsiteY1" fmla="*/ 406404 h 455629"/>
+                  <a:gd name="connsiteX2" fmla="*/ 437121 w 535571"/>
+                  <a:gd name="connsiteY2" fmla="*/ 98451 h 455629"/>
+                  <a:gd name="connsiteX3" fmla="*/ 49225 w 535571"/>
+                  <a:gd name="connsiteY3" fmla="*/ 98451 h 455629"/>
+                  <a:gd name="connsiteX4" fmla="*/ 0 w 535571"/>
+                  <a:gd name="connsiteY4" fmla="*/ 49225 h 455629"/>
+                  <a:gd name="connsiteX5" fmla="*/ 49225 w 535571"/>
+                  <a:gd name="connsiteY5" fmla="*/ 0 h 455629"/>
+                  <a:gd name="connsiteX6" fmla="*/ 450510 w 535571"/>
+                  <a:gd name="connsiteY6" fmla="*/ 0 h 455629"/>
+                  <a:gd name="connsiteX7" fmla="*/ 535571 w 535571"/>
+                  <a:gd name="connsiteY7" fmla="*/ 85061 h 455629"/>
+                  <a:gd name="connsiteX8" fmla="*/ 535571 w 535571"/>
+                  <a:gd name="connsiteY8" fmla="*/ 406404 h 455629"/>
+                  <a:gd name="connsiteX9" fmla="*/ 486346 w 535571"/>
+                  <a:gd name="connsiteY9" fmla="*/ 455629 h 455629"/>
+                </a:gdLst>
+                <a:ahLst/>
+                <a:cxnLst>
+                  <a:cxn ang="0">
+                    <a:pos x="connsiteX0" y="connsiteY0"/>
+                  </a:cxn>
+                  <a:cxn ang="0">
+                    <a:pos x="connsiteX1" y="connsiteY1"/>
+                  </a:cxn>
+                  <a:cxn ang="0">
+                    <a:pos x="connsiteX2" y="connsiteY2"/>
+                  </a:cxn>
+                  <a:cxn ang="0">
+                    <a:pos x="connsiteX3" y="connsiteY3"/>
+                  </a:cxn>
+                  <a:cxn ang="0">
+                    <a:pos x="connsiteX4" y="connsiteY4"/>
+                  </a:cxn>
+                  <a:cxn ang="0">
+                    <a:pos x="connsiteX5" y="connsiteY5"/>
+                  </a:cxn>
+                  <a:cxn ang="0">
+                    <a:pos x="connsiteX6" y="connsiteY6"/>
+                  </a:cxn>
+                  <a:cxn ang="0">
+                    <a:pos x="connsiteX7" y="connsiteY7"/>
+                  </a:cxn>
+                  <a:cxn ang="0">
+                    <a:pos x="connsiteX8" y="connsiteY8"/>
+                  </a:cxn>
+                  <a:cxn ang="0">
+                    <a:pos x="connsiteX9" y="connsiteY9"/>
+                  </a:cxn>
+                </a:cxnLst>
+                <a:rect l="l" t="t" r="r" b="b"/>
+                <a:pathLst>
+                  <a:path w="535571" h="455629">
+                    <a:moveTo>
+                      <a:pt x="486346" y="455629"/>
+                    </a:moveTo>
+                    <a:cubicBezTo>
+                      <a:pt x="459174" y="455629"/>
+                      <a:pt x="437121" y="433577"/>
+                      <a:pt x="437121" y="406404"/>
+                    </a:cubicBezTo>
+                    <a:lnTo>
+                      <a:pt x="437121" y="98451"/>
+                    </a:lnTo>
+                    <a:lnTo>
+                      <a:pt x="49225" y="98451"/>
+                    </a:lnTo>
+                    <a:cubicBezTo>
+                      <a:pt x="22053" y="98451"/>
+                      <a:pt x="0" y="76398"/>
+                      <a:pt x="0" y="49225"/>
+                    </a:cubicBezTo>
+                    <a:cubicBezTo>
+                      <a:pt x="0" y="22053"/>
+                      <a:pt x="22053" y="0"/>
+                      <a:pt x="49225" y="0"/>
+                    </a:cubicBezTo>
+                    <a:lnTo>
+                      <a:pt x="450510" y="0"/>
+                    </a:lnTo>
+                    <a:cubicBezTo>
+                      <a:pt x="497373" y="0"/>
+                      <a:pt x="535571" y="38199"/>
+                      <a:pt x="535571" y="85061"/>
+                    </a:cubicBezTo>
+                    <a:lnTo>
+                      <a:pt x="535571" y="406404"/>
+                    </a:lnTo>
+                    <a:cubicBezTo>
+                      <a:pt x="535571" y="433577"/>
+                      <a:pt x="513518" y="455629"/>
+                      <a:pt x="486346" y="455629"/>
+                    </a:cubicBezTo>
+                    <a:close/>
+                  </a:path>
+                </a:pathLst>
+              </a:custGeom>
+              <a:grpFill/>
+              <a:ln w="39329" cap="flat">
+                <a:noFill/>
+                <a:prstDash val="solid"/>
+                <a:miter/>
+              </a:ln>
+            </p:spPr>
+            <p:txBody>
+              <a:bodyPr rtlCol="0" anchor="ctr"/>
+              <a:lstStyle/>
+              <a:p>
+                <a:endParaRPr lang="en-US"/>
+              </a:p>
+            </p:txBody>
+          </p:sp>
+          <p:sp>
+            <p:nvSpPr>
+              <p:cNvPr id="45" name="Freeform: Shape 53">
+                <a:extLst>
+                  <a:ext uri="{FF2B5EF4-FFF2-40B4-BE49-F238E27FC236}">
+                    <a16:creationId xmlns:a16="http://schemas.microsoft.com/office/drawing/2014/main" id="{B4B16679-CA7A-0763-2596-6A5980C5694B}"/>
+                  </a:ext>
+                </a:extLst>
+              </p:cNvPr>
+              <p:cNvSpPr/>
+              <p:nvPr/>
+            </p:nvSpPr>
+            <p:spPr>
+              <a:xfrm>
+                <a:off x="6874662" y="2654090"/>
+                <a:ext cx="98450" cy="381594"/>
+              </a:xfrm>
+              <a:custGeom>
+                <a:avLst/>
+                <a:gdLst>
+                  <a:gd name="connsiteX0" fmla="*/ 49225 w 98450"/>
+                  <a:gd name="connsiteY0" fmla="*/ 381595 h 381594"/>
+                  <a:gd name="connsiteX1" fmla="*/ 0 w 98450"/>
+                  <a:gd name="connsiteY1" fmla="*/ 332369 h 381594"/>
+                  <a:gd name="connsiteX2" fmla="*/ 0 w 98450"/>
+                  <a:gd name="connsiteY2" fmla="*/ 49225 h 381594"/>
+                  <a:gd name="connsiteX3" fmla="*/ 49225 w 98450"/>
+                  <a:gd name="connsiteY3" fmla="*/ 0 h 381594"/>
+                  <a:gd name="connsiteX4" fmla="*/ 98451 w 98450"/>
+                  <a:gd name="connsiteY4" fmla="*/ 49225 h 381594"/>
+                  <a:gd name="connsiteX5" fmla="*/ 98451 w 98450"/>
+                  <a:gd name="connsiteY5" fmla="*/ 332369 h 381594"/>
+                  <a:gd name="connsiteX6" fmla="*/ 49225 w 98450"/>
+                  <a:gd name="connsiteY6" fmla="*/ 381595 h 381594"/>
+                </a:gdLst>
+                <a:ahLst/>
+                <a:cxnLst>
+                  <a:cxn ang="0">
+                    <a:pos x="connsiteX0" y="connsiteY0"/>
+                  </a:cxn>
+                  <a:cxn ang="0">
+                    <a:pos x="connsiteX1" y="connsiteY1"/>
+                  </a:cxn>
+                  <a:cxn ang="0">
+                    <a:pos x="connsiteX2" y="connsiteY2"/>
+                  </a:cxn>
+                  <a:cxn ang="0">
+                    <a:pos x="connsiteX3" y="connsiteY3"/>
+                  </a:cxn>
+                  <a:cxn ang="0">
+                    <a:pos x="connsiteX4" y="connsiteY4"/>
+                  </a:cxn>
+                  <a:cxn ang="0">
+                    <a:pos x="connsiteX5" y="connsiteY5"/>
+                  </a:cxn>
+                  <a:cxn ang="0">
+                    <a:pos x="connsiteX6" y="connsiteY6"/>
+                  </a:cxn>
+                </a:cxnLst>
+                <a:rect l="l" t="t" r="r" b="b"/>
+                <a:pathLst>
+                  <a:path w="98450" h="381594">
+                    <a:moveTo>
+                      <a:pt x="49225" y="381595"/>
+                    </a:moveTo>
+                    <a:cubicBezTo>
+                      <a:pt x="22053" y="381595"/>
+                      <a:pt x="0" y="359542"/>
+                      <a:pt x="0" y="332369"/>
+                    </a:cubicBezTo>
+                    <a:lnTo>
+                      <a:pt x="0" y="49225"/>
+                    </a:lnTo>
+                    <a:cubicBezTo>
+                      <a:pt x="0" y="22053"/>
+                      <a:pt x="22053" y="0"/>
+                      <a:pt x="49225" y="0"/>
+                    </a:cubicBezTo>
+                    <a:cubicBezTo>
+                      <a:pt x="76398" y="0"/>
+                      <a:pt x="98451" y="22053"/>
+                      <a:pt x="98451" y="49225"/>
+                    </a:cubicBezTo>
+                    <a:lnTo>
+                      <a:pt x="98451" y="332369"/>
+                    </a:lnTo>
+                    <a:cubicBezTo>
+                      <a:pt x="98451" y="359542"/>
+                      <a:pt x="76398" y="381595"/>
+                      <a:pt x="49225" y="381595"/>
+                    </a:cubicBezTo>
+                    <a:close/>
+                  </a:path>
+                </a:pathLst>
+              </a:custGeom>
+              <a:grpFill/>
+              <a:ln w="39329" cap="flat">
+                <a:noFill/>
+                <a:prstDash val="solid"/>
+                <a:miter/>
+              </a:ln>
+            </p:spPr>
+            <p:txBody>
+              <a:bodyPr rtlCol="0" anchor="ctr"/>
+              <a:lstStyle/>
+              <a:p>
+                <a:endParaRPr lang="en-US"/>
+              </a:p>
+            </p:txBody>
+          </p:sp>
+        </p:grpSp>
+        <p:sp>
+          <p:nvSpPr>
+            <p:cNvPr id="38" name="Freeform: Shape 54">
+              <a:extLst>
+                <a:ext uri="{FF2B5EF4-FFF2-40B4-BE49-F238E27FC236}">
+                  <a16:creationId xmlns:a16="http://schemas.microsoft.com/office/drawing/2014/main" id="{B8C525D8-7CE1-FC8D-7A81-40589AE458C1}"/>
+                </a:ext>
+              </a:extLst>
+            </p:cNvPr>
+            <p:cNvSpPr/>
+            <p:nvPr/>
+          </p:nvSpPr>
+          <p:spPr>
+            <a:xfrm>
+              <a:off x="5653087" y="382638"/>
+              <a:ext cx="1739819" cy="3445771"/>
+            </a:xfrm>
+            <a:custGeom>
+              <a:avLst/>
+              <a:gdLst>
+                <a:gd name="connsiteX0" fmla="*/ 1342079 w 1739819"/>
+                <a:gd name="connsiteY0" fmla="*/ 3445772 h 3445771"/>
+                <a:gd name="connsiteX1" fmla="*/ 962847 w 1739819"/>
+                <a:gd name="connsiteY1" fmla="*/ 3169323 h 3445771"/>
+                <a:gd name="connsiteX2" fmla="*/ 346940 w 1739819"/>
+                <a:gd name="connsiteY2" fmla="*/ 2519155 h 3445771"/>
+                <a:gd name="connsiteX3" fmla="*/ 352059 w 1739819"/>
+                <a:gd name="connsiteY3" fmla="*/ 2442363 h 3445771"/>
+                <a:gd name="connsiteX4" fmla="*/ 0 w 1739819"/>
+                <a:gd name="connsiteY4" fmla="*/ 1794164 h 3445771"/>
+                <a:gd name="connsiteX5" fmla="*/ 128380 w 1739819"/>
+                <a:gd name="connsiteY5" fmla="*/ 1368070 h 3445771"/>
+                <a:gd name="connsiteX6" fmla="*/ 101995 w 1739819"/>
+                <a:gd name="connsiteY6" fmla="*/ 1168806 h 3445771"/>
+                <a:gd name="connsiteX7" fmla="*/ 690336 w 1739819"/>
+                <a:gd name="connsiteY7" fmla="*/ 417431 h 3445771"/>
+                <a:gd name="connsiteX8" fmla="*/ 1052240 w 1739819"/>
+                <a:gd name="connsiteY8" fmla="*/ 184300 h 3445771"/>
+                <a:gd name="connsiteX9" fmla="*/ 1086107 w 1739819"/>
+                <a:gd name="connsiteY9" fmla="*/ 185875 h 3445771"/>
+                <a:gd name="connsiteX10" fmla="*/ 1460613 w 1739819"/>
+                <a:gd name="connsiteY10" fmla="*/ 0 h 3445771"/>
+                <a:gd name="connsiteX11" fmla="*/ 1717766 w 1739819"/>
+                <a:gd name="connsiteY11" fmla="*/ 76791 h 3445771"/>
+                <a:gd name="connsiteX12" fmla="*/ 1739819 w 1739819"/>
+                <a:gd name="connsiteY12" fmla="*/ 117747 h 3445771"/>
+                <a:gd name="connsiteX13" fmla="*/ 1739819 w 1739819"/>
+                <a:gd name="connsiteY13" fmla="*/ 3163809 h 3445771"/>
+                <a:gd name="connsiteX14" fmla="*/ 1737850 w 1739819"/>
+                <a:gd name="connsiteY14" fmla="*/ 3177593 h 3445771"/>
+                <a:gd name="connsiteX15" fmla="*/ 1342079 w 1739819"/>
+                <a:gd name="connsiteY15" fmla="*/ 3445772 h 3445771"/>
+                <a:gd name="connsiteX16" fmla="*/ 1052634 w 1739819"/>
+                <a:gd name="connsiteY16" fmla="*/ 283144 h 3445771"/>
+                <a:gd name="connsiteX17" fmla="*/ 772247 w 1739819"/>
+                <a:gd name="connsiteY17" fmla="*/ 477682 h 3445771"/>
+                <a:gd name="connsiteX18" fmla="*/ 736411 w 1739819"/>
+                <a:gd name="connsiteY18" fmla="*/ 508399 h 3445771"/>
+                <a:gd name="connsiteX19" fmla="*/ 200445 w 1739819"/>
+                <a:gd name="connsiteY19" fmla="*/ 1169200 h 3445771"/>
+                <a:gd name="connsiteX20" fmla="*/ 228799 w 1739819"/>
+                <a:gd name="connsiteY20" fmla="*/ 1362951 h 3445771"/>
+                <a:gd name="connsiteX21" fmla="*/ 221711 w 1739819"/>
+                <a:gd name="connsiteY21" fmla="*/ 1405481 h 3445771"/>
+                <a:gd name="connsiteX22" fmla="*/ 98451 w 1739819"/>
+                <a:gd name="connsiteY22" fmla="*/ 1794164 h 3445771"/>
+                <a:gd name="connsiteX23" fmla="*/ 430426 w 1739819"/>
+                <a:gd name="connsiteY23" fmla="*/ 2375023 h 3445771"/>
+                <a:gd name="connsiteX24" fmla="*/ 454054 w 1739819"/>
+                <a:gd name="connsiteY24" fmla="*/ 2425430 h 3445771"/>
+                <a:gd name="connsiteX25" fmla="*/ 445391 w 1739819"/>
+                <a:gd name="connsiteY25" fmla="*/ 2518761 h 3445771"/>
+                <a:gd name="connsiteX26" fmla="*/ 998289 w 1739819"/>
+                <a:gd name="connsiteY26" fmla="*/ 3071660 h 3445771"/>
+                <a:gd name="connsiteX27" fmla="*/ 1049090 w 1739819"/>
+                <a:gd name="connsiteY27" fmla="*/ 3110252 h 3445771"/>
+                <a:gd name="connsiteX28" fmla="*/ 1342079 w 1739819"/>
+                <a:gd name="connsiteY28" fmla="*/ 3346927 h 3445771"/>
+                <a:gd name="connsiteX29" fmla="*/ 1641763 w 1739819"/>
+                <a:gd name="connsiteY29" fmla="*/ 3156327 h 3445771"/>
+                <a:gd name="connsiteX30" fmla="*/ 1641763 w 1739819"/>
+                <a:gd name="connsiteY30" fmla="*/ 145707 h 3445771"/>
+                <a:gd name="connsiteX31" fmla="*/ 1460613 w 1739819"/>
+                <a:gd name="connsiteY31" fmla="*/ 98451 h 3445771"/>
+                <a:gd name="connsiteX32" fmla="*/ 1150297 w 1739819"/>
+                <a:gd name="connsiteY32" fmla="*/ 266211 h 3445771"/>
+                <a:gd name="connsiteX33" fmla="*/ 1101072 w 1739819"/>
+                <a:gd name="connsiteY33" fmla="*/ 287870 h 3445771"/>
+                <a:gd name="connsiteX34" fmla="*/ 1052634 w 1739819"/>
+                <a:gd name="connsiteY34" fmla="*/ 283144 h 3445771"/>
+              </a:gdLst>
+              <a:ahLst/>
+              <a:cxnLst>
+                <a:cxn ang="0">
+                  <a:pos x="connsiteX0" y="connsiteY0"/>
+                </a:cxn>
+                <a:cxn ang="0">
+                  <a:pos x="connsiteX1" y="connsiteY1"/>
+                </a:cxn>
+                <a:cxn ang="0">
+                  <a:pos x="connsiteX2" y="connsiteY2"/>
+                </a:cxn>
+                <a:cxn ang="0">
+                  <a:pos x="connsiteX3" y="connsiteY3"/>
+                </a:cxn>
+                <a:cxn ang="0">
+                  <a:pos x="connsiteX4" y="connsiteY4"/>
+                </a:cxn>
+                <a:cxn ang="0">
+                  <a:pos x="connsiteX5" y="connsiteY5"/>
+                </a:cxn>
+                <a:cxn ang="0">
+                  <a:pos x="connsiteX6" y="connsiteY6"/>
+                </a:cxn>
+                <a:cxn ang="0">
+                  <a:pos x="connsiteX7" y="connsiteY7"/>
+                </a:cxn>
+                <a:cxn ang="0">
+                  <a:pos x="connsiteX8" y="connsiteY8"/>
+                </a:cxn>
+                <a:cxn ang="0">
+                  <a:pos x="connsiteX9" y="connsiteY9"/>
+                </a:cxn>
+                <a:cxn ang="0">
+                  <a:pos x="connsiteX10" y="connsiteY10"/>
+                </a:cxn>
+                <a:cxn ang="0">
+                  <a:pos x="connsiteX11" y="connsiteY11"/>
+                </a:cxn>
+                <a:cxn ang="0">
+                  <a:pos x="connsiteX12" y="connsiteY12"/>
+                </a:cxn>
+                <a:cxn ang="0">
+                  <a:pos x="connsiteX13" y="connsiteY13"/>
+                </a:cxn>
+                <a:cxn ang="0">
+                  <a:pos x="connsiteX14" y="connsiteY14"/>
+                </a:cxn>
+                <a:cxn ang="0">
+                  <a:pos x="connsiteX15" y="connsiteY15"/>
+                </a:cxn>
+                <a:cxn ang="0">
+                  <a:pos x="connsiteX16" y="connsiteY16"/>
+                </a:cxn>
+                <a:cxn ang="0">
+                  <a:pos x="connsiteX17" y="connsiteY17"/>
+                </a:cxn>
+                <a:cxn ang="0">
+                  <a:pos x="connsiteX18" y="connsiteY18"/>
+                </a:cxn>
+                <a:cxn ang="0">
+                  <a:pos x="connsiteX19" y="connsiteY19"/>
+                </a:cxn>
+                <a:cxn ang="0">
+                  <a:pos x="connsiteX20" y="connsiteY20"/>
+                </a:cxn>
+                <a:cxn ang="0">
+                  <a:pos x="connsiteX21" y="connsiteY21"/>
+                </a:cxn>
+                <a:cxn ang="0">
+                  <a:pos x="connsiteX22" y="connsiteY22"/>
+                </a:cxn>
+                <a:cxn ang="0">
+                  <a:pos x="connsiteX23" y="connsiteY23"/>
+                </a:cxn>
+                <a:cxn ang="0">
+                  <a:pos x="connsiteX24" y="connsiteY24"/>
+                </a:cxn>
+                <a:cxn ang="0">
+                  <a:pos x="connsiteX25" y="connsiteY25"/>
+                </a:cxn>
+                <a:cxn ang="0">
+                  <a:pos x="connsiteX26" y="connsiteY26"/>
+                </a:cxn>
+                <a:cxn ang="0">
+                  <a:pos x="connsiteX27" y="connsiteY27"/>
+                </a:cxn>
+                <a:cxn ang="0">
+                  <a:pos x="connsiteX28" y="connsiteY28"/>
+                </a:cxn>
+                <a:cxn ang="0">
+                  <a:pos x="connsiteX29" y="connsiteY29"/>
+                </a:cxn>
+                <a:cxn ang="0">
+                  <a:pos x="connsiteX30" y="connsiteY30"/>
+                </a:cxn>
+                <a:cxn ang="0">
+                  <a:pos x="connsiteX31" y="connsiteY31"/>
+                </a:cxn>
+                <a:cxn ang="0">
+                  <a:pos x="connsiteX32" y="connsiteY32"/>
+                </a:cxn>
+                <a:cxn ang="0">
+                  <a:pos x="connsiteX33" y="connsiteY33"/>
+                </a:cxn>
+                <a:cxn ang="0">
+                  <a:pos x="connsiteX34" y="connsiteY34"/>
+                </a:cxn>
+              </a:cxnLst>
+              <a:rect l="l" t="t" r="r" b="b"/>
+              <a:pathLst>
+                <a:path w="1739819" h="3445771">
+                  <a:moveTo>
+                    <a:pt x="1342079" y="3445772"/>
+                  </a:moveTo>
+                  <a:cubicBezTo>
+                    <a:pt x="1168806" y="3445772"/>
+                    <a:pt x="1015223" y="3331569"/>
+                    <a:pt x="962847" y="3169323"/>
+                  </a:cubicBezTo>
+                  <a:cubicBezTo>
+                    <a:pt x="619058" y="3149633"/>
+                    <a:pt x="346940" y="2865701"/>
+                    <a:pt x="346940" y="2519155"/>
+                  </a:cubicBezTo>
+                  <a:cubicBezTo>
+                    <a:pt x="346940" y="2494345"/>
+                    <a:pt x="348515" y="2469142"/>
+                    <a:pt x="352059" y="2442363"/>
+                  </a:cubicBezTo>
+                  <a:cubicBezTo>
+                    <a:pt x="134287" y="2300201"/>
+                    <a:pt x="0" y="2054862"/>
+                    <a:pt x="0" y="1794164"/>
+                  </a:cubicBezTo>
+                  <a:cubicBezTo>
+                    <a:pt x="0" y="1641763"/>
+                    <a:pt x="44500" y="1495268"/>
+                    <a:pt x="128380" y="1368070"/>
+                  </a:cubicBezTo>
+                  <a:cubicBezTo>
+                    <a:pt x="111052" y="1302699"/>
+                    <a:pt x="101995" y="1236146"/>
+                    <a:pt x="101995" y="1168806"/>
+                  </a:cubicBezTo>
+                  <a:cubicBezTo>
+                    <a:pt x="101995" y="813596"/>
+                    <a:pt x="348121" y="501704"/>
+                    <a:pt x="690336" y="417431"/>
+                  </a:cubicBezTo>
+                  <a:cubicBezTo>
+                    <a:pt x="754526" y="276843"/>
+                    <a:pt x="896688" y="184300"/>
+                    <a:pt x="1052240" y="184300"/>
+                  </a:cubicBezTo>
+                  <a:cubicBezTo>
+                    <a:pt x="1063267" y="184300"/>
+                    <a:pt x="1074293" y="184693"/>
+                    <a:pt x="1086107" y="185875"/>
+                  </a:cubicBezTo>
+                  <a:cubicBezTo>
+                    <a:pt x="1175107" y="68915"/>
+                    <a:pt x="1312938" y="0"/>
+                    <a:pt x="1460613" y="0"/>
+                  </a:cubicBezTo>
+                  <a:cubicBezTo>
+                    <a:pt x="1552369" y="0"/>
+                    <a:pt x="1640975" y="26779"/>
+                    <a:pt x="1717766" y="76791"/>
+                  </a:cubicBezTo>
+                  <a:cubicBezTo>
+                    <a:pt x="1731550" y="85849"/>
+                    <a:pt x="1739819" y="101207"/>
+                    <a:pt x="1739819" y="117747"/>
+                  </a:cubicBezTo>
+                  <a:lnTo>
+                    <a:pt x="1739819" y="3163809"/>
+                  </a:lnTo>
+                  <a:cubicBezTo>
+                    <a:pt x="1739819" y="3168535"/>
+                    <a:pt x="1739032" y="3173261"/>
+                    <a:pt x="1737850" y="3177593"/>
+                  </a:cubicBezTo>
+                  <a:cubicBezTo>
+                    <a:pt x="1690988" y="3338264"/>
+                    <a:pt x="1531498" y="3445772"/>
+                    <a:pt x="1342079" y="3445772"/>
+                  </a:cubicBezTo>
+                  <a:close/>
+                  <a:moveTo>
+                    <a:pt x="1052634" y="283144"/>
+                  </a:moveTo>
+                  <a:cubicBezTo>
+                    <a:pt x="928586" y="283144"/>
+                    <a:pt x="815959" y="361117"/>
+                    <a:pt x="772247" y="477682"/>
+                  </a:cubicBezTo>
+                  <a:cubicBezTo>
+                    <a:pt x="766340" y="493435"/>
+                    <a:pt x="752950" y="505249"/>
+                    <a:pt x="736411" y="508399"/>
+                  </a:cubicBezTo>
+                  <a:cubicBezTo>
+                    <a:pt x="426094" y="573770"/>
+                    <a:pt x="200445" y="851401"/>
+                    <a:pt x="200445" y="1169200"/>
+                  </a:cubicBezTo>
+                  <a:cubicBezTo>
+                    <a:pt x="200445" y="1234571"/>
+                    <a:pt x="209897" y="1299548"/>
+                    <a:pt x="228799" y="1362951"/>
+                  </a:cubicBezTo>
+                  <a:cubicBezTo>
+                    <a:pt x="233131" y="1377521"/>
+                    <a:pt x="230374" y="1393273"/>
+                    <a:pt x="221711" y="1405481"/>
+                  </a:cubicBezTo>
+                  <a:cubicBezTo>
+                    <a:pt x="141375" y="1520078"/>
+                    <a:pt x="98451" y="1654364"/>
+                    <a:pt x="98451" y="1794164"/>
+                  </a:cubicBezTo>
+                  <a:cubicBezTo>
+                    <a:pt x="98451" y="2031233"/>
+                    <a:pt x="225649" y="2253732"/>
+                    <a:pt x="430426" y="2375023"/>
+                  </a:cubicBezTo>
+                  <a:cubicBezTo>
+                    <a:pt x="448147" y="2385262"/>
+                    <a:pt x="457205" y="2405346"/>
+                    <a:pt x="454054" y="2425430"/>
+                  </a:cubicBezTo>
+                  <a:cubicBezTo>
+                    <a:pt x="448147" y="2458903"/>
+                    <a:pt x="445391" y="2489620"/>
+                    <a:pt x="445391" y="2518761"/>
+                  </a:cubicBezTo>
+                  <a:cubicBezTo>
+                    <a:pt x="445391" y="2823564"/>
+                    <a:pt x="693486" y="3071660"/>
+                    <a:pt x="998289" y="3071660"/>
+                  </a:cubicBezTo>
+                  <a:cubicBezTo>
+                    <a:pt x="1021524" y="3071660"/>
+                    <a:pt x="1043970" y="3087806"/>
+                    <a:pt x="1049090" y="3110252"/>
+                  </a:cubicBezTo>
+                  <a:cubicBezTo>
+                    <a:pt x="1078625" y="3247296"/>
+                    <a:pt x="1201491" y="3346927"/>
+                    <a:pt x="1342079" y="3346927"/>
+                  </a:cubicBezTo>
+                  <a:cubicBezTo>
+                    <a:pt x="1482666" y="3346927"/>
+                    <a:pt x="1604745" y="3268955"/>
+                    <a:pt x="1641763" y="3156327"/>
+                  </a:cubicBezTo>
+                  <a:lnTo>
+                    <a:pt x="1641763" y="145707"/>
+                  </a:lnTo>
+                  <a:cubicBezTo>
+                    <a:pt x="1586630" y="114597"/>
+                    <a:pt x="1524409" y="98451"/>
+                    <a:pt x="1460613" y="98451"/>
+                  </a:cubicBezTo>
+                  <a:cubicBezTo>
+                    <a:pt x="1335384" y="98451"/>
+                    <a:pt x="1219606" y="161065"/>
+                    <a:pt x="1150297" y="266211"/>
+                  </a:cubicBezTo>
+                  <a:cubicBezTo>
+                    <a:pt x="1139664" y="282356"/>
+                    <a:pt x="1120368" y="290626"/>
+                    <a:pt x="1101072" y="287870"/>
+                  </a:cubicBezTo>
+                  <a:cubicBezTo>
+                    <a:pt x="1083351" y="284719"/>
+                    <a:pt x="1067599" y="283144"/>
+                    <a:pt x="1052634" y="283144"/>
+                  </a:cubicBezTo>
+                  <a:close/>
+                </a:path>
+              </a:pathLst>
+            </a:custGeom>
+            <a:grpFill/>
+            <a:ln w="39329" cap="flat">
+              <a:noFill/>
+              <a:prstDash val="solid"/>
+              <a:miter/>
+            </a:ln>
+          </p:spPr>
+          <p:txBody>
+            <a:bodyPr rtlCol="0" anchor="ctr"/>
+            <a:lstStyle/>
+            <a:p>
+              <a:endParaRPr lang="en-US"/>
+            </a:p>
+          </p:txBody>
+        </p:sp>
+      </p:grpSp>
     </p:spTree>
     <p:extLst>
       <p:ext uri="{BB962C8B-B14F-4D97-AF65-F5344CB8AC3E}">
-        <p14:creationId xmlns:p14="http://schemas.microsoft.com/office/powerpoint/2010/main" val="3623124635"/>
+        <p14:creationId xmlns:p14="http://schemas.microsoft.com/office/powerpoint/2010/main" val="1216456814"/>
       </p:ext>
     </p:extLst>
   </p:cSld>
@@ -30995,7 +39105,7 @@
         <p:spPr>
           <a:xfrm>
             <a:off x="340468" y="583660"/>
-            <a:ext cx="3636252" cy="369332"/>
+            <a:ext cx="4628190" cy="646331"/>
           </a:xfrm>
           <a:prstGeom prst="rect">
             <a:avLst/>
@@ -31011,6 +39121,12 @@
             <a:r>
               <a:rPr lang="en-IN" dirty="0"/>
               <a:t>Kindly adjust with the image quality!</a:t>
+            </a:r>
+          </a:p>
+          <a:p>
+            <a:r>
+              <a:rPr lang="en-IN" dirty="0"/>
+              <a:t>Zoomed in version is available on next slide.</a:t>
             </a:r>
           </a:p>
         </p:txBody>
@@ -31153,7 +39269,7 @@
         <p:spPr>
           <a:xfrm>
             <a:off x="700391" y="3429000"/>
-            <a:ext cx="1104790" cy="369332"/>
+            <a:ext cx="4245073" cy="369332"/>
           </a:xfrm>
           <a:prstGeom prst="rect">
             <a:avLst/>
@@ -31168,7 +39284,7 @@
           <a:p>
             <a:r>
               <a:rPr lang="en-IN" b="1" dirty="0"/>
-              <a:t>Output 1:</a:t>
+              <a:t>Output 1 – Bounded Boxes for symbols</a:t>
             </a:r>
           </a:p>
         </p:txBody>
@@ -31226,7 +39342,7 @@
           <a:p>
             <a:r>
               <a:rPr lang="en-IN" dirty="0"/>
-              <a:t>Output 2:</a:t>
+              <a:t>Output 2 &amp; 3 – Symbol Name, Symbol Locations</a:t>
             </a:r>
           </a:p>
         </p:txBody>
